--- a/Nhap_Mon_CNPM/Thuyet_Trinh/101823.Vuong_Chi_Son.Quan_Ly_Ma_Nguon_Tai_Google.pptx
+++ b/Nhap_Mon_CNPM/Thuyet_Trinh/101823.Vuong_Chi_Son.Quan_Ly_Ma_Nguon_Tai_Google.pptx
@@ -6,15 +6,22 @@
   </p:sldMasterIdLst>
   <p:sldIdLst>
     <p:sldId id="256" r:id="rId2"/>
-    <p:sldId id="261" r:id="rId3"/>
-    <p:sldId id="258" r:id="rId4"/>
-    <p:sldId id="257" r:id="rId5"/>
-    <p:sldId id="259" r:id="rId6"/>
-    <p:sldId id="260" r:id="rId7"/>
-    <p:sldId id="264" r:id="rId8"/>
-    <p:sldId id="262" r:id="rId9"/>
-    <p:sldId id="265" r:id="rId10"/>
-    <p:sldId id="266" r:id="rId11"/>
+    <p:sldId id="267" r:id="rId3"/>
+    <p:sldId id="261" r:id="rId4"/>
+    <p:sldId id="258" r:id="rId5"/>
+    <p:sldId id="270" r:id="rId6"/>
+    <p:sldId id="271" r:id="rId7"/>
+    <p:sldId id="257" r:id="rId8"/>
+    <p:sldId id="259" r:id="rId9"/>
+    <p:sldId id="260" r:id="rId10"/>
+    <p:sldId id="262" r:id="rId11"/>
+    <p:sldId id="273" r:id="rId12"/>
+    <p:sldId id="268" r:id="rId13"/>
+    <p:sldId id="272" r:id="rId14"/>
+    <p:sldId id="265" r:id="rId15"/>
+    <p:sldId id="264" r:id="rId16"/>
+    <p:sldId id="266" r:id="rId17"/>
+    <p:sldId id="269" r:id="rId18"/>
   </p:sldIdLst>
   <p:sldSz cx="9144000" cy="6858000" type="screen4x3"/>
   <p:notesSz cx="6858000" cy="9144000"/>
@@ -113,6 +120,11 @@
       </a:defRPr>
     </a:lvl9pPr>
   </p:defaultTextStyle>
+  <p:extLst>
+    <p:ext uri="{EFAFB233-063F-42B5-8137-9DF3F51BA10A}">
+      <p15:sldGuideLst xmlns:p15="http://schemas.microsoft.com/office/powerpoint/2012/main"/>
+    </p:ext>
+  </p:extLst>
 </p:presentation>
 </file>
 
@@ -144,16 +156,16 @@
         <a:lstStyle/>
         <a:p>
           <a:pPr>
-            <a:defRPr sz="2128" b="1" i="0" u="none" strike="noStrike" kern="1200" baseline="0">
+            <a:defRPr sz="2128" b="0" i="0" u="none" strike="noStrike" kern="1200" baseline="0">
               <a:solidFill>
                 <a:schemeClr val="tx1">
                   <a:lumMod val="65000"/>
                   <a:lumOff val="35000"/>
                 </a:schemeClr>
               </a:solidFill>
-              <a:latin typeface="+mn-lt"/>
-              <a:ea typeface="+mn-ea"/>
-              <a:cs typeface="+mn-cs"/>
+              <a:latin typeface="Segoe UI" panose="020B0502040204020203" pitchFamily="34" charset="0"/>
+              <a:ea typeface="Segoe UI Black" panose="020B0A02040204020203" pitchFamily="34" charset="0"/>
+              <a:cs typeface="Segoe UI" panose="020B0502040204020203" pitchFamily="34" charset="0"/>
             </a:defRPr>
           </a:pPr>
           <a:endParaRPr lang="en-US"/>
@@ -261,9 +273,9 @@
                         <a:lumOff val="25000"/>
                       </a:schemeClr>
                     </a:solidFill>
-                    <a:latin typeface="+mn-lt"/>
+                    <a:latin typeface="Segoe UI" panose="020B0502040204020203" pitchFamily="34" charset="0"/>
                     <a:ea typeface="+mn-ea"/>
-                    <a:cs typeface="+mn-cs"/>
+                    <a:cs typeface="Segoe UI" panose="020B0502040204020203" pitchFamily="34" charset="0"/>
                   </a:defRPr>
                 </a:pPr>
                 <a:endParaRPr lang="en-US"/>
@@ -299,9 +311,9 @@
           </c:dLbls>
           <c:cat>
             <c:strRef>
-              <c:f>Sheet1!$A$2:$A$7</c:f>
+              <c:f>Sheet1!$A$2:$A$9</c:f>
               <c:strCache>
-                <c:ptCount val="6"/>
+                <c:ptCount val="8"/>
                 <c:pt idx="0">
                   <c:v>UNIX 1.0</c:v>
                 </c:pt>
@@ -312,12 +324,18 @@
                   <c:v>Trình duyệt Firefox</c:v>
                 </c:pt>
                 <c:pt idx="3">
+                  <c:v>Linux 3.1</c:v>
+                </c:pt>
+                <c:pt idx="4">
                   <c:v>Windows 7</c:v>
                 </c:pt>
-                <c:pt idx="4">
+                <c:pt idx="5">
+                  <c:v>Visual Studio 2012</c:v>
+                </c:pt>
+                <c:pt idx="6">
                   <c:v>Facebook</c:v>
                 </c:pt>
-                <c:pt idx="5">
+                <c:pt idx="7">
                   <c:v>Google</c:v>
                 </c:pt>
               </c:strCache>
@@ -325,10 +343,10 @@
           </c:cat>
           <c:val>
             <c:numRef>
-              <c:f>Sheet1!$B$2:$B$7</c:f>
+              <c:f>Sheet1!$B$2:$B$9</c:f>
               <c:numCache>
                 <c:formatCode>General</c:formatCode>
-                <c:ptCount val="6"/>
+                <c:ptCount val="8"/>
                 <c:pt idx="0">
                   <c:v>10000</c:v>
                 </c:pt>
@@ -339,12 +357,18 @@
                   <c:v>990000</c:v>
                 </c:pt>
                 <c:pt idx="3">
+                  <c:v>14500000</c:v>
+                </c:pt>
+                <c:pt idx="4">
                   <c:v>39300000</c:v>
                 </c:pt>
-                <c:pt idx="4">
+                <c:pt idx="5">
+                  <c:v>50000000</c:v>
+                </c:pt>
+                <c:pt idx="6">
                   <c:v>61000000</c:v>
                 </c:pt>
-                <c:pt idx="5">
+                <c:pt idx="7">
                   <c:v>2000000000</c:v>
                 </c:pt>
               </c:numCache>
@@ -406,9 +430,9 @@
                     <a:lumOff val="35000"/>
                   </a:schemeClr>
                 </a:solidFill>
-                <a:latin typeface="+mn-lt"/>
+                <a:latin typeface="Segoe UI" panose="020B0502040204020203" pitchFamily="34" charset="0"/>
                 <a:ea typeface="+mn-ea"/>
-                <a:cs typeface="+mn-cs"/>
+                <a:cs typeface="Segoe UI" panose="020B0502040204020203" pitchFamily="34" charset="0"/>
               </a:defRPr>
             </a:pPr>
             <a:endParaRPr lang="en-US"/>
@@ -1034,6 +1058,2873 @@
 </cs:chartStyle>
 </file>
 
+<file path=ppt/diagrams/colors1.xml><?xml version="1.0" encoding="utf-8"?>
+<dgm:colorsDef xmlns:dgm="http://schemas.openxmlformats.org/drawingml/2006/diagram" xmlns:a="http://schemas.openxmlformats.org/drawingml/2006/main" uniqueId="urn:microsoft.com/office/officeart/2005/8/colors/accent1_2">
+  <dgm:title val=""/>
+  <dgm:desc val=""/>
+  <dgm:catLst>
+    <dgm:cat type="accent1" pri="11200"/>
+  </dgm:catLst>
+  <dgm:styleLbl name="node0">
+    <dgm:fillClrLst meth="repeat">
+      <a:schemeClr val="accent1"/>
+    </dgm:fillClrLst>
+    <dgm:linClrLst meth="repeat">
+      <a:schemeClr val="lt1"/>
+    </dgm:linClrLst>
+    <dgm:effectClrLst/>
+    <dgm:txLinClrLst/>
+    <dgm:txFillClrLst/>
+    <dgm:txEffectClrLst/>
+  </dgm:styleLbl>
+  <dgm:styleLbl name="alignNode1">
+    <dgm:fillClrLst meth="repeat">
+      <a:schemeClr val="accent1"/>
+    </dgm:fillClrLst>
+    <dgm:linClrLst meth="repeat">
+      <a:schemeClr val="accent1"/>
+    </dgm:linClrLst>
+    <dgm:effectClrLst/>
+    <dgm:txLinClrLst/>
+    <dgm:txFillClrLst/>
+    <dgm:txEffectClrLst/>
+  </dgm:styleLbl>
+  <dgm:styleLbl name="node1">
+    <dgm:fillClrLst meth="repeat">
+      <a:schemeClr val="accent1"/>
+    </dgm:fillClrLst>
+    <dgm:linClrLst meth="repeat">
+      <a:schemeClr val="lt1"/>
+    </dgm:linClrLst>
+    <dgm:effectClrLst/>
+    <dgm:txLinClrLst/>
+    <dgm:txFillClrLst/>
+    <dgm:txEffectClrLst/>
+  </dgm:styleLbl>
+  <dgm:styleLbl name="lnNode1">
+    <dgm:fillClrLst meth="repeat">
+      <a:schemeClr val="accent1"/>
+    </dgm:fillClrLst>
+    <dgm:linClrLst meth="repeat">
+      <a:schemeClr val="lt1"/>
+    </dgm:linClrLst>
+    <dgm:effectClrLst/>
+    <dgm:txLinClrLst/>
+    <dgm:txFillClrLst/>
+    <dgm:txEffectClrLst/>
+  </dgm:styleLbl>
+  <dgm:styleLbl name="vennNode1">
+    <dgm:fillClrLst meth="repeat">
+      <a:schemeClr val="accent1">
+        <a:alpha val="50000"/>
+      </a:schemeClr>
+    </dgm:fillClrLst>
+    <dgm:linClrLst meth="repeat">
+      <a:schemeClr val="lt1"/>
+    </dgm:linClrLst>
+    <dgm:effectClrLst/>
+    <dgm:txLinClrLst/>
+    <dgm:txFillClrLst/>
+    <dgm:txEffectClrLst/>
+  </dgm:styleLbl>
+  <dgm:styleLbl name="node2">
+    <dgm:fillClrLst meth="repeat">
+      <a:schemeClr val="accent1"/>
+    </dgm:fillClrLst>
+    <dgm:linClrLst meth="repeat">
+      <a:schemeClr val="lt1"/>
+    </dgm:linClrLst>
+    <dgm:effectClrLst/>
+    <dgm:txLinClrLst/>
+    <dgm:txFillClrLst/>
+    <dgm:txEffectClrLst/>
+  </dgm:styleLbl>
+  <dgm:styleLbl name="node3">
+    <dgm:fillClrLst meth="repeat">
+      <a:schemeClr val="accent1"/>
+    </dgm:fillClrLst>
+    <dgm:linClrLst meth="repeat">
+      <a:schemeClr val="lt1"/>
+    </dgm:linClrLst>
+    <dgm:effectClrLst/>
+    <dgm:txLinClrLst/>
+    <dgm:txFillClrLst/>
+    <dgm:txEffectClrLst/>
+  </dgm:styleLbl>
+  <dgm:styleLbl name="node4">
+    <dgm:fillClrLst meth="repeat">
+      <a:schemeClr val="accent1"/>
+    </dgm:fillClrLst>
+    <dgm:linClrLst meth="repeat">
+      <a:schemeClr val="lt1"/>
+    </dgm:linClrLst>
+    <dgm:effectClrLst/>
+    <dgm:txLinClrLst/>
+    <dgm:txFillClrLst/>
+    <dgm:txEffectClrLst/>
+  </dgm:styleLbl>
+  <dgm:styleLbl name="fgImgPlace1">
+    <dgm:fillClrLst meth="repeat">
+      <a:schemeClr val="accent1">
+        <a:tint val="50000"/>
+      </a:schemeClr>
+    </dgm:fillClrLst>
+    <dgm:linClrLst meth="repeat">
+      <a:schemeClr val="lt1"/>
+    </dgm:linClrLst>
+    <dgm:effectClrLst/>
+    <dgm:txLinClrLst/>
+    <dgm:txFillClrLst meth="repeat">
+      <a:schemeClr val="lt1"/>
+    </dgm:txFillClrLst>
+    <dgm:txEffectClrLst/>
+  </dgm:styleLbl>
+  <dgm:styleLbl name="alignImgPlace1">
+    <dgm:fillClrLst meth="repeat">
+      <a:schemeClr val="accent1">
+        <a:tint val="50000"/>
+      </a:schemeClr>
+    </dgm:fillClrLst>
+    <dgm:linClrLst meth="repeat">
+      <a:schemeClr val="lt1"/>
+    </dgm:linClrLst>
+    <dgm:effectClrLst/>
+    <dgm:txLinClrLst/>
+    <dgm:txFillClrLst meth="repeat">
+      <a:schemeClr val="lt1"/>
+    </dgm:txFillClrLst>
+    <dgm:txEffectClrLst/>
+  </dgm:styleLbl>
+  <dgm:styleLbl name="bgImgPlace1">
+    <dgm:fillClrLst meth="repeat">
+      <a:schemeClr val="accent1">
+        <a:tint val="50000"/>
+      </a:schemeClr>
+    </dgm:fillClrLst>
+    <dgm:linClrLst meth="repeat">
+      <a:schemeClr val="lt1"/>
+    </dgm:linClrLst>
+    <dgm:effectClrLst/>
+    <dgm:txLinClrLst/>
+    <dgm:txFillClrLst meth="repeat">
+      <a:schemeClr val="lt1"/>
+    </dgm:txFillClrLst>
+    <dgm:txEffectClrLst/>
+  </dgm:styleLbl>
+  <dgm:styleLbl name="sibTrans2D1">
+    <dgm:fillClrLst meth="repeat">
+      <a:schemeClr val="accent1">
+        <a:tint val="60000"/>
+      </a:schemeClr>
+    </dgm:fillClrLst>
+    <dgm:linClrLst meth="repeat">
+      <a:schemeClr val="accent1">
+        <a:tint val="60000"/>
+      </a:schemeClr>
+    </dgm:linClrLst>
+    <dgm:effectClrLst/>
+    <dgm:txLinClrLst/>
+    <dgm:txFillClrLst/>
+    <dgm:txEffectClrLst/>
+  </dgm:styleLbl>
+  <dgm:styleLbl name="fgSibTrans2D1">
+    <dgm:fillClrLst meth="repeat">
+      <a:schemeClr val="accent1">
+        <a:tint val="60000"/>
+      </a:schemeClr>
+    </dgm:fillClrLst>
+    <dgm:linClrLst meth="repeat">
+      <a:schemeClr val="accent1">
+        <a:tint val="60000"/>
+      </a:schemeClr>
+    </dgm:linClrLst>
+    <dgm:effectClrLst/>
+    <dgm:txLinClrLst/>
+    <dgm:txFillClrLst/>
+    <dgm:txEffectClrLst/>
+  </dgm:styleLbl>
+  <dgm:styleLbl name="bgSibTrans2D1">
+    <dgm:fillClrLst meth="repeat">
+      <a:schemeClr val="accent1">
+        <a:tint val="60000"/>
+      </a:schemeClr>
+    </dgm:fillClrLst>
+    <dgm:linClrLst meth="repeat">
+      <a:schemeClr val="accent1">
+        <a:tint val="60000"/>
+      </a:schemeClr>
+    </dgm:linClrLst>
+    <dgm:effectClrLst/>
+    <dgm:txLinClrLst/>
+    <dgm:txFillClrLst/>
+    <dgm:txEffectClrLst/>
+  </dgm:styleLbl>
+  <dgm:styleLbl name="sibTrans1D1">
+    <dgm:fillClrLst meth="repeat">
+      <a:schemeClr val="accent1"/>
+    </dgm:fillClrLst>
+    <dgm:linClrLst meth="repeat">
+      <a:schemeClr val="accent1"/>
+    </dgm:linClrLst>
+    <dgm:effectClrLst/>
+    <dgm:txLinClrLst/>
+    <dgm:txFillClrLst meth="repeat">
+      <a:schemeClr val="tx1"/>
+    </dgm:txFillClrLst>
+    <dgm:txEffectClrLst/>
+  </dgm:styleLbl>
+  <dgm:styleLbl name="callout">
+    <dgm:fillClrLst meth="repeat">
+      <a:schemeClr val="accent1"/>
+    </dgm:fillClrLst>
+    <dgm:linClrLst meth="repeat">
+      <a:schemeClr val="accent1">
+        <a:tint val="50000"/>
+      </a:schemeClr>
+    </dgm:linClrLst>
+    <dgm:effectClrLst/>
+    <dgm:txLinClrLst/>
+    <dgm:txFillClrLst meth="repeat">
+      <a:schemeClr val="tx1"/>
+    </dgm:txFillClrLst>
+    <dgm:txEffectClrLst/>
+  </dgm:styleLbl>
+  <dgm:styleLbl name="asst0">
+    <dgm:fillClrLst meth="repeat">
+      <a:schemeClr val="accent1"/>
+    </dgm:fillClrLst>
+    <dgm:linClrLst meth="repeat">
+      <a:schemeClr val="lt1"/>
+    </dgm:linClrLst>
+    <dgm:effectClrLst/>
+    <dgm:txLinClrLst/>
+    <dgm:txFillClrLst/>
+    <dgm:txEffectClrLst/>
+  </dgm:styleLbl>
+  <dgm:styleLbl name="asst1">
+    <dgm:fillClrLst meth="repeat">
+      <a:schemeClr val="accent1"/>
+    </dgm:fillClrLst>
+    <dgm:linClrLst meth="repeat">
+      <a:schemeClr val="lt1"/>
+    </dgm:linClrLst>
+    <dgm:effectClrLst/>
+    <dgm:txLinClrLst/>
+    <dgm:txFillClrLst/>
+    <dgm:txEffectClrLst/>
+  </dgm:styleLbl>
+  <dgm:styleLbl name="asst2">
+    <dgm:fillClrLst meth="repeat">
+      <a:schemeClr val="accent1"/>
+    </dgm:fillClrLst>
+    <dgm:linClrLst meth="repeat">
+      <a:schemeClr val="lt1"/>
+    </dgm:linClrLst>
+    <dgm:effectClrLst/>
+    <dgm:txLinClrLst/>
+    <dgm:txFillClrLst/>
+    <dgm:txEffectClrLst/>
+  </dgm:styleLbl>
+  <dgm:styleLbl name="asst3">
+    <dgm:fillClrLst meth="repeat">
+      <a:schemeClr val="accent1"/>
+    </dgm:fillClrLst>
+    <dgm:linClrLst meth="repeat">
+      <a:schemeClr val="lt1"/>
+    </dgm:linClrLst>
+    <dgm:effectClrLst/>
+    <dgm:txLinClrLst/>
+    <dgm:txFillClrLst/>
+    <dgm:txEffectClrLst/>
+  </dgm:styleLbl>
+  <dgm:styleLbl name="asst4">
+    <dgm:fillClrLst meth="repeat">
+      <a:schemeClr val="accent1"/>
+    </dgm:fillClrLst>
+    <dgm:linClrLst meth="repeat">
+      <a:schemeClr val="lt1"/>
+    </dgm:linClrLst>
+    <dgm:effectClrLst/>
+    <dgm:txLinClrLst/>
+    <dgm:txFillClrLst/>
+    <dgm:txEffectClrLst/>
+  </dgm:styleLbl>
+  <dgm:styleLbl name="parChTrans2D1">
+    <dgm:fillClrLst meth="repeat">
+      <a:schemeClr val="accent1">
+        <a:tint val="60000"/>
+      </a:schemeClr>
+    </dgm:fillClrLst>
+    <dgm:linClrLst meth="repeat">
+      <a:schemeClr val="accent1">
+        <a:tint val="60000"/>
+      </a:schemeClr>
+    </dgm:linClrLst>
+    <dgm:effectClrLst/>
+    <dgm:txLinClrLst/>
+    <dgm:txFillClrLst meth="repeat">
+      <a:schemeClr val="lt1"/>
+    </dgm:txFillClrLst>
+    <dgm:txEffectClrLst/>
+  </dgm:styleLbl>
+  <dgm:styleLbl name="parChTrans2D2">
+    <dgm:fillClrLst meth="repeat">
+      <a:schemeClr val="accent1"/>
+    </dgm:fillClrLst>
+    <dgm:linClrLst meth="repeat">
+      <a:schemeClr val="accent1"/>
+    </dgm:linClrLst>
+    <dgm:effectClrLst/>
+    <dgm:txLinClrLst/>
+    <dgm:txFillClrLst meth="repeat">
+      <a:schemeClr val="lt1"/>
+    </dgm:txFillClrLst>
+    <dgm:txEffectClrLst/>
+  </dgm:styleLbl>
+  <dgm:styleLbl name="parChTrans2D3">
+    <dgm:fillClrLst meth="repeat">
+      <a:schemeClr val="accent1"/>
+    </dgm:fillClrLst>
+    <dgm:linClrLst meth="repeat">
+      <a:schemeClr val="accent1"/>
+    </dgm:linClrLst>
+    <dgm:effectClrLst/>
+    <dgm:txLinClrLst/>
+    <dgm:txFillClrLst meth="repeat">
+      <a:schemeClr val="lt1"/>
+    </dgm:txFillClrLst>
+    <dgm:txEffectClrLst/>
+  </dgm:styleLbl>
+  <dgm:styleLbl name="parChTrans2D4">
+    <dgm:fillClrLst meth="repeat">
+      <a:schemeClr val="accent1"/>
+    </dgm:fillClrLst>
+    <dgm:linClrLst meth="repeat">
+      <a:schemeClr val="accent1"/>
+    </dgm:linClrLst>
+    <dgm:effectClrLst/>
+    <dgm:txLinClrLst/>
+    <dgm:txFillClrLst meth="repeat">
+      <a:schemeClr val="lt1"/>
+    </dgm:txFillClrLst>
+    <dgm:txEffectClrLst/>
+  </dgm:styleLbl>
+  <dgm:styleLbl name="parChTrans1D1">
+    <dgm:fillClrLst meth="repeat">
+      <a:schemeClr val="accent1"/>
+    </dgm:fillClrLst>
+    <dgm:linClrLst meth="repeat">
+      <a:schemeClr val="accent1">
+        <a:shade val="60000"/>
+      </a:schemeClr>
+    </dgm:linClrLst>
+    <dgm:effectClrLst/>
+    <dgm:txLinClrLst/>
+    <dgm:txFillClrLst meth="repeat">
+      <a:schemeClr val="tx1"/>
+    </dgm:txFillClrLst>
+    <dgm:txEffectClrLst/>
+  </dgm:styleLbl>
+  <dgm:styleLbl name="parChTrans1D2">
+    <dgm:fillClrLst meth="repeat">
+      <a:schemeClr val="accent1"/>
+    </dgm:fillClrLst>
+    <dgm:linClrLst meth="repeat">
+      <a:schemeClr val="accent1">
+        <a:shade val="60000"/>
+      </a:schemeClr>
+    </dgm:linClrLst>
+    <dgm:effectClrLst/>
+    <dgm:txLinClrLst/>
+    <dgm:txFillClrLst meth="repeat">
+      <a:schemeClr val="tx1"/>
+    </dgm:txFillClrLst>
+    <dgm:txEffectClrLst/>
+  </dgm:styleLbl>
+  <dgm:styleLbl name="parChTrans1D3">
+    <dgm:fillClrLst meth="repeat">
+      <a:schemeClr val="accent1"/>
+    </dgm:fillClrLst>
+    <dgm:linClrLst meth="repeat">
+      <a:schemeClr val="accent1">
+        <a:shade val="80000"/>
+      </a:schemeClr>
+    </dgm:linClrLst>
+    <dgm:effectClrLst/>
+    <dgm:txLinClrLst/>
+    <dgm:txFillClrLst meth="repeat">
+      <a:schemeClr val="tx1"/>
+    </dgm:txFillClrLst>
+    <dgm:txEffectClrLst/>
+  </dgm:styleLbl>
+  <dgm:styleLbl name="parChTrans1D4">
+    <dgm:fillClrLst meth="repeat">
+      <a:schemeClr val="accent1"/>
+    </dgm:fillClrLst>
+    <dgm:linClrLst meth="repeat">
+      <a:schemeClr val="accent1">
+        <a:shade val="80000"/>
+      </a:schemeClr>
+    </dgm:linClrLst>
+    <dgm:effectClrLst/>
+    <dgm:txLinClrLst/>
+    <dgm:txFillClrLst meth="repeat">
+      <a:schemeClr val="tx1"/>
+    </dgm:txFillClrLst>
+    <dgm:txEffectClrLst/>
+  </dgm:styleLbl>
+  <dgm:styleLbl name="fgAcc1">
+    <dgm:fillClrLst meth="repeat">
+      <a:schemeClr val="lt1">
+        <a:alpha val="90000"/>
+      </a:schemeClr>
+    </dgm:fillClrLst>
+    <dgm:linClrLst meth="repeat">
+      <a:schemeClr val="accent1"/>
+    </dgm:linClrLst>
+    <dgm:effectClrLst/>
+    <dgm:txLinClrLst/>
+    <dgm:txFillClrLst meth="repeat">
+      <a:schemeClr val="dk1"/>
+    </dgm:txFillClrLst>
+    <dgm:txEffectClrLst/>
+  </dgm:styleLbl>
+  <dgm:styleLbl name="conFgAcc1">
+    <dgm:fillClrLst meth="repeat">
+      <a:schemeClr val="lt1">
+        <a:alpha val="90000"/>
+      </a:schemeClr>
+    </dgm:fillClrLst>
+    <dgm:linClrLst meth="repeat">
+      <a:schemeClr val="accent1"/>
+    </dgm:linClrLst>
+    <dgm:effectClrLst/>
+    <dgm:txLinClrLst/>
+    <dgm:txFillClrLst meth="repeat">
+      <a:schemeClr val="dk1"/>
+    </dgm:txFillClrLst>
+    <dgm:txEffectClrLst/>
+  </dgm:styleLbl>
+  <dgm:styleLbl name="alignAcc1">
+    <dgm:fillClrLst meth="repeat">
+      <a:schemeClr val="lt1">
+        <a:alpha val="90000"/>
+      </a:schemeClr>
+    </dgm:fillClrLst>
+    <dgm:linClrLst meth="repeat">
+      <a:schemeClr val="accent1"/>
+    </dgm:linClrLst>
+    <dgm:effectClrLst/>
+    <dgm:txLinClrLst/>
+    <dgm:txFillClrLst meth="repeat">
+      <a:schemeClr val="dk1"/>
+    </dgm:txFillClrLst>
+    <dgm:txEffectClrLst/>
+  </dgm:styleLbl>
+  <dgm:styleLbl name="trAlignAcc1">
+    <dgm:fillClrLst meth="repeat">
+      <a:schemeClr val="lt1">
+        <a:alpha val="40000"/>
+      </a:schemeClr>
+    </dgm:fillClrLst>
+    <dgm:linClrLst meth="repeat">
+      <a:schemeClr val="accent1"/>
+    </dgm:linClrLst>
+    <dgm:effectClrLst/>
+    <dgm:txLinClrLst/>
+    <dgm:txFillClrLst meth="repeat">
+      <a:schemeClr val="dk1"/>
+    </dgm:txFillClrLst>
+    <dgm:txEffectClrLst/>
+  </dgm:styleLbl>
+  <dgm:styleLbl name="bgAcc1">
+    <dgm:fillClrLst meth="repeat">
+      <a:schemeClr val="lt1">
+        <a:alpha val="90000"/>
+      </a:schemeClr>
+    </dgm:fillClrLst>
+    <dgm:linClrLst meth="repeat">
+      <a:schemeClr val="accent1"/>
+    </dgm:linClrLst>
+    <dgm:effectClrLst/>
+    <dgm:txLinClrLst/>
+    <dgm:txFillClrLst meth="repeat">
+      <a:schemeClr val="dk1"/>
+    </dgm:txFillClrLst>
+    <dgm:txEffectClrLst/>
+  </dgm:styleLbl>
+  <dgm:styleLbl name="solidFgAcc1">
+    <dgm:fillClrLst meth="repeat">
+      <a:schemeClr val="lt1"/>
+    </dgm:fillClrLst>
+    <dgm:linClrLst meth="repeat">
+      <a:schemeClr val="accent1"/>
+    </dgm:linClrLst>
+    <dgm:effectClrLst/>
+    <dgm:txLinClrLst/>
+    <dgm:txFillClrLst meth="repeat">
+      <a:schemeClr val="dk1"/>
+    </dgm:txFillClrLst>
+    <dgm:txEffectClrLst/>
+  </dgm:styleLbl>
+  <dgm:styleLbl name="solidAlignAcc1">
+    <dgm:fillClrLst meth="repeat">
+      <a:schemeClr val="lt1"/>
+    </dgm:fillClrLst>
+    <dgm:linClrLst meth="repeat">
+      <a:schemeClr val="accent1"/>
+    </dgm:linClrLst>
+    <dgm:effectClrLst/>
+    <dgm:txLinClrLst/>
+    <dgm:txFillClrLst meth="repeat">
+      <a:schemeClr val="dk1"/>
+    </dgm:txFillClrLst>
+    <dgm:txEffectClrLst/>
+  </dgm:styleLbl>
+  <dgm:styleLbl name="solidBgAcc1">
+    <dgm:fillClrLst meth="repeat">
+      <a:schemeClr val="lt1"/>
+    </dgm:fillClrLst>
+    <dgm:linClrLst meth="repeat">
+      <a:schemeClr val="accent1"/>
+    </dgm:linClrLst>
+    <dgm:effectClrLst/>
+    <dgm:txLinClrLst/>
+    <dgm:txFillClrLst meth="repeat">
+      <a:schemeClr val="dk1"/>
+    </dgm:txFillClrLst>
+    <dgm:txEffectClrLst/>
+  </dgm:styleLbl>
+  <dgm:styleLbl name="fgAccFollowNode1">
+    <dgm:fillClrLst meth="repeat">
+      <a:schemeClr val="accent1">
+        <a:alpha val="90000"/>
+        <a:tint val="40000"/>
+      </a:schemeClr>
+    </dgm:fillClrLst>
+    <dgm:linClrLst meth="repeat">
+      <a:schemeClr val="accent1">
+        <a:alpha val="90000"/>
+        <a:tint val="40000"/>
+      </a:schemeClr>
+    </dgm:linClrLst>
+    <dgm:effectClrLst/>
+    <dgm:txLinClrLst/>
+    <dgm:txFillClrLst meth="repeat">
+      <a:schemeClr val="dk1"/>
+    </dgm:txFillClrLst>
+    <dgm:txEffectClrLst/>
+  </dgm:styleLbl>
+  <dgm:styleLbl name="alignAccFollowNode1">
+    <dgm:fillClrLst meth="repeat">
+      <a:schemeClr val="accent1">
+        <a:alpha val="90000"/>
+        <a:tint val="40000"/>
+      </a:schemeClr>
+    </dgm:fillClrLst>
+    <dgm:linClrLst meth="repeat">
+      <a:schemeClr val="accent1">
+        <a:alpha val="90000"/>
+        <a:tint val="40000"/>
+      </a:schemeClr>
+    </dgm:linClrLst>
+    <dgm:effectClrLst/>
+    <dgm:txLinClrLst/>
+    <dgm:txFillClrLst meth="repeat">
+      <a:schemeClr val="dk1"/>
+    </dgm:txFillClrLst>
+    <dgm:txEffectClrLst/>
+  </dgm:styleLbl>
+  <dgm:styleLbl name="bgAccFollowNode1">
+    <dgm:fillClrLst meth="repeat">
+      <a:schemeClr val="accent1">
+        <a:alpha val="90000"/>
+        <a:tint val="40000"/>
+      </a:schemeClr>
+    </dgm:fillClrLst>
+    <dgm:linClrLst meth="repeat">
+      <a:schemeClr val="accent1">
+        <a:alpha val="90000"/>
+        <a:tint val="40000"/>
+      </a:schemeClr>
+    </dgm:linClrLst>
+    <dgm:effectClrLst/>
+    <dgm:txLinClrLst/>
+    <dgm:txFillClrLst meth="repeat">
+      <a:schemeClr val="dk1"/>
+    </dgm:txFillClrLst>
+    <dgm:txEffectClrLst/>
+  </dgm:styleLbl>
+  <dgm:styleLbl name="fgAcc0">
+    <dgm:fillClrLst meth="repeat">
+      <a:schemeClr val="lt1">
+        <a:alpha val="90000"/>
+      </a:schemeClr>
+    </dgm:fillClrLst>
+    <dgm:linClrLst meth="repeat">
+      <a:schemeClr val="accent1"/>
+    </dgm:linClrLst>
+    <dgm:effectClrLst/>
+    <dgm:txLinClrLst/>
+    <dgm:txFillClrLst meth="repeat">
+      <a:schemeClr val="dk1"/>
+    </dgm:txFillClrLst>
+    <dgm:txEffectClrLst/>
+  </dgm:styleLbl>
+  <dgm:styleLbl name="fgAcc2">
+    <dgm:fillClrLst meth="repeat">
+      <a:schemeClr val="lt1">
+        <a:alpha val="90000"/>
+      </a:schemeClr>
+    </dgm:fillClrLst>
+    <dgm:linClrLst meth="repeat">
+      <a:schemeClr val="accent1"/>
+    </dgm:linClrLst>
+    <dgm:effectClrLst/>
+    <dgm:txLinClrLst/>
+    <dgm:txFillClrLst meth="repeat">
+      <a:schemeClr val="dk1"/>
+    </dgm:txFillClrLst>
+    <dgm:txEffectClrLst/>
+  </dgm:styleLbl>
+  <dgm:styleLbl name="fgAcc3">
+    <dgm:fillClrLst meth="repeat">
+      <a:schemeClr val="lt1">
+        <a:alpha val="90000"/>
+      </a:schemeClr>
+    </dgm:fillClrLst>
+    <dgm:linClrLst meth="repeat">
+      <a:schemeClr val="accent1"/>
+    </dgm:linClrLst>
+    <dgm:effectClrLst/>
+    <dgm:txLinClrLst/>
+    <dgm:txFillClrLst meth="repeat">
+      <a:schemeClr val="dk1"/>
+    </dgm:txFillClrLst>
+    <dgm:txEffectClrLst/>
+  </dgm:styleLbl>
+  <dgm:styleLbl name="fgAcc4">
+    <dgm:fillClrLst meth="repeat">
+      <a:schemeClr val="lt1">
+        <a:alpha val="90000"/>
+      </a:schemeClr>
+    </dgm:fillClrLst>
+    <dgm:linClrLst meth="repeat">
+      <a:schemeClr val="accent1"/>
+    </dgm:linClrLst>
+    <dgm:effectClrLst/>
+    <dgm:txLinClrLst/>
+    <dgm:txFillClrLst meth="repeat">
+      <a:schemeClr val="dk1"/>
+    </dgm:txFillClrLst>
+    <dgm:txEffectClrLst/>
+  </dgm:styleLbl>
+  <dgm:styleLbl name="bgShp">
+    <dgm:fillClrLst meth="repeat">
+      <a:schemeClr val="accent1">
+        <a:tint val="40000"/>
+      </a:schemeClr>
+    </dgm:fillClrLst>
+    <dgm:linClrLst meth="repeat">
+      <a:schemeClr val="accent1"/>
+    </dgm:linClrLst>
+    <dgm:effectClrLst/>
+    <dgm:txLinClrLst/>
+    <dgm:txFillClrLst meth="repeat">
+      <a:schemeClr val="dk1"/>
+    </dgm:txFillClrLst>
+    <dgm:txEffectClrLst/>
+  </dgm:styleLbl>
+  <dgm:styleLbl name="dkBgShp">
+    <dgm:fillClrLst meth="repeat">
+      <a:schemeClr val="accent1">
+        <a:shade val="80000"/>
+      </a:schemeClr>
+    </dgm:fillClrLst>
+    <dgm:linClrLst meth="repeat">
+      <a:schemeClr val="accent1"/>
+    </dgm:linClrLst>
+    <dgm:effectClrLst/>
+    <dgm:txLinClrLst/>
+    <dgm:txFillClrLst meth="repeat">
+      <a:schemeClr val="lt1"/>
+    </dgm:txFillClrLst>
+    <dgm:txEffectClrLst/>
+  </dgm:styleLbl>
+  <dgm:styleLbl name="trBgShp">
+    <dgm:fillClrLst meth="repeat">
+      <a:schemeClr val="accent1">
+        <a:tint val="50000"/>
+        <a:alpha val="40000"/>
+      </a:schemeClr>
+    </dgm:fillClrLst>
+    <dgm:linClrLst meth="repeat">
+      <a:schemeClr val="accent1"/>
+    </dgm:linClrLst>
+    <dgm:effectClrLst/>
+    <dgm:txLinClrLst/>
+    <dgm:txFillClrLst meth="repeat">
+      <a:schemeClr val="lt1"/>
+    </dgm:txFillClrLst>
+    <dgm:txEffectClrLst/>
+  </dgm:styleLbl>
+  <dgm:styleLbl name="fgShp">
+    <dgm:fillClrLst meth="repeat">
+      <a:schemeClr val="accent1">
+        <a:tint val="60000"/>
+      </a:schemeClr>
+    </dgm:fillClrLst>
+    <dgm:linClrLst meth="repeat">
+      <a:schemeClr val="lt1"/>
+    </dgm:linClrLst>
+    <dgm:effectClrLst/>
+    <dgm:txLinClrLst/>
+    <dgm:txFillClrLst meth="repeat">
+      <a:schemeClr val="dk1"/>
+    </dgm:txFillClrLst>
+    <dgm:txEffectClrLst/>
+  </dgm:styleLbl>
+  <dgm:styleLbl name="revTx">
+    <dgm:fillClrLst meth="repeat">
+      <a:schemeClr val="lt1">
+        <a:alpha val="0"/>
+      </a:schemeClr>
+    </dgm:fillClrLst>
+    <dgm:linClrLst meth="repeat">
+      <a:schemeClr val="dk1">
+        <a:alpha val="0"/>
+      </a:schemeClr>
+    </dgm:linClrLst>
+    <dgm:effectClrLst/>
+    <dgm:txLinClrLst/>
+    <dgm:txFillClrLst meth="repeat">
+      <a:schemeClr val="tx1"/>
+    </dgm:txFillClrLst>
+    <dgm:txEffectClrLst/>
+  </dgm:styleLbl>
+</dgm:colorsDef>
+</file>
+
+<file path=ppt/diagrams/data1.xml><?xml version="1.0" encoding="utf-8"?>
+<dgm:dataModel xmlns:dgm="http://schemas.openxmlformats.org/drawingml/2006/diagram" xmlns:a="http://schemas.openxmlformats.org/drawingml/2006/main">
+  <dgm:ptLst>
+    <dgm:pt modelId="{F7007A95-9BB2-4CC8-8EB3-C86DFD970966}" type="doc">
+      <dgm:prSet loTypeId="urn:microsoft.com/office/officeart/2005/8/layout/pyramid1" loCatId="pyramid" qsTypeId="urn:microsoft.com/office/officeart/2005/8/quickstyle/simple1" qsCatId="simple" csTypeId="urn:microsoft.com/office/officeart/2005/8/colors/accent1_2" csCatId="accent1" phldr="1"/>
+      <dgm:spPr/>
+    </dgm:pt>
+    <dgm:pt modelId="{D2739207-FFA7-4BCC-B0A3-4D6040DBA599}">
+      <dgm:prSet phldrT="[Text]"/>
+      <dgm:spPr/>
+      <dgm:t>
+        <a:bodyPr/>
+        <a:lstStyle/>
+        <a:p>
+          <a:r>
+            <a:rPr lang="en-US" dirty="0" err="1">
+              <a:latin typeface="Segoe UI" panose="020B0502040204020203" pitchFamily="34" charset="0"/>
+              <a:cs typeface="Segoe UI" panose="020B0502040204020203" pitchFamily="34" charset="0"/>
+            </a:rPr>
+            <a:t>CitC</a:t>
+          </a:r>
+          <a:endParaRPr lang="en-US" dirty="0">
+            <a:latin typeface="Segoe UI" panose="020B0502040204020203" pitchFamily="34" charset="0"/>
+            <a:cs typeface="Segoe UI" panose="020B0502040204020203" pitchFamily="34" charset="0"/>
+          </a:endParaRPr>
+        </a:p>
+      </dgm:t>
+    </dgm:pt>
+    <dgm:pt modelId="{C2643BF6-29D9-4826-A020-C9CE17476B79}" type="parTrans" cxnId="{4805B1FF-F31F-4CCF-A62D-294FC6B3C54D}">
+      <dgm:prSet/>
+      <dgm:spPr/>
+      <dgm:t>
+        <a:bodyPr/>
+        <a:lstStyle/>
+        <a:p>
+          <a:endParaRPr lang="en-US">
+            <a:latin typeface="Segoe UI" panose="020B0502040204020203" pitchFamily="34" charset="0"/>
+            <a:cs typeface="Segoe UI" panose="020B0502040204020203" pitchFamily="34" charset="0"/>
+          </a:endParaRPr>
+        </a:p>
+      </dgm:t>
+    </dgm:pt>
+    <dgm:pt modelId="{8C0B3D13-2F04-4874-9787-FEF53B364A27}" type="sibTrans" cxnId="{4805B1FF-F31F-4CCF-A62D-294FC6B3C54D}">
+      <dgm:prSet/>
+      <dgm:spPr/>
+      <dgm:t>
+        <a:bodyPr/>
+        <a:lstStyle/>
+        <a:p>
+          <a:endParaRPr lang="en-US">
+            <a:latin typeface="Segoe UI" panose="020B0502040204020203" pitchFamily="34" charset="0"/>
+            <a:cs typeface="Segoe UI" panose="020B0502040204020203" pitchFamily="34" charset="0"/>
+          </a:endParaRPr>
+        </a:p>
+      </dgm:t>
+    </dgm:pt>
+    <dgm:pt modelId="{B0DEFBFB-D137-4F70-92E8-C1D2290C4A74}">
+      <dgm:prSet phldrT="[Text]"/>
+      <dgm:spPr/>
+      <dgm:t>
+        <a:bodyPr/>
+        <a:lstStyle/>
+        <a:p>
+          <a:r>
+            <a:rPr lang="en-US" dirty="0">
+              <a:latin typeface="Segoe UI" panose="020B0502040204020203" pitchFamily="34" charset="0"/>
+              <a:cs typeface="Segoe UI" panose="020B0502040204020203" pitchFamily="34" charset="0"/>
+            </a:rPr>
+            <a:t>Piper</a:t>
+          </a:r>
+        </a:p>
+      </dgm:t>
+    </dgm:pt>
+    <dgm:pt modelId="{86322487-C600-48F9-91F3-79470327B3FD}" type="parTrans" cxnId="{D24638D1-D8A8-4F93-B720-D387DF56F97D}">
+      <dgm:prSet/>
+      <dgm:spPr/>
+      <dgm:t>
+        <a:bodyPr/>
+        <a:lstStyle/>
+        <a:p>
+          <a:endParaRPr lang="en-US">
+            <a:latin typeface="Segoe UI" panose="020B0502040204020203" pitchFamily="34" charset="0"/>
+            <a:cs typeface="Segoe UI" panose="020B0502040204020203" pitchFamily="34" charset="0"/>
+          </a:endParaRPr>
+        </a:p>
+      </dgm:t>
+    </dgm:pt>
+    <dgm:pt modelId="{08FB0830-B321-4E72-A92D-91BC5CD44B0B}" type="sibTrans" cxnId="{D24638D1-D8A8-4F93-B720-D387DF56F97D}">
+      <dgm:prSet/>
+      <dgm:spPr/>
+      <dgm:t>
+        <a:bodyPr/>
+        <a:lstStyle/>
+        <a:p>
+          <a:endParaRPr lang="en-US">
+            <a:latin typeface="Segoe UI" panose="020B0502040204020203" pitchFamily="34" charset="0"/>
+            <a:cs typeface="Segoe UI" panose="020B0502040204020203" pitchFamily="34" charset="0"/>
+          </a:endParaRPr>
+        </a:p>
+      </dgm:t>
+    </dgm:pt>
+    <dgm:pt modelId="{CDD030DB-ADDB-4CCB-809A-90F930A5F79B}">
+      <dgm:prSet phldrT="[Text]"/>
+      <dgm:spPr/>
+      <dgm:t>
+        <a:bodyPr/>
+        <a:lstStyle/>
+        <a:p>
+          <a:r>
+            <a:rPr lang="en-US" dirty="0">
+              <a:latin typeface="Segoe UI" panose="020B0502040204020203" pitchFamily="34" charset="0"/>
+              <a:cs typeface="Segoe UI" panose="020B0502040204020203" pitchFamily="34" charset="0"/>
+            </a:rPr>
+            <a:t>Google Cloud Spanner</a:t>
+          </a:r>
+        </a:p>
+      </dgm:t>
+    </dgm:pt>
+    <dgm:pt modelId="{503A4871-523A-4333-AC70-ABDD77017739}" type="parTrans" cxnId="{B6F7ABCF-0942-48EF-A79D-200025636E28}">
+      <dgm:prSet/>
+      <dgm:spPr/>
+      <dgm:t>
+        <a:bodyPr/>
+        <a:lstStyle/>
+        <a:p>
+          <a:endParaRPr lang="en-US">
+            <a:latin typeface="Segoe UI" panose="020B0502040204020203" pitchFamily="34" charset="0"/>
+            <a:cs typeface="Segoe UI" panose="020B0502040204020203" pitchFamily="34" charset="0"/>
+          </a:endParaRPr>
+        </a:p>
+      </dgm:t>
+    </dgm:pt>
+    <dgm:pt modelId="{3042F55E-76A2-441C-989C-7B0D1C00AAF7}" type="sibTrans" cxnId="{B6F7ABCF-0942-48EF-A79D-200025636E28}">
+      <dgm:prSet/>
+      <dgm:spPr/>
+      <dgm:t>
+        <a:bodyPr/>
+        <a:lstStyle/>
+        <a:p>
+          <a:endParaRPr lang="en-US">
+            <a:latin typeface="Segoe UI" panose="020B0502040204020203" pitchFamily="34" charset="0"/>
+            <a:cs typeface="Segoe UI" panose="020B0502040204020203" pitchFamily="34" charset="0"/>
+          </a:endParaRPr>
+        </a:p>
+      </dgm:t>
+    </dgm:pt>
+    <dgm:pt modelId="{A8197140-6B15-4FB7-9885-064F1515A784}">
+      <dgm:prSet phldrT="[Text]"/>
+      <dgm:spPr/>
+      <dgm:t>
+        <a:bodyPr/>
+        <a:lstStyle/>
+        <a:p>
+          <a:r>
+            <a:rPr lang="en-US" dirty="0">
+              <a:latin typeface="Segoe UI" panose="020B0502040204020203" pitchFamily="34" charset="0"/>
+              <a:cs typeface="Segoe UI" panose="020B0502040204020203" pitchFamily="34" charset="0"/>
+            </a:rPr>
+            <a:t>Google Data Center</a:t>
+          </a:r>
+        </a:p>
+      </dgm:t>
+    </dgm:pt>
+    <dgm:pt modelId="{1FA1E95A-B198-4B72-BCC8-3C28DE9067E8}" type="parTrans" cxnId="{D9B1CCD6-1615-415B-802C-124A0BE0725E}">
+      <dgm:prSet/>
+      <dgm:spPr/>
+      <dgm:t>
+        <a:bodyPr/>
+        <a:lstStyle/>
+        <a:p>
+          <a:endParaRPr lang="en-US">
+            <a:latin typeface="Segoe UI" panose="020B0502040204020203" pitchFamily="34" charset="0"/>
+            <a:cs typeface="Segoe UI" panose="020B0502040204020203" pitchFamily="34" charset="0"/>
+          </a:endParaRPr>
+        </a:p>
+      </dgm:t>
+    </dgm:pt>
+    <dgm:pt modelId="{73E0A283-87DA-4269-8F01-CC708576A186}" type="sibTrans" cxnId="{D9B1CCD6-1615-415B-802C-124A0BE0725E}">
+      <dgm:prSet/>
+      <dgm:spPr/>
+      <dgm:t>
+        <a:bodyPr/>
+        <a:lstStyle/>
+        <a:p>
+          <a:endParaRPr lang="en-US">
+            <a:latin typeface="Segoe UI" panose="020B0502040204020203" pitchFamily="34" charset="0"/>
+            <a:cs typeface="Segoe UI" panose="020B0502040204020203" pitchFamily="34" charset="0"/>
+          </a:endParaRPr>
+        </a:p>
+      </dgm:t>
+    </dgm:pt>
+    <dgm:pt modelId="{9E5CDE32-A3E9-4018-9A52-B2B0B86B9DF9}">
+      <dgm:prSet phldrT="[Text]"/>
+      <dgm:spPr/>
+      <dgm:t>
+        <a:bodyPr/>
+        <a:lstStyle/>
+        <a:p>
+          <a:r>
+            <a:rPr lang="en-US" dirty="0">
+              <a:latin typeface="Segoe UI" panose="020B0502040204020203" pitchFamily="34" charset="0"/>
+              <a:cs typeface="Segoe UI" panose="020B0502040204020203" pitchFamily="34" charset="0"/>
+            </a:rPr>
+            <a:t>Mạng </a:t>
+          </a:r>
+          <a:r>
+            <a:rPr lang="en-US" dirty="0" err="1">
+              <a:latin typeface="Segoe UI" panose="020B0502040204020203" pitchFamily="34" charset="0"/>
+              <a:cs typeface="Segoe UI" panose="020B0502040204020203" pitchFamily="34" charset="0"/>
+            </a:rPr>
+            <a:t>lõi</a:t>
+          </a:r>
+          <a:r>
+            <a:rPr lang="en-US" dirty="0">
+              <a:latin typeface="Segoe UI" panose="020B0502040204020203" pitchFamily="34" charset="0"/>
+              <a:cs typeface="Segoe UI" panose="020B0502040204020203" pitchFamily="34" charset="0"/>
+            </a:rPr>
+            <a:t> Internet</a:t>
+          </a:r>
+        </a:p>
+      </dgm:t>
+    </dgm:pt>
+    <dgm:pt modelId="{99A3C80B-3AFC-432A-AB0B-8C12079FEA2B}" type="parTrans" cxnId="{AD447857-0919-4142-9C8C-DFAD6B85CA3D}">
+      <dgm:prSet/>
+      <dgm:spPr/>
+      <dgm:t>
+        <a:bodyPr/>
+        <a:lstStyle/>
+        <a:p>
+          <a:endParaRPr lang="en-US">
+            <a:latin typeface="Segoe UI" panose="020B0502040204020203" pitchFamily="34" charset="0"/>
+            <a:cs typeface="Segoe UI" panose="020B0502040204020203" pitchFamily="34" charset="0"/>
+          </a:endParaRPr>
+        </a:p>
+      </dgm:t>
+    </dgm:pt>
+    <dgm:pt modelId="{7D3F5B7F-2170-461A-A443-BA3A29DD45C2}" type="sibTrans" cxnId="{AD447857-0919-4142-9C8C-DFAD6B85CA3D}">
+      <dgm:prSet/>
+      <dgm:spPr/>
+      <dgm:t>
+        <a:bodyPr/>
+        <a:lstStyle/>
+        <a:p>
+          <a:endParaRPr lang="en-US">
+            <a:latin typeface="Segoe UI" panose="020B0502040204020203" pitchFamily="34" charset="0"/>
+            <a:cs typeface="Segoe UI" panose="020B0502040204020203" pitchFamily="34" charset="0"/>
+          </a:endParaRPr>
+        </a:p>
+      </dgm:t>
+    </dgm:pt>
+    <dgm:pt modelId="{4010B05B-027E-4C93-8F3A-48E5BC80567A}" type="pres">
+      <dgm:prSet presAssocID="{F7007A95-9BB2-4CC8-8EB3-C86DFD970966}" presName="Name0" presStyleCnt="0">
+        <dgm:presLayoutVars>
+          <dgm:dir/>
+          <dgm:animLvl val="lvl"/>
+          <dgm:resizeHandles val="exact"/>
+        </dgm:presLayoutVars>
+      </dgm:prSet>
+      <dgm:spPr/>
+    </dgm:pt>
+    <dgm:pt modelId="{FFD0AEA8-5D64-407F-A178-F3406966E591}" type="pres">
+      <dgm:prSet presAssocID="{D2739207-FFA7-4BCC-B0A3-4D6040DBA599}" presName="Name8" presStyleCnt="0"/>
+      <dgm:spPr/>
+    </dgm:pt>
+    <dgm:pt modelId="{29A77ABA-234B-4033-8347-2F6C1E51AA5A}" type="pres">
+      <dgm:prSet presAssocID="{D2739207-FFA7-4BCC-B0A3-4D6040DBA599}" presName="level" presStyleLbl="node1" presStyleIdx="0" presStyleCnt="5">
+        <dgm:presLayoutVars>
+          <dgm:chMax val="1"/>
+          <dgm:bulletEnabled val="1"/>
+        </dgm:presLayoutVars>
+      </dgm:prSet>
+      <dgm:spPr/>
+    </dgm:pt>
+    <dgm:pt modelId="{810F864B-9D10-43D4-BDCE-C1011F1F51A3}" type="pres">
+      <dgm:prSet presAssocID="{D2739207-FFA7-4BCC-B0A3-4D6040DBA599}" presName="levelTx" presStyleLbl="revTx" presStyleIdx="0" presStyleCnt="0">
+        <dgm:presLayoutVars>
+          <dgm:chMax val="1"/>
+          <dgm:bulletEnabled val="1"/>
+        </dgm:presLayoutVars>
+      </dgm:prSet>
+      <dgm:spPr/>
+    </dgm:pt>
+    <dgm:pt modelId="{0AB9F23D-9B62-4358-8500-A83366155B67}" type="pres">
+      <dgm:prSet presAssocID="{B0DEFBFB-D137-4F70-92E8-C1D2290C4A74}" presName="Name8" presStyleCnt="0"/>
+      <dgm:spPr/>
+    </dgm:pt>
+    <dgm:pt modelId="{952DC291-83A1-4F64-857A-CD3D3F1FCD7F}" type="pres">
+      <dgm:prSet presAssocID="{B0DEFBFB-D137-4F70-92E8-C1D2290C4A74}" presName="level" presStyleLbl="node1" presStyleIdx="1" presStyleCnt="5">
+        <dgm:presLayoutVars>
+          <dgm:chMax val="1"/>
+          <dgm:bulletEnabled val="1"/>
+        </dgm:presLayoutVars>
+      </dgm:prSet>
+      <dgm:spPr/>
+    </dgm:pt>
+    <dgm:pt modelId="{3C08A157-2D1C-4C73-9515-D6CCCF7D13F7}" type="pres">
+      <dgm:prSet presAssocID="{B0DEFBFB-D137-4F70-92E8-C1D2290C4A74}" presName="levelTx" presStyleLbl="revTx" presStyleIdx="0" presStyleCnt="0">
+        <dgm:presLayoutVars>
+          <dgm:chMax val="1"/>
+          <dgm:bulletEnabled val="1"/>
+        </dgm:presLayoutVars>
+      </dgm:prSet>
+      <dgm:spPr/>
+    </dgm:pt>
+    <dgm:pt modelId="{564CE86B-7B11-47C8-BD49-7E7E796E6CD3}" type="pres">
+      <dgm:prSet presAssocID="{CDD030DB-ADDB-4CCB-809A-90F930A5F79B}" presName="Name8" presStyleCnt="0"/>
+      <dgm:spPr/>
+    </dgm:pt>
+    <dgm:pt modelId="{C32F9A0F-6805-4CE3-82A3-C879BF0B4C0E}" type="pres">
+      <dgm:prSet presAssocID="{CDD030DB-ADDB-4CCB-809A-90F930A5F79B}" presName="level" presStyleLbl="node1" presStyleIdx="2" presStyleCnt="5">
+        <dgm:presLayoutVars>
+          <dgm:chMax val="1"/>
+          <dgm:bulletEnabled val="1"/>
+        </dgm:presLayoutVars>
+      </dgm:prSet>
+      <dgm:spPr/>
+    </dgm:pt>
+    <dgm:pt modelId="{C8A534D3-B821-4347-AA1C-94547F252774}" type="pres">
+      <dgm:prSet presAssocID="{CDD030DB-ADDB-4CCB-809A-90F930A5F79B}" presName="levelTx" presStyleLbl="revTx" presStyleIdx="0" presStyleCnt="0">
+        <dgm:presLayoutVars>
+          <dgm:chMax val="1"/>
+          <dgm:bulletEnabled val="1"/>
+        </dgm:presLayoutVars>
+      </dgm:prSet>
+      <dgm:spPr/>
+    </dgm:pt>
+    <dgm:pt modelId="{08C80F32-5437-42D2-A3D6-A9F4CFDACCCD}" type="pres">
+      <dgm:prSet presAssocID="{A8197140-6B15-4FB7-9885-064F1515A784}" presName="Name8" presStyleCnt="0"/>
+      <dgm:spPr/>
+    </dgm:pt>
+    <dgm:pt modelId="{17F1518F-BA9D-4919-8FD8-0FD3F7F29EC0}" type="pres">
+      <dgm:prSet presAssocID="{A8197140-6B15-4FB7-9885-064F1515A784}" presName="level" presStyleLbl="node1" presStyleIdx="3" presStyleCnt="5">
+        <dgm:presLayoutVars>
+          <dgm:chMax val="1"/>
+          <dgm:bulletEnabled val="1"/>
+        </dgm:presLayoutVars>
+      </dgm:prSet>
+      <dgm:spPr/>
+    </dgm:pt>
+    <dgm:pt modelId="{F6EF0F7F-341F-4A0A-BA12-684F7752CB92}" type="pres">
+      <dgm:prSet presAssocID="{A8197140-6B15-4FB7-9885-064F1515A784}" presName="levelTx" presStyleLbl="revTx" presStyleIdx="0" presStyleCnt="0">
+        <dgm:presLayoutVars>
+          <dgm:chMax val="1"/>
+          <dgm:bulletEnabled val="1"/>
+        </dgm:presLayoutVars>
+      </dgm:prSet>
+      <dgm:spPr/>
+    </dgm:pt>
+    <dgm:pt modelId="{1C981B5F-DFC3-4CE9-BD1E-AB7738A88638}" type="pres">
+      <dgm:prSet presAssocID="{9E5CDE32-A3E9-4018-9A52-B2B0B86B9DF9}" presName="Name8" presStyleCnt="0"/>
+      <dgm:spPr/>
+    </dgm:pt>
+    <dgm:pt modelId="{FEE3F351-486E-4673-B48E-10EFB8360DF6}" type="pres">
+      <dgm:prSet presAssocID="{9E5CDE32-A3E9-4018-9A52-B2B0B86B9DF9}" presName="level" presStyleLbl="node1" presStyleIdx="4" presStyleCnt="5">
+        <dgm:presLayoutVars>
+          <dgm:chMax val="1"/>
+          <dgm:bulletEnabled val="1"/>
+        </dgm:presLayoutVars>
+      </dgm:prSet>
+      <dgm:spPr/>
+    </dgm:pt>
+    <dgm:pt modelId="{DB7B538C-DB06-4CED-8DEA-1B6DC738250C}" type="pres">
+      <dgm:prSet presAssocID="{9E5CDE32-A3E9-4018-9A52-B2B0B86B9DF9}" presName="levelTx" presStyleLbl="revTx" presStyleIdx="0" presStyleCnt="0">
+        <dgm:presLayoutVars>
+          <dgm:chMax val="1"/>
+          <dgm:bulletEnabled val="1"/>
+        </dgm:presLayoutVars>
+      </dgm:prSet>
+      <dgm:spPr/>
+    </dgm:pt>
+  </dgm:ptLst>
+  <dgm:cxnLst>
+    <dgm:cxn modelId="{9BA9E82E-9E23-4625-A390-D56CEAD84A80}" type="presOf" srcId="{CDD030DB-ADDB-4CCB-809A-90F930A5F79B}" destId="{C8A534D3-B821-4347-AA1C-94547F252774}" srcOrd="1" destOrd="0" presId="urn:microsoft.com/office/officeart/2005/8/layout/pyramid1"/>
+    <dgm:cxn modelId="{2DBE2160-6DC7-45FB-AA4C-5B2820D35E16}" type="presOf" srcId="{B0DEFBFB-D137-4F70-92E8-C1D2290C4A74}" destId="{3C08A157-2D1C-4C73-9515-D6CCCF7D13F7}" srcOrd="1" destOrd="0" presId="urn:microsoft.com/office/officeart/2005/8/layout/pyramid1"/>
+    <dgm:cxn modelId="{3CF4116F-5898-4190-BDC0-1B7D8C440517}" type="presOf" srcId="{A8197140-6B15-4FB7-9885-064F1515A784}" destId="{F6EF0F7F-341F-4A0A-BA12-684F7752CB92}" srcOrd="1" destOrd="0" presId="urn:microsoft.com/office/officeart/2005/8/layout/pyramid1"/>
+    <dgm:cxn modelId="{AD447857-0919-4142-9C8C-DFAD6B85CA3D}" srcId="{F7007A95-9BB2-4CC8-8EB3-C86DFD970966}" destId="{9E5CDE32-A3E9-4018-9A52-B2B0B86B9DF9}" srcOrd="4" destOrd="0" parTransId="{99A3C80B-3AFC-432A-AB0B-8C12079FEA2B}" sibTransId="{7D3F5B7F-2170-461A-A443-BA3A29DD45C2}"/>
+    <dgm:cxn modelId="{720B917C-8BC7-45E5-80CE-32481C42C6D2}" type="presOf" srcId="{A8197140-6B15-4FB7-9885-064F1515A784}" destId="{17F1518F-BA9D-4919-8FD8-0FD3F7F29EC0}" srcOrd="0" destOrd="0" presId="urn:microsoft.com/office/officeart/2005/8/layout/pyramid1"/>
+    <dgm:cxn modelId="{B439F18B-202E-4001-B3DA-58C51464E080}" type="presOf" srcId="{9E5CDE32-A3E9-4018-9A52-B2B0B86B9DF9}" destId="{DB7B538C-DB06-4CED-8DEA-1B6DC738250C}" srcOrd="1" destOrd="0" presId="urn:microsoft.com/office/officeart/2005/8/layout/pyramid1"/>
+    <dgm:cxn modelId="{56048097-4731-4920-BE5B-356524FB34E2}" type="presOf" srcId="{9E5CDE32-A3E9-4018-9A52-B2B0B86B9DF9}" destId="{FEE3F351-486E-4673-B48E-10EFB8360DF6}" srcOrd="0" destOrd="0" presId="urn:microsoft.com/office/officeart/2005/8/layout/pyramid1"/>
+    <dgm:cxn modelId="{CFC7C39B-92A7-4F15-B734-5F7734A95B81}" type="presOf" srcId="{F7007A95-9BB2-4CC8-8EB3-C86DFD970966}" destId="{4010B05B-027E-4C93-8F3A-48E5BC80567A}" srcOrd="0" destOrd="0" presId="urn:microsoft.com/office/officeart/2005/8/layout/pyramid1"/>
+    <dgm:cxn modelId="{9C4D39AA-62F1-4251-BD71-D5B5B55CF29B}" type="presOf" srcId="{CDD030DB-ADDB-4CCB-809A-90F930A5F79B}" destId="{C32F9A0F-6805-4CE3-82A3-C879BF0B4C0E}" srcOrd="0" destOrd="0" presId="urn:microsoft.com/office/officeart/2005/8/layout/pyramid1"/>
+    <dgm:cxn modelId="{B6F7ABCF-0942-48EF-A79D-200025636E28}" srcId="{F7007A95-9BB2-4CC8-8EB3-C86DFD970966}" destId="{CDD030DB-ADDB-4CCB-809A-90F930A5F79B}" srcOrd="2" destOrd="0" parTransId="{503A4871-523A-4333-AC70-ABDD77017739}" sibTransId="{3042F55E-76A2-441C-989C-7B0D1C00AAF7}"/>
+    <dgm:cxn modelId="{D24638D1-D8A8-4F93-B720-D387DF56F97D}" srcId="{F7007A95-9BB2-4CC8-8EB3-C86DFD970966}" destId="{B0DEFBFB-D137-4F70-92E8-C1D2290C4A74}" srcOrd="1" destOrd="0" parTransId="{86322487-C600-48F9-91F3-79470327B3FD}" sibTransId="{08FB0830-B321-4E72-A92D-91BC5CD44B0B}"/>
+    <dgm:cxn modelId="{106A68D1-E017-409F-893A-FC1C226AB4FE}" type="presOf" srcId="{D2739207-FFA7-4BCC-B0A3-4D6040DBA599}" destId="{810F864B-9D10-43D4-BDCE-C1011F1F51A3}" srcOrd="1" destOrd="0" presId="urn:microsoft.com/office/officeart/2005/8/layout/pyramid1"/>
+    <dgm:cxn modelId="{D9B1CCD6-1615-415B-802C-124A0BE0725E}" srcId="{F7007A95-9BB2-4CC8-8EB3-C86DFD970966}" destId="{A8197140-6B15-4FB7-9885-064F1515A784}" srcOrd="3" destOrd="0" parTransId="{1FA1E95A-B198-4B72-BCC8-3C28DE9067E8}" sibTransId="{73E0A283-87DA-4269-8F01-CC708576A186}"/>
+    <dgm:cxn modelId="{A01EF8EB-4BA3-4B0D-9AE7-7BDE810AD3C8}" type="presOf" srcId="{B0DEFBFB-D137-4F70-92E8-C1D2290C4A74}" destId="{952DC291-83A1-4F64-857A-CD3D3F1FCD7F}" srcOrd="0" destOrd="0" presId="urn:microsoft.com/office/officeart/2005/8/layout/pyramid1"/>
+    <dgm:cxn modelId="{0A078DFA-E552-4821-AF75-480EC9772153}" type="presOf" srcId="{D2739207-FFA7-4BCC-B0A3-4D6040DBA599}" destId="{29A77ABA-234B-4033-8347-2F6C1E51AA5A}" srcOrd="0" destOrd="0" presId="urn:microsoft.com/office/officeart/2005/8/layout/pyramid1"/>
+    <dgm:cxn modelId="{4805B1FF-F31F-4CCF-A62D-294FC6B3C54D}" srcId="{F7007A95-9BB2-4CC8-8EB3-C86DFD970966}" destId="{D2739207-FFA7-4BCC-B0A3-4D6040DBA599}" srcOrd="0" destOrd="0" parTransId="{C2643BF6-29D9-4826-A020-C9CE17476B79}" sibTransId="{8C0B3D13-2F04-4874-9787-FEF53B364A27}"/>
+    <dgm:cxn modelId="{9A873044-EC5D-4061-A70F-B5391729CA33}" type="presParOf" srcId="{4010B05B-027E-4C93-8F3A-48E5BC80567A}" destId="{FFD0AEA8-5D64-407F-A178-F3406966E591}" srcOrd="0" destOrd="0" presId="urn:microsoft.com/office/officeart/2005/8/layout/pyramid1"/>
+    <dgm:cxn modelId="{8B51B9E7-916D-493D-A0A3-065DA783296C}" type="presParOf" srcId="{FFD0AEA8-5D64-407F-A178-F3406966E591}" destId="{29A77ABA-234B-4033-8347-2F6C1E51AA5A}" srcOrd="0" destOrd="0" presId="urn:microsoft.com/office/officeart/2005/8/layout/pyramid1"/>
+    <dgm:cxn modelId="{4B92D2AB-27B3-4A6E-94D3-ECBB840B9DC9}" type="presParOf" srcId="{FFD0AEA8-5D64-407F-A178-F3406966E591}" destId="{810F864B-9D10-43D4-BDCE-C1011F1F51A3}" srcOrd="1" destOrd="0" presId="urn:microsoft.com/office/officeart/2005/8/layout/pyramid1"/>
+    <dgm:cxn modelId="{2EEE0374-8755-4BCC-9D18-1B85E8DF829A}" type="presParOf" srcId="{4010B05B-027E-4C93-8F3A-48E5BC80567A}" destId="{0AB9F23D-9B62-4358-8500-A83366155B67}" srcOrd="1" destOrd="0" presId="urn:microsoft.com/office/officeart/2005/8/layout/pyramid1"/>
+    <dgm:cxn modelId="{2D4CD1FF-CB11-4F1C-9F66-10CFE9279FBC}" type="presParOf" srcId="{0AB9F23D-9B62-4358-8500-A83366155B67}" destId="{952DC291-83A1-4F64-857A-CD3D3F1FCD7F}" srcOrd="0" destOrd="0" presId="urn:microsoft.com/office/officeart/2005/8/layout/pyramid1"/>
+    <dgm:cxn modelId="{6060DB27-0BCE-45D6-A281-5325FDCA0BE0}" type="presParOf" srcId="{0AB9F23D-9B62-4358-8500-A83366155B67}" destId="{3C08A157-2D1C-4C73-9515-D6CCCF7D13F7}" srcOrd="1" destOrd="0" presId="urn:microsoft.com/office/officeart/2005/8/layout/pyramid1"/>
+    <dgm:cxn modelId="{1596FC02-9811-4299-891C-D86B6894A9DE}" type="presParOf" srcId="{4010B05B-027E-4C93-8F3A-48E5BC80567A}" destId="{564CE86B-7B11-47C8-BD49-7E7E796E6CD3}" srcOrd="2" destOrd="0" presId="urn:microsoft.com/office/officeart/2005/8/layout/pyramid1"/>
+    <dgm:cxn modelId="{0DEB0A1F-ADA4-4CA0-9A12-BF2D0F869EA3}" type="presParOf" srcId="{564CE86B-7B11-47C8-BD49-7E7E796E6CD3}" destId="{C32F9A0F-6805-4CE3-82A3-C879BF0B4C0E}" srcOrd="0" destOrd="0" presId="urn:microsoft.com/office/officeart/2005/8/layout/pyramid1"/>
+    <dgm:cxn modelId="{AB9EB4C8-5697-4F8B-BF60-859D5A374489}" type="presParOf" srcId="{564CE86B-7B11-47C8-BD49-7E7E796E6CD3}" destId="{C8A534D3-B821-4347-AA1C-94547F252774}" srcOrd="1" destOrd="0" presId="urn:microsoft.com/office/officeart/2005/8/layout/pyramid1"/>
+    <dgm:cxn modelId="{0A4C17BB-A2AE-407B-9981-F4642B1A18BC}" type="presParOf" srcId="{4010B05B-027E-4C93-8F3A-48E5BC80567A}" destId="{08C80F32-5437-42D2-A3D6-A9F4CFDACCCD}" srcOrd="3" destOrd="0" presId="urn:microsoft.com/office/officeart/2005/8/layout/pyramid1"/>
+    <dgm:cxn modelId="{5D641B25-8A71-439B-AF96-3B5EDED59411}" type="presParOf" srcId="{08C80F32-5437-42D2-A3D6-A9F4CFDACCCD}" destId="{17F1518F-BA9D-4919-8FD8-0FD3F7F29EC0}" srcOrd="0" destOrd="0" presId="urn:microsoft.com/office/officeart/2005/8/layout/pyramid1"/>
+    <dgm:cxn modelId="{AE3D46E6-806C-49FE-B90F-7F5DA758FC1E}" type="presParOf" srcId="{08C80F32-5437-42D2-A3D6-A9F4CFDACCCD}" destId="{F6EF0F7F-341F-4A0A-BA12-684F7752CB92}" srcOrd="1" destOrd="0" presId="urn:microsoft.com/office/officeart/2005/8/layout/pyramid1"/>
+    <dgm:cxn modelId="{D7A04D7B-E16B-4A15-BC4E-052DD2B56793}" type="presParOf" srcId="{4010B05B-027E-4C93-8F3A-48E5BC80567A}" destId="{1C981B5F-DFC3-4CE9-BD1E-AB7738A88638}" srcOrd="4" destOrd="0" presId="urn:microsoft.com/office/officeart/2005/8/layout/pyramid1"/>
+    <dgm:cxn modelId="{A8A4F52D-081F-466D-827A-83A348B731B6}" type="presParOf" srcId="{1C981B5F-DFC3-4CE9-BD1E-AB7738A88638}" destId="{FEE3F351-486E-4673-B48E-10EFB8360DF6}" srcOrd="0" destOrd="0" presId="urn:microsoft.com/office/officeart/2005/8/layout/pyramid1"/>
+    <dgm:cxn modelId="{2BC4E76C-7D49-4291-BABD-2E077FF8BD5A}" type="presParOf" srcId="{1C981B5F-DFC3-4CE9-BD1E-AB7738A88638}" destId="{DB7B538C-DB06-4CED-8DEA-1B6DC738250C}" srcOrd="1" destOrd="0" presId="urn:microsoft.com/office/officeart/2005/8/layout/pyramid1"/>
+  </dgm:cxnLst>
+  <dgm:bg/>
+  <dgm:whole/>
+  <dgm:extLst>
+    <a:ext uri="http://schemas.microsoft.com/office/drawing/2008/diagram">
+      <dsp:dataModelExt xmlns:dsp="http://schemas.microsoft.com/office/drawing/2008/diagram" relId="rId6" minVer="http://schemas.openxmlformats.org/drawingml/2006/diagram"/>
+    </a:ext>
+  </dgm:extLst>
+</dgm:dataModel>
+</file>
+
+<file path=ppt/diagrams/drawing1.xml><?xml version="1.0" encoding="utf-8"?>
+<dsp:drawing xmlns:dgm="http://schemas.openxmlformats.org/drawingml/2006/diagram" xmlns:dsp="http://schemas.microsoft.com/office/drawing/2008/diagram" xmlns:a="http://schemas.openxmlformats.org/drawingml/2006/main">
+  <dsp:spTree>
+    <dsp:nvGrpSpPr>
+      <dsp:cNvPr id="0" name=""/>
+      <dsp:cNvGrpSpPr/>
+    </dsp:nvGrpSpPr>
+    <dsp:grpSpPr/>
+    <dsp:sp modelId="{29A77ABA-234B-4033-8347-2F6C1E51AA5A}">
+      <dsp:nvSpPr>
+        <dsp:cNvPr id="0" name=""/>
+        <dsp:cNvSpPr/>
+      </dsp:nvSpPr>
+      <dsp:spPr>
+        <a:xfrm>
+          <a:off x="2438400" y="0"/>
+          <a:ext cx="1219200" cy="812799"/>
+        </a:xfrm>
+        <a:prstGeom prst="trapezoid">
+          <a:avLst>
+            <a:gd name="adj" fmla="val 75000"/>
+          </a:avLst>
+        </a:prstGeom>
+        <a:solidFill>
+          <a:schemeClr val="accent1">
+            <a:hueOff val="0"/>
+            <a:satOff val="0"/>
+            <a:lumOff val="0"/>
+            <a:alphaOff val="0"/>
+          </a:schemeClr>
+        </a:solidFill>
+        <a:ln w="15875" cap="flat" cmpd="sng" algn="ctr">
+          <a:solidFill>
+            <a:schemeClr val="lt1">
+              <a:hueOff val="0"/>
+              <a:satOff val="0"/>
+              <a:lumOff val="0"/>
+              <a:alphaOff val="0"/>
+            </a:schemeClr>
+          </a:solidFill>
+          <a:prstDash val="solid"/>
+        </a:ln>
+        <a:effectLst/>
+      </dsp:spPr>
+      <dsp:style>
+        <a:lnRef idx="2">
+          <a:scrgbClr r="0" g="0" b="0"/>
+        </a:lnRef>
+        <a:fillRef idx="1">
+          <a:scrgbClr r="0" g="0" b="0"/>
+        </a:fillRef>
+        <a:effectRef idx="0">
+          <a:scrgbClr r="0" g="0" b="0"/>
+        </a:effectRef>
+        <a:fontRef idx="minor">
+          <a:schemeClr val="lt1"/>
+        </a:fontRef>
+      </dsp:style>
+      <dsp:txBody>
+        <a:bodyPr spcFirstLastPara="0" vert="horz" wrap="square" lIns="30480" tIns="30480" rIns="30480" bIns="30480" numCol="1" spcCol="1270" anchor="ctr" anchorCtr="0">
+          <a:noAutofit/>
+        </a:bodyPr>
+        <a:lstStyle/>
+        <a:p>
+          <a:pPr marL="0" lvl="0" indent="0" algn="ctr" defTabSz="1066800">
+            <a:lnSpc>
+              <a:spcPct val="90000"/>
+            </a:lnSpc>
+            <a:spcBef>
+              <a:spcPct val="0"/>
+            </a:spcBef>
+            <a:spcAft>
+              <a:spcPct val="35000"/>
+            </a:spcAft>
+            <a:buNone/>
+          </a:pPr>
+          <a:r>
+            <a:rPr lang="en-US" sz="2400" kern="1200" dirty="0" err="1">
+              <a:latin typeface="Segoe UI" panose="020B0502040204020203" pitchFamily="34" charset="0"/>
+              <a:cs typeface="Segoe UI" panose="020B0502040204020203" pitchFamily="34" charset="0"/>
+            </a:rPr>
+            <a:t>CitC</a:t>
+          </a:r>
+          <a:endParaRPr lang="en-US" sz="2400" kern="1200" dirty="0">
+            <a:latin typeface="Segoe UI" panose="020B0502040204020203" pitchFamily="34" charset="0"/>
+            <a:cs typeface="Segoe UI" panose="020B0502040204020203" pitchFamily="34" charset="0"/>
+          </a:endParaRPr>
+        </a:p>
+      </dsp:txBody>
+      <dsp:txXfrm>
+        <a:off x="2438400" y="0"/>
+        <a:ext cx="1219200" cy="812799"/>
+      </dsp:txXfrm>
+    </dsp:sp>
+    <dsp:sp modelId="{952DC291-83A1-4F64-857A-CD3D3F1FCD7F}">
+      <dsp:nvSpPr>
+        <dsp:cNvPr id="0" name=""/>
+        <dsp:cNvSpPr/>
+      </dsp:nvSpPr>
+      <dsp:spPr>
+        <a:xfrm>
+          <a:off x="1828800" y="812799"/>
+          <a:ext cx="2438400" cy="812799"/>
+        </a:xfrm>
+        <a:prstGeom prst="trapezoid">
+          <a:avLst>
+            <a:gd name="adj" fmla="val 75000"/>
+          </a:avLst>
+        </a:prstGeom>
+        <a:solidFill>
+          <a:schemeClr val="accent1">
+            <a:hueOff val="0"/>
+            <a:satOff val="0"/>
+            <a:lumOff val="0"/>
+            <a:alphaOff val="0"/>
+          </a:schemeClr>
+        </a:solidFill>
+        <a:ln w="15875" cap="flat" cmpd="sng" algn="ctr">
+          <a:solidFill>
+            <a:schemeClr val="lt1">
+              <a:hueOff val="0"/>
+              <a:satOff val="0"/>
+              <a:lumOff val="0"/>
+              <a:alphaOff val="0"/>
+            </a:schemeClr>
+          </a:solidFill>
+          <a:prstDash val="solid"/>
+        </a:ln>
+        <a:effectLst/>
+      </dsp:spPr>
+      <dsp:style>
+        <a:lnRef idx="2">
+          <a:scrgbClr r="0" g="0" b="0"/>
+        </a:lnRef>
+        <a:fillRef idx="1">
+          <a:scrgbClr r="0" g="0" b="0"/>
+        </a:fillRef>
+        <a:effectRef idx="0">
+          <a:scrgbClr r="0" g="0" b="0"/>
+        </a:effectRef>
+        <a:fontRef idx="minor">
+          <a:schemeClr val="lt1"/>
+        </a:fontRef>
+      </dsp:style>
+      <dsp:txBody>
+        <a:bodyPr spcFirstLastPara="0" vert="horz" wrap="square" lIns="30480" tIns="30480" rIns="30480" bIns="30480" numCol="1" spcCol="1270" anchor="ctr" anchorCtr="0">
+          <a:noAutofit/>
+        </a:bodyPr>
+        <a:lstStyle/>
+        <a:p>
+          <a:pPr marL="0" lvl="0" indent="0" algn="ctr" defTabSz="1066800">
+            <a:lnSpc>
+              <a:spcPct val="90000"/>
+            </a:lnSpc>
+            <a:spcBef>
+              <a:spcPct val="0"/>
+            </a:spcBef>
+            <a:spcAft>
+              <a:spcPct val="35000"/>
+            </a:spcAft>
+            <a:buNone/>
+          </a:pPr>
+          <a:r>
+            <a:rPr lang="en-US" sz="2400" kern="1200" dirty="0">
+              <a:latin typeface="Segoe UI" panose="020B0502040204020203" pitchFamily="34" charset="0"/>
+              <a:cs typeface="Segoe UI" panose="020B0502040204020203" pitchFamily="34" charset="0"/>
+            </a:rPr>
+            <a:t>Piper</a:t>
+          </a:r>
+        </a:p>
+      </dsp:txBody>
+      <dsp:txXfrm>
+        <a:off x="2255520" y="812799"/>
+        <a:ext cx="1584960" cy="812799"/>
+      </dsp:txXfrm>
+    </dsp:sp>
+    <dsp:sp modelId="{C32F9A0F-6805-4CE3-82A3-C879BF0B4C0E}">
+      <dsp:nvSpPr>
+        <dsp:cNvPr id="0" name=""/>
+        <dsp:cNvSpPr/>
+      </dsp:nvSpPr>
+      <dsp:spPr>
+        <a:xfrm>
+          <a:off x="1219200" y="1625599"/>
+          <a:ext cx="3657600" cy="812799"/>
+        </a:xfrm>
+        <a:prstGeom prst="trapezoid">
+          <a:avLst>
+            <a:gd name="adj" fmla="val 75000"/>
+          </a:avLst>
+        </a:prstGeom>
+        <a:solidFill>
+          <a:schemeClr val="accent1">
+            <a:hueOff val="0"/>
+            <a:satOff val="0"/>
+            <a:lumOff val="0"/>
+            <a:alphaOff val="0"/>
+          </a:schemeClr>
+        </a:solidFill>
+        <a:ln w="15875" cap="flat" cmpd="sng" algn="ctr">
+          <a:solidFill>
+            <a:schemeClr val="lt1">
+              <a:hueOff val="0"/>
+              <a:satOff val="0"/>
+              <a:lumOff val="0"/>
+              <a:alphaOff val="0"/>
+            </a:schemeClr>
+          </a:solidFill>
+          <a:prstDash val="solid"/>
+        </a:ln>
+        <a:effectLst/>
+      </dsp:spPr>
+      <dsp:style>
+        <a:lnRef idx="2">
+          <a:scrgbClr r="0" g="0" b="0"/>
+        </a:lnRef>
+        <a:fillRef idx="1">
+          <a:scrgbClr r="0" g="0" b="0"/>
+        </a:fillRef>
+        <a:effectRef idx="0">
+          <a:scrgbClr r="0" g="0" b="0"/>
+        </a:effectRef>
+        <a:fontRef idx="minor">
+          <a:schemeClr val="lt1"/>
+        </a:fontRef>
+      </dsp:style>
+      <dsp:txBody>
+        <a:bodyPr spcFirstLastPara="0" vert="horz" wrap="square" lIns="30480" tIns="30480" rIns="30480" bIns="30480" numCol="1" spcCol="1270" anchor="ctr" anchorCtr="0">
+          <a:noAutofit/>
+        </a:bodyPr>
+        <a:lstStyle/>
+        <a:p>
+          <a:pPr marL="0" lvl="0" indent="0" algn="ctr" defTabSz="1066800">
+            <a:lnSpc>
+              <a:spcPct val="90000"/>
+            </a:lnSpc>
+            <a:spcBef>
+              <a:spcPct val="0"/>
+            </a:spcBef>
+            <a:spcAft>
+              <a:spcPct val="35000"/>
+            </a:spcAft>
+            <a:buNone/>
+          </a:pPr>
+          <a:r>
+            <a:rPr lang="en-US" sz="2400" kern="1200" dirty="0">
+              <a:latin typeface="Segoe UI" panose="020B0502040204020203" pitchFamily="34" charset="0"/>
+              <a:cs typeface="Segoe UI" panose="020B0502040204020203" pitchFamily="34" charset="0"/>
+            </a:rPr>
+            <a:t>Google Cloud Spanner</a:t>
+          </a:r>
+        </a:p>
+      </dsp:txBody>
+      <dsp:txXfrm>
+        <a:off x="1859280" y="1625599"/>
+        <a:ext cx="2377440" cy="812799"/>
+      </dsp:txXfrm>
+    </dsp:sp>
+    <dsp:sp modelId="{17F1518F-BA9D-4919-8FD8-0FD3F7F29EC0}">
+      <dsp:nvSpPr>
+        <dsp:cNvPr id="0" name=""/>
+        <dsp:cNvSpPr/>
+      </dsp:nvSpPr>
+      <dsp:spPr>
+        <a:xfrm>
+          <a:off x="609600" y="2438399"/>
+          <a:ext cx="4876800" cy="812799"/>
+        </a:xfrm>
+        <a:prstGeom prst="trapezoid">
+          <a:avLst>
+            <a:gd name="adj" fmla="val 75000"/>
+          </a:avLst>
+        </a:prstGeom>
+        <a:solidFill>
+          <a:schemeClr val="accent1">
+            <a:hueOff val="0"/>
+            <a:satOff val="0"/>
+            <a:lumOff val="0"/>
+            <a:alphaOff val="0"/>
+          </a:schemeClr>
+        </a:solidFill>
+        <a:ln w="15875" cap="flat" cmpd="sng" algn="ctr">
+          <a:solidFill>
+            <a:schemeClr val="lt1">
+              <a:hueOff val="0"/>
+              <a:satOff val="0"/>
+              <a:lumOff val="0"/>
+              <a:alphaOff val="0"/>
+            </a:schemeClr>
+          </a:solidFill>
+          <a:prstDash val="solid"/>
+        </a:ln>
+        <a:effectLst/>
+      </dsp:spPr>
+      <dsp:style>
+        <a:lnRef idx="2">
+          <a:scrgbClr r="0" g="0" b="0"/>
+        </a:lnRef>
+        <a:fillRef idx="1">
+          <a:scrgbClr r="0" g="0" b="0"/>
+        </a:fillRef>
+        <a:effectRef idx="0">
+          <a:scrgbClr r="0" g="0" b="0"/>
+        </a:effectRef>
+        <a:fontRef idx="minor">
+          <a:schemeClr val="lt1"/>
+        </a:fontRef>
+      </dsp:style>
+      <dsp:txBody>
+        <a:bodyPr spcFirstLastPara="0" vert="horz" wrap="square" lIns="30480" tIns="30480" rIns="30480" bIns="30480" numCol="1" spcCol="1270" anchor="ctr" anchorCtr="0">
+          <a:noAutofit/>
+        </a:bodyPr>
+        <a:lstStyle/>
+        <a:p>
+          <a:pPr marL="0" lvl="0" indent="0" algn="ctr" defTabSz="1066800">
+            <a:lnSpc>
+              <a:spcPct val="90000"/>
+            </a:lnSpc>
+            <a:spcBef>
+              <a:spcPct val="0"/>
+            </a:spcBef>
+            <a:spcAft>
+              <a:spcPct val="35000"/>
+            </a:spcAft>
+            <a:buNone/>
+          </a:pPr>
+          <a:r>
+            <a:rPr lang="en-US" sz="2400" kern="1200" dirty="0">
+              <a:latin typeface="Segoe UI" panose="020B0502040204020203" pitchFamily="34" charset="0"/>
+              <a:cs typeface="Segoe UI" panose="020B0502040204020203" pitchFamily="34" charset="0"/>
+            </a:rPr>
+            <a:t>Google Data Center</a:t>
+          </a:r>
+        </a:p>
+      </dsp:txBody>
+      <dsp:txXfrm>
+        <a:off x="1463039" y="2438399"/>
+        <a:ext cx="3169920" cy="812799"/>
+      </dsp:txXfrm>
+    </dsp:sp>
+    <dsp:sp modelId="{FEE3F351-486E-4673-B48E-10EFB8360DF6}">
+      <dsp:nvSpPr>
+        <dsp:cNvPr id="0" name=""/>
+        <dsp:cNvSpPr/>
+      </dsp:nvSpPr>
+      <dsp:spPr>
+        <a:xfrm>
+          <a:off x="0" y="3251199"/>
+          <a:ext cx="6096000" cy="812799"/>
+        </a:xfrm>
+        <a:prstGeom prst="trapezoid">
+          <a:avLst>
+            <a:gd name="adj" fmla="val 75000"/>
+          </a:avLst>
+        </a:prstGeom>
+        <a:solidFill>
+          <a:schemeClr val="accent1">
+            <a:hueOff val="0"/>
+            <a:satOff val="0"/>
+            <a:lumOff val="0"/>
+            <a:alphaOff val="0"/>
+          </a:schemeClr>
+        </a:solidFill>
+        <a:ln w="15875" cap="flat" cmpd="sng" algn="ctr">
+          <a:solidFill>
+            <a:schemeClr val="lt1">
+              <a:hueOff val="0"/>
+              <a:satOff val="0"/>
+              <a:lumOff val="0"/>
+              <a:alphaOff val="0"/>
+            </a:schemeClr>
+          </a:solidFill>
+          <a:prstDash val="solid"/>
+        </a:ln>
+        <a:effectLst/>
+      </dsp:spPr>
+      <dsp:style>
+        <a:lnRef idx="2">
+          <a:scrgbClr r="0" g="0" b="0"/>
+        </a:lnRef>
+        <a:fillRef idx="1">
+          <a:scrgbClr r="0" g="0" b="0"/>
+        </a:fillRef>
+        <a:effectRef idx="0">
+          <a:scrgbClr r="0" g="0" b="0"/>
+        </a:effectRef>
+        <a:fontRef idx="minor">
+          <a:schemeClr val="lt1"/>
+        </a:fontRef>
+      </dsp:style>
+      <dsp:txBody>
+        <a:bodyPr spcFirstLastPara="0" vert="horz" wrap="square" lIns="30480" tIns="30480" rIns="30480" bIns="30480" numCol="1" spcCol="1270" anchor="ctr" anchorCtr="0">
+          <a:noAutofit/>
+        </a:bodyPr>
+        <a:lstStyle/>
+        <a:p>
+          <a:pPr marL="0" lvl="0" indent="0" algn="ctr" defTabSz="1066800">
+            <a:lnSpc>
+              <a:spcPct val="90000"/>
+            </a:lnSpc>
+            <a:spcBef>
+              <a:spcPct val="0"/>
+            </a:spcBef>
+            <a:spcAft>
+              <a:spcPct val="35000"/>
+            </a:spcAft>
+            <a:buNone/>
+          </a:pPr>
+          <a:r>
+            <a:rPr lang="en-US" sz="2400" kern="1200" dirty="0">
+              <a:latin typeface="Segoe UI" panose="020B0502040204020203" pitchFamily="34" charset="0"/>
+              <a:cs typeface="Segoe UI" panose="020B0502040204020203" pitchFamily="34" charset="0"/>
+            </a:rPr>
+            <a:t>Mạng </a:t>
+          </a:r>
+          <a:r>
+            <a:rPr lang="en-US" sz="2400" kern="1200" dirty="0" err="1">
+              <a:latin typeface="Segoe UI" panose="020B0502040204020203" pitchFamily="34" charset="0"/>
+              <a:cs typeface="Segoe UI" panose="020B0502040204020203" pitchFamily="34" charset="0"/>
+            </a:rPr>
+            <a:t>lõi</a:t>
+          </a:r>
+          <a:r>
+            <a:rPr lang="en-US" sz="2400" kern="1200" dirty="0">
+              <a:latin typeface="Segoe UI" panose="020B0502040204020203" pitchFamily="34" charset="0"/>
+              <a:cs typeface="Segoe UI" panose="020B0502040204020203" pitchFamily="34" charset="0"/>
+            </a:rPr>
+            <a:t> Internet</a:t>
+          </a:r>
+        </a:p>
+      </dsp:txBody>
+      <dsp:txXfrm>
+        <a:off x="1066799" y="3251199"/>
+        <a:ext cx="3962400" cy="812799"/>
+      </dsp:txXfrm>
+    </dsp:sp>
+  </dsp:spTree>
+</dsp:drawing>
+</file>
+
+<file path=ppt/diagrams/layout1.xml><?xml version="1.0" encoding="utf-8"?>
+<dgm:layoutDef xmlns:dgm="http://schemas.openxmlformats.org/drawingml/2006/diagram" xmlns:a="http://schemas.openxmlformats.org/drawingml/2006/main" uniqueId="urn:microsoft.com/office/officeart/2005/8/layout/pyramid1">
+  <dgm:title val=""/>
+  <dgm:desc val=""/>
+  <dgm:catLst>
+    <dgm:cat type="pyramid" pri="1000"/>
+  </dgm:catLst>
+  <dgm:sampData useDef="1">
+    <dgm:dataModel>
+      <dgm:ptLst/>
+      <dgm:bg/>
+      <dgm:whole/>
+    </dgm:dataModel>
+  </dgm:sampData>
+  <dgm:styleData>
+    <dgm:dataModel>
+      <dgm:ptLst>
+        <dgm:pt modelId="0" type="doc"/>
+        <dgm:pt modelId="1"/>
+        <dgm:pt modelId="2"/>
+      </dgm:ptLst>
+      <dgm:cxnLst>
+        <dgm:cxn modelId="3" srcId="0" destId="1" srcOrd="0" destOrd="0"/>
+        <dgm:cxn modelId="4" srcId="0" destId="2" srcOrd="1" destOrd="0"/>
+      </dgm:cxnLst>
+      <dgm:bg/>
+      <dgm:whole/>
+    </dgm:dataModel>
+  </dgm:styleData>
+  <dgm:clrData>
+    <dgm:dataModel>
+      <dgm:ptLst>
+        <dgm:pt modelId="0" type="doc"/>
+        <dgm:pt modelId="1"/>
+        <dgm:pt modelId="2"/>
+        <dgm:pt modelId="3"/>
+        <dgm:pt modelId="4"/>
+      </dgm:ptLst>
+      <dgm:cxnLst>
+        <dgm:cxn modelId="5" srcId="0" destId="1" srcOrd="0" destOrd="0"/>
+        <dgm:cxn modelId="6" srcId="0" destId="2" srcOrd="1" destOrd="0"/>
+        <dgm:cxn modelId="7" srcId="0" destId="3" srcOrd="2" destOrd="0"/>
+        <dgm:cxn modelId="8" srcId="0" destId="4" srcOrd="3" destOrd="0"/>
+      </dgm:cxnLst>
+      <dgm:bg/>
+      <dgm:whole/>
+    </dgm:dataModel>
+  </dgm:clrData>
+  <dgm:layoutNode name="Name0">
+    <dgm:varLst>
+      <dgm:dir/>
+      <dgm:animLvl val="lvl"/>
+      <dgm:resizeHandles val="exact"/>
+    </dgm:varLst>
+    <dgm:choose name="Name1">
+      <dgm:if name="Name2" func="var" arg="dir" op="equ" val="norm">
+        <dgm:alg type="pyra">
+          <dgm:param type="linDir" val="fromB"/>
+          <dgm:param type="txDir" val="fromT"/>
+          <dgm:param type="pyraAcctPos" val="aft"/>
+          <dgm:param type="pyraAcctTxMar" val="step"/>
+          <dgm:param type="pyraAcctBkgdNode" val="acctBkgd"/>
+          <dgm:param type="pyraAcctTxNode" val="acctTx"/>
+          <dgm:param type="pyraLvlNode" val="level"/>
+        </dgm:alg>
+      </dgm:if>
+      <dgm:else name="Name3">
+        <dgm:alg type="pyra">
+          <dgm:param type="linDir" val="fromB"/>
+          <dgm:param type="txDir" val="fromT"/>
+          <dgm:param type="pyraAcctPos" val="bef"/>
+          <dgm:param type="pyraAcctTxMar" val="step"/>
+          <dgm:param type="pyraAcctBkgdNode" val="acctBkgd"/>
+          <dgm:param type="pyraAcctTxNode" val="acctTx"/>
+          <dgm:param type="pyraLvlNode" val="level"/>
+        </dgm:alg>
+      </dgm:else>
+    </dgm:choose>
+    <dgm:shape xmlns:r="http://schemas.openxmlformats.org/officeDocument/2006/relationships" r:blip="">
+      <dgm:adjLst/>
+    </dgm:shape>
+    <dgm:presOf/>
+    <dgm:choose name="Name4">
+      <dgm:if name="Name5" axis="root des" ptType="all node" func="maxDepth" op="gte" val="2">
+        <dgm:constrLst>
+          <dgm:constr type="primFontSz" for="des" forName="levelTx" op="equ"/>
+          <dgm:constr type="secFontSz" for="des" forName="acctTx" op="equ"/>
+          <dgm:constr type="pyraAcctRatio" val="0.32"/>
+        </dgm:constrLst>
+      </dgm:if>
+      <dgm:else name="Name6">
+        <dgm:constrLst>
+          <dgm:constr type="primFontSz" for="des" forName="levelTx" op="equ"/>
+          <dgm:constr type="secFontSz" for="des" forName="acctTx" op="equ"/>
+          <dgm:constr type="pyraAcctRatio"/>
+        </dgm:constrLst>
+      </dgm:else>
+    </dgm:choose>
+    <dgm:ruleLst/>
+    <dgm:forEach name="Name7" axis="ch" ptType="node">
+      <dgm:layoutNode name="Name8">
+        <dgm:alg type="composite">
+          <dgm:param type="horzAlign" val="none"/>
+        </dgm:alg>
+        <dgm:shape xmlns:r="http://schemas.openxmlformats.org/officeDocument/2006/relationships" r:blip="">
+          <dgm:adjLst/>
+        </dgm:shape>
+        <dgm:presOf/>
+        <dgm:choose name="Name9">
+          <dgm:if name="Name10" axis="self" ptType="node" func="pos" op="equ" val="1">
+            <dgm:constrLst>
+              <dgm:constr type="ctrX" for="ch" forName="acctBkgd" val="1"/>
+              <dgm:constr type="ctrY" for="ch" forName="acctBkgd" val="1"/>
+              <dgm:constr type="w" for="ch" forName="acctBkgd" val="1"/>
+              <dgm:constr type="h" for="ch" forName="acctBkgd" val="1"/>
+              <dgm:constr type="ctrX" for="ch" forName="acctTx" val="1"/>
+              <dgm:constr type="ctrY" for="ch" forName="acctTx" val="1"/>
+              <dgm:constr type="w" for="ch" forName="acctTx" val="1"/>
+              <dgm:constr type="h" for="ch" forName="acctTx" val="1"/>
+              <dgm:constr type="ctrX" for="ch" forName="level" val="1"/>
+              <dgm:constr type="ctrY" for="ch" forName="level" val="1"/>
+              <dgm:constr type="w" for="ch" forName="level" val="1"/>
+              <dgm:constr type="h" for="ch" forName="level" val="1"/>
+              <dgm:constr type="ctrX" for="ch" forName="levelTx" refType="ctrX" refFor="ch" refForName="level"/>
+              <dgm:constr type="ctrY" for="ch" forName="levelTx" refType="ctrY" refFor="ch" refForName="level"/>
+              <dgm:constr type="w" for="ch" forName="levelTx" refType="w" refFor="ch" refForName="level"/>
+              <dgm:constr type="h" for="ch" forName="levelTx" refType="h" refFor="ch" refForName="level"/>
+            </dgm:constrLst>
+          </dgm:if>
+          <dgm:else name="Name11">
+            <dgm:constrLst>
+              <dgm:constr type="ctrX" for="ch" forName="acctBkgd" val="1"/>
+              <dgm:constr type="ctrY" for="ch" forName="acctBkgd" val="1"/>
+              <dgm:constr type="w" for="ch" forName="acctBkgd" val="1"/>
+              <dgm:constr type="h" for="ch" forName="acctBkgd" val="1"/>
+              <dgm:constr type="ctrX" for="ch" forName="acctTx" val="1"/>
+              <dgm:constr type="ctrY" for="ch" forName="acctTx" val="1"/>
+              <dgm:constr type="w" for="ch" forName="acctTx" val="1"/>
+              <dgm:constr type="h" for="ch" forName="acctTx" val="1"/>
+              <dgm:constr type="ctrX" for="ch" forName="level" val="1"/>
+              <dgm:constr type="ctrY" for="ch" forName="level" val="1"/>
+              <dgm:constr type="w" for="ch" forName="level" val="1"/>
+              <dgm:constr type="h" for="ch" forName="level" val="1"/>
+              <dgm:constr type="ctrX" for="ch" forName="levelTx" refType="ctrX" refFor="ch" refForName="level"/>
+              <dgm:constr type="ctrY" for="ch" forName="levelTx" refType="ctrY" refFor="ch" refForName="level"/>
+              <dgm:constr type="w" for="ch" forName="levelTx" refType="w" refFor="ch" refForName="level" fact="0.65"/>
+              <dgm:constr type="h" for="ch" forName="levelTx" refType="h" refFor="ch" refForName="level"/>
+            </dgm:constrLst>
+          </dgm:else>
+        </dgm:choose>
+        <dgm:ruleLst/>
+        <dgm:choose name="Name12">
+          <dgm:if name="Name13" axis="ch" ptType="node" func="cnt" op="gte" val="1">
+            <dgm:layoutNode name="acctBkgd" styleLbl="alignAcc1">
+              <dgm:alg type="sp"/>
+              <dgm:shape xmlns:r="http://schemas.openxmlformats.org/officeDocument/2006/relationships" type="nonIsoscelesTrapezoid" r:blip="">
+                <dgm:adjLst/>
+              </dgm:shape>
+              <dgm:presOf axis="des" ptType="node"/>
+              <dgm:constrLst/>
+              <dgm:ruleLst/>
+            </dgm:layoutNode>
+            <dgm:layoutNode name="acctTx" styleLbl="alignAcc1">
+              <dgm:varLst>
+                <dgm:bulletEnabled val="1"/>
+              </dgm:varLst>
+              <dgm:alg type="tx">
+                <dgm:param type="stBulletLvl" val="1"/>
+                <dgm:param type="txAnchorVertCh" val="mid"/>
+              </dgm:alg>
+              <dgm:shape xmlns:r="http://schemas.openxmlformats.org/officeDocument/2006/relationships" type="nonIsoscelesTrapezoid" r:blip="" hideGeom="1">
+                <dgm:adjLst/>
+              </dgm:shape>
+              <dgm:presOf axis="des" ptType="node"/>
+              <dgm:constrLst>
+                <dgm:constr type="secFontSz" val="65"/>
+                <dgm:constr type="primFontSz" refType="secFontSz"/>
+                <dgm:constr type="tMarg" refType="secFontSz" fact="0.3"/>
+                <dgm:constr type="bMarg" refType="secFontSz" fact="0.3"/>
+                <dgm:constr type="lMarg" refType="secFontSz" fact="0.3"/>
+                <dgm:constr type="rMarg" refType="secFontSz" fact="0.3"/>
+              </dgm:constrLst>
+              <dgm:ruleLst>
+                <dgm:rule type="secFontSz" val="5" fact="NaN" max="NaN"/>
+              </dgm:ruleLst>
+            </dgm:layoutNode>
+          </dgm:if>
+          <dgm:else name="Name14"/>
+        </dgm:choose>
+        <dgm:layoutNode name="level">
+          <dgm:varLst>
+            <dgm:chMax val="1"/>
+            <dgm:bulletEnabled val="1"/>
+          </dgm:varLst>
+          <dgm:alg type="sp"/>
+          <dgm:shape xmlns:r="http://schemas.openxmlformats.org/officeDocument/2006/relationships" type="trapezoid" r:blip="">
+            <dgm:adjLst/>
+          </dgm:shape>
+          <dgm:presOf axis="self"/>
+          <dgm:constrLst>
+            <dgm:constr type="h" val="500"/>
+            <dgm:constr type="w" val="1"/>
+          </dgm:constrLst>
+          <dgm:ruleLst/>
+        </dgm:layoutNode>
+        <dgm:layoutNode name="levelTx" styleLbl="revTx">
+          <dgm:varLst>
+            <dgm:chMax val="1"/>
+            <dgm:bulletEnabled val="1"/>
+          </dgm:varLst>
+          <dgm:alg type="tx"/>
+          <dgm:shape xmlns:r="http://schemas.openxmlformats.org/officeDocument/2006/relationships" type="rect" r:blip="" hideGeom="1">
+            <dgm:adjLst/>
+          </dgm:shape>
+          <dgm:presOf axis="self"/>
+          <dgm:constrLst>
+            <dgm:constr type="tMarg" refType="primFontSz" fact="0.1"/>
+            <dgm:constr type="bMarg" refType="primFontSz" fact="0.1"/>
+            <dgm:constr type="lMarg" refType="primFontSz" fact="0.1"/>
+            <dgm:constr type="rMarg" refType="primFontSz" fact="0.1"/>
+            <dgm:constr type="primFontSz" val="65"/>
+          </dgm:constrLst>
+          <dgm:ruleLst>
+            <dgm:rule type="primFontSz" val="5" fact="NaN" max="NaN"/>
+          </dgm:ruleLst>
+        </dgm:layoutNode>
+      </dgm:layoutNode>
+    </dgm:forEach>
+  </dgm:layoutNode>
+</dgm:layoutDef>
+</file>
+
+<file path=ppt/diagrams/quickStyle1.xml><?xml version="1.0" encoding="utf-8"?>
+<dgm:styleDef xmlns:dgm="http://schemas.openxmlformats.org/drawingml/2006/diagram" xmlns:a="http://schemas.openxmlformats.org/drawingml/2006/main" uniqueId="urn:microsoft.com/office/officeart/2005/8/quickstyle/simple1">
+  <dgm:title val=""/>
+  <dgm:desc val=""/>
+  <dgm:catLst>
+    <dgm:cat type="simple" pri="10100"/>
+  </dgm:catLst>
+  <dgm:scene3d>
+    <a:camera prst="orthographicFront"/>
+    <a:lightRig rig="threePt" dir="t"/>
+  </dgm:scene3d>
+  <dgm:styleLbl name="node0">
+    <dgm:scene3d>
+      <a:camera prst="orthographicFront"/>
+      <a:lightRig rig="threePt" dir="t"/>
+    </dgm:scene3d>
+    <dgm:sp3d/>
+    <dgm:txPr/>
+    <dgm:style>
+      <a:lnRef idx="2">
+        <a:scrgbClr r="0" g="0" b="0"/>
+      </a:lnRef>
+      <a:fillRef idx="1">
+        <a:scrgbClr r="0" g="0" b="0"/>
+      </a:fillRef>
+      <a:effectRef idx="0">
+        <a:scrgbClr r="0" g="0" b="0"/>
+      </a:effectRef>
+      <a:fontRef idx="minor">
+        <a:schemeClr val="lt1"/>
+      </a:fontRef>
+    </dgm:style>
+  </dgm:styleLbl>
+  <dgm:styleLbl name="lnNode1">
+    <dgm:scene3d>
+      <a:camera prst="orthographicFront"/>
+      <a:lightRig rig="threePt" dir="t"/>
+    </dgm:scene3d>
+    <dgm:sp3d/>
+    <dgm:txPr/>
+    <dgm:style>
+      <a:lnRef idx="2">
+        <a:scrgbClr r="0" g="0" b="0"/>
+      </a:lnRef>
+      <a:fillRef idx="1">
+        <a:scrgbClr r="0" g="0" b="0"/>
+      </a:fillRef>
+      <a:effectRef idx="0">
+        <a:scrgbClr r="0" g="0" b="0"/>
+      </a:effectRef>
+      <a:fontRef idx="minor">
+        <a:schemeClr val="lt1"/>
+      </a:fontRef>
+    </dgm:style>
+  </dgm:styleLbl>
+  <dgm:styleLbl name="vennNode1">
+    <dgm:scene3d>
+      <a:camera prst="orthographicFront"/>
+      <a:lightRig rig="threePt" dir="t"/>
+    </dgm:scene3d>
+    <dgm:sp3d/>
+    <dgm:txPr/>
+    <dgm:style>
+      <a:lnRef idx="2">
+        <a:scrgbClr r="0" g="0" b="0"/>
+      </a:lnRef>
+      <a:fillRef idx="1">
+        <a:scrgbClr r="0" g="0" b="0"/>
+      </a:fillRef>
+      <a:effectRef idx="0">
+        <a:scrgbClr r="0" g="0" b="0"/>
+      </a:effectRef>
+      <a:fontRef idx="minor">
+        <a:schemeClr val="tx1"/>
+      </a:fontRef>
+    </dgm:style>
+  </dgm:styleLbl>
+  <dgm:styleLbl name="alignNode1">
+    <dgm:scene3d>
+      <a:camera prst="orthographicFront"/>
+      <a:lightRig rig="threePt" dir="t"/>
+    </dgm:scene3d>
+    <dgm:sp3d/>
+    <dgm:txPr/>
+    <dgm:style>
+      <a:lnRef idx="2">
+        <a:scrgbClr r="0" g="0" b="0"/>
+      </a:lnRef>
+      <a:fillRef idx="1">
+        <a:scrgbClr r="0" g="0" b="0"/>
+      </a:fillRef>
+      <a:effectRef idx="0">
+        <a:scrgbClr r="0" g="0" b="0"/>
+      </a:effectRef>
+      <a:fontRef idx="minor">
+        <a:schemeClr val="lt1"/>
+      </a:fontRef>
+    </dgm:style>
+  </dgm:styleLbl>
+  <dgm:styleLbl name="node1">
+    <dgm:scene3d>
+      <a:camera prst="orthographicFront"/>
+      <a:lightRig rig="threePt" dir="t"/>
+    </dgm:scene3d>
+    <dgm:sp3d/>
+    <dgm:txPr/>
+    <dgm:style>
+      <a:lnRef idx="2">
+        <a:scrgbClr r="0" g="0" b="0"/>
+      </a:lnRef>
+      <a:fillRef idx="1">
+        <a:scrgbClr r="0" g="0" b="0"/>
+      </a:fillRef>
+      <a:effectRef idx="0">
+        <a:scrgbClr r="0" g="0" b="0"/>
+      </a:effectRef>
+      <a:fontRef idx="minor">
+        <a:schemeClr val="lt1"/>
+      </a:fontRef>
+    </dgm:style>
+  </dgm:styleLbl>
+  <dgm:styleLbl name="node2">
+    <dgm:scene3d>
+      <a:camera prst="orthographicFront"/>
+      <a:lightRig rig="threePt" dir="t"/>
+    </dgm:scene3d>
+    <dgm:sp3d/>
+    <dgm:txPr/>
+    <dgm:style>
+      <a:lnRef idx="2">
+        <a:scrgbClr r="0" g="0" b="0"/>
+      </a:lnRef>
+      <a:fillRef idx="1">
+        <a:scrgbClr r="0" g="0" b="0"/>
+      </a:fillRef>
+      <a:effectRef idx="0">
+        <a:scrgbClr r="0" g="0" b="0"/>
+      </a:effectRef>
+      <a:fontRef idx="minor">
+        <a:schemeClr val="lt1"/>
+      </a:fontRef>
+    </dgm:style>
+  </dgm:styleLbl>
+  <dgm:styleLbl name="node3">
+    <dgm:scene3d>
+      <a:camera prst="orthographicFront"/>
+      <a:lightRig rig="threePt" dir="t"/>
+    </dgm:scene3d>
+    <dgm:sp3d/>
+    <dgm:txPr/>
+    <dgm:style>
+      <a:lnRef idx="2">
+        <a:scrgbClr r="0" g="0" b="0"/>
+      </a:lnRef>
+      <a:fillRef idx="1">
+        <a:scrgbClr r="0" g="0" b="0"/>
+      </a:fillRef>
+      <a:effectRef idx="0">
+        <a:scrgbClr r="0" g="0" b="0"/>
+      </a:effectRef>
+      <a:fontRef idx="minor">
+        <a:schemeClr val="lt1"/>
+      </a:fontRef>
+    </dgm:style>
+  </dgm:styleLbl>
+  <dgm:styleLbl name="node4">
+    <dgm:scene3d>
+      <a:camera prst="orthographicFront"/>
+      <a:lightRig rig="threePt" dir="t"/>
+    </dgm:scene3d>
+    <dgm:sp3d/>
+    <dgm:txPr/>
+    <dgm:style>
+      <a:lnRef idx="2">
+        <a:scrgbClr r="0" g="0" b="0"/>
+      </a:lnRef>
+      <a:fillRef idx="1">
+        <a:scrgbClr r="0" g="0" b="0"/>
+      </a:fillRef>
+      <a:effectRef idx="0">
+        <a:scrgbClr r="0" g="0" b="0"/>
+      </a:effectRef>
+      <a:fontRef idx="minor">
+        <a:schemeClr val="lt1"/>
+      </a:fontRef>
+    </dgm:style>
+  </dgm:styleLbl>
+  <dgm:styleLbl name="fgImgPlace1">
+    <dgm:scene3d>
+      <a:camera prst="orthographicFront"/>
+      <a:lightRig rig="threePt" dir="t"/>
+    </dgm:scene3d>
+    <dgm:sp3d/>
+    <dgm:txPr/>
+    <dgm:style>
+      <a:lnRef idx="2">
+        <a:scrgbClr r="0" g="0" b="0"/>
+      </a:lnRef>
+      <a:fillRef idx="1">
+        <a:scrgbClr r="0" g="0" b="0"/>
+      </a:fillRef>
+      <a:effectRef idx="0">
+        <a:scrgbClr r="0" g="0" b="0"/>
+      </a:effectRef>
+      <a:fontRef idx="minor"/>
+    </dgm:style>
+  </dgm:styleLbl>
+  <dgm:styleLbl name="alignImgPlace1">
+    <dgm:scene3d>
+      <a:camera prst="orthographicFront"/>
+      <a:lightRig rig="threePt" dir="t"/>
+    </dgm:scene3d>
+    <dgm:sp3d/>
+    <dgm:txPr/>
+    <dgm:style>
+      <a:lnRef idx="2">
+        <a:scrgbClr r="0" g="0" b="0"/>
+      </a:lnRef>
+      <a:fillRef idx="1">
+        <a:scrgbClr r="0" g="0" b="0"/>
+      </a:fillRef>
+      <a:effectRef idx="0">
+        <a:scrgbClr r="0" g="0" b="0"/>
+      </a:effectRef>
+      <a:fontRef idx="minor"/>
+    </dgm:style>
+  </dgm:styleLbl>
+  <dgm:styleLbl name="bgImgPlace1">
+    <dgm:scene3d>
+      <a:camera prst="orthographicFront"/>
+      <a:lightRig rig="threePt" dir="t"/>
+    </dgm:scene3d>
+    <dgm:sp3d/>
+    <dgm:txPr/>
+    <dgm:style>
+      <a:lnRef idx="2">
+        <a:scrgbClr r="0" g="0" b="0"/>
+      </a:lnRef>
+      <a:fillRef idx="1">
+        <a:scrgbClr r="0" g="0" b="0"/>
+      </a:fillRef>
+      <a:effectRef idx="0">
+        <a:scrgbClr r="0" g="0" b="0"/>
+      </a:effectRef>
+      <a:fontRef idx="minor"/>
+    </dgm:style>
+  </dgm:styleLbl>
+  <dgm:styleLbl name="sibTrans2D1">
+    <dgm:scene3d>
+      <a:camera prst="orthographicFront"/>
+      <a:lightRig rig="threePt" dir="t"/>
+    </dgm:scene3d>
+    <dgm:sp3d/>
+    <dgm:txPr/>
+    <dgm:style>
+      <a:lnRef idx="0">
+        <a:scrgbClr r="0" g="0" b="0"/>
+      </a:lnRef>
+      <a:fillRef idx="1">
+        <a:scrgbClr r="0" g="0" b="0"/>
+      </a:fillRef>
+      <a:effectRef idx="0">
+        <a:scrgbClr r="0" g="0" b="0"/>
+      </a:effectRef>
+      <a:fontRef idx="minor">
+        <a:schemeClr val="lt1"/>
+      </a:fontRef>
+    </dgm:style>
+  </dgm:styleLbl>
+  <dgm:styleLbl name="fgSibTrans2D1">
+    <dgm:scene3d>
+      <a:camera prst="orthographicFront"/>
+      <a:lightRig rig="threePt" dir="t"/>
+    </dgm:scene3d>
+    <dgm:sp3d/>
+    <dgm:txPr/>
+    <dgm:style>
+      <a:lnRef idx="0">
+        <a:scrgbClr r="0" g="0" b="0"/>
+      </a:lnRef>
+      <a:fillRef idx="1">
+        <a:scrgbClr r="0" g="0" b="0"/>
+      </a:fillRef>
+      <a:effectRef idx="0">
+        <a:scrgbClr r="0" g="0" b="0"/>
+      </a:effectRef>
+      <a:fontRef idx="minor">
+        <a:schemeClr val="lt1"/>
+      </a:fontRef>
+    </dgm:style>
+  </dgm:styleLbl>
+  <dgm:styleLbl name="bgSibTrans2D1">
+    <dgm:scene3d>
+      <a:camera prst="orthographicFront"/>
+      <a:lightRig rig="threePt" dir="t"/>
+    </dgm:scene3d>
+    <dgm:sp3d/>
+    <dgm:txPr/>
+    <dgm:style>
+      <a:lnRef idx="0">
+        <a:scrgbClr r="0" g="0" b="0"/>
+      </a:lnRef>
+      <a:fillRef idx="1">
+        <a:scrgbClr r="0" g="0" b="0"/>
+      </a:fillRef>
+      <a:effectRef idx="0">
+        <a:scrgbClr r="0" g="0" b="0"/>
+      </a:effectRef>
+      <a:fontRef idx="minor">
+        <a:schemeClr val="lt1"/>
+      </a:fontRef>
+    </dgm:style>
+  </dgm:styleLbl>
+  <dgm:styleLbl name="sibTrans1D1">
+    <dgm:scene3d>
+      <a:camera prst="orthographicFront"/>
+      <a:lightRig rig="threePt" dir="t"/>
+    </dgm:scene3d>
+    <dgm:sp3d/>
+    <dgm:txPr/>
+    <dgm:style>
+      <a:lnRef idx="1">
+        <a:scrgbClr r="0" g="0" b="0"/>
+      </a:lnRef>
+      <a:fillRef idx="0">
+        <a:scrgbClr r="0" g="0" b="0"/>
+      </a:fillRef>
+      <a:effectRef idx="0">
+        <a:scrgbClr r="0" g="0" b="0"/>
+      </a:effectRef>
+      <a:fontRef idx="minor"/>
+    </dgm:style>
+  </dgm:styleLbl>
+  <dgm:styleLbl name="callout">
+    <dgm:scene3d>
+      <a:camera prst="orthographicFront"/>
+      <a:lightRig rig="threePt" dir="t"/>
+    </dgm:scene3d>
+    <dgm:sp3d/>
+    <dgm:txPr/>
+    <dgm:style>
+      <a:lnRef idx="2">
+        <a:scrgbClr r="0" g="0" b="0"/>
+      </a:lnRef>
+      <a:fillRef idx="1">
+        <a:scrgbClr r="0" g="0" b="0"/>
+      </a:fillRef>
+      <a:effectRef idx="0">
+        <a:scrgbClr r="0" g="0" b="0"/>
+      </a:effectRef>
+      <a:fontRef idx="minor"/>
+    </dgm:style>
+  </dgm:styleLbl>
+  <dgm:styleLbl name="asst0">
+    <dgm:scene3d>
+      <a:camera prst="orthographicFront"/>
+      <a:lightRig rig="threePt" dir="t"/>
+    </dgm:scene3d>
+    <dgm:sp3d/>
+    <dgm:txPr/>
+    <dgm:style>
+      <a:lnRef idx="2">
+        <a:scrgbClr r="0" g="0" b="0"/>
+      </a:lnRef>
+      <a:fillRef idx="1">
+        <a:scrgbClr r="0" g="0" b="0"/>
+      </a:fillRef>
+      <a:effectRef idx="0">
+        <a:scrgbClr r="0" g="0" b="0"/>
+      </a:effectRef>
+      <a:fontRef idx="minor">
+        <a:schemeClr val="lt1"/>
+      </a:fontRef>
+    </dgm:style>
+  </dgm:styleLbl>
+  <dgm:styleLbl name="asst1">
+    <dgm:scene3d>
+      <a:camera prst="orthographicFront"/>
+      <a:lightRig rig="threePt" dir="t"/>
+    </dgm:scene3d>
+    <dgm:sp3d/>
+    <dgm:txPr/>
+    <dgm:style>
+      <a:lnRef idx="2">
+        <a:scrgbClr r="0" g="0" b="0"/>
+      </a:lnRef>
+      <a:fillRef idx="1">
+        <a:scrgbClr r="0" g="0" b="0"/>
+      </a:fillRef>
+      <a:effectRef idx="0">
+        <a:scrgbClr r="0" g="0" b="0"/>
+      </a:effectRef>
+      <a:fontRef idx="minor">
+        <a:schemeClr val="lt1"/>
+      </a:fontRef>
+    </dgm:style>
+  </dgm:styleLbl>
+  <dgm:styleLbl name="asst2">
+    <dgm:scene3d>
+      <a:camera prst="orthographicFront"/>
+      <a:lightRig rig="threePt" dir="t"/>
+    </dgm:scene3d>
+    <dgm:sp3d/>
+    <dgm:txPr/>
+    <dgm:style>
+      <a:lnRef idx="2">
+        <a:scrgbClr r="0" g="0" b="0"/>
+      </a:lnRef>
+      <a:fillRef idx="1">
+        <a:scrgbClr r="0" g="0" b="0"/>
+      </a:fillRef>
+      <a:effectRef idx="0">
+        <a:scrgbClr r="0" g="0" b="0"/>
+      </a:effectRef>
+      <a:fontRef idx="minor">
+        <a:schemeClr val="lt1"/>
+      </a:fontRef>
+    </dgm:style>
+  </dgm:styleLbl>
+  <dgm:styleLbl name="asst3">
+    <dgm:scene3d>
+      <a:camera prst="orthographicFront"/>
+      <a:lightRig rig="threePt" dir="t"/>
+    </dgm:scene3d>
+    <dgm:sp3d/>
+    <dgm:txPr/>
+    <dgm:style>
+      <a:lnRef idx="2">
+        <a:scrgbClr r="0" g="0" b="0"/>
+      </a:lnRef>
+      <a:fillRef idx="1">
+        <a:scrgbClr r="0" g="0" b="0"/>
+      </a:fillRef>
+      <a:effectRef idx="0">
+        <a:scrgbClr r="0" g="0" b="0"/>
+      </a:effectRef>
+      <a:fontRef idx="minor">
+        <a:schemeClr val="lt1"/>
+      </a:fontRef>
+    </dgm:style>
+  </dgm:styleLbl>
+  <dgm:styleLbl name="asst4">
+    <dgm:scene3d>
+      <a:camera prst="orthographicFront"/>
+      <a:lightRig rig="threePt" dir="t"/>
+    </dgm:scene3d>
+    <dgm:sp3d/>
+    <dgm:txPr/>
+    <dgm:style>
+      <a:lnRef idx="2">
+        <a:scrgbClr r="0" g="0" b="0"/>
+      </a:lnRef>
+      <a:fillRef idx="1">
+        <a:scrgbClr r="0" g="0" b="0"/>
+      </a:fillRef>
+      <a:effectRef idx="0">
+        <a:scrgbClr r="0" g="0" b="0"/>
+      </a:effectRef>
+      <a:fontRef idx="minor">
+        <a:schemeClr val="lt1"/>
+      </a:fontRef>
+    </dgm:style>
+  </dgm:styleLbl>
+  <dgm:styleLbl name="parChTrans2D1">
+    <dgm:scene3d>
+      <a:camera prst="orthographicFront"/>
+      <a:lightRig rig="threePt" dir="t"/>
+    </dgm:scene3d>
+    <dgm:sp3d/>
+    <dgm:txPr/>
+    <dgm:style>
+      <a:lnRef idx="2">
+        <a:scrgbClr r="0" g="0" b="0"/>
+      </a:lnRef>
+      <a:fillRef idx="1">
+        <a:scrgbClr r="0" g="0" b="0"/>
+      </a:fillRef>
+      <a:effectRef idx="0">
+        <a:scrgbClr r="0" g="0" b="0"/>
+      </a:effectRef>
+      <a:fontRef idx="minor">
+        <a:schemeClr val="lt1"/>
+      </a:fontRef>
+    </dgm:style>
+  </dgm:styleLbl>
+  <dgm:styleLbl name="parChTrans2D2">
+    <dgm:scene3d>
+      <a:camera prst="orthographicFront"/>
+      <a:lightRig rig="threePt" dir="t"/>
+    </dgm:scene3d>
+    <dgm:sp3d/>
+    <dgm:txPr/>
+    <dgm:style>
+      <a:lnRef idx="2">
+        <a:scrgbClr r="0" g="0" b="0"/>
+      </a:lnRef>
+      <a:fillRef idx="1">
+        <a:scrgbClr r="0" g="0" b="0"/>
+      </a:fillRef>
+      <a:effectRef idx="0">
+        <a:scrgbClr r="0" g="0" b="0"/>
+      </a:effectRef>
+      <a:fontRef idx="minor">
+        <a:schemeClr val="lt1"/>
+      </a:fontRef>
+    </dgm:style>
+  </dgm:styleLbl>
+  <dgm:styleLbl name="parChTrans2D3">
+    <dgm:scene3d>
+      <a:camera prst="orthographicFront"/>
+      <a:lightRig rig="threePt" dir="t"/>
+    </dgm:scene3d>
+    <dgm:sp3d/>
+    <dgm:txPr/>
+    <dgm:style>
+      <a:lnRef idx="2">
+        <a:scrgbClr r="0" g="0" b="0"/>
+      </a:lnRef>
+      <a:fillRef idx="1">
+        <a:scrgbClr r="0" g="0" b="0"/>
+      </a:fillRef>
+      <a:effectRef idx="0">
+        <a:scrgbClr r="0" g="0" b="0"/>
+      </a:effectRef>
+      <a:fontRef idx="minor">
+        <a:schemeClr val="lt1"/>
+      </a:fontRef>
+    </dgm:style>
+  </dgm:styleLbl>
+  <dgm:styleLbl name="parChTrans2D4">
+    <dgm:scene3d>
+      <a:camera prst="orthographicFront"/>
+      <a:lightRig rig="threePt" dir="t"/>
+    </dgm:scene3d>
+    <dgm:sp3d/>
+    <dgm:txPr/>
+    <dgm:style>
+      <a:lnRef idx="2">
+        <a:scrgbClr r="0" g="0" b="0"/>
+      </a:lnRef>
+      <a:fillRef idx="1">
+        <a:scrgbClr r="0" g="0" b="0"/>
+      </a:fillRef>
+      <a:effectRef idx="0">
+        <a:scrgbClr r="0" g="0" b="0"/>
+      </a:effectRef>
+      <a:fontRef idx="minor">
+        <a:schemeClr val="lt1"/>
+      </a:fontRef>
+    </dgm:style>
+  </dgm:styleLbl>
+  <dgm:styleLbl name="parChTrans1D1">
+    <dgm:scene3d>
+      <a:camera prst="orthographicFront"/>
+      <a:lightRig rig="threePt" dir="t"/>
+    </dgm:scene3d>
+    <dgm:sp3d/>
+    <dgm:txPr/>
+    <dgm:style>
+      <a:lnRef idx="2">
+        <a:scrgbClr r="0" g="0" b="0"/>
+      </a:lnRef>
+      <a:fillRef idx="0">
+        <a:scrgbClr r="0" g="0" b="0"/>
+      </a:fillRef>
+      <a:effectRef idx="0">
+        <a:scrgbClr r="0" g="0" b="0"/>
+      </a:effectRef>
+      <a:fontRef idx="minor"/>
+    </dgm:style>
+  </dgm:styleLbl>
+  <dgm:styleLbl name="parChTrans1D2">
+    <dgm:scene3d>
+      <a:camera prst="orthographicFront"/>
+      <a:lightRig rig="threePt" dir="t"/>
+    </dgm:scene3d>
+    <dgm:sp3d/>
+    <dgm:txPr/>
+    <dgm:style>
+      <a:lnRef idx="2">
+        <a:scrgbClr r="0" g="0" b="0"/>
+      </a:lnRef>
+      <a:fillRef idx="0">
+        <a:scrgbClr r="0" g="0" b="0"/>
+      </a:fillRef>
+      <a:effectRef idx="0">
+        <a:scrgbClr r="0" g="0" b="0"/>
+      </a:effectRef>
+      <a:fontRef idx="minor"/>
+    </dgm:style>
+  </dgm:styleLbl>
+  <dgm:styleLbl name="parChTrans1D3">
+    <dgm:scene3d>
+      <a:camera prst="orthographicFront"/>
+      <a:lightRig rig="threePt" dir="t"/>
+    </dgm:scene3d>
+    <dgm:sp3d/>
+    <dgm:txPr/>
+    <dgm:style>
+      <a:lnRef idx="2">
+        <a:scrgbClr r="0" g="0" b="0"/>
+      </a:lnRef>
+      <a:fillRef idx="0">
+        <a:scrgbClr r="0" g="0" b="0"/>
+      </a:fillRef>
+      <a:effectRef idx="0">
+        <a:scrgbClr r="0" g="0" b="0"/>
+      </a:effectRef>
+      <a:fontRef idx="minor"/>
+    </dgm:style>
+  </dgm:styleLbl>
+  <dgm:styleLbl name="parChTrans1D4">
+    <dgm:scene3d>
+      <a:camera prst="orthographicFront"/>
+      <a:lightRig rig="threePt" dir="t"/>
+    </dgm:scene3d>
+    <dgm:sp3d/>
+    <dgm:txPr/>
+    <dgm:style>
+      <a:lnRef idx="2">
+        <a:scrgbClr r="0" g="0" b="0"/>
+      </a:lnRef>
+      <a:fillRef idx="0">
+        <a:scrgbClr r="0" g="0" b="0"/>
+      </a:fillRef>
+      <a:effectRef idx="0">
+        <a:scrgbClr r="0" g="0" b="0"/>
+      </a:effectRef>
+      <a:fontRef idx="minor"/>
+    </dgm:style>
+  </dgm:styleLbl>
+  <dgm:styleLbl name="fgAcc1">
+    <dgm:scene3d>
+      <a:camera prst="orthographicFront"/>
+      <a:lightRig rig="threePt" dir="t"/>
+    </dgm:scene3d>
+    <dgm:sp3d/>
+    <dgm:txPr/>
+    <dgm:style>
+      <a:lnRef idx="2">
+        <a:scrgbClr r="0" g="0" b="0"/>
+      </a:lnRef>
+      <a:fillRef idx="1">
+        <a:scrgbClr r="0" g="0" b="0"/>
+      </a:fillRef>
+      <a:effectRef idx="0">
+        <a:scrgbClr r="0" g="0" b="0"/>
+      </a:effectRef>
+      <a:fontRef idx="minor"/>
+    </dgm:style>
+  </dgm:styleLbl>
+  <dgm:styleLbl name="conFgAcc1">
+    <dgm:scene3d>
+      <a:camera prst="orthographicFront"/>
+      <a:lightRig rig="threePt" dir="t"/>
+    </dgm:scene3d>
+    <dgm:sp3d/>
+    <dgm:txPr/>
+    <dgm:style>
+      <a:lnRef idx="2">
+        <a:scrgbClr r="0" g="0" b="0"/>
+      </a:lnRef>
+      <a:fillRef idx="1">
+        <a:scrgbClr r="0" g="0" b="0"/>
+      </a:fillRef>
+      <a:effectRef idx="0">
+        <a:scrgbClr r="0" g="0" b="0"/>
+      </a:effectRef>
+      <a:fontRef idx="minor"/>
+    </dgm:style>
+  </dgm:styleLbl>
+  <dgm:styleLbl name="alignAcc1">
+    <dgm:scene3d>
+      <a:camera prst="orthographicFront"/>
+      <a:lightRig rig="threePt" dir="t"/>
+    </dgm:scene3d>
+    <dgm:sp3d/>
+    <dgm:txPr/>
+    <dgm:style>
+      <a:lnRef idx="2">
+        <a:scrgbClr r="0" g="0" b="0"/>
+      </a:lnRef>
+      <a:fillRef idx="1">
+        <a:scrgbClr r="0" g="0" b="0"/>
+      </a:fillRef>
+      <a:effectRef idx="0">
+        <a:scrgbClr r="0" g="0" b="0"/>
+      </a:effectRef>
+      <a:fontRef idx="minor"/>
+    </dgm:style>
+  </dgm:styleLbl>
+  <dgm:styleLbl name="trAlignAcc1">
+    <dgm:scene3d>
+      <a:camera prst="orthographicFront"/>
+      <a:lightRig rig="threePt" dir="t"/>
+    </dgm:scene3d>
+    <dgm:sp3d/>
+    <dgm:txPr/>
+    <dgm:style>
+      <a:lnRef idx="1">
+        <a:scrgbClr r="0" g="0" b="0"/>
+      </a:lnRef>
+      <a:fillRef idx="1">
+        <a:scrgbClr r="0" g="0" b="0"/>
+      </a:fillRef>
+      <a:effectRef idx="0">
+        <a:scrgbClr r="0" g="0" b="0"/>
+      </a:effectRef>
+      <a:fontRef idx="minor"/>
+    </dgm:style>
+  </dgm:styleLbl>
+  <dgm:styleLbl name="bgAcc1">
+    <dgm:scene3d>
+      <a:camera prst="orthographicFront"/>
+      <a:lightRig rig="threePt" dir="t"/>
+    </dgm:scene3d>
+    <dgm:sp3d/>
+    <dgm:txPr/>
+    <dgm:style>
+      <a:lnRef idx="2">
+        <a:scrgbClr r="0" g="0" b="0"/>
+      </a:lnRef>
+      <a:fillRef idx="1">
+        <a:scrgbClr r="0" g="0" b="0"/>
+      </a:fillRef>
+      <a:effectRef idx="0">
+        <a:scrgbClr r="0" g="0" b="0"/>
+      </a:effectRef>
+      <a:fontRef idx="minor"/>
+    </dgm:style>
+  </dgm:styleLbl>
+  <dgm:styleLbl name="solidFgAcc1">
+    <dgm:scene3d>
+      <a:camera prst="orthographicFront"/>
+      <a:lightRig rig="threePt" dir="t"/>
+    </dgm:scene3d>
+    <dgm:sp3d/>
+    <dgm:txPr/>
+    <dgm:style>
+      <a:lnRef idx="2">
+        <a:scrgbClr r="0" g="0" b="0"/>
+      </a:lnRef>
+      <a:fillRef idx="1">
+        <a:scrgbClr r="0" g="0" b="0"/>
+      </a:fillRef>
+      <a:effectRef idx="0">
+        <a:scrgbClr r="0" g="0" b="0"/>
+      </a:effectRef>
+      <a:fontRef idx="minor"/>
+    </dgm:style>
+  </dgm:styleLbl>
+  <dgm:styleLbl name="solidAlignAcc1">
+    <dgm:scene3d>
+      <a:camera prst="orthographicFront"/>
+      <a:lightRig rig="threePt" dir="t"/>
+    </dgm:scene3d>
+    <dgm:sp3d/>
+    <dgm:txPr/>
+    <dgm:style>
+      <a:lnRef idx="2">
+        <a:scrgbClr r="0" g="0" b="0"/>
+      </a:lnRef>
+      <a:fillRef idx="1">
+        <a:scrgbClr r="0" g="0" b="0"/>
+      </a:fillRef>
+      <a:effectRef idx="0">
+        <a:scrgbClr r="0" g="0" b="0"/>
+      </a:effectRef>
+      <a:fontRef idx="minor"/>
+    </dgm:style>
+  </dgm:styleLbl>
+  <dgm:styleLbl name="solidBgAcc1">
+    <dgm:scene3d>
+      <a:camera prst="orthographicFront"/>
+      <a:lightRig rig="threePt" dir="t"/>
+    </dgm:scene3d>
+    <dgm:sp3d/>
+    <dgm:txPr/>
+    <dgm:style>
+      <a:lnRef idx="2">
+        <a:scrgbClr r="0" g="0" b="0"/>
+      </a:lnRef>
+      <a:fillRef idx="1">
+        <a:scrgbClr r="0" g="0" b="0"/>
+      </a:fillRef>
+      <a:effectRef idx="0">
+        <a:scrgbClr r="0" g="0" b="0"/>
+      </a:effectRef>
+      <a:fontRef idx="minor"/>
+    </dgm:style>
+  </dgm:styleLbl>
+  <dgm:styleLbl name="fgAccFollowNode1">
+    <dgm:scene3d>
+      <a:camera prst="orthographicFront"/>
+      <a:lightRig rig="threePt" dir="t"/>
+    </dgm:scene3d>
+    <dgm:sp3d/>
+    <dgm:txPr/>
+    <dgm:style>
+      <a:lnRef idx="2">
+        <a:scrgbClr r="0" g="0" b="0"/>
+      </a:lnRef>
+      <a:fillRef idx="1">
+        <a:scrgbClr r="0" g="0" b="0"/>
+      </a:fillRef>
+      <a:effectRef idx="0">
+        <a:scrgbClr r="0" g="0" b="0"/>
+      </a:effectRef>
+      <a:fontRef idx="minor"/>
+    </dgm:style>
+  </dgm:styleLbl>
+  <dgm:styleLbl name="alignAccFollowNode1">
+    <dgm:scene3d>
+      <a:camera prst="orthographicFront"/>
+      <a:lightRig rig="threePt" dir="t"/>
+    </dgm:scene3d>
+    <dgm:sp3d/>
+    <dgm:txPr/>
+    <dgm:style>
+      <a:lnRef idx="2">
+        <a:scrgbClr r="0" g="0" b="0"/>
+      </a:lnRef>
+      <a:fillRef idx="1">
+        <a:scrgbClr r="0" g="0" b="0"/>
+      </a:fillRef>
+      <a:effectRef idx="0">
+        <a:scrgbClr r="0" g="0" b="0"/>
+      </a:effectRef>
+      <a:fontRef idx="minor"/>
+    </dgm:style>
+  </dgm:styleLbl>
+  <dgm:styleLbl name="bgAccFollowNode1">
+    <dgm:scene3d>
+      <a:camera prst="orthographicFront"/>
+      <a:lightRig rig="threePt" dir="t"/>
+    </dgm:scene3d>
+    <dgm:sp3d/>
+    <dgm:txPr/>
+    <dgm:style>
+      <a:lnRef idx="2">
+        <a:scrgbClr r="0" g="0" b="0"/>
+      </a:lnRef>
+      <a:fillRef idx="1">
+        <a:scrgbClr r="0" g="0" b="0"/>
+      </a:fillRef>
+      <a:effectRef idx="0">
+        <a:scrgbClr r="0" g="0" b="0"/>
+      </a:effectRef>
+      <a:fontRef idx="minor"/>
+    </dgm:style>
+  </dgm:styleLbl>
+  <dgm:styleLbl name="fgAcc0">
+    <dgm:scene3d>
+      <a:camera prst="orthographicFront"/>
+      <a:lightRig rig="threePt" dir="t"/>
+    </dgm:scene3d>
+    <dgm:sp3d/>
+    <dgm:txPr/>
+    <dgm:style>
+      <a:lnRef idx="2">
+        <a:scrgbClr r="0" g="0" b="0"/>
+      </a:lnRef>
+      <a:fillRef idx="1">
+        <a:scrgbClr r="0" g="0" b="0"/>
+      </a:fillRef>
+      <a:effectRef idx="0">
+        <a:scrgbClr r="0" g="0" b="0"/>
+      </a:effectRef>
+      <a:fontRef idx="minor"/>
+    </dgm:style>
+  </dgm:styleLbl>
+  <dgm:styleLbl name="fgAcc2">
+    <dgm:scene3d>
+      <a:camera prst="orthographicFront"/>
+      <a:lightRig rig="threePt" dir="t"/>
+    </dgm:scene3d>
+    <dgm:sp3d/>
+    <dgm:txPr/>
+    <dgm:style>
+      <a:lnRef idx="2">
+        <a:scrgbClr r="0" g="0" b="0"/>
+      </a:lnRef>
+      <a:fillRef idx="1">
+        <a:scrgbClr r="0" g="0" b="0"/>
+      </a:fillRef>
+      <a:effectRef idx="0">
+        <a:scrgbClr r="0" g="0" b="0"/>
+      </a:effectRef>
+      <a:fontRef idx="minor"/>
+    </dgm:style>
+  </dgm:styleLbl>
+  <dgm:styleLbl name="fgAcc3">
+    <dgm:scene3d>
+      <a:camera prst="orthographicFront"/>
+      <a:lightRig rig="threePt" dir="t"/>
+    </dgm:scene3d>
+    <dgm:sp3d/>
+    <dgm:txPr/>
+    <dgm:style>
+      <a:lnRef idx="2">
+        <a:scrgbClr r="0" g="0" b="0"/>
+      </a:lnRef>
+      <a:fillRef idx="1">
+        <a:scrgbClr r="0" g="0" b="0"/>
+      </a:fillRef>
+      <a:effectRef idx="0">
+        <a:scrgbClr r="0" g="0" b="0"/>
+      </a:effectRef>
+      <a:fontRef idx="minor"/>
+    </dgm:style>
+  </dgm:styleLbl>
+  <dgm:styleLbl name="fgAcc4">
+    <dgm:scene3d>
+      <a:camera prst="orthographicFront"/>
+      <a:lightRig rig="threePt" dir="t"/>
+    </dgm:scene3d>
+    <dgm:sp3d/>
+    <dgm:txPr/>
+    <dgm:style>
+      <a:lnRef idx="2">
+        <a:scrgbClr r="0" g="0" b="0"/>
+      </a:lnRef>
+      <a:fillRef idx="1">
+        <a:scrgbClr r="0" g="0" b="0"/>
+      </a:fillRef>
+      <a:effectRef idx="0">
+        <a:scrgbClr r="0" g="0" b="0"/>
+      </a:effectRef>
+      <a:fontRef idx="minor"/>
+    </dgm:style>
+  </dgm:styleLbl>
+  <dgm:styleLbl name="bgShp">
+    <dgm:scene3d>
+      <a:camera prst="orthographicFront"/>
+      <a:lightRig rig="threePt" dir="t"/>
+    </dgm:scene3d>
+    <dgm:sp3d/>
+    <dgm:txPr/>
+    <dgm:style>
+      <a:lnRef idx="0">
+        <a:scrgbClr r="0" g="0" b="0"/>
+      </a:lnRef>
+      <a:fillRef idx="1">
+        <a:scrgbClr r="0" g="0" b="0"/>
+      </a:fillRef>
+      <a:effectRef idx="0">
+        <a:scrgbClr r="0" g="0" b="0"/>
+      </a:effectRef>
+      <a:fontRef idx="minor"/>
+    </dgm:style>
+  </dgm:styleLbl>
+  <dgm:styleLbl name="dkBgShp">
+    <dgm:scene3d>
+      <a:camera prst="orthographicFront"/>
+      <a:lightRig rig="threePt" dir="t"/>
+    </dgm:scene3d>
+    <dgm:sp3d/>
+    <dgm:txPr/>
+    <dgm:style>
+      <a:lnRef idx="0">
+        <a:scrgbClr r="0" g="0" b="0"/>
+      </a:lnRef>
+      <a:fillRef idx="1">
+        <a:scrgbClr r="0" g="0" b="0"/>
+      </a:fillRef>
+      <a:effectRef idx="0">
+        <a:scrgbClr r="0" g="0" b="0"/>
+      </a:effectRef>
+      <a:fontRef idx="minor"/>
+    </dgm:style>
+  </dgm:styleLbl>
+  <dgm:styleLbl name="trBgShp">
+    <dgm:scene3d>
+      <a:camera prst="orthographicFront"/>
+      <a:lightRig rig="threePt" dir="t"/>
+    </dgm:scene3d>
+    <dgm:sp3d/>
+    <dgm:txPr/>
+    <dgm:style>
+      <a:lnRef idx="0">
+        <a:scrgbClr r="0" g="0" b="0"/>
+      </a:lnRef>
+      <a:fillRef idx="1">
+        <a:scrgbClr r="0" g="0" b="0"/>
+      </a:fillRef>
+      <a:effectRef idx="0">
+        <a:scrgbClr r="0" g="0" b="0"/>
+      </a:effectRef>
+      <a:fontRef idx="minor"/>
+    </dgm:style>
+  </dgm:styleLbl>
+  <dgm:styleLbl name="fgShp">
+    <dgm:scene3d>
+      <a:camera prst="orthographicFront"/>
+      <a:lightRig rig="threePt" dir="t"/>
+    </dgm:scene3d>
+    <dgm:sp3d/>
+    <dgm:txPr/>
+    <dgm:style>
+      <a:lnRef idx="2">
+        <a:scrgbClr r="0" g="0" b="0"/>
+      </a:lnRef>
+      <a:fillRef idx="1">
+        <a:scrgbClr r="0" g="0" b="0"/>
+      </a:fillRef>
+      <a:effectRef idx="0">
+        <a:scrgbClr r="0" g="0" b="0"/>
+      </a:effectRef>
+      <a:fontRef idx="minor"/>
+    </dgm:style>
+  </dgm:styleLbl>
+  <dgm:styleLbl name="revTx">
+    <dgm:scene3d>
+      <a:camera prst="orthographicFront"/>
+      <a:lightRig rig="threePt" dir="t"/>
+    </dgm:scene3d>
+    <dgm:sp3d/>
+    <dgm:txPr/>
+    <dgm:style>
+      <a:lnRef idx="0">
+        <a:scrgbClr r="0" g="0" b="0"/>
+      </a:lnRef>
+      <a:fillRef idx="0">
+        <a:scrgbClr r="0" g="0" b="0"/>
+      </a:fillRef>
+      <a:effectRef idx="0">
+        <a:scrgbClr r="0" g="0" b="0"/>
+      </a:effectRef>
+      <a:fontRef idx="minor"/>
+    </dgm:style>
+  </dgm:styleLbl>
+</dgm:styleDef>
+</file>
+
 <file path=ppt/slideLayouts/slideLayout1.xml><?xml version="1.0" encoding="utf-8"?>
 <p:sldLayout xmlns:a="http://schemas.openxmlformats.org/drawingml/2006/main" xmlns:r="http://schemas.openxmlformats.org/officeDocument/2006/relationships" xmlns:p="http://schemas.openxmlformats.org/presentationml/2006/main" showMasterSp="0" type="title" preserve="1">
   <p:cSld name="Title Slide">
@@ -1164,10 +4055,9 @@
           </a:lstStyle>
           <a:p>
             <a:r>
-              <a:rPr lang="en-US"/>
+              <a:rPr lang="en-US" dirty="0"/>
               <a:t>Click to edit Master title style</a:t>
             </a:r>
-            <a:endParaRPr lang="en-US" dirty="0"/>
           </a:p>
         </p:txBody>
       </p:sp>
@@ -1198,7 +4088,8 @@
                 <a:solidFill>
                   <a:schemeClr val="tx2"/>
                 </a:solidFill>
-                <a:latin typeface="+mj-lt"/>
+                <a:latin typeface="Latha" panose="020B0604020202020204" pitchFamily="34" charset="0"/>
+                <a:cs typeface="Latha" panose="020B0604020202020204" pitchFamily="34" charset="0"/>
               </a:defRPr>
             </a:lvl1pPr>
             <a:lvl2pPr marL="457200" indent="0" algn="ctr">
@@ -1236,10 +4127,9 @@
           </a:lstStyle>
           <a:p>
             <a:r>
-              <a:rPr lang="en-US"/>
+              <a:rPr lang="en-US" dirty="0"/>
               <a:t>Click to edit Master subtitle style</a:t>
             </a:r>
-            <a:endParaRPr lang="en-US" dirty="0"/>
           </a:p>
         </p:txBody>
       </p:sp>
@@ -1260,7 +4150,7 @@
           <a:p>
             <a:fld id="{48A87A34-81AB-432B-8DAE-1953F412C126}" type="datetimeFigureOut">
               <a:rPr lang="en-US" smtClean="0"/>
-              <a:t>4/2/2018</a:t>
+              <a:t>4/20/2018</a:t>
             </a:fld>
             <a:endParaRPr lang="en-US" dirty="0"/>
           </a:p>
@@ -1389,13 +4279,20 @@
         <p:spPr/>
         <p:txBody>
           <a:bodyPr/>
-          <a:lstStyle/>
-          <a:p>
-            <a:r>
-              <a:rPr lang="en-US"/>
+          <a:lstStyle>
+            <a:lvl1pPr>
+              <a:defRPr>
+                <a:latin typeface="Segoe UI" panose="020B0502040204020203" pitchFamily="34" charset="0"/>
+                <a:ea typeface="Segoe UI Black" panose="020B0A02040204020203" pitchFamily="34" charset="0"/>
+                <a:cs typeface="Segoe UI" panose="020B0502040204020203" pitchFamily="34" charset="0"/>
+              </a:defRPr>
+            </a:lvl1pPr>
+          </a:lstStyle>
+          <a:p>
+            <a:r>
+              <a:rPr lang="en-US" dirty="0"/>
               <a:t>Click to edit Master title style</a:t>
             </a:r>
-            <a:endParaRPr lang="en-US" dirty="0"/>
           </a:p>
         </p:txBody>
       </p:sp>
@@ -1412,42 +4309,72 @@
         <p:spPr/>
         <p:txBody>
           <a:bodyPr vert="eaVert" lIns="45720" tIns="0" rIns="45720" bIns="0"/>
-          <a:lstStyle/>
+          <a:lstStyle>
+            <a:lvl1pPr>
+              <a:defRPr>
+                <a:latin typeface="Latha" panose="020B0604020202020204" pitchFamily="34" charset="0"/>
+                <a:cs typeface="Latha" panose="020B0604020202020204" pitchFamily="34" charset="0"/>
+              </a:defRPr>
+            </a:lvl1pPr>
+            <a:lvl2pPr>
+              <a:defRPr>
+                <a:latin typeface="Latha" panose="020B0604020202020204" pitchFamily="34" charset="0"/>
+                <a:cs typeface="Latha" panose="020B0604020202020204" pitchFamily="34" charset="0"/>
+              </a:defRPr>
+            </a:lvl2pPr>
+            <a:lvl3pPr>
+              <a:defRPr>
+                <a:latin typeface="Latha" panose="020B0604020202020204" pitchFamily="34" charset="0"/>
+                <a:cs typeface="Latha" panose="020B0604020202020204" pitchFamily="34" charset="0"/>
+              </a:defRPr>
+            </a:lvl3pPr>
+            <a:lvl4pPr>
+              <a:defRPr>
+                <a:latin typeface="Latha" panose="020B0604020202020204" pitchFamily="34" charset="0"/>
+                <a:cs typeface="Latha" panose="020B0604020202020204" pitchFamily="34" charset="0"/>
+              </a:defRPr>
+            </a:lvl4pPr>
+            <a:lvl5pPr>
+              <a:defRPr>
+                <a:latin typeface="Latha" panose="020B0604020202020204" pitchFamily="34" charset="0"/>
+                <a:cs typeface="Latha" panose="020B0604020202020204" pitchFamily="34" charset="0"/>
+              </a:defRPr>
+            </a:lvl5pPr>
+          </a:lstStyle>
           <a:p>
             <a:pPr lvl="0"/>
             <a:r>
-              <a:rPr lang="en-US"/>
+              <a:rPr lang="en-US" dirty="0"/>
               <a:t>Edit Master text styles</a:t>
             </a:r>
           </a:p>
           <a:p>
             <a:pPr lvl="1"/>
             <a:r>
-              <a:rPr lang="en-US"/>
+              <a:rPr lang="en-US" dirty="0"/>
               <a:t>Second level</a:t>
             </a:r>
           </a:p>
           <a:p>
             <a:pPr lvl="2"/>
             <a:r>
-              <a:rPr lang="en-US"/>
+              <a:rPr lang="en-US" dirty="0"/>
               <a:t>Third level</a:t>
             </a:r>
           </a:p>
           <a:p>
             <a:pPr lvl="3"/>
             <a:r>
-              <a:rPr lang="en-US"/>
+              <a:rPr lang="en-US" dirty="0"/>
               <a:t>Fourth level</a:t>
             </a:r>
           </a:p>
           <a:p>
             <a:pPr lvl="4"/>
             <a:r>
-              <a:rPr lang="en-US"/>
+              <a:rPr lang="en-US" dirty="0"/>
               <a:t>Fifth level</a:t>
             </a:r>
-            <a:endParaRPr lang="en-US" dirty="0"/>
           </a:p>
         </p:txBody>
       </p:sp>
@@ -1468,7 +4395,7 @@
           <a:p>
             <a:fld id="{48A87A34-81AB-432B-8DAE-1953F412C126}" type="datetimeFigureOut">
               <a:rPr lang="en-US" smtClean="0"/>
-              <a:t>4/2/2018</a:t>
+              <a:t>4/20/2018</a:t>
             </a:fld>
             <a:endParaRPr lang="en-US" dirty="0"/>
           </a:p>
@@ -1724,7 +4651,7 @@
           <a:p>
             <a:fld id="{48A87A34-81AB-432B-8DAE-1953F412C126}" type="datetimeFigureOut">
               <a:rPr lang="en-US" smtClean="0"/>
-              <a:t>4/2/2018</a:t>
+              <a:t>4/20/2018</a:t>
             </a:fld>
             <a:endParaRPr lang="en-US" dirty="0"/>
           </a:p>
@@ -1776,6 +4703,36 @@
     <p:extLst>
       <p:ext uri="{BB962C8B-B14F-4D97-AF65-F5344CB8AC3E}">
         <p14:creationId xmlns:p14="http://schemas.microsoft.com/office/powerpoint/2010/main" val="1921665230"/>
+      </p:ext>
+    </p:extLst>
+  </p:cSld>
+  <p:clrMapOvr>
+    <a:masterClrMapping/>
+  </p:clrMapOvr>
+</p:sldLayout>
+</file>
+
+<file path=ppt/slideLayouts/slideLayout12.xml><?xml version="1.0" encoding="utf-8"?>
+<p:sldLayout xmlns:a="http://schemas.openxmlformats.org/drawingml/2006/main" xmlns:r="http://schemas.openxmlformats.org/officeDocument/2006/relationships" xmlns:p="http://schemas.openxmlformats.org/presentationml/2006/main" showMasterSp="0" preserve="1" userDrawn="1">
+  <p:cSld name="Custom Layout">
+    <p:spTree>
+      <p:nvGrpSpPr>
+        <p:cNvPr id="1" name=""/>
+        <p:cNvGrpSpPr/>
+        <p:nvPr/>
+      </p:nvGrpSpPr>
+      <p:grpSpPr>
+        <a:xfrm>
+          <a:off x="0" y="0"/>
+          <a:ext cx="0" cy="0"/>
+          <a:chOff x="0" y="0"/>
+          <a:chExt cx="0" cy="0"/>
+        </a:xfrm>
+      </p:grpSpPr>
+    </p:spTree>
+    <p:extLst>
+      <p:ext uri="{BB962C8B-B14F-4D97-AF65-F5344CB8AC3E}">
+        <p14:creationId xmlns:p14="http://schemas.microsoft.com/office/powerpoint/2010/main" val="1830811258"/>
       </p:ext>
     </p:extLst>
   </p:cSld>
@@ -1815,13 +4772,19 @@
         <p:spPr/>
         <p:txBody>
           <a:bodyPr/>
-          <a:lstStyle/>
-          <a:p>
-            <a:r>
-              <a:rPr lang="en-US"/>
+          <a:lstStyle>
+            <a:lvl1pPr>
+              <a:defRPr>
+                <a:latin typeface="Segoe UI" panose="020B0502040204020203" pitchFamily="34" charset="0"/>
+                <a:cs typeface="Segoe UI" panose="020B0502040204020203" pitchFamily="34" charset="0"/>
+              </a:defRPr>
+            </a:lvl1pPr>
+          </a:lstStyle>
+          <a:p>
+            <a:r>
+              <a:rPr lang="en-US" dirty="0"/>
               <a:t>Click to edit Master title style</a:t>
             </a:r>
-            <a:endParaRPr lang="en-US" dirty="0"/>
           </a:p>
         </p:txBody>
       </p:sp>
@@ -1838,42 +4801,72 @@
         <p:spPr/>
         <p:txBody>
           <a:bodyPr/>
-          <a:lstStyle/>
+          <a:lstStyle>
+            <a:lvl1pPr>
+              <a:defRPr>
+                <a:latin typeface="Segoe UI" panose="020B0502040204020203" pitchFamily="34" charset="0"/>
+                <a:cs typeface="Segoe UI" panose="020B0502040204020203" pitchFamily="34" charset="0"/>
+              </a:defRPr>
+            </a:lvl1pPr>
+            <a:lvl2pPr>
+              <a:defRPr>
+                <a:latin typeface="Latha" panose="020B0604020202020204" pitchFamily="34" charset="0"/>
+                <a:cs typeface="Latha" panose="020B0604020202020204" pitchFamily="34" charset="0"/>
+              </a:defRPr>
+            </a:lvl2pPr>
+            <a:lvl3pPr>
+              <a:defRPr>
+                <a:latin typeface="Latha" panose="020B0604020202020204" pitchFamily="34" charset="0"/>
+                <a:cs typeface="Latha" panose="020B0604020202020204" pitchFamily="34" charset="0"/>
+              </a:defRPr>
+            </a:lvl3pPr>
+            <a:lvl4pPr>
+              <a:defRPr>
+                <a:latin typeface="Latha" panose="020B0604020202020204" pitchFamily="34" charset="0"/>
+                <a:cs typeface="Latha" panose="020B0604020202020204" pitchFamily="34" charset="0"/>
+              </a:defRPr>
+            </a:lvl4pPr>
+            <a:lvl5pPr>
+              <a:defRPr>
+                <a:latin typeface="Latha" panose="020B0604020202020204" pitchFamily="34" charset="0"/>
+                <a:cs typeface="Latha" panose="020B0604020202020204" pitchFamily="34" charset="0"/>
+              </a:defRPr>
+            </a:lvl5pPr>
+          </a:lstStyle>
           <a:p>
             <a:pPr lvl="0"/>
             <a:r>
-              <a:rPr lang="en-US"/>
+              <a:rPr lang="en-US" dirty="0"/>
               <a:t>Edit Master text styles</a:t>
             </a:r>
           </a:p>
           <a:p>
             <a:pPr lvl="1"/>
             <a:r>
-              <a:rPr lang="en-US"/>
+              <a:rPr lang="en-US" dirty="0"/>
               <a:t>Second level</a:t>
             </a:r>
           </a:p>
           <a:p>
             <a:pPr lvl="2"/>
             <a:r>
-              <a:rPr lang="en-US"/>
+              <a:rPr lang="en-US" dirty="0"/>
               <a:t>Third level</a:t>
             </a:r>
           </a:p>
           <a:p>
             <a:pPr lvl="3"/>
             <a:r>
-              <a:rPr lang="en-US"/>
+              <a:rPr lang="en-US" dirty="0"/>
               <a:t>Fourth level</a:t>
             </a:r>
           </a:p>
           <a:p>
             <a:pPr lvl="4"/>
             <a:r>
-              <a:rPr lang="en-US"/>
+              <a:rPr lang="en-US" dirty="0"/>
               <a:t>Fifth level</a:t>
             </a:r>
-            <a:endParaRPr lang="en-US" dirty="0"/>
           </a:p>
         </p:txBody>
       </p:sp>
@@ -1894,7 +4887,7 @@
           <a:p>
             <a:fld id="{48A87A34-81AB-432B-8DAE-1953F412C126}" type="datetimeFigureOut">
               <a:rPr lang="en-US" smtClean="0"/>
-              <a:t>4/2/2018</a:t>
+              <a:t>4/20/2018</a:t>
             </a:fld>
             <a:endParaRPr lang="en-US" dirty="0"/>
           </a:p>
@@ -2088,15 +5081,16 @@
                     <a:lumOff val="15000"/>
                   </a:schemeClr>
                 </a:solidFill>
+                <a:latin typeface="Segoe UI" panose="020B0502040204020203" pitchFamily="34" charset="0"/>
+                <a:cs typeface="Segoe UI" panose="020B0502040204020203" pitchFamily="34" charset="0"/>
               </a:defRPr>
             </a:lvl1pPr>
           </a:lstStyle>
           <a:p>
             <a:r>
-              <a:rPr lang="en-US"/>
+              <a:rPr lang="en-US" dirty="0"/>
               <a:t>Click to edit Master title style</a:t>
             </a:r>
-            <a:endParaRPr lang="en-US" dirty="0"/>
           </a:p>
         </p:txBody>
       </p:sp>
@@ -2127,7 +5121,8 @@
                 <a:solidFill>
                   <a:schemeClr val="tx2"/>
                 </a:solidFill>
-                <a:latin typeface="+mj-lt"/>
+                <a:latin typeface="Segoe UI" panose="020B0502040204020203" pitchFamily="34" charset="0"/>
+                <a:cs typeface="Segoe UI" panose="020B0502040204020203" pitchFamily="34" charset="0"/>
               </a:defRPr>
             </a:lvl1pPr>
             <a:lvl2pPr marL="457200" indent="0">
@@ -2214,7 +5209,7 @@
           <a:p>
             <a:pPr lvl="0"/>
             <a:r>
-              <a:rPr lang="en-US"/>
+              <a:rPr lang="en-US" dirty="0"/>
               <a:t>Edit Master text styles</a:t>
             </a:r>
           </a:p>
@@ -2237,7 +5232,7 @@
           <a:p>
             <a:fld id="{48A87A34-81AB-432B-8DAE-1953F412C126}" type="datetimeFigureOut">
               <a:rPr lang="en-US" smtClean="0"/>
-              <a:t>4/2/2018</a:t>
+              <a:t>4/20/2018</a:t>
             </a:fld>
             <a:endParaRPr lang="en-US" dirty="0"/>
           </a:p>
@@ -2337,7 +5332,7 @@
 </file>
 
 <file path=ppt/slideLayouts/slideLayout4.xml><?xml version="1.0" encoding="utf-8"?>
-<p:sldLayout xmlns:a="http://schemas.openxmlformats.org/drawingml/2006/main" xmlns:r="http://schemas.openxmlformats.org/officeDocument/2006/relationships" xmlns:p="http://schemas.openxmlformats.org/presentationml/2006/main" type="twoObj" preserve="1">
+<p:sldLayout xmlns:a="http://schemas.openxmlformats.org/drawingml/2006/main" xmlns:r="http://schemas.openxmlformats.org/officeDocument/2006/relationships" xmlns:p="http://schemas.openxmlformats.org/presentationml/2006/main" preserve="1" userDrawn="1">
   <p:cSld name="Two Content">
     <p:spTree>
       <p:nvGrpSpPr>
@@ -2353,34 +5348,6 @@
           <a:chExt cx="0" cy="0"/>
         </a:xfrm>
       </p:grpSpPr>
-      <p:sp>
-        <p:nvSpPr>
-          <p:cNvPr id="8" name="Title 7"/>
-          <p:cNvSpPr>
-            <a:spLocks noGrp="1"/>
-          </p:cNvSpPr>
-          <p:nvPr>
-            <p:ph type="title"/>
-          </p:nvPr>
-        </p:nvSpPr>
-        <p:spPr>
-          <a:xfrm>
-            <a:off x="822960" y="286604"/>
-            <a:ext cx="7543800" cy="1450757"/>
-          </a:xfrm>
-        </p:spPr>
-        <p:txBody>
-          <a:bodyPr/>
-          <a:lstStyle/>
-          <a:p>
-            <a:r>
-              <a:rPr lang="en-US"/>
-              <a:t>Click to edit Master title style</a:t>
-            </a:r>
-            <a:endParaRPr lang="en-US" dirty="0"/>
-          </a:p>
-        </p:txBody>
-      </p:sp>
       <p:sp>
         <p:nvSpPr>
           <p:cNvPr id="3" name="Content Placeholder 2"/>
@@ -2399,42 +5366,67 @@
         </p:spPr>
         <p:txBody>
           <a:bodyPr/>
-          <a:lstStyle/>
+          <a:lstStyle>
+            <a:lvl1pPr>
+              <a:defRPr>
+                <a:latin typeface="UVN Viet Sach" panose="02040502050505030904" pitchFamily="18" charset="0"/>
+              </a:defRPr>
+            </a:lvl1pPr>
+            <a:lvl2pPr>
+              <a:defRPr>
+                <a:latin typeface="UVN Viet Sach" panose="02040502050505030904" pitchFamily="18" charset="0"/>
+              </a:defRPr>
+            </a:lvl2pPr>
+            <a:lvl3pPr>
+              <a:defRPr>
+                <a:latin typeface="UVN Viet Sach" panose="02040502050505030904" pitchFamily="18" charset="0"/>
+              </a:defRPr>
+            </a:lvl3pPr>
+            <a:lvl4pPr>
+              <a:defRPr>
+                <a:latin typeface="UVN Viet Sach" panose="02040502050505030904" pitchFamily="18" charset="0"/>
+              </a:defRPr>
+            </a:lvl4pPr>
+            <a:lvl5pPr>
+              <a:defRPr>
+                <a:latin typeface="UVN Viet Sach" panose="02040502050505030904" pitchFamily="18" charset="0"/>
+              </a:defRPr>
+            </a:lvl5pPr>
+          </a:lstStyle>
           <a:p>
             <a:pPr lvl="0"/>
             <a:r>
-              <a:rPr lang="en-US"/>
+              <a:rPr lang="en-US" dirty="0"/>
               <a:t>Edit Master text styles</a:t>
             </a:r>
           </a:p>
           <a:p>
             <a:pPr lvl="1"/>
             <a:r>
-              <a:rPr lang="en-US"/>
+              <a:rPr lang="en-US" dirty="0"/>
               <a:t>Second level</a:t>
             </a:r>
           </a:p>
           <a:p>
             <a:pPr lvl="2"/>
             <a:r>
-              <a:rPr lang="en-US"/>
+              <a:rPr lang="en-US" dirty="0"/>
               <a:t>Third level</a:t>
             </a:r>
           </a:p>
           <a:p>
             <a:pPr lvl="3"/>
             <a:r>
-              <a:rPr lang="en-US"/>
+              <a:rPr lang="en-US" dirty="0"/>
               <a:t>Fourth level</a:t>
             </a:r>
           </a:p>
           <a:p>
             <a:pPr lvl="4"/>
             <a:r>
-              <a:rPr lang="en-US"/>
+              <a:rPr lang="en-US" dirty="0"/>
               <a:t>Fifth level</a:t>
             </a:r>
-            <a:endParaRPr lang="en-US" dirty="0"/>
           </a:p>
         </p:txBody>
       </p:sp>
@@ -2456,48 +5448,79 @@
         </p:spPr>
         <p:txBody>
           <a:bodyPr/>
-          <a:lstStyle/>
+          <a:lstStyle>
+            <a:lvl1pPr>
+              <a:defRPr>
+                <a:latin typeface="UVN Viet Sach" panose="02040502050505030904" pitchFamily="18" charset="0"/>
+              </a:defRPr>
+            </a:lvl1pPr>
+            <a:lvl2pPr>
+              <a:defRPr>
+                <a:latin typeface="UVN Viet Sach" panose="02040502050505030904" pitchFamily="18" charset="0"/>
+              </a:defRPr>
+            </a:lvl2pPr>
+            <a:lvl3pPr>
+              <a:defRPr>
+                <a:latin typeface="UVN Viet Sach" panose="02040502050505030904" pitchFamily="18" charset="0"/>
+              </a:defRPr>
+            </a:lvl3pPr>
+            <a:lvl4pPr>
+              <a:defRPr>
+                <a:latin typeface="UVN Viet Sach" panose="02040502050505030904" pitchFamily="18" charset="0"/>
+              </a:defRPr>
+            </a:lvl4pPr>
+            <a:lvl5pPr>
+              <a:defRPr>
+                <a:latin typeface="UVN Viet Sach" panose="02040502050505030904" pitchFamily="18" charset="0"/>
+              </a:defRPr>
+            </a:lvl5pPr>
+          </a:lstStyle>
           <a:p>
             <a:pPr lvl="0"/>
             <a:r>
-              <a:rPr lang="en-US"/>
+              <a:rPr lang="en-US" dirty="0"/>
               <a:t>Edit Master text styles</a:t>
             </a:r>
           </a:p>
           <a:p>
             <a:pPr lvl="1"/>
             <a:r>
-              <a:rPr lang="en-US"/>
+              <a:rPr lang="en-US" dirty="0"/>
               <a:t>Second level</a:t>
             </a:r>
           </a:p>
           <a:p>
             <a:pPr lvl="2"/>
             <a:r>
-              <a:rPr lang="en-US"/>
+              <a:rPr lang="en-US" dirty="0"/>
               <a:t>Third level</a:t>
             </a:r>
           </a:p>
           <a:p>
             <a:pPr lvl="3"/>
             <a:r>
-              <a:rPr lang="en-US"/>
+              <a:rPr lang="en-US" dirty="0"/>
               <a:t>Fourth level</a:t>
             </a:r>
           </a:p>
           <a:p>
             <a:pPr lvl="4"/>
             <a:r>
-              <a:rPr lang="en-US"/>
+              <a:rPr lang="en-US" dirty="0"/>
               <a:t>Fifth level</a:t>
             </a:r>
-            <a:endParaRPr lang="en-US" dirty="0"/>
           </a:p>
         </p:txBody>
       </p:sp>
       <p:sp>
         <p:nvSpPr>
-          <p:cNvPr id="5" name="Date Placeholder 4"/>
+          <p:cNvPr id="11" name="Date Placeholder 10">
+            <a:extLst>
+              <a:ext uri="{FF2B5EF4-FFF2-40B4-BE49-F238E27FC236}">
+                <a16:creationId xmlns:a16="http://schemas.microsoft.com/office/drawing/2014/main" id="{73C1A95B-B976-431D-A3BF-629A3E3329A6}"/>
+              </a:ext>
+            </a:extLst>
+          </p:cNvPr>
           <p:cNvSpPr>
             <a:spLocks noGrp="1"/>
           </p:cNvSpPr>
@@ -2512,7 +5535,8 @@
           <a:p>
             <a:fld id="{48A87A34-81AB-432B-8DAE-1953F412C126}" type="datetimeFigureOut">
               <a:rPr lang="en-US" smtClean="0"/>
-              <a:t>4/2/2018</a:t>
+              <a:pPr/>
+              <a:t>4/20/2018</a:t>
             </a:fld>
             <a:endParaRPr lang="en-US" dirty="0"/>
           </a:p>
@@ -2520,7 +5544,13 @@
       </p:sp>
       <p:sp>
         <p:nvSpPr>
-          <p:cNvPr id="6" name="Footer Placeholder 5"/>
+          <p:cNvPr id="12" name="Footer Placeholder 11">
+            <a:extLst>
+              <a:ext uri="{FF2B5EF4-FFF2-40B4-BE49-F238E27FC236}">
+                <a16:creationId xmlns:a16="http://schemas.microsoft.com/office/drawing/2014/main" id="{86ACB0E7-AE26-42FB-A106-CE2AE38785C1}"/>
+              </a:ext>
+            </a:extLst>
+          </p:cNvPr>
           <p:cNvSpPr>
             <a:spLocks noGrp="1"/>
           </p:cNvSpPr>
@@ -2539,7 +5569,13 @@
       </p:sp>
       <p:sp>
         <p:nvSpPr>
-          <p:cNvPr id="7" name="Slide Number Placeholder 6"/>
+          <p:cNvPr id="13" name="Slide Number Placeholder 12">
+            <a:extLst>
+              <a:ext uri="{FF2B5EF4-FFF2-40B4-BE49-F238E27FC236}">
+                <a16:creationId xmlns:a16="http://schemas.microsoft.com/office/drawing/2014/main" id="{15099F6F-8130-4D97-A775-F3C5FC7B9470}"/>
+              </a:ext>
+            </a:extLst>
+          </p:cNvPr>
           <p:cNvSpPr>
             <a:spLocks noGrp="1"/>
           </p:cNvSpPr>
@@ -2554,9 +5590,38 @@
           <a:p>
             <a:fld id="{6D22F896-40B5-4ADD-8801-0D06FADFA095}" type="slidenum">
               <a:rPr lang="en-US" smtClean="0"/>
+              <a:pPr/>
               <a:t>‹#›</a:t>
             </a:fld>
             <a:endParaRPr lang="en-US" dirty="0"/>
+          </a:p>
+        </p:txBody>
+      </p:sp>
+      <p:sp>
+        <p:nvSpPr>
+          <p:cNvPr id="14" name="Title 13">
+            <a:extLst>
+              <a:ext uri="{FF2B5EF4-FFF2-40B4-BE49-F238E27FC236}">
+                <a16:creationId xmlns:a16="http://schemas.microsoft.com/office/drawing/2014/main" id="{9E65D410-383E-49B1-B2C5-E242997E8EA0}"/>
+              </a:ext>
+            </a:extLst>
+          </p:cNvPr>
+          <p:cNvSpPr>
+            <a:spLocks noGrp="1"/>
+          </p:cNvSpPr>
+          <p:nvPr>
+            <p:ph type="title"/>
+          </p:nvPr>
+        </p:nvSpPr>
+        <p:spPr/>
+        <p:txBody>
+          <a:bodyPr/>
+          <a:lstStyle/>
+          <a:p>
+            <a:r>
+              <a:rPr lang="en-US"/>
+              <a:t>Click to edit Master title style</a:t>
+            </a:r>
           </a:p>
         </p:txBody>
       </p:sp>
@@ -2611,10 +5676,9 @@
           <a:lstStyle/>
           <a:p>
             <a:r>
-              <a:rPr lang="en-US"/>
+              <a:rPr lang="en-US" dirty="0"/>
               <a:t>Click to edit Master title style</a:t>
             </a:r>
-            <a:endParaRPr lang="en-US" dirty="0"/>
           </a:p>
         </p:txBody>
       </p:sp>
@@ -2891,7 +5955,7 @@
           <a:p>
             <a:fld id="{48A87A34-81AB-432B-8DAE-1953F412C126}" type="datetimeFigureOut">
               <a:rPr lang="en-US" smtClean="0"/>
-              <a:t>4/2/2018</a:t>
+              <a:t>4/20/2018</a:t>
             </a:fld>
             <a:endParaRPr lang="en-US" dirty="0"/>
           </a:p>
@@ -2982,13 +6046,19 @@
         <p:spPr/>
         <p:txBody>
           <a:bodyPr/>
-          <a:lstStyle/>
-          <a:p>
-            <a:r>
-              <a:rPr lang="en-US"/>
+          <a:lstStyle>
+            <a:lvl1pPr>
+              <a:defRPr>
+                <a:latin typeface="Segoe UI" panose="020B0502040204020203" pitchFamily="34" charset="0"/>
+                <a:cs typeface="Segoe UI" panose="020B0502040204020203" pitchFamily="34" charset="0"/>
+              </a:defRPr>
+            </a:lvl1pPr>
+          </a:lstStyle>
+          <a:p>
+            <a:r>
+              <a:rPr lang="en-US" dirty="0"/>
               <a:t>Click to edit Master title style</a:t>
             </a:r>
-            <a:endParaRPr lang="en-US" dirty="0"/>
           </a:p>
         </p:txBody>
       </p:sp>
@@ -3009,7 +6079,7 @@
           <a:p>
             <a:fld id="{48A87A34-81AB-432B-8DAE-1953F412C126}" type="datetimeFigureOut">
               <a:rPr lang="en-US" smtClean="0"/>
-              <a:t>4/2/2018</a:t>
+              <a:t>4/20/2018</a:t>
             </a:fld>
             <a:endParaRPr lang="en-US" dirty="0"/>
           </a:p>
@@ -3180,7 +6250,7 @@
           <a:p>
             <a:fld id="{48A87A34-81AB-432B-8DAE-1953F412C126}" type="datetimeFigureOut">
               <a:rPr lang="en-US" smtClean="0"/>
-              <a:t>4/2/2018</a:t>
+              <a:t>4/20/2018</a:t>
             </a:fld>
             <a:endParaRPr lang="en-US" dirty="0"/>
           </a:p>
@@ -3368,15 +6438,17 @@
                 <a:solidFill>
                   <a:srgbClr val="FFFFFF"/>
                 </a:solidFill>
+                <a:latin typeface="Segoe UI Black" panose="020B0A02040204020203" pitchFamily="34" charset="0"/>
+                <a:ea typeface="Segoe UI Black" panose="020B0A02040204020203" pitchFamily="34" charset="0"/>
+                <a:cs typeface="Segoe UI Black" panose="020B0A02040204020203" pitchFamily="34" charset="0"/>
               </a:defRPr>
             </a:lvl1pPr>
           </a:lstStyle>
           <a:p>
             <a:r>
-              <a:rPr lang="en-US"/>
+              <a:rPr lang="en-US" dirty="0"/>
               <a:t>Click to edit Master title style</a:t>
             </a:r>
-            <a:endParaRPr lang="en-US" dirty="0"/>
           </a:p>
         </p:txBody>
       </p:sp>
@@ -3398,42 +6470,72 @@
         </p:spPr>
         <p:txBody>
           <a:bodyPr/>
-          <a:lstStyle/>
+          <a:lstStyle>
+            <a:lvl1pPr>
+              <a:defRPr>
+                <a:latin typeface="Segoe UI" panose="020B0502040204020203" pitchFamily="34" charset="0"/>
+                <a:cs typeface="Segoe UI" panose="020B0502040204020203" pitchFamily="34" charset="0"/>
+              </a:defRPr>
+            </a:lvl1pPr>
+            <a:lvl2pPr>
+              <a:defRPr>
+                <a:latin typeface="Segoe UI" panose="020B0502040204020203" pitchFamily="34" charset="0"/>
+                <a:cs typeface="Segoe UI" panose="020B0502040204020203" pitchFamily="34" charset="0"/>
+              </a:defRPr>
+            </a:lvl2pPr>
+            <a:lvl3pPr>
+              <a:defRPr>
+                <a:latin typeface="Segoe UI" panose="020B0502040204020203" pitchFamily="34" charset="0"/>
+                <a:cs typeface="Segoe UI" panose="020B0502040204020203" pitchFamily="34" charset="0"/>
+              </a:defRPr>
+            </a:lvl3pPr>
+            <a:lvl4pPr>
+              <a:defRPr>
+                <a:latin typeface="Segoe UI" panose="020B0502040204020203" pitchFamily="34" charset="0"/>
+                <a:cs typeface="Segoe UI" panose="020B0502040204020203" pitchFamily="34" charset="0"/>
+              </a:defRPr>
+            </a:lvl4pPr>
+            <a:lvl5pPr>
+              <a:defRPr>
+                <a:latin typeface="Segoe UI" panose="020B0502040204020203" pitchFamily="34" charset="0"/>
+                <a:cs typeface="Segoe UI" panose="020B0502040204020203" pitchFamily="34" charset="0"/>
+              </a:defRPr>
+            </a:lvl5pPr>
+          </a:lstStyle>
           <a:p>
             <a:pPr lvl="0"/>
             <a:r>
-              <a:rPr lang="en-US"/>
+              <a:rPr lang="en-US" dirty="0"/>
               <a:t>Edit Master text styles</a:t>
             </a:r>
           </a:p>
           <a:p>
             <a:pPr lvl="1"/>
             <a:r>
-              <a:rPr lang="en-US"/>
+              <a:rPr lang="en-US" dirty="0"/>
               <a:t>Second level</a:t>
             </a:r>
           </a:p>
           <a:p>
             <a:pPr lvl="2"/>
             <a:r>
-              <a:rPr lang="en-US"/>
+              <a:rPr lang="en-US" dirty="0"/>
               <a:t>Third level</a:t>
             </a:r>
           </a:p>
           <a:p>
             <a:pPr lvl="3"/>
             <a:r>
-              <a:rPr lang="en-US"/>
+              <a:rPr lang="en-US" dirty="0"/>
               <a:t>Fourth level</a:t>
             </a:r>
           </a:p>
           <a:p>
             <a:pPr lvl="4"/>
             <a:r>
-              <a:rPr lang="en-US"/>
+              <a:rPr lang="en-US" dirty="0"/>
               <a:t>Fifth level</a:t>
             </a:r>
-            <a:endParaRPr lang="en-US" dirty="0"/>
           </a:p>
         </p:txBody>
       </p:sp>
@@ -3464,6 +6566,8 @@
                 <a:solidFill>
                   <a:srgbClr val="FFFFFF"/>
                 </a:solidFill>
+                <a:latin typeface="Segoe UI" panose="020B0502040204020203" pitchFamily="34" charset="0"/>
+                <a:cs typeface="Segoe UI" panose="020B0502040204020203" pitchFamily="34" charset="0"/>
               </a:defRPr>
             </a:lvl1pPr>
             <a:lvl2pPr marL="457200" indent="0">
@@ -3502,7 +6606,7 @@
           <a:p>
             <a:pPr lvl="0"/>
             <a:r>
-              <a:rPr lang="en-US"/>
+              <a:rPr lang="en-US" dirty="0"/>
               <a:t>Edit Master text styles</a:t>
             </a:r>
           </a:p>
@@ -3528,13 +6632,16 @@
           <a:bodyPr/>
           <a:lstStyle>
             <a:lvl1pPr algn="l">
-              <a:defRPr/>
+              <a:defRPr>
+                <a:latin typeface="+mn-lt"/>
+              </a:defRPr>
             </a:lvl1pPr>
           </a:lstStyle>
           <a:p>
             <a:fld id="{48A87A34-81AB-432B-8DAE-1953F412C126}" type="datetimeFigureOut">
               <a:rPr lang="en-US" smtClean="0"/>
-              <a:t>4/2/2018</a:t>
+              <a:pPr/>
+              <a:t>4/20/2018</a:t>
             </a:fld>
             <a:endParaRPr lang="en-US" dirty="0"/>
           </a:p>
@@ -3735,15 +6842,17 @@
                 <a:solidFill>
                   <a:srgbClr val="FFFFFF"/>
                 </a:solidFill>
+                <a:latin typeface="Segoe UI" panose="020B0502040204020203" pitchFamily="34" charset="0"/>
+                <a:ea typeface="Segoe UI Black" panose="020B0A02040204020203" pitchFamily="34" charset="0"/>
+                <a:cs typeface="Segoe UI" panose="020B0502040204020203" pitchFamily="34" charset="0"/>
               </a:defRPr>
             </a:lvl1pPr>
           </a:lstStyle>
           <a:p>
             <a:r>
-              <a:rPr lang="en-US"/>
+              <a:rPr lang="en-US" dirty="0"/>
               <a:t>Click to edit Master title style</a:t>
             </a:r>
-            <a:endParaRPr lang="en-US" dirty="0"/>
           </a:p>
         </p:txBody>
       </p:sp>
@@ -3810,10 +6919,9 @@
           </a:lstStyle>
           <a:p>
             <a:r>
-              <a:rPr lang="en-US"/>
+              <a:rPr lang="en-US" dirty="0"/>
               <a:t>Click icon to add picture</a:t>
             </a:r>
-            <a:endParaRPr lang="en-US" dirty="0"/>
           </a:p>
         </p:txBody>
       </p:sp>
@@ -3850,6 +6958,8 @@
                 <a:solidFill>
                   <a:srgbClr val="FFFFFF"/>
                 </a:solidFill>
+                <a:latin typeface="Latha" panose="020B0604020202020204" pitchFamily="34" charset="0"/>
+                <a:cs typeface="Latha" panose="020B0604020202020204" pitchFamily="34" charset="0"/>
               </a:defRPr>
             </a:lvl1pPr>
             <a:lvl2pPr marL="457200" indent="0">
@@ -3888,7 +6998,7 @@
           <a:p>
             <a:pPr lvl="0"/>
             <a:r>
-              <a:rPr lang="en-US"/>
+              <a:rPr lang="en-US" dirty="0"/>
               <a:t>Edit Master text styles</a:t>
             </a:r>
           </a:p>
@@ -3911,7 +7021,7 @@
           <a:p>
             <a:fld id="{48A87A34-81AB-432B-8DAE-1953F412C126}" type="datetimeFigureOut">
               <a:rPr lang="en-US" smtClean="0"/>
-              <a:t>4/2/2018</a:t>
+              <a:t>4/20/2018</a:t>
             </a:fld>
             <a:endParaRPr lang="en-US" dirty="0"/>
           </a:p>
@@ -4096,10 +7206,9 @@
           <a:lstStyle/>
           <a:p>
             <a:r>
-              <a:rPr lang="en-US"/>
+              <a:rPr lang="en-US" dirty="0"/>
               <a:t>Click to edit Master title style</a:t>
             </a:r>
-            <a:endParaRPr lang="en-US" dirty="0"/>
           </a:p>
         </p:txBody>
       </p:sp>
@@ -4130,38 +7239,37 @@
           <a:p>
             <a:pPr lvl="0"/>
             <a:r>
-              <a:rPr lang="en-US"/>
+              <a:rPr lang="en-US" dirty="0"/>
               <a:t>Edit Master text styles</a:t>
             </a:r>
           </a:p>
           <a:p>
             <a:pPr lvl="1"/>
             <a:r>
-              <a:rPr lang="en-US"/>
+              <a:rPr lang="en-US" dirty="0"/>
               <a:t>Second level</a:t>
             </a:r>
           </a:p>
           <a:p>
             <a:pPr lvl="2"/>
             <a:r>
-              <a:rPr lang="en-US"/>
+              <a:rPr lang="en-US" dirty="0"/>
               <a:t>Third level</a:t>
             </a:r>
           </a:p>
           <a:p>
             <a:pPr lvl="3"/>
             <a:r>
-              <a:rPr lang="en-US"/>
+              <a:rPr lang="en-US" dirty="0"/>
               <a:t>Fourth level</a:t>
             </a:r>
           </a:p>
           <a:p>
             <a:pPr lvl="4"/>
             <a:r>
-              <a:rPr lang="en-US"/>
+              <a:rPr lang="en-US" dirty="0"/>
               <a:t>Fifth level</a:t>
             </a:r>
-            <a:endParaRPr lang="en-US" dirty="0"/>
           </a:p>
         </p:txBody>
       </p:sp>
@@ -4199,7 +7307,7 @@
             <a:fld id="{48A87A34-81AB-432B-8DAE-1953F412C126}" type="datetimeFigureOut">
               <a:rPr lang="en-US" smtClean="0"/>
               <a:pPr/>
-              <a:t>4/2/2018</a:t>
+              <a:t>4/20/2018</a:t>
             </a:fld>
             <a:endParaRPr lang="en-US" dirty="0"/>
           </a:p>
@@ -4338,6 +7446,7 @@
     <p:sldLayoutId id="2147483749" r:id="rId9"/>
     <p:sldLayoutId id="2147483750" r:id="rId10"/>
     <p:sldLayoutId id="2147483751" r:id="rId11"/>
+    <p:sldLayoutId id="2147483752" r:id="rId12"/>
   </p:sldLayoutIdLst>
   <p:txStyles>
     <p:titleStyle>
@@ -4356,9 +7465,9 @@
               <a:lumOff val="25000"/>
             </a:schemeClr>
           </a:solidFill>
-          <a:latin typeface="+mj-lt"/>
+          <a:latin typeface="Segoe UI" panose="020B0502040204020203" pitchFamily="34" charset="0"/>
           <a:ea typeface="+mj-ea"/>
-          <a:cs typeface="+mj-cs"/>
+          <a:cs typeface="Segoe UI" panose="020B0502040204020203" pitchFamily="34" charset="0"/>
         </a:defRPr>
       </a:lvl1pPr>
     </p:titleStyle>
@@ -4386,9 +7495,9 @@
               <a:lumOff val="25000"/>
             </a:schemeClr>
           </a:solidFill>
-          <a:latin typeface="+mn-lt"/>
+          <a:latin typeface="Latha" panose="020B0604020202020204" pitchFamily="34" charset="0"/>
           <a:ea typeface="+mn-ea"/>
-          <a:cs typeface="+mn-cs"/>
+          <a:cs typeface="Latha" panose="020B0604020202020204" pitchFamily="34" charset="0"/>
         </a:defRPr>
       </a:lvl1pPr>
       <a:lvl2pPr marL="384048" indent="-182880" algn="l" defTabSz="914400" rtl="0" eaLnBrk="1" latinLnBrk="0" hangingPunct="1">
@@ -4413,9 +7522,9 @@
               <a:lumOff val="25000"/>
             </a:schemeClr>
           </a:solidFill>
-          <a:latin typeface="+mn-lt"/>
+          <a:latin typeface="Latha" panose="020B0604020202020204" pitchFamily="34" charset="0"/>
           <a:ea typeface="+mn-ea"/>
-          <a:cs typeface="+mn-cs"/>
+          <a:cs typeface="Latha" panose="020B0604020202020204" pitchFamily="34" charset="0"/>
         </a:defRPr>
       </a:lvl2pPr>
       <a:lvl3pPr marL="566928" indent="-182880" algn="l" defTabSz="914400" rtl="0" eaLnBrk="1" latinLnBrk="0" hangingPunct="1">
@@ -4440,9 +7549,9 @@
               <a:lumOff val="25000"/>
             </a:schemeClr>
           </a:solidFill>
-          <a:latin typeface="+mn-lt"/>
+          <a:latin typeface="Latha" panose="020B0604020202020204" pitchFamily="34" charset="0"/>
           <a:ea typeface="+mn-ea"/>
-          <a:cs typeface="+mn-cs"/>
+          <a:cs typeface="Latha" panose="020B0604020202020204" pitchFamily="34" charset="0"/>
         </a:defRPr>
       </a:lvl3pPr>
       <a:lvl4pPr marL="749808" indent="-182880" algn="l" defTabSz="914400" rtl="0" eaLnBrk="1" latinLnBrk="0" hangingPunct="1">
@@ -4467,9 +7576,9 @@
               <a:lumOff val="25000"/>
             </a:schemeClr>
           </a:solidFill>
-          <a:latin typeface="+mn-lt"/>
+          <a:latin typeface="Latha" panose="020B0604020202020204" pitchFamily="34" charset="0"/>
           <a:ea typeface="+mn-ea"/>
-          <a:cs typeface="+mn-cs"/>
+          <a:cs typeface="Latha" panose="020B0604020202020204" pitchFamily="34" charset="0"/>
         </a:defRPr>
       </a:lvl4pPr>
       <a:lvl5pPr marL="932688" indent="-182880" algn="l" defTabSz="914400" rtl="0" eaLnBrk="1" latinLnBrk="0" hangingPunct="1">
@@ -4494,9 +7603,9 @@
               <a:lumOff val="25000"/>
             </a:schemeClr>
           </a:solidFill>
-          <a:latin typeface="+mn-lt"/>
+          <a:latin typeface="Latha" panose="020B0604020202020204" pitchFamily="34" charset="0"/>
           <a:ea typeface="+mn-ea"/>
-          <a:cs typeface="+mn-cs"/>
+          <a:cs typeface="Latha" panose="020B0604020202020204" pitchFamily="34" charset="0"/>
         </a:defRPr>
       </a:lvl5pPr>
       <a:lvl6pPr marL="1100000" indent="-228600" algn="l" defTabSz="914400" rtl="0" eaLnBrk="1" latinLnBrk="0" hangingPunct="1">
@@ -4866,7 +7975,12 @@
             <p:ph type="title"/>
           </p:nvPr>
         </p:nvSpPr>
-        <p:spPr/>
+        <p:spPr>
+          <a:xfrm>
+            <a:off x="127000" y="565338"/>
+            <a:ext cx="2909815" cy="2331721"/>
+          </a:xfrm>
+        </p:spPr>
         <p:txBody>
           <a:bodyPr>
             <a:normAutofit fontScale="90000"/>
@@ -4874,66 +7988,46 @@
           <a:lstStyle/>
           <a:p>
             <a:r>
-              <a:rPr lang="en-US" sz="4700" dirty="0" err="1">
+              <a:rPr lang="en-US" sz="4700" b="0" dirty="0" err="1">
                 <a:solidFill>
                   <a:srgbClr val="FFFFFF"/>
                 </a:solidFill>
+                <a:latin typeface="Segoe UI Black" panose="020B0A02040204020203" pitchFamily="34" charset="0"/>
+                <a:ea typeface="Segoe UI Black" panose="020B0A02040204020203" pitchFamily="34" charset="0"/>
+                <a:cs typeface="Segoe UI Black" panose="020B0A02040204020203" pitchFamily="34" charset="0"/>
               </a:rPr>
               <a:t>Quản</a:t>
             </a:r>
             <a:r>
-              <a:rPr lang="en-US" sz="4700" dirty="0">
+              <a:rPr lang="en-US" sz="4700" b="0" dirty="0">
                 <a:solidFill>
                   <a:srgbClr val="FFFFFF"/>
                 </a:solidFill>
+                <a:latin typeface="Segoe UI Black" panose="020B0A02040204020203" pitchFamily="34" charset="0"/>
+                <a:ea typeface="Segoe UI Black" panose="020B0A02040204020203" pitchFamily="34" charset="0"/>
+                <a:cs typeface="Segoe UI Black" panose="020B0A02040204020203" pitchFamily="34" charset="0"/>
               </a:rPr>
-              <a:t> </a:t>
-            </a:r>
-            <a:r>
-              <a:rPr lang="en-US" sz="4700" dirty="0" err="1">
+              <a:t> lý mã </a:t>
+            </a:r>
+            <a:r>
+              <a:rPr lang="en-US" sz="4700" b="0" dirty="0" err="1">
                 <a:solidFill>
                   <a:srgbClr val="FFFFFF"/>
                 </a:solidFill>
+                <a:latin typeface="Segoe UI Black" panose="020B0A02040204020203" pitchFamily="34" charset="0"/>
+                <a:ea typeface="Segoe UI Black" panose="020B0A02040204020203" pitchFamily="34" charset="0"/>
+                <a:cs typeface="Segoe UI Black" panose="020B0A02040204020203" pitchFamily="34" charset="0"/>
               </a:rPr>
-              <a:t>lý</a:t>
-            </a:r>
-            <a:r>
-              <a:rPr lang="en-US" sz="4700" dirty="0">
+              <a:t>nguồn</a:t>
+            </a:r>
+            <a:r>
+              <a:rPr lang="en-US" sz="4700" b="0" dirty="0">
                 <a:solidFill>
                   <a:srgbClr val="FFFFFF"/>
                 </a:solidFill>
-              </a:rPr>
-              <a:t> </a:t>
-            </a:r>
-            <a:r>
-              <a:rPr lang="en-US" sz="4700" dirty="0" err="1">
-                <a:solidFill>
-                  <a:srgbClr val="FFFFFF"/>
-                </a:solidFill>
-              </a:rPr>
-              <a:t>mã</a:t>
-            </a:r>
-            <a:r>
-              <a:rPr lang="en-US" sz="4700" dirty="0">
-                <a:solidFill>
-                  <a:srgbClr val="FFFFFF"/>
-                </a:solidFill>
-              </a:rPr>
-              <a:t> </a:t>
-            </a:r>
-            <a:r>
-              <a:rPr lang="en-US" sz="4700" dirty="0" err="1">
-                <a:solidFill>
-                  <a:srgbClr val="FFFFFF"/>
-                </a:solidFill>
-              </a:rPr>
-              <a:t>nguồn</a:t>
-            </a:r>
-            <a:r>
-              <a:rPr lang="en-US" sz="4700" dirty="0">
-                <a:solidFill>
-                  <a:srgbClr val="FFFFFF"/>
-                </a:solidFill>
+                <a:latin typeface="Segoe UI Black" panose="020B0A02040204020203" pitchFamily="34" charset="0"/>
+                <a:ea typeface="Segoe UI Black" panose="020B0A02040204020203" pitchFamily="34" charset="0"/>
+                <a:cs typeface="Segoe UI Black" panose="020B0A02040204020203" pitchFamily="34" charset="0"/>
               </a:rPr>
               <a:t> tại Google</a:t>
             </a:r>
@@ -4956,37 +8050,30 @@
             <p:ph type="body" sz="half" idx="2"/>
           </p:nvPr>
         </p:nvSpPr>
-        <p:spPr/>
+        <p:spPr>
+          <a:xfrm>
+            <a:off x="381757" y="3178532"/>
+            <a:ext cx="2400300" cy="629920"/>
+          </a:xfrm>
+        </p:spPr>
         <p:txBody>
           <a:bodyPr/>
           <a:lstStyle/>
           <a:p>
             <a:r>
-              <a:rPr lang="en-US" dirty="0">
-                <a:latin typeface="Arial" panose="020B0604020202020204" pitchFamily="34" charset="0"/>
-                <a:cs typeface="Arial" panose="020B0604020202020204" pitchFamily="34" charset="0"/>
-              </a:rPr>
+              <a:rPr lang="en-US" dirty="0"/>
               <a:t>V</a:t>
             </a:r>
             <a:r>
-              <a:rPr lang="vi-VN" dirty="0">
-                <a:latin typeface="Arial" panose="020B0604020202020204" pitchFamily="34" charset="0"/>
-                <a:cs typeface="Arial" panose="020B0604020202020204" pitchFamily="34" charset="0"/>
-              </a:rPr>
+              <a:rPr lang="vi-VN" dirty="0"/>
               <a:t>ư</a:t>
             </a:r>
             <a:r>
-              <a:rPr lang="en-US" dirty="0" err="1">
-                <a:latin typeface="Arial" panose="020B0604020202020204" pitchFamily="34" charset="0"/>
-                <a:cs typeface="Arial" panose="020B0604020202020204" pitchFamily="34" charset="0"/>
-              </a:rPr>
+              <a:rPr lang="en-US" dirty="0" err="1"/>
               <a:t>ơng</a:t>
             </a:r>
             <a:r>
-              <a:rPr lang="en-US" dirty="0">
-                <a:latin typeface="Arial" panose="020B0604020202020204" pitchFamily="34" charset="0"/>
-                <a:cs typeface="Arial" panose="020B0604020202020204" pitchFamily="34" charset="0"/>
-              </a:rPr>
+              <a:rPr lang="en-US" dirty="0"/>
               <a:t> Chí Sơn</a:t>
             </a:r>
           </a:p>
@@ -5002,10 +8089,1870 @@
   <p:clrMapOvr>
     <a:masterClrMapping/>
   </p:clrMapOvr>
+  <p:transition spd="med">
+    <p:cover/>
+  </p:transition>
 </p:sld>
 </file>
 
 <file path=ppt/slides/slide10.xml><?xml version="1.0" encoding="utf-8"?>
+<p:sld xmlns:a="http://schemas.openxmlformats.org/drawingml/2006/main" xmlns:r="http://schemas.openxmlformats.org/officeDocument/2006/relationships" xmlns:p="http://schemas.openxmlformats.org/presentationml/2006/main">
+  <p:cSld>
+    <p:spTree>
+      <p:nvGrpSpPr>
+        <p:cNvPr id="1" name=""/>
+        <p:cNvGrpSpPr/>
+        <p:nvPr/>
+      </p:nvGrpSpPr>
+      <p:grpSpPr>
+        <a:xfrm>
+          <a:off x="0" y="0"/>
+          <a:ext cx="0" cy="0"/>
+          <a:chOff x="0" y="0"/>
+          <a:chExt cx="0" cy="0"/>
+        </a:xfrm>
+      </p:grpSpPr>
+      <mc:AlternateContent xmlns:mc="http://schemas.openxmlformats.org/markup-compatibility/2006">
+        <mc:Choice xmlns:pslz="http://schemas.microsoft.com/office/powerpoint/2016/slidezoom" Requires="pslz">
+          <p:graphicFrame>
+            <p:nvGraphicFramePr>
+              <p:cNvPr id="5" name="Slide Zoom 4">
+                <a:extLst>
+                  <a:ext uri="{FF2B5EF4-FFF2-40B4-BE49-F238E27FC236}">
+                    <a16:creationId xmlns:a16="http://schemas.microsoft.com/office/drawing/2014/main" id="{2C1E7B35-8512-4A6D-A4A5-D942957873B2}"/>
+                  </a:ext>
+                </a:extLst>
+              </p:cNvPr>
+              <p:cNvGraphicFramePr>
+                <a:graphicFrameLocks noChangeAspect="1"/>
+              </p:cNvGraphicFramePr>
+              <p:nvPr>
+                <p:extLst>
+                  <p:ext uri="{D42A27DB-BD31-4B8C-83A1-F6EECF244321}">
+                    <p14:modId xmlns:p14="http://schemas.microsoft.com/office/powerpoint/2010/main" val="4122960187"/>
+                  </p:ext>
+                </p:extLst>
+              </p:nvPr>
+            </p:nvGraphicFramePr>
+            <p:xfrm>
+              <a:off x="6437208" y="4123690"/>
+              <a:ext cx="2658533" cy="1993900"/>
+            </p:xfrm>
+            <a:graphic>
+              <a:graphicData uri="http://schemas.microsoft.com/office/powerpoint/2016/slidezoom">
+                <pslz:sldZm>
+                  <pslz:sldZmObj sldId="273" cId="1513389660">
+                    <pslz:zmPr id="{E1583F70-2D40-42BB-8992-E0DD5EC96F3B}" returnToParent="0" transitionDur="1000">
+                      <p166:blipFill xmlns:p166="http://schemas.microsoft.com/office/powerpoint/2016/6/main">
+                        <a:blip r:embed="rId2"/>
+                        <a:stretch>
+                          <a:fillRect/>
+                        </a:stretch>
+                      </p166:blipFill>
+                      <p166:spPr xmlns:p166="http://schemas.microsoft.com/office/powerpoint/2016/6/main">
+                        <a:xfrm>
+                          <a:off x="0" y="0"/>
+                          <a:ext cx="2658533" cy="1993900"/>
+                        </a:xfrm>
+                        <a:prstGeom prst="rect">
+                          <a:avLst/>
+                        </a:prstGeom>
+                        <a:ln>
+                          <a:noFill/>
+                        </a:ln>
+                        <a:effectLst>
+                          <a:softEdge rad="112500"/>
+                        </a:effectLst>
+                      </p166:spPr>
+                    </pslz:zmPr>
+                  </pslz:sldZmObj>
+                </pslz:sldZm>
+              </a:graphicData>
+            </a:graphic>
+          </p:graphicFrame>
+        </mc:Choice>
+        <mc:Fallback>
+          <p:pic>
+            <p:nvPicPr>
+              <p:cNvPr id="5" name="Slide Zoom 4">
+                <a:hlinkClick r:id="rId3" action="ppaction://hlinksldjump"/>
+                <a:extLst>
+                  <a:ext uri="{FF2B5EF4-FFF2-40B4-BE49-F238E27FC236}">
+                    <a16:creationId xmlns:a16="http://schemas.microsoft.com/office/drawing/2014/main" id="{2C1E7B35-8512-4A6D-A4A5-D942957873B2}"/>
+                  </a:ext>
+                </a:extLst>
+              </p:cNvPr>
+              <p:cNvPicPr>
+                <a:picLocks noGrp="1" noRot="1" noChangeAspect="1" noMove="1" noResize="1" noEditPoints="1" noAdjustHandles="1" noChangeArrowheads="1" noChangeShapeType="1"/>
+              </p:cNvPicPr>
+              <p:nvPr/>
+            </p:nvPicPr>
+            <p:blipFill>
+              <a:blip r:embed="rId2"/>
+              <a:stretch>
+                <a:fillRect/>
+              </a:stretch>
+            </p:blipFill>
+            <p:spPr>
+              <a:xfrm>
+                <a:off x="6437208" y="4123690"/>
+                <a:ext cx="2658533" cy="1993900"/>
+              </a:xfrm>
+              <a:prstGeom prst="rect">
+                <a:avLst/>
+              </a:prstGeom>
+              <a:ln>
+                <a:noFill/>
+              </a:ln>
+              <a:effectLst>
+                <a:softEdge rad="112500"/>
+              </a:effectLst>
+            </p:spPr>
+          </p:pic>
+        </mc:Fallback>
+      </mc:AlternateContent>
+      <p:sp>
+        <p:nvSpPr>
+          <p:cNvPr id="2" name="Title 1">
+            <a:extLst>
+              <a:ext uri="{FF2B5EF4-FFF2-40B4-BE49-F238E27FC236}">
+                <a16:creationId xmlns:a16="http://schemas.microsoft.com/office/drawing/2014/main" id="{3BEA6EF2-C109-46E5-AA54-E37269B543C9}"/>
+              </a:ext>
+            </a:extLst>
+          </p:cNvPr>
+          <p:cNvSpPr>
+            <a:spLocks noGrp="1"/>
+          </p:cNvSpPr>
+          <p:nvPr>
+            <p:ph type="title"/>
+          </p:nvPr>
+        </p:nvSpPr>
+        <p:spPr>
+          <a:xfrm>
+            <a:off x="822960" y="286604"/>
+            <a:ext cx="7840980" cy="1450757"/>
+          </a:xfrm>
+        </p:spPr>
+        <p:txBody>
+          <a:bodyPr/>
+          <a:lstStyle/>
+          <a:p>
+            <a:r>
+              <a:rPr lang="en-US" dirty="0" err="1"/>
+              <a:t>Hệ</a:t>
+            </a:r>
+            <a:r>
+              <a:rPr lang="en-US" dirty="0"/>
+              <a:t> </a:t>
+            </a:r>
+            <a:r>
+              <a:rPr lang="en-US" dirty="0" err="1"/>
+              <a:t>thống</a:t>
+            </a:r>
+            <a:r>
+              <a:rPr lang="en-US" dirty="0"/>
+              <a:t> </a:t>
+            </a:r>
+            <a:r>
+              <a:rPr lang="en-US" dirty="0" err="1"/>
+              <a:t>quản</a:t>
+            </a:r>
+            <a:r>
+              <a:rPr lang="en-US" dirty="0"/>
+              <a:t> </a:t>
+            </a:r>
+            <a:r>
+              <a:rPr lang="en-US" dirty="0" err="1"/>
+              <a:t>lý</a:t>
+            </a:r>
+            <a:r>
+              <a:rPr lang="en-US" dirty="0"/>
+              <a:t> </a:t>
+            </a:r>
+            <a:r>
+              <a:rPr lang="en-US" dirty="0" err="1"/>
+              <a:t>mã</a:t>
+            </a:r>
+            <a:r>
+              <a:rPr lang="en-US" dirty="0"/>
+              <a:t> </a:t>
+            </a:r>
+            <a:r>
+              <a:rPr lang="en-US" dirty="0" err="1"/>
+              <a:t>nguồn</a:t>
+            </a:r>
+            <a:endParaRPr lang="en-US" dirty="0"/>
+          </a:p>
+        </p:txBody>
+      </p:sp>
+      <p:sp>
+        <p:nvSpPr>
+          <p:cNvPr id="3" name="Content Placeholder 2">
+            <a:extLst>
+              <a:ext uri="{FF2B5EF4-FFF2-40B4-BE49-F238E27FC236}">
+                <a16:creationId xmlns:a16="http://schemas.microsoft.com/office/drawing/2014/main" id="{4DB4B686-0F46-4BC7-B5CE-82C1DBDE13D0}"/>
+              </a:ext>
+            </a:extLst>
+          </p:cNvPr>
+          <p:cNvSpPr>
+            <a:spLocks noGrp="1"/>
+          </p:cNvSpPr>
+          <p:nvPr>
+            <p:ph idx="1"/>
+          </p:nvPr>
+        </p:nvSpPr>
+        <p:spPr>
+          <a:xfrm>
+            <a:off x="822959" y="1845734"/>
+            <a:ext cx="7622541" cy="4034366"/>
+          </a:xfrm>
+        </p:spPr>
+        <p:txBody>
+          <a:bodyPr/>
+          <a:lstStyle/>
+          <a:p>
+            <a:r>
+              <a:rPr lang="en-US" sz="2400" b="1" dirty="0">
+                <a:latin typeface="Segoe UI" panose="020B0502040204020203" pitchFamily="34" charset="0"/>
+                <a:cs typeface="Segoe UI" panose="020B0502040204020203" pitchFamily="34" charset="0"/>
+              </a:rPr>
+              <a:t>Piper</a:t>
+            </a:r>
+          </a:p>
+          <a:p>
+            <a:pPr>
+              <a:buFont typeface="Arial" panose="020B0604020202020204" pitchFamily="34" charset="0"/>
+              <a:buChar char="•"/>
+            </a:pPr>
+            <a:r>
+              <a:rPr lang="en-US" dirty="0">
+                <a:latin typeface="Segoe UI" panose="020B0502040204020203" pitchFamily="34" charset="0"/>
+                <a:cs typeface="Segoe UI" panose="020B0502040204020203" pitchFamily="34" charset="0"/>
+              </a:rPr>
+              <a:t>Lưu </a:t>
+            </a:r>
+            <a:r>
+              <a:rPr lang="en-US" dirty="0" err="1">
+                <a:latin typeface="Segoe UI" panose="020B0502040204020203" pitchFamily="34" charset="0"/>
+                <a:cs typeface="Segoe UI" panose="020B0502040204020203" pitchFamily="34" charset="0"/>
+              </a:rPr>
+              <a:t>trữ</a:t>
+            </a:r>
+            <a:r>
+              <a:rPr lang="en-US" dirty="0">
+                <a:latin typeface="Segoe UI" panose="020B0502040204020203" pitchFamily="34" charset="0"/>
+                <a:cs typeface="Segoe UI" panose="020B0502040204020203" pitchFamily="34" charset="0"/>
+              </a:rPr>
+              <a:t> </a:t>
+            </a:r>
+            <a:r>
+              <a:rPr lang="en-US" dirty="0" err="1">
+                <a:latin typeface="Segoe UI" panose="020B0502040204020203" pitchFamily="34" charset="0"/>
+                <a:cs typeface="Segoe UI" panose="020B0502040204020203" pitchFamily="34" charset="0"/>
+              </a:rPr>
+              <a:t>duy</a:t>
+            </a:r>
+            <a:r>
+              <a:rPr lang="en-US" dirty="0">
+                <a:latin typeface="Segoe UI" panose="020B0502040204020203" pitchFamily="34" charset="0"/>
+                <a:cs typeface="Segoe UI" panose="020B0502040204020203" pitchFamily="34" charset="0"/>
+              </a:rPr>
+              <a:t> </a:t>
+            </a:r>
+            <a:r>
+              <a:rPr lang="en-US" dirty="0" err="1">
+                <a:latin typeface="Segoe UI" panose="020B0502040204020203" pitchFamily="34" charset="0"/>
+                <a:cs typeface="Segoe UI" panose="020B0502040204020203" pitchFamily="34" charset="0"/>
+              </a:rPr>
+              <a:t>nhất</a:t>
+            </a:r>
+            <a:r>
+              <a:rPr lang="en-US" dirty="0">
+                <a:latin typeface="Segoe UI" panose="020B0502040204020203" pitchFamily="34" charset="0"/>
+                <a:cs typeface="Segoe UI" panose="020B0502040204020203" pitchFamily="34" charset="0"/>
+              </a:rPr>
+              <a:t> 1 repo </a:t>
+            </a:r>
+            <a:r>
+              <a:rPr lang="en-US" dirty="0" err="1">
+                <a:latin typeface="Segoe UI" panose="020B0502040204020203" pitchFamily="34" charset="0"/>
+                <a:cs typeface="Segoe UI" panose="020B0502040204020203" pitchFamily="34" charset="0"/>
+              </a:rPr>
+              <a:t>lớn</a:t>
+            </a:r>
+            <a:endParaRPr lang="en-US" dirty="0">
+              <a:latin typeface="Segoe UI" panose="020B0502040204020203" pitchFamily="34" charset="0"/>
+              <a:cs typeface="Segoe UI" panose="020B0502040204020203" pitchFamily="34" charset="0"/>
+            </a:endParaRPr>
+          </a:p>
+          <a:p>
+            <a:pPr>
+              <a:buFont typeface="Arial" panose="020B0604020202020204" pitchFamily="34" charset="0"/>
+              <a:buChar char="•"/>
+            </a:pPr>
+            <a:r>
+              <a:rPr lang="en-US" dirty="0">
+                <a:latin typeface="Segoe UI" panose="020B0502040204020203" pitchFamily="34" charset="0"/>
+                <a:cs typeface="Segoe UI" panose="020B0502040204020203" pitchFamily="34" charset="0"/>
+              </a:rPr>
+              <a:t>Chạy trên c</a:t>
+            </a:r>
+            <a:r>
+              <a:rPr lang="vi-VN" dirty="0">
+                <a:latin typeface="Segoe UI" panose="020B0502040204020203" pitchFamily="34" charset="0"/>
+                <a:cs typeface="Segoe UI" panose="020B0502040204020203" pitchFamily="34" charset="0"/>
+              </a:rPr>
+              <a:t>ơ</a:t>
+            </a:r>
+            <a:r>
+              <a:rPr lang="en-US" dirty="0">
+                <a:latin typeface="Segoe UI" panose="020B0502040204020203" pitchFamily="34" charset="0"/>
+                <a:cs typeface="Segoe UI" panose="020B0502040204020203" pitchFamily="34" charset="0"/>
+              </a:rPr>
+              <a:t> </a:t>
+            </a:r>
+            <a:r>
+              <a:rPr lang="en-US" dirty="0" err="1">
+                <a:latin typeface="Segoe UI" panose="020B0502040204020203" pitchFamily="34" charset="0"/>
+                <a:cs typeface="Segoe UI" panose="020B0502040204020203" pitchFamily="34" charset="0"/>
+              </a:rPr>
+              <a:t>sở</a:t>
+            </a:r>
+            <a:r>
+              <a:rPr lang="en-US" dirty="0">
+                <a:latin typeface="Segoe UI" panose="020B0502040204020203" pitchFamily="34" charset="0"/>
+                <a:cs typeface="Segoe UI" panose="020B0502040204020203" pitchFamily="34" charset="0"/>
+              </a:rPr>
+              <a:t> hạ </a:t>
+            </a:r>
+            <a:r>
+              <a:rPr lang="en-US" dirty="0" err="1">
+                <a:latin typeface="Segoe UI" panose="020B0502040204020203" pitchFamily="34" charset="0"/>
+                <a:cs typeface="Segoe UI" panose="020B0502040204020203" pitchFamily="34" charset="0"/>
+              </a:rPr>
+              <a:t>tầng</a:t>
+            </a:r>
+            <a:r>
+              <a:rPr lang="en-US" dirty="0">
+                <a:latin typeface="Segoe UI" panose="020B0502040204020203" pitchFamily="34" charset="0"/>
+                <a:cs typeface="Segoe UI" panose="020B0502040204020203" pitchFamily="34" charset="0"/>
+              </a:rPr>
+              <a:t> của Google, </a:t>
+            </a:r>
+            <a:r>
+              <a:rPr lang="en-US" dirty="0" err="1">
+                <a:latin typeface="Segoe UI" panose="020B0502040204020203" pitchFamily="34" charset="0"/>
+                <a:cs typeface="Segoe UI" panose="020B0502040204020203" pitchFamily="34" charset="0"/>
+              </a:rPr>
+              <a:t>đồng</a:t>
+            </a:r>
+            <a:r>
+              <a:rPr lang="en-US" dirty="0">
+                <a:latin typeface="Segoe UI" panose="020B0502040204020203" pitchFamily="34" charset="0"/>
+                <a:cs typeface="Segoe UI" panose="020B0502040204020203" pitchFamily="34" charset="0"/>
+              </a:rPr>
+              <a:t> bộ giữa 15 </a:t>
+            </a:r>
+            <a:r>
+              <a:rPr lang="en-US" dirty="0" err="1">
+                <a:latin typeface="Segoe UI" panose="020B0502040204020203" pitchFamily="34" charset="0"/>
+                <a:cs typeface="Segoe UI" panose="020B0502040204020203" pitchFamily="34" charset="0"/>
+              </a:rPr>
+              <a:t>trung</a:t>
+            </a:r>
+            <a:r>
+              <a:rPr lang="en-US" dirty="0">
+                <a:latin typeface="Segoe UI" panose="020B0502040204020203" pitchFamily="34" charset="0"/>
+                <a:cs typeface="Segoe UI" panose="020B0502040204020203" pitchFamily="34" charset="0"/>
+              </a:rPr>
+              <a:t> tâm dữ liệu </a:t>
+            </a:r>
+            <a:r>
+              <a:rPr lang="en-US" dirty="0" err="1">
+                <a:latin typeface="Segoe UI" panose="020B0502040204020203" pitchFamily="34" charset="0"/>
+                <a:cs typeface="Segoe UI" panose="020B0502040204020203" pitchFamily="34" charset="0"/>
+              </a:rPr>
+              <a:t>khắp</a:t>
+            </a:r>
+            <a:r>
+              <a:rPr lang="en-US" dirty="0">
+                <a:latin typeface="Segoe UI" panose="020B0502040204020203" pitchFamily="34" charset="0"/>
+                <a:cs typeface="Segoe UI" panose="020B0502040204020203" pitchFamily="34" charset="0"/>
+              </a:rPr>
+              <a:t> thế </a:t>
+            </a:r>
+            <a:r>
+              <a:rPr lang="en-US" dirty="0" err="1">
+                <a:latin typeface="Segoe UI" panose="020B0502040204020203" pitchFamily="34" charset="0"/>
+                <a:cs typeface="Segoe UI" panose="020B0502040204020203" pitchFamily="34" charset="0"/>
+              </a:rPr>
+              <a:t>giới</a:t>
+            </a:r>
+            <a:endParaRPr lang="en-US" dirty="0">
+              <a:latin typeface="Segoe UI" panose="020B0502040204020203" pitchFamily="34" charset="0"/>
+              <a:cs typeface="Segoe UI" panose="020B0502040204020203" pitchFamily="34" charset="0"/>
+            </a:endParaRPr>
+          </a:p>
+          <a:p>
+            <a:endParaRPr lang="en-US" dirty="0">
+              <a:latin typeface="Segoe UI" panose="020B0502040204020203" pitchFamily="34" charset="0"/>
+              <a:cs typeface="Segoe UI" panose="020B0502040204020203" pitchFamily="34" charset="0"/>
+            </a:endParaRPr>
+          </a:p>
+          <a:p>
+            <a:r>
+              <a:rPr lang="en-US" sz="2400" b="1" dirty="0" err="1">
+                <a:latin typeface="Segoe UI" panose="020B0502040204020203" pitchFamily="34" charset="0"/>
+                <a:cs typeface="Segoe UI" panose="020B0502040204020203" pitchFamily="34" charset="0"/>
+              </a:rPr>
+              <a:t>CitC</a:t>
+            </a:r>
+            <a:endParaRPr lang="en-US" sz="2400" b="1" dirty="0">
+              <a:latin typeface="Segoe UI" panose="020B0502040204020203" pitchFamily="34" charset="0"/>
+              <a:cs typeface="Segoe UI" panose="020B0502040204020203" pitchFamily="34" charset="0"/>
+            </a:endParaRPr>
+          </a:p>
+          <a:p>
+            <a:pPr>
+              <a:buFont typeface="Arial" panose="020B0604020202020204" pitchFamily="34" charset="0"/>
+              <a:buChar char="•"/>
+            </a:pPr>
+            <a:r>
+              <a:rPr lang="en-US" dirty="0">
+                <a:latin typeface="Segoe UI" panose="020B0502040204020203" pitchFamily="34" charset="0"/>
+                <a:cs typeface="Segoe UI" panose="020B0502040204020203" pitchFamily="34" charset="0"/>
+              </a:rPr>
+              <a:t>Trên </a:t>
+            </a:r>
+            <a:r>
+              <a:rPr lang="en-US" dirty="0" err="1">
+                <a:latin typeface="Segoe UI" panose="020B0502040204020203" pitchFamily="34" charset="0"/>
+                <a:cs typeface="Segoe UI" panose="020B0502040204020203" pitchFamily="34" charset="0"/>
+              </a:rPr>
+              <a:t>nền</a:t>
+            </a:r>
+            <a:r>
+              <a:rPr lang="en-US" dirty="0">
+                <a:latin typeface="Segoe UI" panose="020B0502040204020203" pitchFamily="34" charset="0"/>
+                <a:cs typeface="Segoe UI" panose="020B0502040204020203" pitchFamily="34" charset="0"/>
+              </a:rPr>
+              <a:t> </a:t>
+            </a:r>
+            <a:r>
+              <a:rPr lang="en-US" dirty="0" err="1">
+                <a:latin typeface="Segoe UI" panose="020B0502040204020203" pitchFamily="34" charset="0"/>
+                <a:cs typeface="Segoe UI" panose="020B0502040204020203" pitchFamily="34" charset="0"/>
+              </a:rPr>
+              <a:t>đám</a:t>
+            </a:r>
+            <a:r>
+              <a:rPr lang="en-US" dirty="0">
+                <a:latin typeface="Segoe UI" panose="020B0502040204020203" pitchFamily="34" charset="0"/>
+                <a:cs typeface="Segoe UI" panose="020B0502040204020203" pitchFamily="34" charset="0"/>
+              </a:rPr>
+              <a:t> </a:t>
+            </a:r>
+            <a:r>
+              <a:rPr lang="en-US" dirty="0" err="1">
+                <a:latin typeface="Segoe UI" panose="020B0502040204020203" pitchFamily="34" charset="0"/>
+                <a:cs typeface="Segoe UI" panose="020B0502040204020203" pitchFamily="34" charset="0"/>
+              </a:rPr>
+              <a:t>mây</a:t>
+            </a:r>
+            <a:r>
+              <a:rPr lang="en-US" dirty="0">
+                <a:latin typeface="Segoe UI" panose="020B0502040204020203" pitchFamily="34" charset="0"/>
+                <a:cs typeface="Segoe UI" panose="020B0502040204020203" pitchFamily="34" charset="0"/>
+              </a:rPr>
+              <a:t> và trên máy </a:t>
+            </a:r>
+            <a:r>
+              <a:rPr lang="en-US" dirty="0" err="1">
+                <a:latin typeface="Segoe UI" panose="020B0502040204020203" pitchFamily="34" charset="0"/>
+                <a:cs typeface="Segoe UI" panose="020B0502040204020203" pitchFamily="34" charset="0"/>
+              </a:rPr>
+              <a:t>tính</a:t>
+            </a:r>
+            <a:r>
+              <a:rPr lang="en-US" dirty="0">
+                <a:latin typeface="Segoe UI" panose="020B0502040204020203" pitchFamily="34" charset="0"/>
+                <a:cs typeface="Segoe UI" panose="020B0502040204020203" pitchFamily="34" charset="0"/>
+              </a:rPr>
+              <a:t> </a:t>
+            </a:r>
+          </a:p>
+          <a:p>
+            <a:pPr>
+              <a:buFont typeface="Arial" panose="020B0604020202020204" pitchFamily="34" charset="0"/>
+              <a:buChar char="•"/>
+            </a:pPr>
+            <a:r>
+              <a:rPr lang="en-US" dirty="0">
+                <a:latin typeface="Segoe UI" panose="020B0502040204020203" pitchFamily="34" charset="0"/>
+                <a:cs typeface="Segoe UI" panose="020B0502040204020203" pitchFamily="34" charset="0"/>
+              </a:rPr>
+              <a:t>Ng</a:t>
+            </a:r>
+            <a:r>
+              <a:rPr lang="vi-VN" dirty="0">
+                <a:latin typeface="Segoe UI" panose="020B0502040204020203" pitchFamily="34" charset="0"/>
+                <a:cs typeface="Segoe UI" panose="020B0502040204020203" pitchFamily="34" charset="0"/>
+              </a:rPr>
+              <a:t>ư</a:t>
+            </a:r>
+            <a:r>
+              <a:rPr lang="en-US" dirty="0" err="1">
+                <a:latin typeface="Segoe UI" panose="020B0502040204020203" pitchFamily="34" charset="0"/>
+                <a:cs typeface="Segoe UI" panose="020B0502040204020203" pitchFamily="34" charset="0"/>
+              </a:rPr>
+              <a:t>ời</a:t>
+            </a:r>
+            <a:r>
+              <a:rPr lang="en-US" dirty="0">
+                <a:latin typeface="Segoe UI" panose="020B0502040204020203" pitchFamily="34" charset="0"/>
+                <a:cs typeface="Segoe UI" panose="020B0502040204020203" pitchFamily="34" charset="0"/>
+              </a:rPr>
+              <a:t> dùng biết </a:t>
+            </a:r>
+            <a:r>
+              <a:rPr lang="en-US" dirty="0" err="1">
+                <a:latin typeface="Segoe UI" panose="020B0502040204020203" pitchFamily="34" charset="0"/>
+                <a:cs typeface="Segoe UI" panose="020B0502040204020203" pitchFamily="34" charset="0"/>
+              </a:rPr>
+              <a:t>thay</a:t>
+            </a:r>
+            <a:r>
+              <a:rPr lang="en-US" dirty="0">
+                <a:latin typeface="Segoe UI" panose="020B0502040204020203" pitchFamily="34" charset="0"/>
+                <a:cs typeface="Segoe UI" panose="020B0502040204020203" pitchFamily="34" charset="0"/>
+              </a:rPr>
+              <a:t> </a:t>
+            </a:r>
+            <a:r>
+              <a:rPr lang="en-US" dirty="0" err="1">
+                <a:latin typeface="Segoe UI" panose="020B0502040204020203" pitchFamily="34" charset="0"/>
+                <a:cs typeface="Segoe UI" panose="020B0502040204020203" pitchFamily="34" charset="0"/>
+              </a:rPr>
+              <a:t>đổi</a:t>
+            </a:r>
+            <a:r>
+              <a:rPr lang="en-US" dirty="0">
+                <a:latin typeface="Segoe UI" panose="020B0502040204020203" pitchFamily="34" charset="0"/>
+                <a:cs typeface="Segoe UI" panose="020B0502040204020203" pitchFamily="34" charset="0"/>
+              </a:rPr>
+              <a:t> trên Piper repo</a:t>
+            </a:r>
+          </a:p>
+          <a:p>
+            <a:pPr>
+              <a:buFont typeface="Arial" panose="020B0604020202020204" pitchFamily="34" charset="0"/>
+              <a:buChar char="•"/>
+            </a:pPr>
+            <a:r>
+              <a:rPr lang="en-US" dirty="0">
+                <a:latin typeface="Segoe UI" panose="020B0502040204020203" pitchFamily="34" charset="0"/>
+                <a:cs typeface="Segoe UI" panose="020B0502040204020203" pitchFamily="34" charset="0"/>
+              </a:rPr>
+              <a:t>Người dùng có thể </a:t>
+            </a:r>
+            <a:r>
+              <a:rPr lang="en-US" dirty="0" err="1">
+                <a:latin typeface="Segoe UI" panose="020B0502040204020203" pitchFamily="34" charset="0"/>
+                <a:cs typeface="Segoe UI" panose="020B0502040204020203" pitchFamily="34" charset="0"/>
+              </a:rPr>
+              <a:t>chỉnh</a:t>
+            </a:r>
+            <a:r>
+              <a:rPr lang="en-US" dirty="0">
+                <a:latin typeface="Segoe UI" panose="020B0502040204020203" pitchFamily="34" charset="0"/>
+                <a:cs typeface="Segoe UI" panose="020B0502040204020203" pitchFamily="34" charset="0"/>
+              </a:rPr>
+              <a:t> sửa file trong codebase</a:t>
+            </a:r>
+          </a:p>
+        </p:txBody>
+      </p:sp>
+    </p:spTree>
+    <p:extLst>
+      <p:ext uri="{BB962C8B-B14F-4D97-AF65-F5344CB8AC3E}">
+        <p14:creationId xmlns:p14="http://schemas.microsoft.com/office/powerpoint/2010/main" val="3822248205"/>
+      </p:ext>
+    </p:extLst>
+  </p:cSld>
+  <p:clrMapOvr>
+    <a:masterClrMapping/>
+  </p:clrMapOvr>
+  <p:transition spd="med">
+    <p:cover/>
+  </p:transition>
+</p:sld>
+</file>
+
+<file path=ppt/slides/slide11.xml><?xml version="1.0" encoding="utf-8"?>
+<p:sld xmlns:a="http://schemas.openxmlformats.org/drawingml/2006/main" xmlns:r="http://schemas.openxmlformats.org/officeDocument/2006/relationships" xmlns:p="http://schemas.openxmlformats.org/presentationml/2006/main" show="0">
+  <p:cSld>
+    <p:spTree>
+      <p:nvGrpSpPr>
+        <p:cNvPr id="1" name=""/>
+        <p:cNvGrpSpPr/>
+        <p:nvPr/>
+      </p:nvGrpSpPr>
+      <p:grpSpPr>
+        <a:xfrm>
+          <a:off x="0" y="0"/>
+          <a:ext cx="0" cy="0"/>
+          <a:chOff x="0" y="0"/>
+          <a:chExt cx="0" cy="0"/>
+        </a:xfrm>
+      </p:grpSpPr>
+      <p:pic>
+        <p:nvPicPr>
+          <p:cNvPr id="5" name="Picture 4" descr="A close up of a computer&#10;&#10;Description generated with very high confidence">
+            <a:extLst>
+              <a:ext uri="{FF2B5EF4-FFF2-40B4-BE49-F238E27FC236}">
+                <a16:creationId xmlns:a16="http://schemas.microsoft.com/office/drawing/2014/main" id="{5DFC7C28-8A1E-4EDB-96C8-45F4B2205A78}"/>
+              </a:ext>
+            </a:extLst>
+          </p:cNvPr>
+          <p:cNvPicPr>
+            <a:picLocks noChangeAspect="1"/>
+          </p:cNvPicPr>
+          <p:nvPr/>
+        </p:nvPicPr>
+        <p:blipFill>
+          <a:blip r:embed="rId2"/>
+          <a:stretch>
+            <a:fillRect/>
+          </a:stretch>
+        </p:blipFill>
+        <p:spPr>
+          <a:xfrm>
+            <a:off x="758539" y="4832058"/>
+            <a:ext cx="815064" cy="578695"/>
+          </a:xfrm>
+          <a:prstGeom prst="rect">
+            <a:avLst/>
+          </a:prstGeom>
+        </p:spPr>
+      </p:pic>
+      <p:pic>
+        <p:nvPicPr>
+          <p:cNvPr id="7" name="Picture 6" descr="A close up of a computer&#10;&#10;Description generated with very high confidence">
+            <a:extLst>
+              <a:ext uri="{FF2B5EF4-FFF2-40B4-BE49-F238E27FC236}">
+                <a16:creationId xmlns:a16="http://schemas.microsoft.com/office/drawing/2014/main" id="{C66E6643-5AA1-411A-B4CF-0654BAE54D33}"/>
+              </a:ext>
+            </a:extLst>
+          </p:cNvPr>
+          <p:cNvPicPr>
+            <a:picLocks noChangeAspect="1"/>
+          </p:cNvPicPr>
+          <p:nvPr/>
+        </p:nvPicPr>
+        <p:blipFill>
+          <a:blip r:embed="rId2"/>
+          <a:stretch>
+            <a:fillRect/>
+          </a:stretch>
+        </p:blipFill>
+        <p:spPr>
+          <a:xfrm>
+            <a:off x="7392166" y="936841"/>
+            <a:ext cx="815064" cy="578695"/>
+          </a:xfrm>
+          <a:prstGeom prst="rect">
+            <a:avLst/>
+          </a:prstGeom>
+        </p:spPr>
+      </p:pic>
+      <p:cxnSp>
+        <p:nvCxnSpPr>
+          <p:cNvPr id="11" name="Straight Connector 10">
+            <a:extLst>
+              <a:ext uri="{FF2B5EF4-FFF2-40B4-BE49-F238E27FC236}">
+                <a16:creationId xmlns:a16="http://schemas.microsoft.com/office/drawing/2014/main" id="{C36FE92D-B131-40A1-8E66-791705A393DB}"/>
+              </a:ext>
+            </a:extLst>
+          </p:cNvPr>
+          <p:cNvCxnSpPr>
+            <a:cxnSpLocks/>
+            <a:stCxn id="5" idx="3"/>
+          </p:cNvCxnSpPr>
+          <p:nvPr/>
+        </p:nvCxnSpPr>
+        <p:spPr>
+          <a:xfrm flipV="1">
+            <a:off x="1573603" y="3514987"/>
+            <a:ext cx="2302111" cy="1606419"/>
+          </a:xfrm>
+          <a:prstGeom prst="line">
+            <a:avLst/>
+          </a:prstGeom>
+          <a:ln>
+            <a:solidFill>
+              <a:schemeClr val="bg2"/>
+            </a:solidFill>
+            <a:prstDash val="sysDash"/>
+            <a:round/>
+            <a:headEnd type="oval"/>
+            <a:tailEnd type="oval"/>
+          </a:ln>
+        </p:spPr>
+        <p:style>
+          <a:lnRef idx="1">
+            <a:schemeClr val="accent1"/>
+          </a:lnRef>
+          <a:fillRef idx="0">
+            <a:schemeClr val="accent1"/>
+          </a:fillRef>
+          <a:effectRef idx="0">
+            <a:schemeClr val="accent1"/>
+          </a:effectRef>
+          <a:fontRef idx="minor">
+            <a:schemeClr val="tx1"/>
+          </a:fontRef>
+        </p:style>
+      </p:cxnSp>
+      <p:cxnSp>
+        <p:nvCxnSpPr>
+          <p:cNvPr id="12" name="Straight Connector 11">
+            <a:extLst>
+              <a:ext uri="{FF2B5EF4-FFF2-40B4-BE49-F238E27FC236}">
+                <a16:creationId xmlns:a16="http://schemas.microsoft.com/office/drawing/2014/main" id="{2076B116-AD51-4729-AD46-A5404ED2C409}"/>
+              </a:ext>
+            </a:extLst>
+          </p:cNvPr>
+          <p:cNvCxnSpPr>
+            <a:cxnSpLocks/>
+            <a:endCxn id="7" idx="2"/>
+          </p:cNvCxnSpPr>
+          <p:nvPr/>
+        </p:nvCxnSpPr>
+        <p:spPr>
+          <a:xfrm flipV="1">
+            <a:off x="5259897" y="1515536"/>
+            <a:ext cx="2539801" cy="1913463"/>
+          </a:xfrm>
+          <a:prstGeom prst="line">
+            <a:avLst/>
+          </a:prstGeom>
+          <a:ln>
+            <a:solidFill>
+              <a:schemeClr val="bg2"/>
+            </a:solidFill>
+            <a:prstDash val="sysDash"/>
+            <a:round/>
+            <a:headEnd type="oval"/>
+            <a:tailEnd type="oval"/>
+          </a:ln>
+        </p:spPr>
+        <p:style>
+          <a:lnRef idx="1">
+            <a:schemeClr val="accent1"/>
+          </a:lnRef>
+          <a:fillRef idx="0">
+            <a:schemeClr val="accent1"/>
+          </a:fillRef>
+          <a:effectRef idx="0">
+            <a:schemeClr val="accent1"/>
+          </a:effectRef>
+          <a:fontRef idx="minor">
+            <a:schemeClr val="tx1"/>
+          </a:fontRef>
+        </p:style>
+      </p:cxnSp>
+      <p:pic>
+        <p:nvPicPr>
+          <p:cNvPr id="31" name="Picture 30">
+            <a:extLst>
+              <a:ext uri="{FF2B5EF4-FFF2-40B4-BE49-F238E27FC236}">
+                <a16:creationId xmlns:a16="http://schemas.microsoft.com/office/drawing/2014/main" id="{B0EE54BE-A984-42DF-9958-92ECF32391D0}"/>
+              </a:ext>
+            </a:extLst>
+          </p:cNvPr>
+          <p:cNvPicPr>
+            <a:picLocks noChangeAspect="1"/>
+          </p:cNvPicPr>
+          <p:nvPr/>
+        </p:nvPicPr>
+        <p:blipFill>
+          <a:blip r:embed="rId3">
+            <a:extLst>
+              <a:ext uri="{837473B0-CC2E-450A-ABE3-18F120FF3D39}">
+                <a1611:picAttrSrcUrl xmlns:a1611="http://schemas.microsoft.com/office/drawing/2016/11/main" r:id="rId4"/>
+              </a:ext>
+            </a:extLst>
+          </a:blip>
+          <a:stretch>
+            <a:fillRect/>
+          </a:stretch>
+        </p:blipFill>
+        <p:spPr>
+          <a:xfrm>
+            <a:off x="3422707" y="2279707"/>
+            <a:ext cx="2298585" cy="2298585"/>
+          </a:xfrm>
+          <a:prstGeom prst="rect">
+            <a:avLst/>
+          </a:prstGeom>
+        </p:spPr>
+      </p:pic>
+      <p:sp>
+        <p:nvSpPr>
+          <p:cNvPr id="35" name="TextBox 34">
+            <a:extLst>
+              <a:ext uri="{FF2B5EF4-FFF2-40B4-BE49-F238E27FC236}">
+                <a16:creationId xmlns:a16="http://schemas.microsoft.com/office/drawing/2014/main" id="{627FEFEF-53E7-4AA4-B9AD-AF353F5DFB19}"/>
+              </a:ext>
+            </a:extLst>
+          </p:cNvPr>
+          <p:cNvSpPr txBox="1"/>
+          <p:nvPr/>
+        </p:nvSpPr>
+        <p:spPr>
+          <a:xfrm>
+            <a:off x="7491369" y="936841"/>
+            <a:ext cx="1300294" cy="369332"/>
+          </a:xfrm>
+          <a:prstGeom prst="rect">
+            <a:avLst/>
+          </a:prstGeom>
+          <a:noFill/>
+        </p:spPr>
+        <p:txBody>
+          <a:bodyPr wrap="square" rtlCol="0">
+            <a:spAutoFit/>
+          </a:bodyPr>
+          <a:lstStyle/>
+          <a:p>
+            <a:r>
+              <a:rPr lang="en-US" dirty="0"/>
+              <a:t>Git</a:t>
+            </a:r>
+          </a:p>
+        </p:txBody>
+      </p:sp>
+      <p:sp>
+        <p:nvSpPr>
+          <p:cNvPr id="36" name="TextBox 35">
+            <a:extLst>
+              <a:ext uri="{FF2B5EF4-FFF2-40B4-BE49-F238E27FC236}">
+                <a16:creationId xmlns:a16="http://schemas.microsoft.com/office/drawing/2014/main" id="{153F9F1A-F657-4A12-9A9C-2476D39133D5}"/>
+              </a:ext>
+            </a:extLst>
+          </p:cNvPr>
+          <p:cNvSpPr txBox="1"/>
+          <p:nvPr/>
+        </p:nvSpPr>
+        <p:spPr>
+          <a:xfrm>
+            <a:off x="857076" y="4832058"/>
+            <a:ext cx="1300294" cy="369332"/>
+          </a:xfrm>
+          <a:prstGeom prst="rect">
+            <a:avLst/>
+          </a:prstGeom>
+          <a:noFill/>
+        </p:spPr>
+        <p:txBody>
+          <a:bodyPr wrap="square" rtlCol="0">
+            <a:spAutoFit/>
+          </a:bodyPr>
+          <a:lstStyle/>
+          <a:p>
+            <a:r>
+              <a:rPr lang="en-US" dirty="0" err="1"/>
+              <a:t>CitC</a:t>
+            </a:r>
+            <a:endParaRPr lang="en-US" dirty="0"/>
+          </a:p>
+        </p:txBody>
+      </p:sp>
+      <p:sp>
+        <p:nvSpPr>
+          <p:cNvPr id="37" name="TextBox 36">
+            <a:extLst>
+              <a:ext uri="{FF2B5EF4-FFF2-40B4-BE49-F238E27FC236}">
+                <a16:creationId xmlns:a16="http://schemas.microsoft.com/office/drawing/2014/main" id="{E5244538-E1C2-4917-AFF7-905051664806}"/>
+              </a:ext>
+            </a:extLst>
+          </p:cNvPr>
+          <p:cNvSpPr txBox="1"/>
+          <p:nvPr/>
+        </p:nvSpPr>
+        <p:spPr>
+          <a:xfrm>
+            <a:off x="4225189" y="3573710"/>
+            <a:ext cx="1082179" cy="369332"/>
+          </a:xfrm>
+          <a:prstGeom prst="rect">
+            <a:avLst/>
+          </a:prstGeom>
+          <a:noFill/>
+        </p:spPr>
+        <p:txBody>
+          <a:bodyPr wrap="square" rtlCol="0">
+            <a:spAutoFit/>
+          </a:bodyPr>
+          <a:lstStyle/>
+          <a:p>
+            <a:r>
+              <a:rPr lang="en-US" dirty="0">
+                <a:solidFill>
+                  <a:schemeClr val="bg1"/>
+                </a:solidFill>
+              </a:rPr>
+              <a:t>Piper</a:t>
+            </a:r>
+          </a:p>
+        </p:txBody>
+      </p:sp>
+    </p:spTree>
+    <p:extLst>
+      <p:ext uri="{BB962C8B-B14F-4D97-AF65-F5344CB8AC3E}">
+        <p14:creationId xmlns:p14="http://schemas.microsoft.com/office/powerpoint/2010/main" val="1513389660"/>
+      </p:ext>
+    </p:extLst>
+  </p:cSld>
+  <p:clrMapOvr>
+    <a:masterClrMapping/>
+  </p:clrMapOvr>
+  <p:transition spd="med">
+    <p:cover/>
+  </p:transition>
+</p:sld>
+</file>
+
+<file path=ppt/slides/slide12.xml><?xml version="1.0" encoding="utf-8"?>
+<p:sld xmlns:a="http://schemas.openxmlformats.org/drawingml/2006/main" xmlns:r="http://schemas.openxmlformats.org/officeDocument/2006/relationships" xmlns:p="http://schemas.openxmlformats.org/presentationml/2006/main">
+  <p:cSld>
+    <p:spTree>
+      <p:nvGrpSpPr>
+        <p:cNvPr id="1" name=""/>
+        <p:cNvGrpSpPr/>
+        <p:nvPr/>
+      </p:nvGrpSpPr>
+      <p:grpSpPr>
+        <a:xfrm>
+          <a:off x="0" y="0"/>
+          <a:ext cx="0" cy="0"/>
+          <a:chOff x="0" y="0"/>
+          <a:chExt cx="0" cy="0"/>
+        </a:xfrm>
+      </p:grpSpPr>
+      <p:graphicFrame>
+        <p:nvGraphicFramePr>
+          <p:cNvPr id="4" name="Diagram 3">
+            <a:extLst>
+              <a:ext uri="{FF2B5EF4-FFF2-40B4-BE49-F238E27FC236}">
+                <a16:creationId xmlns:a16="http://schemas.microsoft.com/office/drawing/2014/main" id="{D5AC259F-3DCC-4EBA-9244-088615926347}"/>
+              </a:ext>
+            </a:extLst>
+          </p:cNvPr>
+          <p:cNvGraphicFramePr/>
+          <p:nvPr>
+            <p:extLst>
+              <p:ext uri="{D42A27DB-BD31-4B8C-83A1-F6EECF244321}">
+                <p14:modId xmlns:p14="http://schemas.microsoft.com/office/powerpoint/2010/main" val="4285695389"/>
+              </p:ext>
+            </p:extLst>
+          </p:nvPr>
+        </p:nvGraphicFramePr>
+        <p:xfrm>
+          <a:off x="1524000" y="1397000"/>
+          <a:ext cx="6096000" cy="4064000"/>
+        </p:xfrm>
+        <a:graphic>
+          <a:graphicData uri="http://schemas.openxmlformats.org/drawingml/2006/diagram">
+            <dgm:relIds xmlns:dgm="http://schemas.openxmlformats.org/drawingml/2006/diagram" xmlns:r="http://schemas.openxmlformats.org/officeDocument/2006/relationships" r:dm="rId2" r:lo="rId3" r:qs="rId4" r:cs="rId5"/>
+          </a:graphicData>
+        </a:graphic>
+      </p:graphicFrame>
+    </p:spTree>
+    <p:extLst>
+      <p:ext uri="{BB962C8B-B14F-4D97-AF65-F5344CB8AC3E}">
+        <p14:creationId xmlns:p14="http://schemas.microsoft.com/office/powerpoint/2010/main" val="3960736458"/>
+      </p:ext>
+    </p:extLst>
+  </p:cSld>
+  <p:clrMapOvr>
+    <a:masterClrMapping/>
+  </p:clrMapOvr>
+  <p:transition spd="med">
+    <p:cover/>
+  </p:transition>
+</p:sld>
+</file>
+
+<file path=ppt/slides/slide13.xml><?xml version="1.0" encoding="utf-8"?>
+<p:sld xmlns:a="http://schemas.openxmlformats.org/drawingml/2006/main" xmlns:r="http://schemas.openxmlformats.org/officeDocument/2006/relationships" xmlns:p="http://schemas.openxmlformats.org/presentationml/2006/main">
+  <p:cSld>
+    <p:spTree>
+      <p:nvGrpSpPr>
+        <p:cNvPr id="1" name=""/>
+        <p:cNvGrpSpPr/>
+        <p:nvPr/>
+      </p:nvGrpSpPr>
+      <p:grpSpPr>
+        <a:xfrm>
+          <a:off x="0" y="0"/>
+          <a:ext cx="0" cy="0"/>
+          <a:chOff x="0" y="0"/>
+          <a:chExt cx="0" cy="0"/>
+        </a:xfrm>
+      </p:grpSpPr>
+      <p:pic>
+        <p:nvPicPr>
+          <p:cNvPr id="5" name="Picture 4" descr="A picture containing accessory, aircraft&#10;&#10;Description generated with high confidence">
+            <a:extLst>
+              <a:ext uri="{FF2B5EF4-FFF2-40B4-BE49-F238E27FC236}">
+                <a16:creationId xmlns:a16="http://schemas.microsoft.com/office/drawing/2014/main" id="{72A338A5-D598-4C62-A18A-D47A950482FB}"/>
+              </a:ext>
+            </a:extLst>
+          </p:cNvPr>
+          <p:cNvPicPr>
+            <a:picLocks noChangeAspect="1"/>
+          </p:cNvPicPr>
+          <p:nvPr/>
+        </p:nvPicPr>
+        <p:blipFill>
+          <a:blip r:embed="rId2"/>
+          <a:stretch>
+            <a:fillRect/>
+          </a:stretch>
+        </p:blipFill>
+        <p:spPr>
+          <a:xfrm>
+            <a:off x="2084664" y="125833"/>
+            <a:ext cx="4714613" cy="4714613"/>
+          </a:xfrm>
+          <a:prstGeom prst="rect">
+            <a:avLst/>
+          </a:prstGeom>
+        </p:spPr>
+      </p:pic>
+      <p:pic>
+        <p:nvPicPr>
+          <p:cNvPr id="10" name="Picture 9" descr="A screenshot of a cell phone&#10;&#10;Description generated with high confidence">
+            <a:extLst>
+              <a:ext uri="{FF2B5EF4-FFF2-40B4-BE49-F238E27FC236}">
+                <a16:creationId xmlns:a16="http://schemas.microsoft.com/office/drawing/2014/main" id="{1C7C3473-0D10-4531-8B23-6B56F6443358}"/>
+              </a:ext>
+            </a:extLst>
+          </p:cNvPr>
+          <p:cNvPicPr>
+            <a:picLocks noChangeAspect="1"/>
+          </p:cNvPicPr>
+          <p:nvPr/>
+        </p:nvPicPr>
+        <p:blipFill>
+          <a:blip r:embed="rId3"/>
+          <a:stretch>
+            <a:fillRect/>
+          </a:stretch>
+        </p:blipFill>
+        <p:spPr>
+          <a:xfrm>
+            <a:off x="1899619" y="5125673"/>
+            <a:ext cx="5663544" cy="1338447"/>
+          </a:xfrm>
+          <a:prstGeom prst="rect">
+            <a:avLst/>
+          </a:prstGeom>
+        </p:spPr>
+      </p:pic>
+    </p:spTree>
+    <p:extLst>
+      <p:ext uri="{BB962C8B-B14F-4D97-AF65-F5344CB8AC3E}">
+        <p14:creationId xmlns:p14="http://schemas.microsoft.com/office/powerpoint/2010/main" val="957198325"/>
+      </p:ext>
+    </p:extLst>
+  </p:cSld>
+  <p:clrMapOvr>
+    <a:masterClrMapping/>
+  </p:clrMapOvr>
+  <p:transition spd="med">
+    <p:cover/>
+  </p:transition>
+</p:sld>
+</file>
+
+<file path=ppt/slides/slide14.xml><?xml version="1.0" encoding="utf-8"?>
+<p:sld xmlns:a="http://schemas.openxmlformats.org/drawingml/2006/main" xmlns:r="http://schemas.openxmlformats.org/officeDocument/2006/relationships" xmlns:p="http://schemas.openxmlformats.org/presentationml/2006/main">
+  <p:cSld>
+    <p:bg>
+      <p:bgPr>
+        <a:solidFill>
+          <a:schemeClr val="bg1"/>
+        </a:solidFill>
+        <a:effectLst/>
+      </p:bgPr>
+    </p:bg>
+    <p:spTree>
+      <p:nvGrpSpPr>
+        <p:cNvPr id="1" name=""/>
+        <p:cNvGrpSpPr/>
+        <p:nvPr/>
+      </p:nvGrpSpPr>
+      <p:grpSpPr>
+        <a:xfrm>
+          <a:off x="0" y="0"/>
+          <a:ext cx="0" cy="0"/>
+          <a:chOff x="0" y="0"/>
+          <a:chExt cx="0" cy="0"/>
+        </a:xfrm>
+      </p:grpSpPr>
+      <p:sp>
+        <p:nvSpPr>
+          <p:cNvPr id="2" name="Title 1">
+            <a:extLst>
+              <a:ext uri="{FF2B5EF4-FFF2-40B4-BE49-F238E27FC236}">
+                <a16:creationId xmlns:a16="http://schemas.microsoft.com/office/drawing/2014/main" id="{AEC8B5F4-9B9E-449C-8E81-59801113FF71}"/>
+              </a:ext>
+            </a:extLst>
+          </p:cNvPr>
+          <p:cNvSpPr>
+            <a:spLocks noGrp="1"/>
+          </p:cNvSpPr>
+          <p:nvPr>
+            <p:ph type="title"/>
+          </p:nvPr>
+        </p:nvSpPr>
+        <p:spPr>
+          <a:xfrm>
+            <a:off x="822960" y="286603"/>
+            <a:ext cx="7543800" cy="1450757"/>
+          </a:xfrm>
+        </p:spPr>
+        <p:txBody>
+          <a:bodyPr>
+            <a:normAutofit/>
+          </a:bodyPr>
+          <a:lstStyle/>
+          <a:p>
+            <a:r>
+              <a:rPr lang="en-US" dirty="0"/>
+              <a:t>Một số công </a:t>
+            </a:r>
+            <a:r>
+              <a:rPr lang="en-US" dirty="0" err="1"/>
+              <a:t>cụ</a:t>
+            </a:r>
+            <a:r>
+              <a:rPr lang="en-US" dirty="0"/>
+              <a:t> khác</a:t>
+            </a:r>
+          </a:p>
+        </p:txBody>
+      </p:sp>
+      <p:graphicFrame>
+        <p:nvGraphicFramePr>
+          <p:cNvPr id="4" name="Content Placeholder 3">
+            <a:extLst>
+              <a:ext uri="{FF2B5EF4-FFF2-40B4-BE49-F238E27FC236}">
+                <a16:creationId xmlns:a16="http://schemas.microsoft.com/office/drawing/2014/main" id="{190D85F7-7F6E-4A4F-9E33-48EE3B05FB7C}"/>
+              </a:ext>
+            </a:extLst>
+          </p:cNvPr>
+          <p:cNvGraphicFramePr>
+            <a:graphicFrameLocks noGrp="1"/>
+          </p:cNvGraphicFramePr>
+          <p:nvPr>
+            <p:ph idx="1"/>
+            <p:extLst>
+              <p:ext uri="{D42A27DB-BD31-4B8C-83A1-F6EECF244321}">
+                <p14:modId xmlns:p14="http://schemas.microsoft.com/office/powerpoint/2010/main" val="1025238571"/>
+              </p:ext>
+            </p:extLst>
+          </p:nvPr>
+        </p:nvGraphicFramePr>
+        <p:xfrm>
+          <a:off x="822722" y="2741875"/>
+          <a:ext cx="7543800" cy="2499360"/>
+        </p:xfrm>
+        <a:graphic>
+          <a:graphicData uri="http://schemas.openxmlformats.org/drawingml/2006/table">
+            <a:tbl>
+              <a:tblPr bandRow="1">
+                <a:tableStyleId>{3B4B98B0-60AC-42C2-AFA5-B58CD77FA1E5}</a:tableStyleId>
+              </a:tblPr>
+              <a:tblGrid>
+                <a:gridCol w="2225675">
+                  <a:extLst>
+                    <a:ext uri="{9D8B030D-6E8A-4147-A177-3AD203B41FA5}">
+                      <a16:colId xmlns:a16="http://schemas.microsoft.com/office/drawing/2014/main" val="1840147872"/>
+                    </a:ext>
+                  </a:extLst>
+                </a:gridCol>
+                <a:gridCol w="5318125">
+                  <a:extLst>
+                    <a:ext uri="{9D8B030D-6E8A-4147-A177-3AD203B41FA5}">
+                      <a16:colId xmlns:a16="http://schemas.microsoft.com/office/drawing/2014/main" val="1162252593"/>
+                    </a:ext>
+                  </a:extLst>
+                </a:gridCol>
+              </a:tblGrid>
+              <a:tr h="371856">
+                <a:tc>
+                  <a:txBody>
+                    <a:bodyPr/>
+                    <a:lstStyle/>
+                    <a:p>
+                      <a:r>
+                        <a:rPr lang="en-US">
+                          <a:latin typeface="Segoe UI" panose="020B0502040204020203" pitchFamily="34" charset="0"/>
+                          <a:cs typeface="Segoe UI" panose="020B0502040204020203" pitchFamily="34" charset="0"/>
+                        </a:rPr>
+                        <a:t>Critique</a:t>
+                      </a:r>
+                      <a:endParaRPr lang="en-US" dirty="0">
+                        <a:latin typeface="Segoe UI" panose="020B0502040204020203" pitchFamily="34" charset="0"/>
+                        <a:cs typeface="Segoe UI" panose="020B0502040204020203" pitchFamily="34" charset="0"/>
+                      </a:endParaRPr>
+                    </a:p>
+                  </a:txBody>
+                  <a:tcPr/>
+                </a:tc>
+                <a:tc>
+                  <a:txBody>
+                    <a:bodyPr/>
+                    <a:lstStyle/>
+                    <a:p>
+                      <a:r>
+                        <a:rPr lang="en-US">
+                          <a:latin typeface="Segoe UI" panose="020B0502040204020203" pitchFamily="34" charset="0"/>
+                          <a:cs typeface="Segoe UI" panose="020B0502040204020203" pitchFamily="34" charset="0"/>
+                        </a:rPr>
+                        <a:t>Code review</a:t>
+                      </a:r>
+                      <a:endParaRPr lang="en-US" dirty="0">
+                        <a:latin typeface="Segoe UI" panose="020B0502040204020203" pitchFamily="34" charset="0"/>
+                        <a:cs typeface="Segoe UI" panose="020B0502040204020203" pitchFamily="34" charset="0"/>
+                      </a:endParaRPr>
+                    </a:p>
+                  </a:txBody>
+                  <a:tcPr/>
+                </a:tc>
+                <a:extLst>
+                  <a:ext uri="{0D108BD9-81ED-4DB2-BD59-A6C34878D82A}">
+                    <a16:rowId xmlns:a16="http://schemas.microsoft.com/office/drawing/2014/main" val="2495686663"/>
+                  </a:ext>
+                </a:extLst>
+              </a:tr>
+              <a:tr h="371856">
+                <a:tc>
+                  <a:txBody>
+                    <a:bodyPr/>
+                    <a:lstStyle/>
+                    <a:p>
+                      <a:r>
+                        <a:rPr lang="en-US">
+                          <a:latin typeface="Segoe UI" panose="020B0502040204020203" pitchFamily="34" charset="0"/>
+                          <a:cs typeface="Segoe UI" panose="020B0502040204020203" pitchFamily="34" charset="0"/>
+                        </a:rPr>
+                        <a:t>CodeSearch</a:t>
+                      </a:r>
+                      <a:endParaRPr lang="en-US" dirty="0">
+                        <a:latin typeface="Segoe UI" panose="020B0502040204020203" pitchFamily="34" charset="0"/>
+                        <a:cs typeface="Segoe UI" panose="020B0502040204020203" pitchFamily="34" charset="0"/>
+                      </a:endParaRPr>
+                    </a:p>
+                  </a:txBody>
+                  <a:tcPr/>
+                </a:tc>
+                <a:tc>
+                  <a:txBody>
+                    <a:bodyPr/>
+                    <a:lstStyle/>
+                    <a:p>
+                      <a:r>
+                        <a:rPr lang="en-US" dirty="0">
+                          <a:latin typeface="Segoe UI" panose="020B0502040204020203" pitchFamily="34" charset="0"/>
+                          <a:cs typeface="Segoe UI" panose="020B0502040204020203" pitchFamily="34" charset="0"/>
+                        </a:rPr>
+                        <a:t>Duyệt, </a:t>
+                      </a:r>
+                      <a:r>
+                        <a:rPr lang="en-US" dirty="0" err="1">
+                          <a:latin typeface="Segoe UI" panose="020B0502040204020203" pitchFamily="34" charset="0"/>
+                          <a:cs typeface="Segoe UI" panose="020B0502040204020203" pitchFamily="34" charset="0"/>
+                        </a:rPr>
+                        <a:t>thăm</a:t>
+                      </a:r>
+                      <a:r>
+                        <a:rPr lang="en-US" dirty="0">
+                          <a:latin typeface="Segoe UI" panose="020B0502040204020203" pitchFamily="34" charset="0"/>
+                          <a:cs typeface="Segoe UI" panose="020B0502040204020203" pitchFamily="34" charset="0"/>
+                        </a:rPr>
+                        <a:t> </a:t>
+                      </a:r>
+                      <a:r>
+                        <a:rPr lang="en-US" dirty="0" err="1">
+                          <a:latin typeface="Segoe UI" panose="020B0502040204020203" pitchFamily="34" charset="0"/>
+                          <a:cs typeface="Segoe UI" panose="020B0502040204020203" pitchFamily="34" charset="0"/>
+                        </a:rPr>
+                        <a:t>dò</a:t>
+                      </a:r>
+                      <a:r>
+                        <a:rPr lang="en-US" dirty="0">
+                          <a:latin typeface="Segoe UI" panose="020B0502040204020203" pitchFamily="34" charset="0"/>
+                          <a:cs typeface="Segoe UI" panose="020B0502040204020203" pitchFamily="34" charset="0"/>
+                        </a:rPr>
+                        <a:t>, tìm hiểu code</a:t>
+                      </a:r>
+                    </a:p>
+                  </a:txBody>
+                  <a:tcPr/>
+                </a:tc>
+                <a:extLst>
+                  <a:ext uri="{0D108BD9-81ED-4DB2-BD59-A6C34878D82A}">
+                    <a16:rowId xmlns:a16="http://schemas.microsoft.com/office/drawing/2014/main" val="2752326850"/>
+                  </a:ext>
+                </a:extLst>
+              </a:tr>
+              <a:tr h="371856">
+                <a:tc>
+                  <a:txBody>
+                    <a:bodyPr/>
+                    <a:lstStyle/>
+                    <a:p>
+                      <a:r>
+                        <a:rPr lang="en-US">
+                          <a:latin typeface="Segoe UI" panose="020B0502040204020203" pitchFamily="34" charset="0"/>
+                          <a:cs typeface="Segoe UI" panose="020B0502040204020203" pitchFamily="34" charset="0"/>
+                        </a:rPr>
+                        <a:t>Tricorder</a:t>
+                      </a:r>
+                      <a:endParaRPr lang="en-US" dirty="0">
+                        <a:latin typeface="Segoe UI" panose="020B0502040204020203" pitchFamily="34" charset="0"/>
+                        <a:cs typeface="Segoe UI" panose="020B0502040204020203" pitchFamily="34" charset="0"/>
+                      </a:endParaRPr>
+                    </a:p>
+                  </a:txBody>
+                  <a:tcPr/>
+                </a:tc>
+                <a:tc>
+                  <a:txBody>
+                    <a:bodyPr/>
+                    <a:lstStyle/>
+                    <a:p>
+                      <a:r>
+                        <a:rPr lang="en-US">
+                          <a:latin typeface="Segoe UI" panose="020B0502040204020203" pitchFamily="34" charset="0"/>
+                          <a:cs typeface="Segoe UI" panose="020B0502040204020203" pitchFamily="34" charset="0"/>
+                        </a:rPr>
+                        <a:t>Nền tảng phân tích chương trình, phát hiện lỗi….</a:t>
+                      </a:r>
+                      <a:endParaRPr lang="en-US" dirty="0">
+                        <a:latin typeface="Segoe UI" panose="020B0502040204020203" pitchFamily="34" charset="0"/>
+                        <a:cs typeface="Segoe UI" panose="020B0502040204020203" pitchFamily="34" charset="0"/>
+                      </a:endParaRPr>
+                    </a:p>
+                  </a:txBody>
+                  <a:tcPr/>
+                </a:tc>
+                <a:extLst>
+                  <a:ext uri="{0D108BD9-81ED-4DB2-BD59-A6C34878D82A}">
+                    <a16:rowId xmlns:a16="http://schemas.microsoft.com/office/drawing/2014/main" val="1018992102"/>
+                  </a:ext>
+                </a:extLst>
+              </a:tr>
+              <a:tr h="371856">
+                <a:tc>
+                  <a:txBody>
+                    <a:bodyPr/>
+                    <a:lstStyle/>
+                    <a:p>
+                      <a:r>
+                        <a:rPr lang="en-US">
+                          <a:latin typeface="Segoe UI" panose="020B0502040204020203" pitchFamily="34" charset="0"/>
+                          <a:cs typeface="Segoe UI" panose="020B0502040204020203" pitchFamily="34" charset="0"/>
+                        </a:rPr>
+                        <a:t>Presubmits</a:t>
+                      </a:r>
+                      <a:endParaRPr lang="en-US" dirty="0">
+                        <a:latin typeface="Segoe UI" panose="020B0502040204020203" pitchFamily="34" charset="0"/>
+                        <a:cs typeface="Segoe UI" panose="020B0502040204020203" pitchFamily="34" charset="0"/>
+                      </a:endParaRPr>
+                    </a:p>
+                  </a:txBody>
+                  <a:tcPr/>
+                </a:tc>
+                <a:tc>
+                  <a:txBody>
+                    <a:bodyPr/>
+                    <a:lstStyle/>
+                    <a:p>
+                      <a:r>
+                        <a:rPr lang="en-US">
+                          <a:latin typeface="Segoe UI" panose="020B0502040204020203" pitchFamily="34" charset="0"/>
+                          <a:cs typeface="Segoe UI" panose="020B0502040204020203" pitchFamily="34" charset="0"/>
+                        </a:rPr>
+                        <a:t>Testing, check, chặn commit</a:t>
+                      </a:r>
+                      <a:endParaRPr lang="en-US" dirty="0">
+                        <a:latin typeface="Segoe UI" panose="020B0502040204020203" pitchFamily="34" charset="0"/>
+                        <a:cs typeface="Segoe UI" panose="020B0502040204020203" pitchFamily="34" charset="0"/>
+                      </a:endParaRPr>
+                    </a:p>
+                  </a:txBody>
+                  <a:tcPr/>
+                </a:tc>
+                <a:extLst>
+                  <a:ext uri="{0D108BD9-81ED-4DB2-BD59-A6C34878D82A}">
+                    <a16:rowId xmlns:a16="http://schemas.microsoft.com/office/drawing/2014/main" val="3749724676"/>
+                  </a:ext>
+                </a:extLst>
+              </a:tr>
+              <a:tr h="371856">
+                <a:tc>
+                  <a:txBody>
+                    <a:bodyPr/>
+                    <a:lstStyle/>
+                    <a:p>
+                      <a:r>
+                        <a:rPr lang="en-US">
+                          <a:latin typeface="Segoe UI" panose="020B0502040204020203" pitchFamily="34" charset="0"/>
+                          <a:cs typeface="Segoe UI" panose="020B0502040204020203" pitchFamily="34" charset="0"/>
+                        </a:rPr>
+                        <a:t>TAP</a:t>
+                      </a:r>
+                      <a:endParaRPr lang="en-US" dirty="0">
+                        <a:latin typeface="Segoe UI" panose="020B0502040204020203" pitchFamily="34" charset="0"/>
+                        <a:cs typeface="Segoe UI" panose="020B0502040204020203" pitchFamily="34" charset="0"/>
+                      </a:endParaRPr>
+                    </a:p>
+                  </a:txBody>
+                  <a:tcPr/>
+                </a:tc>
+                <a:tc>
+                  <a:txBody>
+                    <a:bodyPr/>
+                    <a:lstStyle/>
+                    <a:p>
+                      <a:r>
+                        <a:rPr lang="en-US" dirty="0">
+                          <a:latin typeface="Segoe UI" panose="020B0502040204020203" pitchFamily="34" charset="0"/>
+                          <a:cs typeface="Segoe UI" panose="020B0502040204020203" pitchFamily="34" charset="0"/>
+                        </a:rPr>
+                        <a:t>Test toàn </a:t>
+                      </a:r>
+                      <a:r>
+                        <a:rPr lang="en-US" dirty="0" err="1">
+                          <a:latin typeface="Segoe UI" panose="020B0502040204020203" pitchFamily="34" charset="0"/>
+                          <a:cs typeface="Segoe UI" panose="020B0502040204020203" pitchFamily="34" charset="0"/>
+                        </a:rPr>
+                        <a:t>diện</a:t>
+                      </a:r>
+                      <a:r>
+                        <a:rPr lang="en-US" dirty="0">
+                          <a:latin typeface="Segoe UI" panose="020B0502040204020203" pitchFamily="34" charset="0"/>
+                          <a:cs typeface="Segoe UI" panose="020B0502040204020203" pitchFamily="34" charset="0"/>
+                        </a:rPr>
+                        <a:t> trước và sau commit, tự động </a:t>
+                      </a:r>
+                      <a:r>
+                        <a:rPr lang="en-US" dirty="0" err="1">
+                          <a:latin typeface="Segoe UI" panose="020B0502040204020203" pitchFamily="34" charset="0"/>
+                          <a:cs typeface="Segoe UI" panose="020B0502040204020203" pitchFamily="34" charset="0"/>
+                        </a:rPr>
+                        <a:t>khôi</a:t>
+                      </a:r>
+                      <a:r>
+                        <a:rPr lang="en-US" dirty="0">
+                          <a:latin typeface="Segoe UI" panose="020B0502040204020203" pitchFamily="34" charset="0"/>
+                          <a:cs typeface="Segoe UI" panose="020B0502040204020203" pitchFamily="34" charset="0"/>
+                        </a:rPr>
+                        <a:t> </a:t>
+                      </a:r>
+                      <a:r>
+                        <a:rPr lang="en-US" dirty="0" err="1">
+                          <a:latin typeface="Segoe UI" panose="020B0502040204020203" pitchFamily="34" charset="0"/>
+                          <a:cs typeface="Segoe UI" panose="020B0502040204020203" pitchFamily="34" charset="0"/>
+                        </a:rPr>
+                        <a:t>phục</a:t>
+                      </a:r>
+                      <a:endParaRPr lang="en-US" dirty="0">
+                        <a:latin typeface="Segoe UI" panose="020B0502040204020203" pitchFamily="34" charset="0"/>
+                        <a:cs typeface="Segoe UI" panose="020B0502040204020203" pitchFamily="34" charset="0"/>
+                      </a:endParaRPr>
+                    </a:p>
+                  </a:txBody>
+                  <a:tcPr/>
+                </a:tc>
+                <a:extLst>
+                  <a:ext uri="{0D108BD9-81ED-4DB2-BD59-A6C34878D82A}">
+                    <a16:rowId xmlns:a16="http://schemas.microsoft.com/office/drawing/2014/main" val="1800320342"/>
+                  </a:ext>
+                </a:extLst>
+              </a:tr>
+              <a:tr h="371856">
+                <a:tc>
+                  <a:txBody>
+                    <a:bodyPr/>
+                    <a:lstStyle/>
+                    <a:p>
+                      <a:r>
+                        <a:rPr lang="en-US">
+                          <a:latin typeface="Segoe UI" panose="020B0502040204020203" pitchFamily="34" charset="0"/>
+                          <a:cs typeface="Segoe UI" panose="020B0502040204020203" pitchFamily="34" charset="0"/>
+                        </a:rPr>
+                        <a:t>Rosie</a:t>
+                      </a:r>
+                      <a:endParaRPr lang="en-US" dirty="0">
+                        <a:latin typeface="Segoe UI" panose="020B0502040204020203" pitchFamily="34" charset="0"/>
+                        <a:cs typeface="Segoe UI" panose="020B0502040204020203" pitchFamily="34" charset="0"/>
+                      </a:endParaRPr>
+                    </a:p>
+                  </a:txBody>
+                  <a:tcPr/>
+                </a:tc>
+                <a:tc>
+                  <a:txBody>
+                    <a:bodyPr/>
+                    <a:lstStyle/>
+                    <a:p>
+                      <a:r>
+                        <a:rPr lang="en-US" dirty="0" err="1">
+                          <a:latin typeface="Segoe UI" panose="020B0502040204020203" pitchFamily="34" charset="0"/>
+                          <a:cs typeface="Segoe UI" panose="020B0502040204020203" pitchFamily="34" charset="0"/>
+                        </a:rPr>
+                        <a:t>Quản</a:t>
+                      </a:r>
+                      <a:r>
+                        <a:rPr lang="en-US" dirty="0">
+                          <a:latin typeface="Segoe UI" panose="020B0502040204020203" pitchFamily="34" charset="0"/>
+                          <a:cs typeface="Segoe UI" panose="020B0502040204020203" pitchFamily="34" charset="0"/>
+                        </a:rPr>
+                        <a:t> lý các </a:t>
+                      </a:r>
+                      <a:r>
+                        <a:rPr lang="en-US" dirty="0" err="1">
+                          <a:latin typeface="Segoe UI" panose="020B0502040204020203" pitchFamily="34" charset="0"/>
+                          <a:cs typeface="Segoe UI" panose="020B0502040204020203" pitchFamily="34" charset="0"/>
+                        </a:rPr>
+                        <a:t>thay</a:t>
+                      </a:r>
+                      <a:r>
+                        <a:rPr lang="en-US" dirty="0">
+                          <a:latin typeface="Segoe UI" panose="020B0502040204020203" pitchFamily="34" charset="0"/>
+                          <a:cs typeface="Segoe UI" panose="020B0502040204020203" pitchFamily="34" charset="0"/>
+                        </a:rPr>
+                        <a:t> đổi lớn, tự động commit</a:t>
+                      </a:r>
+                    </a:p>
+                  </a:txBody>
+                  <a:tcPr/>
+                </a:tc>
+                <a:extLst>
+                  <a:ext uri="{0D108BD9-81ED-4DB2-BD59-A6C34878D82A}">
+                    <a16:rowId xmlns:a16="http://schemas.microsoft.com/office/drawing/2014/main" val="787699011"/>
+                  </a:ext>
+                </a:extLst>
+              </a:tr>
+            </a:tbl>
+          </a:graphicData>
+        </a:graphic>
+      </p:graphicFrame>
+    </p:spTree>
+    <p:extLst>
+      <p:ext uri="{BB962C8B-B14F-4D97-AF65-F5344CB8AC3E}">
+        <p14:creationId xmlns:p14="http://schemas.microsoft.com/office/powerpoint/2010/main" val="1565081682"/>
+      </p:ext>
+    </p:extLst>
+  </p:cSld>
+  <p:clrMapOvr>
+    <a:masterClrMapping/>
+  </p:clrMapOvr>
+  <p:transition spd="med">
+    <p:cover/>
+  </p:transition>
+</p:sld>
+</file>
+
+<file path=ppt/slides/slide15.xml><?xml version="1.0" encoding="utf-8"?>
+<p:sld xmlns:a="http://schemas.openxmlformats.org/drawingml/2006/main" xmlns:r="http://schemas.openxmlformats.org/officeDocument/2006/relationships" xmlns:p="http://schemas.openxmlformats.org/presentationml/2006/main">
+  <p:cSld>
+    <p:spTree>
+      <p:nvGrpSpPr>
+        <p:cNvPr id="1" name=""/>
+        <p:cNvGrpSpPr/>
+        <p:nvPr/>
+      </p:nvGrpSpPr>
+      <p:grpSpPr>
+        <a:xfrm>
+          <a:off x="0" y="0"/>
+          <a:ext cx="0" cy="0"/>
+          <a:chOff x="0" y="0"/>
+          <a:chExt cx="0" cy="0"/>
+        </a:xfrm>
+      </p:grpSpPr>
+      <p:pic>
+        <p:nvPicPr>
+          <p:cNvPr id="5" name="Picture 4" descr="A screenshot of a social media post&#10;&#10;Description generated with very high confidence">
+            <a:extLst>
+              <a:ext uri="{FF2B5EF4-FFF2-40B4-BE49-F238E27FC236}">
+                <a16:creationId xmlns:a16="http://schemas.microsoft.com/office/drawing/2014/main" id="{A2CC7CBB-A78D-49BE-8385-5761216CECE2}"/>
+              </a:ext>
+            </a:extLst>
+          </p:cNvPr>
+          <p:cNvPicPr>
+            <a:picLocks noChangeAspect="1"/>
+          </p:cNvPicPr>
+          <p:nvPr/>
+        </p:nvPicPr>
+        <p:blipFill rotWithShape="1">
+          <a:blip r:embed="rId2"/>
+          <a:srcRect l="1666" t="29259" r="2084" b="31235"/>
+          <a:stretch/>
+        </p:blipFill>
+        <p:spPr>
+          <a:xfrm>
+            <a:off x="171450" y="1816100"/>
+            <a:ext cx="8801100" cy="2032000"/>
+          </a:xfrm>
+          <a:prstGeom prst="rect">
+            <a:avLst/>
+          </a:prstGeom>
+        </p:spPr>
+      </p:pic>
+      <p:sp>
+        <p:nvSpPr>
+          <p:cNvPr id="6" name="Title 5">
+            <a:extLst>
+              <a:ext uri="{FF2B5EF4-FFF2-40B4-BE49-F238E27FC236}">
+                <a16:creationId xmlns:a16="http://schemas.microsoft.com/office/drawing/2014/main" id="{3E6F8D91-6ED1-4963-A121-748AC3278F2B}"/>
+              </a:ext>
+            </a:extLst>
+          </p:cNvPr>
+          <p:cNvSpPr>
+            <a:spLocks noGrp="1"/>
+          </p:cNvSpPr>
+          <p:nvPr>
+            <p:ph type="title"/>
+          </p:nvPr>
+        </p:nvSpPr>
+        <p:spPr/>
+        <p:txBody>
+          <a:bodyPr/>
+          <a:lstStyle/>
+          <a:p>
+            <a:r>
+              <a:rPr lang="en-US" dirty="0"/>
+              <a:t>Workflow</a:t>
+            </a:r>
+          </a:p>
+        </p:txBody>
+      </p:sp>
+      <p:sp>
+        <p:nvSpPr>
+          <p:cNvPr id="7" name="Content Placeholder 6">
+            <a:extLst>
+              <a:ext uri="{FF2B5EF4-FFF2-40B4-BE49-F238E27FC236}">
+                <a16:creationId xmlns:a16="http://schemas.microsoft.com/office/drawing/2014/main" id="{FFD5B665-0BF9-4B0B-BE15-17334B7530A8}"/>
+              </a:ext>
+            </a:extLst>
+          </p:cNvPr>
+          <p:cNvSpPr>
+            <a:spLocks noGrp="1"/>
+          </p:cNvSpPr>
+          <p:nvPr>
+            <p:ph idx="1"/>
+          </p:nvPr>
+        </p:nvSpPr>
+        <p:spPr>
+          <a:xfrm>
+            <a:off x="451104" y="4172204"/>
+            <a:ext cx="8521446" cy="2198794"/>
+          </a:xfrm>
+        </p:spPr>
+        <p:txBody>
+          <a:bodyPr/>
+          <a:lstStyle/>
+          <a:p>
+            <a:pPr>
+              <a:buFont typeface="Arial" panose="020B0604020202020204" pitchFamily="34" charset="0"/>
+              <a:buChar char="•"/>
+            </a:pPr>
+            <a:r>
+              <a:rPr lang="en-US" dirty="0"/>
+              <a:t>Tất cả code </a:t>
+            </a:r>
+            <a:r>
+              <a:rPr lang="en-US" dirty="0" err="1"/>
+              <a:t>đều</a:t>
+            </a:r>
+            <a:r>
+              <a:rPr lang="en-US" dirty="0"/>
+              <a:t> phải đ</a:t>
+            </a:r>
+            <a:r>
+              <a:rPr lang="vi-VN" dirty="0"/>
+              <a:t>ư</a:t>
+            </a:r>
+            <a:r>
+              <a:rPr lang="en-US" dirty="0" err="1"/>
+              <a:t>ợc</a:t>
+            </a:r>
+            <a:r>
+              <a:rPr lang="en-US" dirty="0"/>
+              <a:t> review </a:t>
+            </a:r>
+            <a:r>
+              <a:rPr lang="en-US" dirty="0" err="1"/>
+              <a:t>tr</a:t>
+            </a:r>
+            <a:r>
+              <a:rPr lang="vi-VN" dirty="0"/>
+              <a:t>ư</a:t>
+            </a:r>
+            <a:r>
+              <a:rPr lang="en-US" dirty="0" err="1"/>
+              <a:t>ớc</a:t>
+            </a:r>
+            <a:r>
+              <a:rPr lang="en-US" dirty="0"/>
+              <a:t> khi commit (tự động hoặc </a:t>
+            </a:r>
+            <a:r>
+              <a:rPr lang="en-US" dirty="0" err="1"/>
+              <a:t>thủ</a:t>
+            </a:r>
+            <a:r>
+              <a:rPr lang="en-US" dirty="0"/>
+              <a:t> công)</a:t>
+            </a:r>
+          </a:p>
+          <a:p>
+            <a:pPr>
+              <a:buFont typeface="Arial" panose="020B0604020202020204" pitchFamily="34" charset="0"/>
+              <a:buChar char="•"/>
+            </a:pPr>
+            <a:r>
+              <a:rPr lang="en-US" dirty="0" err="1"/>
+              <a:t>Phân</a:t>
+            </a:r>
+            <a:r>
+              <a:rPr lang="en-US" dirty="0"/>
+              <a:t> chia </a:t>
+            </a:r>
+            <a:r>
+              <a:rPr lang="en-US" dirty="0" err="1"/>
+              <a:t>quyền</a:t>
+            </a:r>
+            <a:r>
+              <a:rPr lang="en-US" dirty="0"/>
+              <a:t> </a:t>
+            </a:r>
+            <a:r>
+              <a:rPr lang="en-US" dirty="0" err="1"/>
+              <a:t>truy</a:t>
+            </a:r>
+            <a:r>
+              <a:rPr lang="en-US" dirty="0"/>
+              <a:t> </a:t>
+            </a:r>
+            <a:r>
+              <a:rPr lang="en-US" dirty="0" err="1"/>
+              <a:t>cập</a:t>
+            </a:r>
+            <a:r>
+              <a:rPr lang="en-US" dirty="0"/>
+              <a:t> trong repo</a:t>
+            </a:r>
+          </a:p>
+          <a:p>
+            <a:pPr>
+              <a:buFont typeface="Arial" panose="020B0604020202020204" pitchFamily="34" charset="0"/>
+              <a:buChar char="•"/>
+            </a:pPr>
+            <a:r>
+              <a:rPr lang="en-US" dirty="0"/>
+              <a:t>Test tự động </a:t>
+            </a:r>
+            <a:r>
+              <a:rPr lang="en-US" dirty="0" err="1"/>
+              <a:t>tr</a:t>
+            </a:r>
+            <a:r>
+              <a:rPr lang="vi-VN" dirty="0"/>
+              <a:t>ư</a:t>
+            </a:r>
+            <a:r>
+              <a:rPr lang="en-US" dirty="0" err="1"/>
+              <a:t>ớc</a:t>
+            </a:r>
+            <a:r>
+              <a:rPr lang="en-US" dirty="0"/>
+              <a:t> và sau khi commit</a:t>
+            </a:r>
+          </a:p>
+          <a:p>
+            <a:pPr>
+              <a:buFont typeface="Arial" panose="020B0604020202020204" pitchFamily="34" charset="0"/>
+              <a:buChar char="•"/>
+            </a:pPr>
+            <a:r>
+              <a:rPr lang="en-US" dirty="0"/>
+              <a:t>Tự động </a:t>
+            </a:r>
+            <a:r>
+              <a:rPr lang="en-US" dirty="0" err="1"/>
+              <a:t>hủy</a:t>
+            </a:r>
+            <a:r>
+              <a:rPr lang="en-US" dirty="0"/>
+              <a:t> bỏ commit khi </a:t>
+            </a:r>
+            <a:r>
+              <a:rPr lang="en-US" dirty="0" err="1"/>
+              <a:t>sai</a:t>
+            </a:r>
+            <a:r>
+              <a:rPr lang="en-US" dirty="0"/>
+              <a:t> </a:t>
+            </a:r>
+            <a:r>
+              <a:rPr lang="en-US" dirty="0" err="1"/>
+              <a:t>sót</a:t>
+            </a:r>
+            <a:r>
+              <a:rPr lang="en-US" dirty="0"/>
+              <a:t> </a:t>
+            </a:r>
+            <a:r>
+              <a:rPr lang="en-US" dirty="0" err="1"/>
+              <a:t>lan</a:t>
+            </a:r>
+            <a:r>
+              <a:rPr lang="en-US" dirty="0"/>
+              <a:t> </a:t>
+            </a:r>
+            <a:r>
+              <a:rPr lang="en-US" dirty="0" err="1"/>
+              <a:t>truyền</a:t>
+            </a:r>
+            <a:endParaRPr lang="en-US" dirty="0"/>
+          </a:p>
+        </p:txBody>
+      </p:sp>
+    </p:spTree>
+    <p:extLst>
+      <p:ext uri="{BB962C8B-B14F-4D97-AF65-F5344CB8AC3E}">
+        <p14:creationId xmlns:p14="http://schemas.microsoft.com/office/powerpoint/2010/main" val="1093518418"/>
+      </p:ext>
+    </p:extLst>
+  </p:cSld>
+  <p:clrMapOvr>
+    <a:masterClrMapping/>
+  </p:clrMapOvr>
+  <p:transition spd="med">
+    <p:cover/>
+  </p:transition>
+</p:sld>
+</file>
+
+<file path=ppt/slides/slide16.xml><?xml version="1.0" encoding="utf-8"?>
 <p:sld xmlns:a="http://schemas.openxmlformats.org/drawingml/2006/main" xmlns:r="http://schemas.openxmlformats.org/officeDocument/2006/relationships" xmlns:p="http://schemas.openxmlformats.org/presentationml/2006/main">
   <p:cSld>
     <p:spTree>
@@ -5043,7 +9990,14 @@
           <a:bodyPr/>
           <a:lstStyle/>
           <a:p>
-            <a:endParaRPr lang="en-US"/>
+            <a:r>
+              <a:rPr lang="en-US" dirty="0" err="1"/>
+              <a:t>Ưu</a:t>
+            </a:r>
+            <a:r>
+              <a:rPr lang="en-US" dirty="0"/>
+              <a:t> điểm</a:t>
+            </a:r>
           </a:p>
         </p:txBody>
       </p:sp>
@@ -5068,7 +10022,344 @@
           <a:bodyPr/>
           <a:lstStyle/>
           <a:p>
-            <a:endParaRPr lang="en-US"/>
+            <a:r>
+              <a:rPr lang="en-US" dirty="0"/>
+              <a:t>- </a:t>
+            </a:r>
+            <a:r>
+              <a:rPr lang="en-US" dirty="0" err="1"/>
+              <a:t>Phiên</a:t>
+            </a:r>
+            <a:r>
+              <a:rPr lang="en-US" dirty="0"/>
+              <a:t> bản </a:t>
+            </a:r>
+            <a:r>
+              <a:rPr lang="en-US" dirty="0" err="1"/>
+              <a:t>thống</a:t>
+            </a:r>
+            <a:r>
+              <a:rPr lang="en-US" dirty="0"/>
+              <a:t> nhất, 1 mã </a:t>
+            </a:r>
+            <a:r>
+              <a:rPr lang="en-US" dirty="0" err="1"/>
+              <a:t>nguồn</a:t>
+            </a:r>
+            <a:r>
+              <a:rPr lang="en-US" dirty="0"/>
+              <a:t> </a:t>
+            </a:r>
+            <a:r>
+              <a:rPr lang="en-US" dirty="0" err="1"/>
+              <a:t>xuyên</a:t>
+            </a:r>
+            <a:r>
+              <a:rPr lang="en-US" dirty="0"/>
+              <a:t> suốt</a:t>
+            </a:r>
+          </a:p>
+          <a:p>
+            <a:r>
+              <a:rPr lang="en-US" dirty="0"/>
+              <a:t>- Chia </a:t>
+            </a:r>
+            <a:r>
+              <a:rPr lang="en-US" dirty="0" err="1"/>
+              <a:t>sẻ</a:t>
+            </a:r>
+            <a:r>
+              <a:rPr lang="en-US" dirty="0"/>
+              <a:t> và </a:t>
+            </a:r>
+            <a:r>
+              <a:rPr lang="en-US" dirty="0" err="1"/>
+              <a:t>tái</a:t>
+            </a:r>
+            <a:r>
+              <a:rPr lang="en-US" dirty="0"/>
+              <a:t> </a:t>
+            </a:r>
+            <a:r>
+              <a:rPr lang="en-US" dirty="0" err="1"/>
+              <a:t>sử</a:t>
+            </a:r>
+            <a:r>
+              <a:rPr lang="en-US" dirty="0"/>
+              <a:t> </a:t>
+            </a:r>
+            <a:r>
+              <a:rPr lang="en-US" dirty="0" err="1"/>
+              <a:t>dụng</a:t>
+            </a:r>
+            <a:r>
+              <a:rPr lang="en-US" dirty="0"/>
+              <a:t> mã </a:t>
+            </a:r>
+            <a:r>
+              <a:rPr lang="en-US" dirty="0" err="1"/>
+              <a:t>nguồn</a:t>
+            </a:r>
+            <a:endParaRPr lang="en-US" dirty="0"/>
+          </a:p>
+          <a:p>
+            <a:r>
+              <a:rPr lang="en-US" dirty="0"/>
+              <a:t>- </a:t>
+            </a:r>
+            <a:r>
+              <a:rPr lang="en-US" dirty="0" err="1"/>
+              <a:t>Quản</a:t>
+            </a:r>
+            <a:r>
+              <a:rPr lang="en-US" dirty="0"/>
+              <a:t> lý sự </a:t>
+            </a:r>
+            <a:r>
+              <a:rPr lang="en-US" dirty="0" err="1"/>
+              <a:t>phụ</a:t>
+            </a:r>
+            <a:r>
+              <a:rPr lang="en-US" dirty="0"/>
+              <a:t> thuộc đ</a:t>
+            </a:r>
+            <a:r>
+              <a:rPr lang="vi-VN" dirty="0"/>
+              <a:t>ơ</a:t>
+            </a:r>
+            <a:r>
+              <a:rPr lang="en-US" dirty="0"/>
+              <a:t>n </a:t>
+            </a:r>
+            <a:r>
+              <a:rPr lang="en-US" dirty="0" err="1"/>
+              <a:t>giản</a:t>
+            </a:r>
+            <a:endParaRPr lang="en-US" dirty="0"/>
+          </a:p>
+          <a:p>
+            <a:r>
+              <a:rPr lang="en-US" dirty="0"/>
+              <a:t>- Tự động </a:t>
+            </a:r>
+            <a:r>
+              <a:rPr lang="en-US" dirty="0" err="1"/>
+              <a:t>thay</a:t>
+            </a:r>
+            <a:r>
+              <a:rPr lang="en-US" dirty="0"/>
+              <a:t> đổi</a:t>
+            </a:r>
+          </a:p>
+          <a:p>
+            <a:r>
+              <a:rPr lang="en-US" dirty="0"/>
+              <a:t>- </a:t>
+            </a:r>
+            <a:r>
+              <a:rPr lang="en-US" dirty="0" err="1"/>
+              <a:t>Tái</a:t>
+            </a:r>
+            <a:r>
+              <a:rPr lang="en-US" dirty="0"/>
+              <a:t> </a:t>
+            </a:r>
+            <a:r>
+              <a:rPr lang="en-US" dirty="0" err="1"/>
+              <a:t>cấu</a:t>
+            </a:r>
+            <a:r>
+              <a:rPr lang="en-US" dirty="0"/>
+              <a:t> </a:t>
+            </a:r>
+            <a:r>
+              <a:rPr lang="en-US" dirty="0" err="1"/>
+              <a:t>trúc</a:t>
+            </a:r>
+            <a:r>
+              <a:rPr lang="en-US" dirty="0"/>
+              <a:t> quy mô lớn, hiện đại </a:t>
+            </a:r>
+            <a:r>
+              <a:rPr lang="en-US" dirty="0" err="1"/>
+              <a:t>hóa</a:t>
+            </a:r>
+            <a:r>
+              <a:rPr lang="en-US" dirty="0"/>
+              <a:t> codebase</a:t>
+            </a:r>
+          </a:p>
+          <a:p>
+            <a:r>
+              <a:rPr lang="en-US" dirty="0"/>
+              <a:t>- </a:t>
+            </a:r>
+            <a:r>
+              <a:rPr lang="en-US" dirty="0" err="1"/>
+              <a:t>Cộng</a:t>
+            </a:r>
+            <a:r>
+              <a:rPr lang="en-US" dirty="0"/>
+              <a:t> </a:t>
+            </a:r>
+            <a:r>
+              <a:rPr lang="en-US" dirty="0" err="1"/>
+              <a:t>tác</a:t>
+            </a:r>
+            <a:r>
+              <a:rPr lang="en-US" dirty="0"/>
+              <a:t> giữa các </a:t>
+            </a:r>
+            <a:r>
+              <a:rPr lang="en-US" dirty="0" err="1"/>
+              <a:t>đội</a:t>
+            </a:r>
+            <a:endParaRPr lang="en-US" dirty="0"/>
+          </a:p>
+          <a:p>
+            <a:r>
+              <a:rPr lang="en-US" dirty="0"/>
+              <a:t>- </a:t>
+            </a:r>
+            <a:r>
+              <a:rPr lang="en-US" dirty="0" err="1"/>
+              <a:t>Ranh</a:t>
+            </a:r>
+            <a:r>
+              <a:rPr lang="en-US" dirty="0"/>
+              <a:t> </a:t>
+            </a:r>
+            <a:r>
+              <a:rPr lang="en-US" dirty="0" err="1"/>
+              <a:t>giới</a:t>
+            </a:r>
+            <a:r>
+              <a:rPr lang="en-US" dirty="0"/>
+              <a:t> nhóm và </a:t>
+            </a:r>
+            <a:r>
+              <a:rPr lang="en-US" dirty="0" err="1"/>
+              <a:t>quyền</a:t>
+            </a:r>
+            <a:r>
+              <a:rPr lang="en-US" dirty="0"/>
+              <a:t> </a:t>
+            </a:r>
+            <a:r>
+              <a:rPr lang="en-US" dirty="0" err="1"/>
+              <a:t>truy</a:t>
+            </a:r>
+            <a:r>
+              <a:rPr lang="en-US" dirty="0"/>
+              <a:t> </a:t>
+            </a:r>
+            <a:r>
+              <a:rPr lang="en-US" dirty="0" err="1"/>
+              <a:t>cập</a:t>
+            </a:r>
+            <a:r>
+              <a:rPr lang="en-US" dirty="0"/>
+              <a:t> mã </a:t>
+            </a:r>
+            <a:r>
+              <a:rPr lang="en-US" dirty="0" err="1"/>
+              <a:t>linh</a:t>
+            </a:r>
+            <a:r>
+              <a:rPr lang="en-US" dirty="0"/>
+              <a:t> </a:t>
+            </a:r>
+            <a:r>
+              <a:rPr lang="en-US" dirty="0" err="1"/>
+              <a:t>hoạt</a:t>
+            </a:r>
+            <a:endParaRPr lang="en-US" dirty="0"/>
+          </a:p>
+          <a:p>
+            <a:r>
+              <a:rPr lang="en-US" dirty="0"/>
+              <a:t>- </a:t>
+            </a:r>
+            <a:r>
+              <a:rPr lang="en-US" dirty="0" err="1"/>
+              <a:t>Khả</a:t>
+            </a:r>
+            <a:r>
+              <a:rPr lang="en-US" dirty="0"/>
+              <a:t> </a:t>
+            </a:r>
+            <a:r>
+              <a:rPr lang="en-US" dirty="0" err="1"/>
+              <a:t>năng</a:t>
+            </a:r>
+            <a:r>
+              <a:rPr lang="en-US" dirty="0"/>
+              <a:t> hiển thị mã và </a:t>
+            </a:r>
+            <a:r>
+              <a:rPr lang="en-US" dirty="0" err="1"/>
+              <a:t>cấu</a:t>
+            </a:r>
+            <a:r>
+              <a:rPr lang="en-US" dirty="0"/>
+              <a:t> </a:t>
+            </a:r>
+            <a:r>
+              <a:rPr lang="en-US" dirty="0" err="1"/>
+              <a:t>trúc</a:t>
+            </a:r>
+            <a:r>
+              <a:rPr lang="en-US" dirty="0"/>
+              <a:t> cây </a:t>
+            </a:r>
+            <a:r>
+              <a:rPr lang="en-US" dirty="0" err="1"/>
+              <a:t>rõ</a:t>
+            </a:r>
+            <a:r>
+              <a:rPr lang="en-US" dirty="0"/>
+              <a:t> </a:t>
+            </a:r>
+            <a:r>
+              <a:rPr lang="en-US" dirty="0" err="1"/>
+              <a:t>ràng</a:t>
+            </a:r>
+            <a:r>
+              <a:rPr lang="en-US" dirty="0"/>
+              <a:t> cung cấp </a:t>
+            </a:r>
+            <a:r>
+              <a:rPr lang="en-US" dirty="0" err="1"/>
+              <a:t>khả</a:t>
+            </a:r>
+            <a:r>
+              <a:rPr lang="en-US" dirty="0"/>
+              <a:t> </a:t>
+            </a:r>
+            <a:r>
+              <a:rPr lang="en-US" dirty="0" err="1"/>
+              <a:t>năng</a:t>
+            </a:r>
+            <a:r>
+              <a:rPr lang="en-US" dirty="0"/>
+              <a:t> sắp </a:t>
+            </a:r>
+            <a:r>
+              <a:rPr lang="en-US" dirty="0" err="1"/>
+              <a:t>xếp</a:t>
+            </a:r>
+            <a:r>
+              <a:rPr lang="en-US" dirty="0"/>
+              <a:t> tên nhóm </a:t>
+            </a:r>
+            <a:r>
+              <a:rPr lang="en-US" dirty="0" err="1"/>
+              <a:t>ngầm</a:t>
+            </a:r>
+            <a:r>
+              <a:rPr lang="en-US" dirty="0"/>
+              <a:t> định</a:t>
+            </a:r>
           </a:p>
         </p:txBody>
       </p:sp>
@@ -5082,10 +10373,352 @@
   <p:clrMapOvr>
     <a:masterClrMapping/>
   </p:clrMapOvr>
+  <p:transition spd="med">
+    <p:cover/>
+  </p:transition>
+</p:sld>
+</file>
+
+<file path=ppt/slides/slide17.xml><?xml version="1.0" encoding="utf-8"?>
+<p:sld xmlns:a="http://schemas.openxmlformats.org/drawingml/2006/main" xmlns:r="http://schemas.openxmlformats.org/officeDocument/2006/relationships" xmlns:p="http://schemas.openxmlformats.org/presentationml/2006/main">
+  <p:cSld>
+    <p:spTree>
+      <p:nvGrpSpPr>
+        <p:cNvPr id="1" name=""/>
+        <p:cNvGrpSpPr/>
+        <p:nvPr/>
+      </p:nvGrpSpPr>
+      <p:grpSpPr>
+        <a:xfrm>
+          <a:off x="0" y="0"/>
+          <a:ext cx="0" cy="0"/>
+          <a:chOff x="0" y="0"/>
+          <a:chExt cx="0" cy="0"/>
+        </a:xfrm>
+      </p:grpSpPr>
+      <p:sp>
+        <p:nvSpPr>
+          <p:cNvPr id="2" name="Title 1">
+            <a:extLst>
+              <a:ext uri="{FF2B5EF4-FFF2-40B4-BE49-F238E27FC236}">
+                <a16:creationId xmlns:a16="http://schemas.microsoft.com/office/drawing/2014/main" id="{7D5FCA7A-F9BB-4B73-93AB-2265F944666C}"/>
+              </a:ext>
+            </a:extLst>
+          </p:cNvPr>
+          <p:cNvSpPr>
+            <a:spLocks noGrp="1"/>
+          </p:cNvSpPr>
+          <p:nvPr>
+            <p:ph type="title"/>
+          </p:nvPr>
+        </p:nvSpPr>
+        <p:spPr/>
+        <p:txBody>
+          <a:bodyPr/>
+          <a:lstStyle/>
+          <a:p>
+            <a:r>
+              <a:rPr lang="en-US" dirty="0"/>
+              <a:t>Bất </a:t>
+            </a:r>
+            <a:r>
+              <a:rPr lang="en-US" dirty="0" err="1"/>
+              <a:t>lợi</a:t>
+            </a:r>
+            <a:endParaRPr lang="en-US" dirty="0"/>
+          </a:p>
+        </p:txBody>
+      </p:sp>
+      <p:sp>
+        <p:nvSpPr>
+          <p:cNvPr id="3" name="Content Placeholder 2">
+            <a:extLst>
+              <a:ext uri="{FF2B5EF4-FFF2-40B4-BE49-F238E27FC236}">
+                <a16:creationId xmlns:a16="http://schemas.microsoft.com/office/drawing/2014/main" id="{36A65107-B061-4C89-864D-EE936422C245}"/>
+              </a:ext>
+            </a:extLst>
+          </p:cNvPr>
+          <p:cNvSpPr>
+            <a:spLocks noGrp="1"/>
+          </p:cNvSpPr>
+          <p:nvPr>
+            <p:ph idx="1"/>
+          </p:nvPr>
+        </p:nvSpPr>
+        <p:spPr/>
+        <p:txBody>
+          <a:bodyPr/>
+          <a:lstStyle/>
+          <a:p>
+            <a:r>
+              <a:rPr lang="en-US" dirty="0"/>
+              <a:t>- Tốn kém</a:t>
+            </a:r>
+          </a:p>
+          <a:p>
+            <a:r>
+              <a:rPr lang="en-US" dirty="0"/>
+              <a:t>- Codebase </a:t>
+            </a:r>
+            <a:r>
+              <a:rPr lang="en-US" dirty="0" err="1"/>
+              <a:t>phức</a:t>
+            </a:r>
+            <a:r>
+              <a:rPr lang="en-US" dirty="0"/>
+              <a:t> tạp, </a:t>
+            </a:r>
+            <a:r>
+              <a:rPr lang="en-US" dirty="0" err="1"/>
+              <a:t>rủi</a:t>
+            </a:r>
+            <a:r>
+              <a:rPr lang="en-US" dirty="0"/>
+              <a:t> </a:t>
+            </a:r>
+            <a:r>
+              <a:rPr lang="en-US" dirty="0" err="1"/>
+              <a:t>ro</a:t>
+            </a:r>
+            <a:r>
+              <a:rPr lang="en-US" dirty="0"/>
+              <a:t> </a:t>
+            </a:r>
+            <a:r>
+              <a:rPr lang="en-US" dirty="0" err="1"/>
+              <a:t>cho</a:t>
+            </a:r>
+            <a:r>
+              <a:rPr lang="en-US" dirty="0"/>
+              <a:t> quá trình sản </a:t>
+            </a:r>
+            <a:r>
+              <a:rPr lang="en-US" dirty="0" err="1"/>
+              <a:t>xuất</a:t>
+            </a:r>
+            <a:endParaRPr lang="en-US" dirty="0"/>
+          </a:p>
+          <a:p>
+            <a:r>
+              <a:rPr lang="en-US" dirty="0"/>
+              <a:t>- </a:t>
+            </a:r>
+            <a:r>
+              <a:rPr lang="en-US" dirty="0" err="1"/>
+              <a:t>Nỗ</a:t>
+            </a:r>
+            <a:r>
+              <a:rPr lang="en-US" dirty="0"/>
+              <a:t> </a:t>
+            </a:r>
+            <a:r>
+              <a:rPr lang="en-US" dirty="0" err="1"/>
+              <a:t>lực</a:t>
+            </a:r>
+            <a:r>
+              <a:rPr lang="en-US" dirty="0"/>
+              <a:t> tạo sự ổn định mã </a:t>
+            </a:r>
+            <a:r>
+              <a:rPr lang="en-US" dirty="0" err="1"/>
+              <a:t>nguồn</a:t>
+            </a:r>
+            <a:endParaRPr lang="en-US" dirty="0"/>
+          </a:p>
+        </p:txBody>
+      </p:sp>
+    </p:spTree>
+    <p:extLst>
+      <p:ext uri="{BB962C8B-B14F-4D97-AF65-F5344CB8AC3E}">
+        <p14:creationId xmlns:p14="http://schemas.microsoft.com/office/powerpoint/2010/main" val="3874658124"/>
+      </p:ext>
+    </p:extLst>
+  </p:cSld>
+  <p:clrMapOvr>
+    <a:masterClrMapping/>
+  </p:clrMapOvr>
+  <p:transition spd="med">
+    <p:cover/>
+  </p:transition>
 </p:sld>
 </file>
 
 <file path=ppt/slides/slide2.xml><?xml version="1.0" encoding="utf-8"?>
+<p:sld xmlns:a="http://schemas.openxmlformats.org/drawingml/2006/main" xmlns:r="http://schemas.openxmlformats.org/officeDocument/2006/relationships" xmlns:p="http://schemas.openxmlformats.org/presentationml/2006/main">
+  <p:cSld>
+    <p:spTree>
+      <p:nvGrpSpPr>
+        <p:cNvPr id="1" name=""/>
+        <p:cNvGrpSpPr/>
+        <p:nvPr/>
+      </p:nvGrpSpPr>
+      <p:grpSpPr>
+        <a:xfrm>
+          <a:off x="0" y="0"/>
+          <a:ext cx="0" cy="0"/>
+          <a:chOff x="0" y="0"/>
+          <a:chExt cx="0" cy="0"/>
+        </a:xfrm>
+      </p:grpSpPr>
+      <p:sp>
+        <p:nvSpPr>
+          <p:cNvPr id="5" name="Title 4">
+            <a:extLst>
+              <a:ext uri="{FF2B5EF4-FFF2-40B4-BE49-F238E27FC236}">
+                <a16:creationId xmlns:a16="http://schemas.microsoft.com/office/drawing/2014/main" id="{0CB8BCAD-0F20-4610-93DF-1A7788AEEB3D}"/>
+              </a:ext>
+            </a:extLst>
+          </p:cNvPr>
+          <p:cNvSpPr>
+            <a:spLocks noGrp="1"/>
+          </p:cNvSpPr>
+          <p:nvPr>
+            <p:ph type="title"/>
+          </p:nvPr>
+        </p:nvSpPr>
+        <p:spPr/>
+        <p:txBody>
+          <a:bodyPr/>
+          <a:lstStyle/>
+          <a:p>
+            <a:r>
+              <a:rPr lang="en-US" dirty="0"/>
+              <a:t>Tài liệu </a:t>
+            </a:r>
+            <a:r>
+              <a:rPr lang="en-US" dirty="0" err="1"/>
+              <a:t>tham</a:t>
+            </a:r>
+            <a:r>
+              <a:rPr lang="en-US" dirty="0"/>
+              <a:t> </a:t>
+            </a:r>
+            <a:r>
+              <a:rPr lang="en-US" dirty="0" err="1"/>
+              <a:t>khảo</a:t>
+            </a:r>
+            <a:endParaRPr lang="en-US" dirty="0"/>
+          </a:p>
+        </p:txBody>
+      </p:sp>
+      <p:sp>
+        <p:nvSpPr>
+          <p:cNvPr id="6" name="Content Placeholder 5">
+            <a:extLst>
+              <a:ext uri="{FF2B5EF4-FFF2-40B4-BE49-F238E27FC236}">
+                <a16:creationId xmlns:a16="http://schemas.microsoft.com/office/drawing/2014/main" id="{32FD4E9E-6EE1-49A5-B5A9-CC64E2F58C92}"/>
+              </a:ext>
+            </a:extLst>
+          </p:cNvPr>
+          <p:cNvSpPr>
+            <a:spLocks noGrp="1"/>
+          </p:cNvSpPr>
+          <p:nvPr>
+            <p:ph idx="1"/>
+          </p:nvPr>
+        </p:nvSpPr>
+        <p:spPr/>
+        <p:txBody>
+          <a:bodyPr>
+            <a:normAutofit fontScale="85000" lnSpcReduction="10000"/>
+          </a:bodyPr>
+          <a:lstStyle/>
+          <a:p>
+            <a:r>
+              <a:rPr lang="en-US" dirty="0"/>
+              <a:t>[1] ​ Rachel Potvin, </a:t>
+            </a:r>
+            <a:r>
+              <a:rPr lang="en-US" i="1" dirty="0"/>
+              <a:t>Why Google Stores Billions of Lines of Code in a Single Repository, </a:t>
+            </a:r>
+            <a:r>
+              <a:rPr lang="en-US" dirty="0"/>
+              <a:t>presentation</a:t>
+            </a:r>
+          </a:p>
+          <a:p>
+            <a:r>
+              <a:rPr lang="en-US" dirty="0">
+                <a:hlinkClick r:id="rId2"/>
+              </a:rPr>
+              <a:t>https://www.youtube.com/watch?v=W71BTkUbdqE</a:t>
+            </a:r>
+            <a:endParaRPr lang="en-US" dirty="0"/>
+          </a:p>
+          <a:p>
+            <a:r>
+              <a:rPr lang="en-US" dirty="0"/>
+              <a:t>[2] Rachel Potvin and Josh </a:t>
+            </a:r>
+            <a:r>
+              <a:rPr lang="en-US" dirty="0" err="1"/>
+              <a:t>Levenberg</a:t>
+            </a:r>
+            <a:r>
+              <a:rPr lang="en-US" dirty="0"/>
+              <a:t>, 2016. Why Google Stores Billions of Lines of Code in a Single Repository. </a:t>
+            </a:r>
+            <a:r>
+              <a:rPr lang="en-US" i="1" dirty="0"/>
+              <a:t>Communications of the ACM</a:t>
+            </a:r>
+            <a:r>
+              <a:rPr lang="en-US" dirty="0"/>
+              <a:t> 5 (7): 78-87.</a:t>
+            </a:r>
+          </a:p>
+          <a:p>
+            <a:r>
+              <a:rPr lang="en-US" dirty="0">
+                <a:hlinkClick r:id="rId3"/>
+              </a:rPr>
+              <a:t>http://delivery.acm.org/10.1145/2860000/2854146/p78-potvin.pdf?ip=123.24.240.120&amp;id=2854146&amp;acc=OA&amp;key=4D4702B0C3E38B35%2E4D4702B0C3E38B35%2E4D4702B0C3E38B35%2E5945DC2EABF3343C&amp;__acm__=1523675377_af53d807fe0c75437164fb60335b6419</a:t>
+            </a:r>
+            <a:endParaRPr lang="en-US" dirty="0"/>
+          </a:p>
+          <a:p>
+            <a:r>
+              <a:rPr lang="en-US" dirty="0"/>
+              <a:t>[3] Business Insider, </a:t>
+            </a:r>
+            <a:r>
+              <a:rPr lang="en-US" i="1" dirty="0"/>
+              <a:t>Here's how many millions of lines of code it takes to run different software</a:t>
+            </a:r>
+            <a:r>
+              <a:rPr lang="en-US" dirty="0"/>
+              <a:t>, September 2017.</a:t>
+            </a:r>
+          </a:p>
+          <a:p>
+            <a:r>
+              <a:rPr lang="en-US" dirty="0">
+                <a:hlinkClick r:id="rId4"/>
+              </a:rPr>
+              <a:t>http://www.businessinsider.com/how-many-lines-of-code-it-takes-to-run-different-software-2017-2</a:t>
+            </a:r>
+            <a:endParaRPr lang="en-US" dirty="0"/>
+          </a:p>
+        </p:txBody>
+      </p:sp>
+    </p:spTree>
+    <p:extLst>
+      <p:ext uri="{BB962C8B-B14F-4D97-AF65-F5344CB8AC3E}">
+        <p14:creationId xmlns:p14="http://schemas.microsoft.com/office/powerpoint/2010/main" val="3582600232"/>
+      </p:ext>
+    </p:extLst>
+  </p:cSld>
+  <p:clrMapOvr>
+    <a:masterClrMapping/>
+  </p:clrMapOvr>
+  <p:transition spd="med">
+    <p:cover/>
+  </p:transition>
+</p:sld>
+</file>
+
+<file path=ppt/slides/slide3.xml><?xml version="1.0" encoding="utf-8"?>
 <p:sld xmlns:a="http://schemas.openxmlformats.org/drawingml/2006/main" xmlns:r="http://schemas.openxmlformats.org/officeDocument/2006/relationships" xmlns:p="http://schemas.openxmlformats.org/presentationml/2006/main">
   <p:cSld>
     <p:spTree>
@@ -5115,13 +10748,13 @@
           <p:nvPr>
             <p:extLst>
               <p:ext uri="{D42A27DB-BD31-4B8C-83A1-F6EECF244321}">
-                <p14:modId xmlns:p14="http://schemas.microsoft.com/office/powerpoint/2010/main" val="331293423"/>
+                <p14:modId xmlns:p14="http://schemas.microsoft.com/office/powerpoint/2010/main" val="1623978311"/>
               </p:ext>
             </p:extLst>
           </p:nvPr>
         </p:nvGraphicFramePr>
         <p:xfrm>
-          <a:off x="0" y="1027610"/>
+          <a:off x="-58723" y="1035999"/>
           <a:ext cx="9989820" cy="4146370"/>
         </p:xfrm>
         <a:graphic>
@@ -5140,10 +10773,13 @@
   <p:clrMapOvr>
     <a:masterClrMapping/>
   </p:clrMapOvr>
+  <p:transition spd="med">
+    <p:cover/>
+  </p:transition>
 </p:sld>
 </file>
 
-<file path=ppt/slides/slide3.xml><?xml version="1.0" encoding="utf-8"?>
+<file path=ppt/slides/slide4.xml><?xml version="1.0" encoding="utf-8"?>
 <p:sld xmlns:a="http://schemas.openxmlformats.org/drawingml/2006/main" xmlns:r="http://schemas.openxmlformats.org/officeDocument/2006/relationships" xmlns:p="http://schemas.openxmlformats.org/presentationml/2006/main">
   <p:cSld>
     <p:spTree>
@@ -5176,47 +10812,281 @@
             <p:ph type="title"/>
           </p:nvPr>
         </p:nvSpPr>
-        <p:spPr/>
+        <p:spPr>
+          <a:xfrm>
+            <a:off x="729843" y="286604"/>
+            <a:ext cx="7810150" cy="1450757"/>
+          </a:xfrm>
+        </p:spPr>
         <p:txBody>
           <a:bodyPr/>
           <a:lstStyle/>
           <a:p>
             <a:r>
-              <a:rPr lang="en-US" dirty="0" err="1"/>
-              <a:t>Mô</a:t>
-            </a:r>
-            <a:r>
-              <a:rPr lang="en-US" dirty="0"/>
-              <a:t> hình Repository (repo)</a:t>
+              <a:rPr lang="en-US" dirty="0"/>
+              <a:t>Mô hình Repository (repo)</a:t>
             </a:r>
           </a:p>
         </p:txBody>
       </p:sp>
-      <p:sp>
-        <p:nvSpPr>
-          <p:cNvPr id="8" name="Content Placeholder 7">
+      <p:pic>
+        <p:nvPicPr>
+          <p:cNvPr id="9" name="Picture 8" descr="A close up of a sign&#10;&#10;Description generated with high confidence">
             <a:extLst>
               <a:ext uri="{FF2B5EF4-FFF2-40B4-BE49-F238E27FC236}">
-                <a16:creationId xmlns:a16="http://schemas.microsoft.com/office/drawing/2014/main" id="{1BB66F51-5F40-4DBC-A3E7-CABB2CF9A130}"/>
+                <a16:creationId xmlns:a16="http://schemas.microsoft.com/office/drawing/2014/main" id="{C013857C-C540-4B25-93D5-A17529BFC9DC}"/>
               </a:ext>
             </a:extLst>
           </p:cNvPr>
-          <p:cNvSpPr>
-            <a:spLocks noGrp="1"/>
-          </p:cNvSpPr>
-          <p:nvPr>
-            <p:ph idx="1"/>
-          </p:nvPr>
-        </p:nvSpPr>
-        <p:spPr/>
-        <p:txBody>
-          <a:bodyPr/>
-          <a:lstStyle/>
-          <a:p>
-            <a:endParaRPr lang="en-US" dirty="0"/>
-          </a:p>
-        </p:txBody>
-      </p:sp>
+          <p:cNvPicPr>
+            <a:picLocks noChangeAspect="1"/>
+          </p:cNvPicPr>
+          <p:nvPr/>
+        </p:nvPicPr>
+        <p:blipFill>
+          <a:blip r:embed="rId2"/>
+          <a:stretch>
+            <a:fillRect/>
+          </a:stretch>
+        </p:blipFill>
+        <p:spPr>
+          <a:xfrm>
+            <a:off x="1004666" y="4820743"/>
+            <a:ext cx="2484727" cy="1037578"/>
+          </a:xfrm>
+          <a:prstGeom prst="rect">
+            <a:avLst/>
+          </a:prstGeom>
+        </p:spPr>
+      </p:pic>
+      <p:pic>
+        <p:nvPicPr>
+          <p:cNvPr id="11" name="Picture 10">
+            <a:extLst>
+              <a:ext uri="{FF2B5EF4-FFF2-40B4-BE49-F238E27FC236}">
+                <a16:creationId xmlns:a16="http://schemas.microsoft.com/office/drawing/2014/main" id="{151427C2-A178-44A4-ABD9-DE8F7AB47503}"/>
+              </a:ext>
+            </a:extLst>
+          </p:cNvPr>
+          <p:cNvPicPr>
+            <a:picLocks noChangeAspect="1"/>
+          </p:cNvPicPr>
+          <p:nvPr/>
+        </p:nvPicPr>
+        <p:blipFill>
+          <a:blip r:embed="rId3"/>
+          <a:stretch>
+            <a:fillRect/>
+          </a:stretch>
+        </p:blipFill>
+        <p:spPr>
+          <a:xfrm>
+            <a:off x="6105392" y="4739645"/>
+            <a:ext cx="1443337" cy="1199774"/>
+          </a:xfrm>
+          <a:prstGeom prst="rect">
+            <a:avLst/>
+          </a:prstGeom>
+        </p:spPr>
+      </p:pic>
+      <mc:AlternateContent xmlns:mc="http://schemas.openxmlformats.org/markup-compatibility/2006" xmlns:pslz="http://schemas.microsoft.com/office/powerpoint/2016/slidezoom">
+        <mc:Choice Requires="pslz">
+          <p:graphicFrame>
+            <p:nvGraphicFramePr>
+              <p:cNvPr id="14" name="Slide Zoom 13">
+                <a:extLst>
+                  <a:ext uri="{FF2B5EF4-FFF2-40B4-BE49-F238E27FC236}">
+                    <a16:creationId xmlns:a16="http://schemas.microsoft.com/office/drawing/2014/main" id="{441B4074-C3E2-47B3-A22E-96370B275268}"/>
+                  </a:ext>
+                </a:extLst>
+              </p:cNvPr>
+              <p:cNvGraphicFramePr>
+                <a:graphicFrameLocks noChangeAspect="1"/>
+              </p:cNvGraphicFramePr>
+              <p:nvPr>
+                <p:extLst>
+                  <p:ext uri="{D42A27DB-BD31-4B8C-83A1-F6EECF244321}">
+                    <p14:modId xmlns:p14="http://schemas.microsoft.com/office/powerpoint/2010/main" val="3315720666"/>
+                  </p:ext>
+                </p:extLst>
+              </p:nvPr>
+            </p:nvGraphicFramePr>
+            <p:xfrm>
+              <a:off x="471710" y="1833519"/>
+              <a:ext cx="3550640" cy="2679758"/>
+            </p:xfrm>
+            <a:graphic>
+              <a:graphicData uri="http://schemas.microsoft.com/office/powerpoint/2016/slidezoom">
+                <pslz:sldZm>
+                  <pslz:sldZmObj sldId="270" cId="3143975283">
+                    <pslz:zmPr id="{E93779E7-A414-4913-B07A-C414EC86BF98}" returnToParent="0" transitionDur="1000">
+                      <p166:blipFill xmlns:p166="http://schemas.microsoft.com/office/powerpoint/2016/6/main">
+                        <a:blip r:embed="rId4"/>
+                        <a:stretch>
+                          <a:fillRect/>
+                        </a:stretch>
+                      </p166:blipFill>
+                      <p166:spPr xmlns:p166="http://schemas.microsoft.com/office/powerpoint/2016/6/main">
+                        <a:xfrm>
+                          <a:off x="0" y="0"/>
+                          <a:ext cx="3550640" cy="2679758"/>
+                        </a:xfrm>
+                        <a:prstGeom prst="rect">
+                          <a:avLst/>
+                        </a:prstGeom>
+                        <a:ln>
+                          <a:noFill/>
+                        </a:ln>
+                        <a:effectLst>
+                          <a:softEdge rad="112500"/>
+                        </a:effectLst>
+                      </p166:spPr>
+                    </pslz:zmPr>
+                  </pslz:sldZmObj>
+                </pslz:sldZm>
+              </a:graphicData>
+            </a:graphic>
+          </p:graphicFrame>
+        </mc:Choice>
+        <mc:Fallback xmlns="">
+          <p:pic>
+            <p:nvPicPr>
+              <p:cNvPr id="14" name="Slide Zoom 13">
+                <a:hlinkClick r:id="rId5" action="ppaction://hlinksldjump"/>
+                <a:extLst>
+                  <a:ext uri="{FF2B5EF4-FFF2-40B4-BE49-F238E27FC236}">
+                    <a16:creationId xmlns:a16="http://schemas.microsoft.com/office/drawing/2014/main" id="{441B4074-C3E2-47B3-A22E-96370B275268}"/>
+                  </a:ext>
+                </a:extLst>
+              </p:cNvPr>
+              <p:cNvPicPr>
+                <a:picLocks noGrp="1" noRot="1" noChangeAspect="1" noMove="1" noResize="1" noEditPoints="1" noAdjustHandles="1" noChangeArrowheads="1" noChangeShapeType="1"/>
+              </p:cNvPicPr>
+              <p:nvPr/>
+            </p:nvPicPr>
+            <p:blipFill>
+              <a:blip r:embed="rId6"/>
+              <a:stretch>
+                <a:fillRect/>
+              </a:stretch>
+            </p:blipFill>
+            <p:spPr>
+              <a:xfrm>
+                <a:off x="471710" y="1833519"/>
+                <a:ext cx="3550640" cy="2679758"/>
+              </a:xfrm>
+              <a:prstGeom prst="rect">
+                <a:avLst/>
+              </a:prstGeom>
+              <a:ln>
+                <a:noFill/>
+              </a:ln>
+              <a:effectLst>
+                <a:softEdge rad="112500"/>
+              </a:effectLst>
+            </p:spPr>
+          </p:pic>
+        </mc:Fallback>
+      </mc:AlternateContent>
+      <mc:AlternateContent xmlns:mc="http://schemas.openxmlformats.org/markup-compatibility/2006" xmlns:pslz="http://schemas.microsoft.com/office/powerpoint/2016/slidezoom">
+        <mc:Choice Requires="pslz">
+          <p:graphicFrame>
+            <p:nvGraphicFramePr>
+              <p:cNvPr id="16" name="Slide Zoom 15">
+                <a:extLst>
+                  <a:ext uri="{FF2B5EF4-FFF2-40B4-BE49-F238E27FC236}">
+                    <a16:creationId xmlns:a16="http://schemas.microsoft.com/office/drawing/2014/main" id="{AD938787-1045-4DBD-96EE-0F4FA4F7944D}"/>
+                  </a:ext>
+                </a:extLst>
+              </p:cNvPr>
+              <p:cNvGraphicFramePr>
+                <a:graphicFrameLocks noChangeAspect="1"/>
+              </p:cNvGraphicFramePr>
+              <p:nvPr>
+                <p:extLst>
+                  <p:ext uri="{D42A27DB-BD31-4B8C-83A1-F6EECF244321}">
+                    <p14:modId xmlns:p14="http://schemas.microsoft.com/office/powerpoint/2010/main" val="1603368973"/>
+                  </p:ext>
+                </p:extLst>
+              </p:nvPr>
+            </p:nvGraphicFramePr>
+            <p:xfrm>
+              <a:off x="5040556" y="1833520"/>
+              <a:ext cx="3573011" cy="2679758"/>
+            </p:xfrm>
+            <a:graphic>
+              <a:graphicData uri="http://schemas.microsoft.com/office/powerpoint/2016/slidezoom">
+                <pslz:sldZm>
+                  <pslz:sldZmObj sldId="271" cId="105798204">
+                    <pslz:zmPr id="{F9CB1AE3-4BE5-4D1D-B051-8A72A1DD6961}" returnToParent="0" transitionDur="1000">
+                      <p166:blipFill xmlns:p166="http://schemas.microsoft.com/office/powerpoint/2016/6/main">
+                        <a:blip r:embed="rId7"/>
+                        <a:stretch>
+                          <a:fillRect/>
+                        </a:stretch>
+                      </p166:blipFill>
+                      <p166:spPr xmlns:p166="http://schemas.microsoft.com/office/powerpoint/2016/6/main">
+                        <a:xfrm>
+                          <a:off x="0" y="0"/>
+                          <a:ext cx="3573011" cy="2679758"/>
+                        </a:xfrm>
+                        <a:prstGeom prst="rect">
+                          <a:avLst/>
+                        </a:prstGeom>
+                        <a:ln>
+                          <a:noFill/>
+                        </a:ln>
+                        <a:effectLst>
+                          <a:softEdge rad="112500"/>
+                        </a:effectLst>
+                      </p166:spPr>
+                    </pslz:zmPr>
+                  </pslz:sldZmObj>
+                </pslz:sldZm>
+              </a:graphicData>
+            </a:graphic>
+          </p:graphicFrame>
+        </mc:Choice>
+        <mc:Fallback xmlns="">
+          <p:pic>
+            <p:nvPicPr>
+              <p:cNvPr id="16" name="Slide Zoom 15">
+                <a:hlinkClick r:id="rId8" action="ppaction://hlinksldjump"/>
+                <a:extLst>
+                  <a:ext uri="{FF2B5EF4-FFF2-40B4-BE49-F238E27FC236}">
+                    <a16:creationId xmlns:a16="http://schemas.microsoft.com/office/drawing/2014/main" id="{AD938787-1045-4DBD-96EE-0F4FA4F7944D}"/>
+                  </a:ext>
+                </a:extLst>
+              </p:cNvPr>
+              <p:cNvPicPr>
+                <a:picLocks noGrp="1" noRot="1" noChangeAspect="1" noMove="1" noResize="1" noEditPoints="1" noAdjustHandles="1" noChangeArrowheads="1" noChangeShapeType="1"/>
+              </p:cNvPicPr>
+              <p:nvPr/>
+            </p:nvPicPr>
+            <p:blipFill>
+              <a:blip r:embed="rId9"/>
+              <a:stretch>
+                <a:fillRect/>
+              </a:stretch>
+            </p:blipFill>
+            <p:spPr>
+              <a:xfrm>
+                <a:off x="5040556" y="1833520"/>
+                <a:ext cx="3573011" cy="2679758"/>
+              </a:xfrm>
+              <a:prstGeom prst="rect">
+                <a:avLst/>
+              </a:prstGeom>
+              <a:ln>
+                <a:noFill/>
+              </a:ln>
+              <a:effectLst>
+                <a:softEdge rad="112500"/>
+              </a:effectLst>
+            </p:spPr>
+          </p:pic>
+        </mc:Fallback>
+      </mc:AlternateContent>
     </p:spTree>
     <p:extLst>
       <p:ext uri="{BB962C8B-B14F-4D97-AF65-F5344CB8AC3E}">
@@ -5227,10 +11097,138 @@
   <p:clrMapOvr>
     <a:masterClrMapping/>
   </p:clrMapOvr>
+  <p:transition spd="med">
+    <p:cover/>
+  </p:transition>
 </p:sld>
 </file>
 
-<file path=ppt/slides/slide4.xml><?xml version="1.0" encoding="utf-8"?>
+<file path=ppt/slides/slide5.xml><?xml version="1.0" encoding="utf-8"?>
+<p:sld xmlns:a="http://schemas.openxmlformats.org/drawingml/2006/main" xmlns:r="http://schemas.openxmlformats.org/officeDocument/2006/relationships" xmlns:p="http://schemas.openxmlformats.org/presentationml/2006/main" show="0">
+  <p:cSld>
+    <p:spTree>
+      <p:nvGrpSpPr>
+        <p:cNvPr id="1" name=""/>
+        <p:cNvGrpSpPr/>
+        <p:nvPr/>
+      </p:nvGrpSpPr>
+      <p:grpSpPr>
+        <a:xfrm>
+          <a:off x="0" y="0"/>
+          <a:ext cx="0" cy="0"/>
+          <a:chOff x="0" y="0"/>
+          <a:chExt cx="0" cy="0"/>
+        </a:xfrm>
+      </p:grpSpPr>
+      <p:pic>
+        <p:nvPicPr>
+          <p:cNvPr id="4" name="Content Placeholder 2" descr="A close up of a map&#10;&#10;Description generated with high confidence">
+            <a:extLst>
+              <a:ext uri="{FF2B5EF4-FFF2-40B4-BE49-F238E27FC236}">
+                <a16:creationId xmlns:a16="http://schemas.microsoft.com/office/drawing/2014/main" id="{2065640F-30B7-40F2-85D3-C7B466CD41FA}"/>
+              </a:ext>
+            </a:extLst>
+          </p:cNvPr>
+          <p:cNvPicPr>
+            <a:picLocks noGrp="1" noChangeAspect="1"/>
+          </p:cNvPicPr>
+          <p:nvPr>
+            <p:ph idx="4294967295"/>
+          </p:nvPr>
+        </p:nvPicPr>
+        <p:blipFill>
+          <a:blip r:embed="rId2"/>
+          <a:stretch>
+            <a:fillRect/>
+          </a:stretch>
+        </p:blipFill>
+        <p:spPr>
+          <a:xfrm>
+            <a:off x="463550" y="361950"/>
+            <a:ext cx="8216900" cy="5313363"/>
+          </a:xfrm>
+        </p:spPr>
+      </p:pic>
+    </p:spTree>
+    <p:extLst>
+      <p:ext uri="{BB962C8B-B14F-4D97-AF65-F5344CB8AC3E}">
+        <p14:creationId xmlns:p14="http://schemas.microsoft.com/office/powerpoint/2010/main" val="3143975283"/>
+      </p:ext>
+    </p:extLst>
+  </p:cSld>
+  <p:clrMapOvr>
+    <a:masterClrMapping/>
+  </p:clrMapOvr>
+  <p:transition spd="med">
+    <p:cover/>
+  </p:transition>
+</p:sld>
+</file>
+
+<file path=ppt/slides/slide6.xml><?xml version="1.0" encoding="utf-8"?>
+<p:sld xmlns:a="http://schemas.openxmlformats.org/drawingml/2006/main" xmlns:r="http://schemas.openxmlformats.org/officeDocument/2006/relationships" xmlns:p="http://schemas.openxmlformats.org/presentationml/2006/main" show="0">
+  <p:cSld>
+    <p:spTree>
+      <p:nvGrpSpPr>
+        <p:cNvPr id="1" name=""/>
+        <p:cNvGrpSpPr/>
+        <p:nvPr/>
+      </p:nvGrpSpPr>
+      <p:grpSpPr>
+        <a:xfrm>
+          <a:off x="0" y="0"/>
+          <a:ext cx="0" cy="0"/>
+          <a:chOff x="0" y="0"/>
+          <a:chExt cx="0" cy="0"/>
+        </a:xfrm>
+      </p:grpSpPr>
+      <p:pic>
+        <p:nvPicPr>
+          <p:cNvPr id="2" name="Picture 1" descr="A screen shot of a computer&#10;&#10;Description generated with high confidence">
+            <a:extLst>
+              <a:ext uri="{FF2B5EF4-FFF2-40B4-BE49-F238E27FC236}">
+                <a16:creationId xmlns:a16="http://schemas.microsoft.com/office/drawing/2014/main" id="{2331DA5B-A73D-4414-BB92-FB50885D4BCE}"/>
+              </a:ext>
+            </a:extLst>
+          </p:cNvPr>
+          <p:cNvPicPr>
+            <a:picLocks noChangeAspect="1"/>
+          </p:cNvPicPr>
+          <p:nvPr/>
+        </p:nvPicPr>
+        <p:blipFill>
+          <a:blip r:embed="rId2"/>
+          <a:stretch>
+            <a:fillRect/>
+          </a:stretch>
+        </p:blipFill>
+        <p:spPr>
+          <a:xfrm>
+            <a:off x="553068" y="793250"/>
+            <a:ext cx="8037864" cy="5271500"/>
+          </a:xfrm>
+          <a:prstGeom prst="rect">
+            <a:avLst/>
+          </a:prstGeom>
+        </p:spPr>
+      </p:pic>
+    </p:spTree>
+    <p:extLst>
+      <p:ext uri="{BB962C8B-B14F-4D97-AF65-F5344CB8AC3E}">
+        <p14:creationId xmlns:p14="http://schemas.microsoft.com/office/powerpoint/2010/main" val="105798204"/>
+      </p:ext>
+    </p:extLst>
+  </p:cSld>
+  <p:clrMapOvr>
+    <a:masterClrMapping/>
+  </p:clrMapOvr>
+  <p:transition spd="med">
+    <p:cover/>
+  </p:transition>
+</p:sld>
+</file>
+
+<file path=ppt/slides/slide7.xml><?xml version="1.0" encoding="utf-8"?>
 <p:sld xmlns:a="http://schemas.openxmlformats.org/drawingml/2006/main" xmlns:r="http://schemas.openxmlformats.org/officeDocument/2006/relationships" xmlns:p="http://schemas.openxmlformats.org/presentationml/2006/main">
   <p:cSld>
     <p:bg>
@@ -5487,8 +11485,8 @@
         </p:nvSpPr>
         <p:spPr>
           <a:xfrm>
-            <a:off x="4107734" y="634946"/>
-            <a:ext cx="4803797" cy="1450757"/>
+            <a:off x="3859574" y="635431"/>
+            <a:ext cx="5254380" cy="1450757"/>
           </a:xfrm>
         </p:spPr>
         <p:txBody>
@@ -5572,6 +11570,8 @@
                     <a:lumOff val="25000"/>
                   </a:schemeClr>
                 </a:solidFill>
+                <a:latin typeface="Segoe UI" panose="020B0502040204020203" pitchFamily="34" charset="0"/>
+                <a:cs typeface="Segoe UI" panose="020B0502040204020203" pitchFamily="34" charset="0"/>
               </a:rPr>
               <a:t>Tổng</a:t>
             </a:r>
@@ -5583,6 +11583,8 @@
                     <a:lumOff val="25000"/>
                   </a:schemeClr>
                 </a:solidFill>
+                <a:latin typeface="Segoe UI" panose="020B0502040204020203" pitchFamily="34" charset="0"/>
+                <a:cs typeface="Segoe UI" panose="020B0502040204020203" pitchFamily="34" charset="0"/>
               </a:rPr>
               <a:t> số file: </a:t>
             </a:r>
@@ -5594,6 +11596,8 @@
                     <a:lumOff val="25000"/>
                   </a:schemeClr>
                 </a:solidFill>
+                <a:latin typeface="Segoe UI" panose="020B0502040204020203" pitchFamily="34" charset="0"/>
+                <a:cs typeface="Segoe UI" panose="020B0502040204020203" pitchFamily="34" charset="0"/>
               </a:rPr>
               <a:t>1 </a:t>
             </a:r>
@@ -5605,6 +11609,8 @@
                     <a:lumOff val="25000"/>
                   </a:schemeClr>
                 </a:solidFill>
+                <a:latin typeface="Segoe UI" panose="020B0502040204020203" pitchFamily="34" charset="0"/>
+                <a:cs typeface="Segoe UI" panose="020B0502040204020203" pitchFamily="34" charset="0"/>
               </a:rPr>
               <a:t>Tỉ</a:t>
             </a:r>
@@ -5615,6 +11621,8 @@
                   <a:lumOff val="25000"/>
                 </a:schemeClr>
               </a:solidFill>
+              <a:latin typeface="Segoe UI" panose="020B0502040204020203" pitchFamily="34" charset="0"/>
+              <a:cs typeface="Segoe UI" panose="020B0502040204020203" pitchFamily="34" charset="0"/>
             </a:endParaRPr>
           </a:p>
           <a:p>
@@ -5638,6 +11646,8 @@
                     <a:lumOff val="25000"/>
                   </a:schemeClr>
                 </a:solidFill>
+                <a:latin typeface="Segoe UI" panose="020B0502040204020203" pitchFamily="34" charset="0"/>
+                <a:cs typeface="Segoe UI" panose="020B0502040204020203" pitchFamily="34" charset="0"/>
               </a:rPr>
               <a:t>Tổng</a:t>
             </a:r>
@@ -5649,8 +11659,10 @@
                     <a:lumOff val="25000"/>
                   </a:schemeClr>
                 </a:solidFill>
+                <a:latin typeface="Segoe UI" panose="020B0502040204020203" pitchFamily="34" charset="0"/>
+                <a:cs typeface="Segoe UI" panose="020B0502040204020203" pitchFamily="34" charset="0"/>
               </a:rPr>
-              <a:t> số file </a:t>
+              <a:t> số file mã </a:t>
             </a:r>
             <a:r>
               <a:rPr lang="en-US" dirty="0" err="1">
@@ -5660,8 +11672,10 @@
                     <a:lumOff val="25000"/>
                   </a:schemeClr>
                 </a:solidFill>
+                <a:latin typeface="Segoe UI" panose="020B0502040204020203" pitchFamily="34" charset="0"/>
+                <a:cs typeface="Segoe UI" panose="020B0502040204020203" pitchFamily="34" charset="0"/>
               </a:rPr>
-              <a:t>mã</a:t>
+              <a:t>nguồn</a:t>
             </a:r>
             <a:r>
               <a:rPr lang="en-US" dirty="0">
@@ -5671,28 +11685,8 @@
                     <a:lumOff val="25000"/>
                   </a:schemeClr>
                 </a:solidFill>
-              </a:rPr>
-              <a:t> </a:t>
-            </a:r>
-            <a:r>
-              <a:rPr lang="en-US" dirty="0" err="1">
-                <a:solidFill>
-                  <a:schemeClr val="tx1">
-                    <a:lumMod val="75000"/>
-                    <a:lumOff val="25000"/>
-                  </a:schemeClr>
-                </a:solidFill>
-              </a:rPr>
-              <a:t>nguồn</a:t>
-            </a:r>
-            <a:r>
-              <a:rPr lang="en-US" dirty="0">
-                <a:solidFill>
-                  <a:schemeClr val="tx1">
-                    <a:lumMod val="75000"/>
-                    <a:lumOff val="25000"/>
-                  </a:schemeClr>
-                </a:solidFill>
+                <a:latin typeface="Segoe UI" panose="020B0502040204020203" pitchFamily="34" charset="0"/>
+                <a:cs typeface="Segoe UI" panose="020B0502040204020203" pitchFamily="34" charset="0"/>
               </a:rPr>
               <a:t>: </a:t>
             </a:r>
@@ -5704,6 +11698,8 @@
                     <a:lumOff val="25000"/>
                   </a:schemeClr>
                 </a:solidFill>
+                <a:latin typeface="Segoe UI" panose="020B0502040204020203" pitchFamily="34" charset="0"/>
+                <a:cs typeface="Segoe UI" panose="020B0502040204020203" pitchFamily="34" charset="0"/>
               </a:rPr>
               <a:t>9 </a:t>
             </a:r>
@@ -5715,6 +11711,8 @@
                     <a:lumOff val="25000"/>
                   </a:schemeClr>
                 </a:solidFill>
+                <a:latin typeface="Segoe UI" panose="020B0502040204020203" pitchFamily="34" charset="0"/>
+                <a:cs typeface="Segoe UI" panose="020B0502040204020203" pitchFamily="34" charset="0"/>
               </a:rPr>
               <a:t>triệu</a:t>
             </a:r>
@@ -5725,6 +11723,8 @@
                   <a:lumOff val="25000"/>
                 </a:schemeClr>
               </a:solidFill>
+              <a:latin typeface="Segoe UI" panose="020B0502040204020203" pitchFamily="34" charset="0"/>
+              <a:cs typeface="Segoe UI" panose="020B0502040204020203" pitchFamily="34" charset="0"/>
             </a:endParaRPr>
           </a:p>
           <a:p>
@@ -5748,6 +11748,8 @@
                     <a:lumOff val="25000"/>
                   </a:schemeClr>
                 </a:solidFill>
+                <a:latin typeface="Segoe UI" panose="020B0502040204020203" pitchFamily="34" charset="0"/>
+                <a:cs typeface="Segoe UI" panose="020B0502040204020203" pitchFamily="34" charset="0"/>
               </a:rPr>
               <a:t>Tổng</a:t>
             </a:r>
@@ -5759,6 +11761,8 @@
                     <a:lumOff val="25000"/>
                   </a:schemeClr>
                 </a:solidFill>
+                <a:latin typeface="Segoe UI" panose="020B0502040204020203" pitchFamily="34" charset="0"/>
+                <a:cs typeface="Segoe UI" panose="020B0502040204020203" pitchFamily="34" charset="0"/>
               </a:rPr>
               <a:t> số dòng </a:t>
             </a:r>
@@ -5770,6 +11774,8 @@
                     <a:lumOff val="25000"/>
                   </a:schemeClr>
                 </a:solidFill>
+                <a:latin typeface="Segoe UI" panose="020B0502040204020203" pitchFamily="34" charset="0"/>
+                <a:cs typeface="Segoe UI" panose="020B0502040204020203" pitchFamily="34" charset="0"/>
               </a:rPr>
               <a:t>mã</a:t>
             </a:r>
@@ -5781,6 +11787,8 @@
                     <a:lumOff val="25000"/>
                   </a:schemeClr>
                 </a:solidFill>
+                <a:latin typeface="Segoe UI" panose="020B0502040204020203" pitchFamily="34" charset="0"/>
+                <a:cs typeface="Segoe UI" panose="020B0502040204020203" pitchFamily="34" charset="0"/>
               </a:rPr>
               <a:t> </a:t>
             </a:r>
@@ -5792,6 +11800,8 @@
                     <a:lumOff val="25000"/>
                   </a:schemeClr>
                 </a:solidFill>
+                <a:latin typeface="Segoe UI" panose="020B0502040204020203" pitchFamily="34" charset="0"/>
+                <a:cs typeface="Segoe UI" panose="020B0502040204020203" pitchFamily="34" charset="0"/>
               </a:rPr>
               <a:t>nguồn</a:t>
             </a:r>
@@ -5803,6 +11813,8 @@
                     <a:lumOff val="25000"/>
                   </a:schemeClr>
                 </a:solidFill>
+                <a:latin typeface="Segoe UI" panose="020B0502040204020203" pitchFamily="34" charset="0"/>
+                <a:cs typeface="Segoe UI" panose="020B0502040204020203" pitchFamily="34" charset="0"/>
               </a:rPr>
               <a:t>: </a:t>
             </a:r>
@@ -5814,6 +11826,8 @@
                     <a:lumOff val="25000"/>
                   </a:schemeClr>
                 </a:solidFill>
+                <a:latin typeface="Segoe UI" panose="020B0502040204020203" pitchFamily="34" charset="0"/>
+                <a:cs typeface="Segoe UI" panose="020B0502040204020203" pitchFamily="34" charset="0"/>
               </a:rPr>
               <a:t>2 </a:t>
             </a:r>
@@ -5825,6 +11839,8 @@
                     <a:lumOff val="25000"/>
                   </a:schemeClr>
                 </a:solidFill>
+                <a:latin typeface="Segoe UI" panose="020B0502040204020203" pitchFamily="34" charset="0"/>
+                <a:cs typeface="Segoe UI" panose="020B0502040204020203" pitchFamily="34" charset="0"/>
               </a:rPr>
               <a:t>Tỉ</a:t>
             </a:r>
@@ -5835,6 +11851,8 @@
                   <a:lumOff val="25000"/>
                 </a:schemeClr>
               </a:solidFill>
+              <a:latin typeface="Segoe UI" panose="020B0502040204020203" pitchFamily="34" charset="0"/>
+              <a:cs typeface="Segoe UI" panose="020B0502040204020203" pitchFamily="34" charset="0"/>
             </a:endParaRPr>
           </a:p>
           <a:p>
@@ -5858,6 +11876,8 @@
                     <a:lumOff val="25000"/>
                   </a:schemeClr>
                 </a:solidFill>
+                <a:latin typeface="Segoe UI" panose="020B0502040204020203" pitchFamily="34" charset="0"/>
+                <a:cs typeface="Segoe UI" panose="020B0502040204020203" pitchFamily="34" charset="0"/>
               </a:rPr>
               <a:t>Tổng</a:t>
             </a:r>
@@ -5869,6 +11889,8 @@
                     <a:lumOff val="25000"/>
                   </a:schemeClr>
                 </a:solidFill>
+                <a:latin typeface="Segoe UI" panose="020B0502040204020203" pitchFamily="34" charset="0"/>
+                <a:cs typeface="Segoe UI" panose="020B0502040204020203" pitchFamily="34" charset="0"/>
               </a:rPr>
               <a:t> số lần commit: </a:t>
             </a:r>
@@ -5880,6 +11902,8 @@
                     <a:lumOff val="25000"/>
                   </a:schemeClr>
                 </a:solidFill>
+                <a:latin typeface="Segoe UI" panose="020B0502040204020203" pitchFamily="34" charset="0"/>
+                <a:cs typeface="Segoe UI" panose="020B0502040204020203" pitchFamily="34" charset="0"/>
               </a:rPr>
               <a:t>35 </a:t>
             </a:r>
@@ -5891,6 +11915,8 @@
                     <a:lumOff val="25000"/>
                   </a:schemeClr>
                 </a:solidFill>
+                <a:latin typeface="Segoe UI" panose="020B0502040204020203" pitchFamily="34" charset="0"/>
+                <a:cs typeface="Segoe UI" panose="020B0502040204020203" pitchFamily="34" charset="0"/>
               </a:rPr>
               <a:t>Triệu</a:t>
             </a:r>
@@ -5901,6 +11927,8 @@
                   <a:lumOff val="25000"/>
                 </a:schemeClr>
               </a:solidFill>
+              <a:latin typeface="Segoe UI" panose="020B0502040204020203" pitchFamily="34" charset="0"/>
+              <a:cs typeface="Segoe UI" panose="020B0502040204020203" pitchFamily="34" charset="0"/>
             </a:endParaRPr>
           </a:p>
           <a:p>
@@ -5924,6 +11952,8 @@
                     <a:lumOff val="25000"/>
                   </a:schemeClr>
                 </a:solidFill>
+                <a:latin typeface="Segoe UI" panose="020B0502040204020203" pitchFamily="34" charset="0"/>
+                <a:cs typeface="Segoe UI" panose="020B0502040204020203" pitchFamily="34" charset="0"/>
               </a:rPr>
               <a:t>Dung </a:t>
             </a:r>
@@ -5935,6 +11965,8 @@
                     <a:lumOff val="25000"/>
                   </a:schemeClr>
                 </a:solidFill>
+                <a:latin typeface="Segoe UI" panose="020B0502040204020203" pitchFamily="34" charset="0"/>
+                <a:cs typeface="Segoe UI" panose="020B0502040204020203" pitchFamily="34" charset="0"/>
               </a:rPr>
               <a:t>lượng</a:t>
             </a:r>
@@ -5946,8 +11978,10 @@
                     <a:lumOff val="25000"/>
                   </a:schemeClr>
                 </a:solidFill>
+                <a:latin typeface="Segoe UI" panose="020B0502040204020203" pitchFamily="34" charset="0"/>
+                <a:cs typeface="Segoe UI" panose="020B0502040204020203" pitchFamily="34" charset="0"/>
               </a:rPr>
-              <a:t> repo: </a:t>
+              <a:t>: </a:t>
             </a:r>
             <a:r>
               <a:rPr lang="en-US" b="1" dirty="0">
@@ -5957,6 +11991,8 @@
                     <a:lumOff val="25000"/>
                   </a:schemeClr>
                 </a:solidFill>
+                <a:latin typeface="Segoe UI" panose="020B0502040204020203" pitchFamily="34" charset="0"/>
+                <a:cs typeface="Segoe UI" panose="020B0502040204020203" pitchFamily="34" charset="0"/>
               </a:rPr>
               <a:t>86 TB</a:t>
             </a:r>
@@ -5982,6 +12018,8 @@
                     <a:lumOff val="25000"/>
                   </a:schemeClr>
                 </a:solidFill>
+                <a:latin typeface="Segoe UI" panose="020B0502040204020203" pitchFamily="34" charset="0"/>
+                <a:cs typeface="Segoe UI" panose="020B0502040204020203" pitchFamily="34" charset="0"/>
               </a:rPr>
               <a:t>Số commit </a:t>
             </a:r>
@@ -5993,6 +12031,8 @@
                     <a:lumOff val="25000"/>
                   </a:schemeClr>
                 </a:solidFill>
+                <a:latin typeface="Segoe UI" panose="020B0502040204020203" pitchFamily="34" charset="0"/>
+                <a:cs typeface="Segoe UI" panose="020B0502040204020203" pitchFamily="34" charset="0"/>
               </a:rPr>
               <a:t>mỗi</a:t>
             </a:r>
@@ -6004,6 +12044,8 @@
                     <a:lumOff val="25000"/>
                   </a:schemeClr>
                 </a:solidFill>
+                <a:latin typeface="Segoe UI" panose="020B0502040204020203" pitchFamily="34" charset="0"/>
+                <a:cs typeface="Segoe UI" panose="020B0502040204020203" pitchFamily="34" charset="0"/>
               </a:rPr>
               <a:t> ngày: </a:t>
             </a:r>
@@ -6015,6 +12057,8 @@
                     <a:lumOff val="25000"/>
                   </a:schemeClr>
                 </a:solidFill>
+                <a:latin typeface="Segoe UI" panose="020B0502040204020203" pitchFamily="34" charset="0"/>
+                <a:cs typeface="Segoe UI" panose="020B0502040204020203" pitchFamily="34" charset="0"/>
               </a:rPr>
               <a:t>40.000</a:t>
             </a:r>
@@ -6026,6 +12070,8 @@
                     <a:lumOff val="25000"/>
                   </a:schemeClr>
                 </a:solidFill>
+                <a:latin typeface="Segoe UI" panose="020B0502040204020203" pitchFamily="34" charset="0"/>
+                <a:cs typeface="Segoe UI" panose="020B0502040204020203" pitchFamily="34" charset="0"/>
               </a:rPr>
             </a:br>
             <a:r>
@@ -6036,6 +12082,8 @@
                     <a:lumOff val="25000"/>
                   </a:schemeClr>
                 </a:solidFill>
+                <a:latin typeface="Segoe UI" panose="020B0502040204020203" pitchFamily="34" charset="0"/>
+                <a:cs typeface="Segoe UI" panose="020B0502040204020203" pitchFamily="34" charset="0"/>
               </a:rPr>
               <a:t>Trong 1 repo</a:t>
             </a:r>
@@ -6061,6 +12109,8 @@
                     <a:lumOff val="25000"/>
                   </a:schemeClr>
                 </a:solidFill>
+                <a:latin typeface="Segoe UI" panose="020B0502040204020203" pitchFamily="34" charset="0"/>
+                <a:cs typeface="Segoe UI" panose="020B0502040204020203" pitchFamily="34" charset="0"/>
               </a:rPr>
             </a:br>
             <a:r>
@@ -6071,6 +12121,8 @@
                     <a:lumOff val="25000"/>
                   </a:schemeClr>
                 </a:solidFill>
+                <a:latin typeface="Segoe UI" panose="020B0502040204020203" pitchFamily="34" charset="0"/>
+                <a:cs typeface="Segoe UI" panose="020B0502040204020203" pitchFamily="34" charset="0"/>
               </a:rPr>
               <a:t>25.000  </a:t>
             </a:r>
@@ -6082,6 +12134,8 @@
                     <a:lumOff val="25000"/>
                   </a:schemeClr>
                 </a:solidFill>
+                <a:latin typeface="Segoe UI" panose="020B0502040204020203" pitchFamily="34" charset="0"/>
+                <a:cs typeface="Segoe UI" panose="020B0502040204020203" pitchFamily="34" charset="0"/>
               </a:rPr>
               <a:t>nhân</a:t>
             </a:r>
@@ -6093,6 +12147,8 @@
                     <a:lumOff val="25000"/>
                   </a:schemeClr>
                 </a:solidFill>
+                <a:latin typeface="Segoe UI" panose="020B0502040204020203" pitchFamily="34" charset="0"/>
+                <a:cs typeface="Segoe UI" panose="020B0502040204020203" pitchFamily="34" charset="0"/>
               </a:rPr>
               <a:t> </a:t>
             </a:r>
@@ -6104,6 +12160,8 @@
                     <a:lumOff val="25000"/>
                   </a:schemeClr>
                 </a:solidFill>
+                <a:latin typeface="Segoe UI" panose="020B0502040204020203" pitchFamily="34" charset="0"/>
+                <a:cs typeface="Segoe UI" panose="020B0502040204020203" pitchFamily="34" charset="0"/>
               </a:rPr>
               <a:t>viên</a:t>
             </a:r>
@@ -6115,6 +12173,8 @@
                     <a:lumOff val="25000"/>
                   </a:schemeClr>
                 </a:solidFill>
+                <a:latin typeface="Segoe UI" panose="020B0502040204020203" pitchFamily="34" charset="0"/>
+                <a:cs typeface="Segoe UI" panose="020B0502040204020203" pitchFamily="34" charset="0"/>
               </a:rPr>
               <a:t> </a:t>
             </a:r>
@@ -6126,6 +12186,8 @@
                     <a:lumOff val="25000"/>
                   </a:schemeClr>
                 </a:solidFill>
+                <a:latin typeface="Segoe UI" panose="020B0502040204020203" pitchFamily="34" charset="0"/>
+                <a:cs typeface="Segoe UI" panose="020B0502040204020203" pitchFamily="34" charset="0"/>
               </a:rPr>
               <a:t>khắp</a:t>
             </a:r>
@@ -6137,6 +12199,8 @@
                     <a:lumOff val="25000"/>
                   </a:schemeClr>
                 </a:solidFill>
+                <a:latin typeface="Segoe UI" panose="020B0502040204020203" pitchFamily="34" charset="0"/>
+                <a:cs typeface="Segoe UI" panose="020B0502040204020203" pitchFamily="34" charset="0"/>
               </a:rPr>
               <a:t> thế </a:t>
             </a:r>
@@ -6148,6 +12212,8 @@
                     <a:lumOff val="25000"/>
                   </a:schemeClr>
                 </a:solidFill>
+                <a:latin typeface="Segoe UI" panose="020B0502040204020203" pitchFamily="34" charset="0"/>
+                <a:cs typeface="Segoe UI" panose="020B0502040204020203" pitchFamily="34" charset="0"/>
               </a:rPr>
               <a:t>giới</a:t>
             </a:r>
@@ -6158,6 +12224,8 @@
                   <a:lumOff val="25000"/>
                 </a:schemeClr>
               </a:solidFill>
+              <a:latin typeface="Segoe UI" panose="020B0502040204020203" pitchFamily="34" charset="0"/>
+              <a:cs typeface="Segoe UI" panose="020B0502040204020203" pitchFamily="34" charset="0"/>
             </a:endParaRPr>
           </a:p>
           <a:p>
@@ -6181,6 +12249,8 @@
                     <a:lumOff val="25000"/>
                   </a:schemeClr>
                 </a:solidFill>
+                <a:latin typeface="Segoe UI" panose="020B0502040204020203" pitchFamily="34" charset="0"/>
+                <a:cs typeface="Segoe UI" panose="020B0502040204020203" pitchFamily="34" charset="0"/>
               </a:rPr>
               <a:t>16.000 </a:t>
             </a:r>
@@ -6192,6 +12262,8 @@
                     <a:lumOff val="25000"/>
                   </a:schemeClr>
                 </a:solidFill>
+                <a:latin typeface="Segoe UI" panose="020B0502040204020203" pitchFamily="34" charset="0"/>
+                <a:cs typeface="Segoe UI" panose="020B0502040204020203" pitchFamily="34" charset="0"/>
               </a:rPr>
               <a:t>commit </a:t>
             </a:r>
@@ -6203,6 +12275,8 @@
                     <a:lumOff val="25000"/>
                   </a:schemeClr>
                 </a:solidFill>
+                <a:latin typeface="Segoe UI" panose="020B0502040204020203" pitchFamily="34" charset="0"/>
+                <a:cs typeface="Segoe UI" panose="020B0502040204020203" pitchFamily="34" charset="0"/>
               </a:rPr>
               <a:t>bởi</a:t>
             </a:r>
@@ -6214,6 +12288,8 @@
                     <a:lumOff val="25000"/>
                   </a:schemeClr>
                 </a:solidFill>
+                <a:latin typeface="Segoe UI" panose="020B0502040204020203" pitchFamily="34" charset="0"/>
+                <a:cs typeface="Segoe UI" panose="020B0502040204020203" pitchFamily="34" charset="0"/>
               </a:rPr>
               <a:t> ng</a:t>
             </a:r>
@@ -6225,6 +12301,8 @@
                     <a:lumOff val="25000"/>
                   </a:schemeClr>
                 </a:solidFill>
+                <a:latin typeface="Segoe UI" panose="020B0502040204020203" pitchFamily="34" charset="0"/>
+                <a:cs typeface="Segoe UI" panose="020B0502040204020203" pitchFamily="34" charset="0"/>
               </a:rPr>
               <a:t>ư</a:t>
             </a:r>
@@ -6236,6 +12314,8 @@
                     <a:lumOff val="25000"/>
                   </a:schemeClr>
                 </a:solidFill>
+                <a:latin typeface="Segoe UI" panose="020B0502040204020203" pitchFamily="34" charset="0"/>
+                <a:cs typeface="Segoe UI" panose="020B0502040204020203" pitchFamily="34" charset="0"/>
               </a:rPr>
               <a:t>ời</a:t>
             </a:r>
@@ -6247,6 +12327,8 @@
                     <a:lumOff val="25000"/>
                   </a:schemeClr>
                 </a:solidFill>
+                <a:latin typeface="Segoe UI" panose="020B0502040204020203" pitchFamily="34" charset="0"/>
+                <a:cs typeface="Segoe UI" panose="020B0502040204020203" pitchFamily="34" charset="0"/>
               </a:rPr>
               <a:t>, </a:t>
             </a:r>
@@ -6258,6 +12340,8 @@
                     <a:lumOff val="25000"/>
                   </a:schemeClr>
                 </a:solidFill>
+                <a:latin typeface="Segoe UI" panose="020B0502040204020203" pitchFamily="34" charset="0"/>
+                <a:cs typeface="Segoe UI" panose="020B0502040204020203" pitchFamily="34" charset="0"/>
               </a:rPr>
               <a:t>24.000 </a:t>
             </a:r>
@@ -6269,6 +12353,8 @@
                     <a:lumOff val="25000"/>
                   </a:schemeClr>
                 </a:solidFill>
+                <a:latin typeface="Segoe UI" panose="020B0502040204020203" pitchFamily="34" charset="0"/>
+                <a:cs typeface="Segoe UI" panose="020B0502040204020203" pitchFamily="34" charset="0"/>
               </a:rPr>
               <a:t>commit </a:t>
             </a:r>
@@ -6280,6 +12366,8 @@
                     <a:lumOff val="25000"/>
                   </a:schemeClr>
                 </a:solidFill>
+                <a:latin typeface="Segoe UI" panose="020B0502040204020203" pitchFamily="34" charset="0"/>
+                <a:cs typeface="Segoe UI" panose="020B0502040204020203" pitchFamily="34" charset="0"/>
               </a:rPr>
               <a:t>bởi</a:t>
             </a:r>
@@ -6291,6 +12379,8 @@
                     <a:lumOff val="25000"/>
                   </a:schemeClr>
                 </a:solidFill>
+                <a:latin typeface="Segoe UI" panose="020B0502040204020203" pitchFamily="34" charset="0"/>
+                <a:cs typeface="Segoe UI" panose="020B0502040204020203" pitchFamily="34" charset="0"/>
               </a:rPr>
               <a:t> máy </a:t>
             </a:r>
@@ -6302,6 +12392,8 @@
                     <a:lumOff val="25000"/>
                   </a:schemeClr>
                 </a:solidFill>
+                <a:latin typeface="Segoe UI" panose="020B0502040204020203" pitchFamily="34" charset="0"/>
+                <a:cs typeface="Segoe UI" panose="020B0502040204020203" pitchFamily="34" charset="0"/>
               </a:rPr>
               <a:t>mỗi</a:t>
             </a:r>
@@ -6313,6 +12405,8 @@
                     <a:lumOff val="25000"/>
                   </a:schemeClr>
                 </a:solidFill>
+                <a:latin typeface="Segoe UI" panose="020B0502040204020203" pitchFamily="34" charset="0"/>
+                <a:cs typeface="Segoe UI" panose="020B0502040204020203" pitchFamily="34" charset="0"/>
               </a:rPr>
               <a:t> ngày</a:t>
             </a:r>
@@ -6337,12 +12431,14 @@
                   <a:lumOff val="25000"/>
                 </a:schemeClr>
               </a:solidFill>
+              <a:latin typeface="Segoe UI" panose="020B0502040204020203" pitchFamily="34" charset="0"/>
+              <a:cs typeface="Segoe UI" panose="020B0502040204020203" pitchFamily="34" charset="0"/>
             </a:endParaRPr>
           </a:p>
         </p:txBody>
       </p:sp>
-      <mc:AlternateContent xmlns:mc="http://schemas.openxmlformats.org/markup-compatibility/2006">
-        <mc:Choice xmlns:pslz="http://schemas.microsoft.com/office/powerpoint/2016/slidezoom" Requires="pslz">
+      <mc:AlternateContent xmlns:mc="http://schemas.openxmlformats.org/markup-compatibility/2006" xmlns:pslz="http://schemas.microsoft.com/office/powerpoint/2016/slidezoom">
+        <mc:Choice Requires="pslz">
           <p:graphicFrame>
             <p:nvGraphicFramePr>
               <p:cNvPr id="19" name="Slide Zoom 18">
@@ -6358,13 +12454,13 @@
               <p:nvPr>
                 <p:extLst>
                   <p:ext uri="{D42A27DB-BD31-4B8C-83A1-F6EECF244321}">
-                    <p14:modId xmlns:p14="http://schemas.microsoft.com/office/powerpoint/2010/main" val="1436662003"/>
+                    <p14:modId xmlns:p14="http://schemas.microsoft.com/office/powerpoint/2010/main" val="1888807375"/>
                   </p:ext>
                 </p:extLst>
               </p:nvPr>
             </p:nvGraphicFramePr>
             <p:xfrm>
-              <a:off x="121570" y="54850"/>
+              <a:off x="108389" y="300552"/>
               <a:ext cx="3642796" cy="2750267"/>
             </p:xfrm>
             <a:graphic>
@@ -6399,7 +12495,7 @@
             </a:graphic>
           </p:graphicFrame>
         </mc:Choice>
-        <mc:Fallback>
+        <mc:Fallback xmlns="">
           <p:pic>
             <p:nvPicPr>
               <p:cNvPr id="19" name="Slide Zoom 18">
@@ -6416,14 +12512,14 @@
               <p:nvPr/>
             </p:nvPicPr>
             <p:blipFill>
-              <a:blip r:embed="rId2"/>
+              <a:blip r:embed="rId4"/>
               <a:stretch>
                 <a:fillRect/>
               </a:stretch>
             </p:blipFill>
             <p:spPr>
               <a:xfrm>
-                <a:off x="121570" y="54850"/>
+                <a:off x="108389" y="300552"/>
                 <a:ext cx="3642796" cy="2750267"/>
               </a:xfrm>
               <a:prstGeom prst="rect">
@@ -6438,8 +12534,8 @@
           </p:pic>
         </mc:Fallback>
       </mc:AlternateContent>
-      <mc:AlternateContent xmlns:mc="http://schemas.openxmlformats.org/markup-compatibility/2006">
-        <mc:Choice xmlns:pslz="http://schemas.microsoft.com/office/powerpoint/2016/slidezoom" Requires="pslz">
+      <mc:AlternateContent xmlns:mc="http://schemas.openxmlformats.org/markup-compatibility/2006" xmlns:pslz="http://schemas.microsoft.com/office/powerpoint/2016/slidezoom">
+        <mc:Choice Requires="pslz">
           <p:graphicFrame>
             <p:nvGraphicFramePr>
               <p:cNvPr id="25" name="Slide Zoom 24">
@@ -6455,13 +12551,13 @@
               <p:nvPr>
                 <p:extLst>
                   <p:ext uri="{D42A27DB-BD31-4B8C-83A1-F6EECF244321}">
-                    <p14:modId xmlns:p14="http://schemas.microsoft.com/office/powerpoint/2010/main" val="3063583786"/>
+                    <p14:modId xmlns:p14="http://schemas.microsoft.com/office/powerpoint/2010/main" val="634851555"/>
                   </p:ext>
                 </p:extLst>
               </p:nvPr>
             </p:nvGraphicFramePr>
             <p:xfrm>
-              <a:off x="121570" y="3080926"/>
+              <a:off x="121211" y="3458476"/>
               <a:ext cx="3643513" cy="2732634"/>
             </p:xfrm>
             <a:graphic>
@@ -6470,7 +12566,7 @@
                   <pslz:sldZmObj sldId="260" cId="106535924">
                     <pslz:zmPr id="{65F74098-9AE2-4179-B49A-7764C03576C8}" returnToParent="0" transitionDur="1000">
                       <p166:blipFill xmlns:p166="http://schemas.microsoft.com/office/powerpoint/2016/6/main">
-                        <a:blip r:embed="rId4"/>
+                        <a:blip r:embed="rId5"/>
                         <a:stretch>
                           <a:fillRect/>
                         </a:stretch>
@@ -6496,11 +12592,11 @@
             </a:graphic>
           </p:graphicFrame>
         </mc:Choice>
-        <mc:Fallback>
+        <mc:Fallback xmlns="">
           <p:pic>
             <p:nvPicPr>
               <p:cNvPr id="25" name="Slide Zoom 24">
-                <a:hlinkClick r:id="rId5" action="ppaction://hlinksldjump"/>
+                <a:hlinkClick r:id="rId6" action="ppaction://hlinksldjump"/>
                 <a:extLst>
                   <a:ext uri="{FF2B5EF4-FFF2-40B4-BE49-F238E27FC236}">
                     <a16:creationId xmlns:a16="http://schemas.microsoft.com/office/drawing/2014/main" id="{8D971F61-48B6-48BD-ADB0-86A7A4A4D71E}"/>
@@ -6513,14 +12609,14 @@
               <p:nvPr/>
             </p:nvPicPr>
             <p:blipFill>
-              <a:blip r:embed="rId4"/>
+              <a:blip r:embed="rId7"/>
               <a:stretch>
                 <a:fillRect/>
               </a:stretch>
             </p:blipFill>
             <p:spPr>
               <a:xfrm>
-                <a:off x="121570" y="3080926"/>
+                <a:off x="121211" y="3458476"/>
                 <a:ext cx="3643513" cy="2732634"/>
               </a:xfrm>
               <a:prstGeom prst="rect">
@@ -6545,10 +12641,13 @@
   <p:clrMapOvr>
     <a:masterClrMapping/>
   </p:clrMapOvr>
+  <p:transition spd="med">
+    <p:cover/>
+  </p:transition>
 </p:sld>
 </file>
 
-<file path=ppt/slides/slide5.xml><?xml version="1.0" encoding="utf-8"?>
+<file path=ppt/slides/slide8.xml><?xml version="1.0" encoding="utf-8"?>
 <p:sld xmlns:a="http://schemas.openxmlformats.org/drawingml/2006/main" xmlns:r="http://schemas.openxmlformats.org/officeDocument/2006/relationships" xmlns:p="http://schemas.openxmlformats.org/presentationml/2006/main" showMasterSp="0" show="0">
   <p:cSld>
     <p:spTree>
@@ -6623,15 +12722,24 @@
           <a:p>
             <a:pPr algn="ctr"/>
             <a:r>
-              <a:rPr lang="en-US" dirty="0"/>
+              <a:rPr lang="en-US" dirty="0">
+                <a:latin typeface="Segoe UI" panose="020B0502040204020203" pitchFamily="34" charset="0"/>
+                <a:cs typeface="Segoe UI" panose="020B0502040204020203" pitchFamily="34" charset="0"/>
+              </a:rPr>
               <a:t>Số commit </a:t>
             </a:r>
             <a:r>
-              <a:rPr lang="en-US" dirty="0" err="1"/>
+              <a:rPr lang="en-US" dirty="0" err="1">
+                <a:latin typeface="Segoe UI" panose="020B0502040204020203" pitchFamily="34" charset="0"/>
+                <a:cs typeface="Segoe UI" panose="020B0502040204020203" pitchFamily="34" charset="0"/>
+              </a:rPr>
               <a:t>hàng</a:t>
             </a:r>
             <a:r>
-              <a:rPr lang="en-US" dirty="0"/>
+              <a:rPr lang="en-US" dirty="0">
+                <a:latin typeface="Segoe UI" panose="020B0502040204020203" pitchFamily="34" charset="0"/>
+                <a:cs typeface="Segoe UI" panose="020B0502040204020203" pitchFamily="34" charset="0"/>
+              </a:rPr>
               <a:t> tuần</a:t>
             </a:r>
           </a:p>
@@ -6647,10 +12755,13 @@
   <p:clrMapOvr>
     <a:masterClrMapping/>
   </p:clrMapOvr>
+  <p:transition spd="med">
+    <p:cover/>
+  </p:transition>
 </p:sld>
 </file>
 
-<file path=ppt/slides/slide6.xml><?xml version="1.0" encoding="utf-8"?>
+<file path=ppt/slides/slide9.xml><?xml version="1.0" encoding="utf-8"?>
 <p:sld xmlns:a="http://schemas.openxmlformats.org/drawingml/2006/main" xmlns:r="http://schemas.openxmlformats.org/officeDocument/2006/relationships" xmlns:p="http://schemas.openxmlformats.org/presentationml/2006/main" showMasterSp="0" show="0">
   <p:cSld>
     <p:spTree>
@@ -6711,7 +12822,7 @@
         <p:spPr>
           <a:xfrm>
             <a:off x="3043625" y="6314597"/>
-            <a:ext cx="2640535" cy="369332"/>
+            <a:ext cx="2962892" cy="369332"/>
           </a:xfrm>
           <a:prstGeom prst="rect">
             <a:avLst/>
@@ -6726,35 +12837,45 @@
           <a:p>
             <a:pPr algn="ctr"/>
             <a:r>
-              <a:rPr lang="en-US" dirty="0"/>
+              <a:rPr lang="en-US" dirty="0">
+                <a:latin typeface="Segoe UI" panose="020B0502040204020203" pitchFamily="34" charset="0"/>
+                <a:cs typeface="Segoe UI" panose="020B0502040204020203" pitchFamily="34" charset="0"/>
+              </a:rPr>
               <a:t>Số </a:t>
             </a:r>
             <a:r>
-              <a:rPr lang="en-US" dirty="0" err="1"/>
+              <a:rPr lang="en-US" dirty="0" err="1">
+                <a:latin typeface="Segoe UI" panose="020B0502040204020203" pitchFamily="34" charset="0"/>
+                <a:cs typeface="Segoe UI" panose="020B0502040204020203" pitchFamily="34" charset="0"/>
+              </a:rPr>
               <a:t>thay</a:t>
             </a:r>
             <a:r>
-              <a:rPr lang="en-US" dirty="0"/>
-              <a:t> </a:t>
-            </a:r>
-            <a:r>
-              <a:rPr lang="en-US" dirty="0" err="1"/>
-              <a:t>đổi</a:t>
-            </a:r>
-            <a:r>
-              <a:rPr lang="en-US" dirty="0"/>
-              <a:t> đ</a:t>
-            </a:r>
-            <a:r>
-              <a:rPr lang="vi-VN" dirty="0"/>
+              <a:rPr lang="en-US" dirty="0">
+                <a:latin typeface="Segoe UI" panose="020B0502040204020203" pitchFamily="34" charset="0"/>
+                <a:cs typeface="Segoe UI" panose="020B0502040204020203" pitchFamily="34" charset="0"/>
+              </a:rPr>
+              <a:t> đổi đ</a:t>
+            </a:r>
+            <a:r>
+              <a:rPr lang="vi-VN" dirty="0">
+                <a:latin typeface="Segoe UI" panose="020B0502040204020203" pitchFamily="34" charset="0"/>
+                <a:cs typeface="Segoe UI" panose="020B0502040204020203" pitchFamily="34" charset="0"/>
+              </a:rPr>
               <a:t>ư</a:t>
             </a:r>
             <a:r>
-              <a:rPr lang="en-US" dirty="0" err="1"/>
+              <a:rPr lang="en-US" dirty="0" err="1">
+                <a:latin typeface="Segoe UI" panose="020B0502040204020203" pitchFamily="34" charset="0"/>
+                <a:cs typeface="Segoe UI" panose="020B0502040204020203" pitchFamily="34" charset="0"/>
+              </a:rPr>
               <a:t>ợc</a:t>
             </a:r>
             <a:r>
-              <a:rPr lang="en-US" dirty="0"/>
+              <a:rPr lang="en-US" dirty="0">
+                <a:latin typeface="Segoe UI" panose="020B0502040204020203" pitchFamily="34" charset="0"/>
+                <a:cs typeface="Segoe UI" panose="020B0502040204020203" pitchFamily="34" charset="0"/>
+              </a:rPr>
               <a:t> commit</a:t>
             </a:r>
           </a:p>
@@ -6770,1104 +12891,9 @@
   <p:clrMapOvr>
     <a:masterClrMapping/>
   </p:clrMapOvr>
-</p:sld>
-</file>
-
-<file path=ppt/slides/slide7.xml><?xml version="1.0" encoding="utf-8"?>
-<p:sld xmlns:a="http://schemas.openxmlformats.org/drawingml/2006/main" xmlns:r="http://schemas.openxmlformats.org/officeDocument/2006/relationships" xmlns:p="http://schemas.openxmlformats.org/presentationml/2006/main">
-  <p:cSld>
-    <p:spTree>
-      <p:nvGrpSpPr>
-        <p:cNvPr id="1" name=""/>
-        <p:cNvGrpSpPr/>
-        <p:nvPr/>
-      </p:nvGrpSpPr>
-      <p:grpSpPr>
-        <a:xfrm>
-          <a:off x="0" y="0"/>
-          <a:ext cx="0" cy="0"/>
-          <a:chOff x="0" y="0"/>
-          <a:chExt cx="0" cy="0"/>
-        </a:xfrm>
-      </p:grpSpPr>
-      <p:pic>
-        <p:nvPicPr>
-          <p:cNvPr id="5" name="Picture 4" descr="A screenshot of a social media post&#10;&#10;Description generated with very high confidence">
-            <a:extLst>
-              <a:ext uri="{FF2B5EF4-FFF2-40B4-BE49-F238E27FC236}">
-                <a16:creationId xmlns:a16="http://schemas.microsoft.com/office/drawing/2014/main" id="{A2CC7CBB-A78D-49BE-8385-5761216CECE2}"/>
-              </a:ext>
-            </a:extLst>
-          </p:cNvPr>
-          <p:cNvPicPr>
-            <a:picLocks noChangeAspect="1"/>
-          </p:cNvPicPr>
-          <p:nvPr/>
-        </p:nvPicPr>
-        <p:blipFill rotWithShape="1">
-          <a:blip r:embed="rId2"/>
-          <a:srcRect l="1666" t="29259" r="2084" b="31235"/>
-          <a:stretch/>
-        </p:blipFill>
-        <p:spPr>
-          <a:xfrm>
-            <a:off x="171450" y="1816100"/>
-            <a:ext cx="8801100" cy="2032000"/>
-          </a:xfrm>
-          <a:prstGeom prst="rect">
-            <a:avLst/>
-          </a:prstGeom>
-        </p:spPr>
-      </p:pic>
-      <p:sp>
-        <p:nvSpPr>
-          <p:cNvPr id="6" name="Title 5">
-            <a:extLst>
-              <a:ext uri="{FF2B5EF4-FFF2-40B4-BE49-F238E27FC236}">
-                <a16:creationId xmlns:a16="http://schemas.microsoft.com/office/drawing/2014/main" id="{3E6F8D91-6ED1-4963-A121-748AC3278F2B}"/>
-              </a:ext>
-            </a:extLst>
-          </p:cNvPr>
-          <p:cNvSpPr>
-            <a:spLocks noGrp="1"/>
-          </p:cNvSpPr>
-          <p:nvPr>
-            <p:ph type="title"/>
-          </p:nvPr>
-        </p:nvSpPr>
-        <p:spPr/>
-        <p:txBody>
-          <a:bodyPr/>
-          <a:lstStyle/>
-          <a:p>
-            <a:r>
-              <a:rPr lang="en-US" dirty="0"/>
-              <a:t>Workflow</a:t>
-            </a:r>
-          </a:p>
-        </p:txBody>
-      </p:sp>
-      <p:sp>
-        <p:nvSpPr>
-          <p:cNvPr id="7" name="Content Placeholder 6">
-            <a:extLst>
-              <a:ext uri="{FF2B5EF4-FFF2-40B4-BE49-F238E27FC236}">
-                <a16:creationId xmlns:a16="http://schemas.microsoft.com/office/drawing/2014/main" id="{FFD5B665-0BF9-4B0B-BE15-17334B7530A8}"/>
-              </a:ext>
-            </a:extLst>
-          </p:cNvPr>
-          <p:cNvSpPr>
-            <a:spLocks noGrp="1"/>
-          </p:cNvSpPr>
-          <p:nvPr>
-            <p:ph idx="1"/>
-          </p:nvPr>
-        </p:nvSpPr>
-        <p:spPr>
-          <a:xfrm>
-            <a:off x="451104" y="4172204"/>
-            <a:ext cx="8521446" cy="2198794"/>
-          </a:xfrm>
-        </p:spPr>
-        <p:txBody>
-          <a:bodyPr/>
-          <a:lstStyle/>
-          <a:p>
-            <a:pPr>
-              <a:buFont typeface="Arial" panose="020B0604020202020204" pitchFamily="34" charset="0"/>
-              <a:buChar char="•"/>
-            </a:pPr>
-            <a:r>
-              <a:rPr lang="en-US" dirty="0"/>
-              <a:t>Tất cả code </a:t>
-            </a:r>
-            <a:r>
-              <a:rPr lang="en-US" dirty="0" err="1"/>
-              <a:t>đều</a:t>
-            </a:r>
-            <a:r>
-              <a:rPr lang="en-US" dirty="0"/>
-              <a:t> phải đ</a:t>
-            </a:r>
-            <a:r>
-              <a:rPr lang="vi-VN" dirty="0"/>
-              <a:t>ư</a:t>
-            </a:r>
-            <a:r>
-              <a:rPr lang="en-US" dirty="0" err="1"/>
-              <a:t>ợc</a:t>
-            </a:r>
-            <a:r>
-              <a:rPr lang="en-US" dirty="0"/>
-              <a:t> review </a:t>
-            </a:r>
-            <a:r>
-              <a:rPr lang="en-US" dirty="0" err="1"/>
-              <a:t>tr</a:t>
-            </a:r>
-            <a:r>
-              <a:rPr lang="vi-VN" dirty="0"/>
-              <a:t>ư</a:t>
-            </a:r>
-            <a:r>
-              <a:rPr lang="en-US" dirty="0" err="1"/>
-              <a:t>ớc</a:t>
-            </a:r>
-            <a:r>
-              <a:rPr lang="en-US" dirty="0"/>
-              <a:t> khi commit (tự động hoặc </a:t>
-            </a:r>
-            <a:r>
-              <a:rPr lang="en-US" dirty="0" err="1"/>
-              <a:t>thủ</a:t>
-            </a:r>
-            <a:r>
-              <a:rPr lang="en-US" dirty="0"/>
-              <a:t> công)</a:t>
-            </a:r>
-          </a:p>
-          <a:p>
-            <a:pPr>
-              <a:buFont typeface="Arial" panose="020B0604020202020204" pitchFamily="34" charset="0"/>
-              <a:buChar char="•"/>
-            </a:pPr>
-            <a:r>
-              <a:rPr lang="en-US" dirty="0" err="1"/>
-              <a:t>Phân</a:t>
-            </a:r>
-            <a:r>
-              <a:rPr lang="en-US" dirty="0"/>
-              <a:t> chia </a:t>
-            </a:r>
-            <a:r>
-              <a:rPr lang="en-US" dirty="0" err="1"/>
-              <a:t>quyền</a:t>
-            </a:r>
-            <a:r>
-              <a:rPr lang="en-US" dirty="0"/>
-              <a:t> </a:t>
-            </a:r>
-            <a:r>
-              <a:rPr lang="en-US" dirty="0" err="1"/>
-              <a:t>truy</a:t>
-            </a:r>
-            <a:r>
-              <a:rPr lang="en-US" dirty="0"/>
-              <a:t> </a:t>
-            </a:r>
-            <a:r>
-              <a:rPr lang="en-US" dirty="0" err="1"/>
-              <a:t>cập</a:t>
-            </a:r>
-            <a:r>
-              <a:rPr lang="en-US" dirty="0"/>
-              <a:t> trong repo</a:t>
-            </a:r>
-          </a:p>
-          <a:p>
-            <a:pPr>
-              <a:buFont typeface="Arial" panose="020B0604020202020204" pitchFamily="34" charset="0"/>
-              <a:buChar char="•"/>
-            </a:pPr>
-            <a:r>
-              <a:rPr lang="en-US" dirty="0"/>
-              <a:t>Test tự động </a:t>
-            </a:r>
-            <a:r>
-              <a:rPr lang="en-US" dirty="0" err="1"/>
-              <a:t>tr</a:t>
-            </a:r>
-            <a:r>
-              <a:rPr lang="vi-VN" dirty="0"/>
-              <a:t>ư</a:t>
-            </a:r>
-            <a:r>
-              <a:rPr lang="en-US" dirty="0" err="1"/>
-              <a:t>ớc</a:t>
-            </a:r>
-            <a:r>
-              <a:rPr lang="en-US" dirty="0"/>
-              <a:t> và sau khi commit</a:t>
-            </a:r>
-          </a:p>
-          <a:p>
-            <a:pPr>
-              <a:buFont typeface="Arial" panose="020B0604020202020204" pitchFamily="34" charset="0"/>
-              <a:buChar char="•"/>
-            </a:pPr>
-            <a:r>
-              <a:rPr lang="en-US" dirty="0"/>
-              <a:t>Tự động </a:t>
-            </a:r>
-            <a:r>
-              <a:rPr lang="en-US" dirty="0" err="1"/>
-              <a:t>hủy</a:t>
-            </a:r>
-            <a:r>
-              <a:rPr lang="en-US" dirty="0"/>
-              <a:t> bỏ commit khi </a:t>
-            </a:r>
-            <a:r>
-              <a:rPr lang="en-US" dirty="0" err="1"/>
-              <a:t>sai</a:t>
-            </a:r>
-            <a:r>
-              <a:rPr lang="en-US" dirty="0"/>
-              <a:t> </a:t>
-            </a:r>
-            <a:r>
-              <a:rPr lang="en-US" dirty="0" err="1"/>
-              <a:t>sót</a:t>
-            </a:r>
-            <a:r>
-              <a:rPr lang="en-US" dirty="0"/>
-              <a:t> </a:t>
-            </a:r>
-            <a:r>
-              <a:rPr lang="en-US" dirty="0" err="1"/>
-              <a:t>lan</a:t>
-            </a:r>
-            <a:r>
-              <a:rPr lang="en-US" dirty="0"/>
-              <a:t> </a:t>
-            </a:r>
-            <a:r>
-              <a:rPr lang="en-US" dirty="0" err="1"/>
-              <a:t>truyền</a:t>
-            </a:r>
-            <a:endParaRPr lang="en-US" dirty="0"/>
-          </a:p>
-        </p:txBody>
-      </p:sp>
-    </p:spTree>
-    <p:extLst>
-      <p:ext uri="{BB962C8B-B14F-4D97-AF65-F5344CB8AC3E}">
-        <p14:creationId xmlns:p14="http://schemas.microsoft.com/office/powerpoint/2010/main" val="1093518418"/>
-      </p:ext>
-    </p:extLst>
-  </p:cSld>
-  <p:clrMapOvr>
-    <a:masterClrMapping/>
-  </p:clrMapOvr>
-</p:sld>
-</file>
-
-<file path=ppt/slides/slide8.xml><?xml version="1.0" encoding="utf-8"?>
-<p:sld xmlns:a="http://schemas.openxmlformats.org/drawingml/2006/main" xmlns:r="http://schemas.openxmlformats.org/officeDocument/2006/relationships" xmlns:p="http://schemas.openxmlformats.org/presentationml/2006/main">
-  <p:cSld>
-    <p:spTree>
-      <p:nvGrpSpPr>
-        <p:cNvPr id="1" name=""/>
-        <p:cNvGrpSpPr/>
-        <p:nvPr/>
-      </p:nvGrpSpPr>
-      <p:grpSpPr>
-        <a:xfrm>
-          <a:off x="0" y="0"/>
-          <a:ext cx="0" cy="0"/>
-          <a:chOff x="0" y="0"/>
-          <a:chExt cx="0" cy="0"/>
-        </a:xfrm>
-      </p:grpSpPr>
-      <p:sp>
-        <p:nvSpPr>
-          <p:cNvPr id="2" name="Title 1">
-            <a:extLst>
-              <a:ext uri="{FF2B5EF4-FFF2-40B4-BE49-F238E27FC236}">
-                <a16:creationId xmlns:a16="http://schemas.microsoft.com/office/drawing/2014/main" id="{3BEA6EF2-C109-46E5-AA54-E37269B543C9}"/>
-              </a:ext>
-            </a:extLst>
-          </p:cNvPr>
-          <p:cNvSpPr>
-            <a:spLocks noGrp="1"/>
-          </p:cNvSpPr>
-          <p:nvPr>
-            <p:ph type="title"/>
-          </p:nvPr>
-        </p:nvSpPr>
-        <p:spPr/>
-        <p:txBody>
-          <a:bodyPr/>
-          <a:lstStyle/>
-          <a:p>
-            <a:r>
-              <a:rPr lang="en-US" dirty="0" err="1"/>
-              <a:t>Hệ</a:t>
-            </a:r>
-            <a:r>
-              <a:rPr lang="en-US" dirty="0"/>
-              <a:t> </a:t>
-            </a:r>
-            <a:r>
-              <a:rPr lang="en-US" dirty="0" err="1"/>
-              <a:t>thống</a:t>
-            </a:r>
-            <a:r>
-              <a:rPr lang="en-US" dirty="0"/>
-              <a:t> </a:t>
-            </a:r>
-            <a:r>
-              <a:rPr lang="en-US" dirty="0" err="1"/>
-              <a:t>quản</a:t>
-            </a:r>
-            <a:r>
-              <a:rPr lang="en-US" dirty="0"/>
-              <a:t> </a:t>
-            </a:r>
-            <a:r>
-              <a:rPr lang="en-US" dirty="0" err="1"/>
-              <a:t>lý</a:t>
-            </a:r>
-            <a:r>
-              <a:rPr lang="en-US" dirty="0"/>
-              <a:t> </a:t>
-            </a:r>
-            <a:r>
-              <a:rPr lang="en-US" dirty="0" err="1"/>
-              <a:t>mã</a:t>
-            </a:r>
-            <a:r>
-              <a:rPr lang="en-US" dirty="0"/>
-              <a:t> </a:t>
-            </a:r>
-            <a:r>
-              <a:rPr lang="en-US" dirty="0" err="1"/>
-              <a:t>nguồn</a:t>
-            </a:r>
-            <a:endParaRPr lang="en-US" dirty="0"/>
-          </a:p>
-        </p:txBody>
-      </p:sp>
-      <p:sp>
-        <p:nvSpPr>
-          <p:cNvPr id="3" name="Content Placeholder 2">
-            <a:extLst>
-              <a:ext uri="{FF2B5EF4-FFF2-40B4-BE49-F238E27FC236}">
-                <a16:creationId xmlns:a16="http://schemas.microsoft.com/office/drawing/2014/main" id="{4DB4B686-0F46-4BC7-B5CE-82C1DBDE13D0}"/>
-              </a:ext>
-            </a:extLst>
-          </p:cNvPr>
-          <p:cNvSpPr>
-            <a:spLocks noGrp="1"/>
-          </p:cNvSpPr>
-          <p:nvPr>
-            <p:ph idx="1"/>
-          </p:nvPr>
-        </p:nvSpPr>
-        <p:spPr/>
-        <p:txBody>
-          <a:bodyPr/>
-          <a:lstStyle/>
-          <a:p>
-            <a:r>
-              <a:rPr lang="en-US" sz="2400" b="1" dirty="0"/>
-              <a:t>Piper</a:t>
-            </a:r>
-          </a:p>
-          <a:p>
-            <a:pPr>
-              <a:buFont typeface="Arial" panose="020B0604020202020204" pitchFamily="34" charset="0"/>
-              <a:buChar char="•"/>
-            </a:pPr>
-            <a:r>
-              <a:rPr lang="en-US" dirty="0"/>
-              <a:t>Lưu </a:t>
-            </a:r>
-            <a:r>
-              <a:rPr lang="en-US" dirty="0" err="1"/>
-              <a:t>trữ</a:t>
-            </a:r>
-            <a:r>
-              <a:rPr lang="en-US" dirty="0"/>
-              <a:t> </a:t>
-            </a:r>
-            <a:r>
-              <a:rPr lang="en-US" dirty="0" err="1"/>
-              <a:t>duy</a:t>
-            </a:r>
-            <a:r>
-              <a:rPr lang="en-US" dirty="0"/>
-              <a:t> </a:t>
-            </a:r>
-            <a:r>
-              <a:rPr lang="en-US" dirty="0" err="1"/>
-              <a:t>nhất</a:t>
-            </a:r>
-            <a:r>
-              <a:rPr lang="en-US" dirty="0"/>
-              <a:t> 1 repo </a:t>
-            </a:r>
-            <a:r>
-              <a:rPr lang="en-US" dirty="0" err="1"/>
-              <a:t>lớn</a:t>
-            </a:r>
-            <a:endParaRPr lang="en-US" dirty="0"/>
-          </a:p>
-          <a:p>
-            <a:pPr>
-              <a:buFont typeface="Arial" panose="020B0604020202020204" pitchFamily="34" charset="0"/>
-              <a:buChar char="•"/>
-            </a:pPr>
-            <a:r>
-              <a:rPr lang="en-US" dirty="0"/>
-              <a:t>Chạy trên c</a:t>
-            </a:r>
-            <a:r>
-              <a:rPr lang="vi-VN" dirty="0"/>
-              <a:t>ơ</a:t>
-            </a:r>
-            <a:r>
-              <a:rPr lang="en-US" dirty="0"/>
-              <a:t> </a:t>
-            </a:r>
-            <a:r>
-              <a:rPr lang="en-US" dirty="0" err="1"/>
-              <a:t>sở</a:t>
-            </a:r>
-            <a:r>
-              <a:rPr lang="en-US" dirty="0"/>
-              <a:t> </a:t>
-            </a:r>
-            <a:r>
-              <a:rPr lang="en-US" dirty="0" err="1"/>
-              <a:t>hạ</a:t>
-            </a:r>
-            <a:r>
-              <a:rPr lang="en-US" dirty="0"/>
-              <a:t> </a:t>
-            </a:r>
-            <a:r>
-              <a:rPr lang="en-US" dirty="0" err="1"/>
-              <a:t>tầng</a:t>
-            </a:r>
-            <a:r>
-              <a:rPr lang="en-US" dirty="0"/>
-              <a:t> của Google, </a:t>
-            </a:r>
-            <a:r>
-              <a:rPr lang="en-US" dirty="0" err="1"/>
-              <a:t>đồng</a:t>
-            </a:r>
-            <a:r>
-              <a:rPr lang="en-US" dirty="0"/>
-              <a:t> bộ </a:t>
-            </a:r>
-            <a:r>
-              <a:rPr lang="en-US" dirty="0" err="1"/>
-              <a:t>giữa</a:t>
-            </a:r>
-            <a:r>
-              <a:rPr lang="en-US" dirty="0"/>
-              <a:t> 10 </a:t>
-            </a:r>
-            <a:r>
-              <a:rPr lang="en-US" dirty="0" err="1"/>
-              <a:t>trung</a:t>
-            </a:r>
-            <a:r>
-              <a:rPr lang="en-US" dirty="0"/>
-              <a:t> tâm </a:t>
-            </a:r>
-            <a:r>
-              <a:rPr lang="en-US" dirty="0" err="1"/>
-              <a:t>dữ</a:t>
-            </a:r>
-            <a:r>
-              <a:rPr lang="en-US" dirty="0"/>
-              <a:t> liệu </a:t>
-            </a:r>
-            <a:r>
-              <a:rPr lang="en-US" dirty="0" err="1"/>
-              <a:t>khắp</a:t>
-            </a:r>
-            <a:r>
-              <a:rPr lang="en-US" dirty="0"/>
-              <a:t> thế </a:t>
-            </a:r>
-            <a:r>
-              <a:rPr lang="en-US" dirty="0" err="1"/>
-              <a:t>giới</a:t>
-            </a:r>
-            <a:endParaRPr lang="en-US" dirty="0"/>
-          </a:p>
-          <a:p>
-            <a:endParaRPr lang="en-US" dirty="0"/>
-          </a:p>
-          <a:p>
-            <a:r>
-              <a:rPr lang="en-US" sz="2400" b="1" dirty="0" err="1"/>
-              <a:t>CitC</a:t>
-            </a:r>
-            <a:endParaRPr lang="en-US" sz="2400" b="1" dirty="0"/>
-          </a:p>
-          <a:p>
-            <a:pPr>
-              <a:buFont typeface="Arial" panose="020B0604020202020204" pitchFamily="34" charset="0"/>
-              <a:buChar char="•"/>
-            </a:pPr>
-            <a:r>
-              <a:rPr lang="en-US" dirty="0"/>
-              <a:t>Trên </a:t>
-            </a:r>
-            <a:r>
-              <a:rPr lang="en-US" dirty="0" err="1"/>
-              <a:t>nền</a:t>
-            </a:r>
-            <a:r>
-              <a:rPr lang="en-US" dirty="0"/>
-              <a:t> </a:t>
-            </a:r>
-            <a:r>
-              <a:rPr lang="en-US" dirty="0" err="1"/>
-              <a:t>đám</a:t>
-            </a:r>
-            <a:r>
-              <a:rPr lang="en-US" dirty="0"/>
-              <a:t> </a:t>
-            </a:r>
-            <a:r>
-              <a:rPr lang="en-US" dirty="0" err="1"/>
-              <a:t>mây</a:t>
-            </a:r>
-            <a:r>
-              <a:rPr lang="en-US" dirty="0"/>
-              <a:t> và trên máy </a:t>
-            </a:r>
-            <a:r>
-              <a:rPr lang="en-US" dirty="0" err="1"/>
-              <a:t>tính</a:t>
-            </a:r>
-            <a:r>
-              <a:rPr lang="en-US" dirty="0"/>
-              <a:t> </a:t>
-            </a:r>
-          </a:p>
-          <a:p>
-            <a:pPr>
-              <a:buFont typeface="Arial" panose="020B0604020202020204" pitchFamily="34" charset="0"/>
-              <a:buChar char="•"/>
-            </a:pPr>
-            <a:r>
-              <a:rPr lang="en-US" dirty="0"/>
-              <a:t>Ng</a:t>
-            </a:r>
-            <a:r>
-              <a:rPr lang="vi-VN" dirty="0"/>
-              <a:t>ư</a:t>
-            </a:r>
-            <a:r>
-              <a:rPr lang="en-US" dirty="0" err="1"/>
-              <a:t>ời</a:t>
-            </a:r>
-            <a:r>
-              <a:rPr lang="en-US" dirty="0"/>
-              <a:t> dùng biết </a:t>
-            </a:r>
-            <a:r>
-              <a:rPr lang="en-US" dirty="0" err="1"/>
-              <a:t>thay</a:t>
-            </a:r>
-            <a:r>
-              <a:rPr lang="en-US" dirty="0"/>
-              <a:t> </a:t>
-            </a:r>
-            <a:r>
-              <a:rPr lang="en-US" dirty="0" err="1"/>
-              <a:t>đổi</a:t>
-            </a:r>
-            <a:r>
-              <a:rPr lang="en-US" dirty="0"/>
-              <a:t> trên Piper repo</a:t>
-            </a:r>
-          </a:p>
-          <a:p>
-            <a:pPr>
-              <a:buFont typeface="Arial" panose="020B0604020202020204" pitchFamily="34" charset="0"/>
-              <a:buChar char="•"/>
-            </a:pPr>
-            <a:r>
-              <a:rPr lang="en-US" dirty="0"/>
-              <a:t>Người dùng có thể </a:t>
-            </a:r>
-            <a:r>
-              <a:rPr lang="en-US" dirty="0" err="1"/>
-              <a:t>chỉnh</a:t>
-            </a:r>
-            <a:r>
-              <a:rPr lang="en-US" dirty="0"/>
-              <a:t> sửa file trong codebase</a:t>
-            </a:r>
-          </a:p>
-        </p:txBody>
-      </p:sp>
-    </p:spTree>
-    <p:extLst>
-      <p:ext uri="{BB962C8B-B14F-4D97-AF65-F5344CB8AC3E}">
-        <p14:creationId xmlns:p14="http://schemas.microsoft.com/office/powerpoint/2010/main" val="3822248205"/>
-      </p:ext>
-    </p:extLst>
-  </p:cSld>
-  <p:clrMapOvr>
-    <a:masterClrMapping/>
-  </p:clrMapOvr>
-</p:sld>
-</file>
-
-<file path=ppt/slides/slide9.xml><?xml version="1.0" encoding="utf-8"?>
-<p:sld xmlns:a="http://schemas.openxmlformats.org/drawingml/2006/main" xmlns:r="http://schemas.openxmlformats.org/officeDocument/2006/relationships" xmlns:p="http://schemas.openxmlformats.org/presentationml/2006/main">
-  <p:cSld>
-    <p:spTree>
-      <p:nvGrpSpPr>
-        <p:cNvPr id="1" name=""/>
-        <p:cNvGrpSpPr/>
-        <p:nvPr/>
-      </p:nvGrpSpPr>
-      <p:grpSpPr>
-        <a:xfrm>
-          <a:off x="0" y="0"/>
-          <a:ext cx="0" cy="0"/>
-          <a:chOff x="0" y="0"/>
-          <a:chExt cx="0" cy="0"/>
-        </a:xfrm>
-      </p:grpSpPr>
-      <p:sp>
-        <p:nvSpPr>
-          <p:cNvPr id="2" name="Title 1">
-            <a:extLst>
-              <a:ext uri="{FF2B5EF4-FFF2-40B4-BE49-F238E27FC236}">
-                <a16:creationId xmlns:a16="http://schemas.microsoft.com/office/drawing/2014/main" id="{AEC8B5F4-9B9E-449C-8E81-59801113FF71}"/>
-              </a:ext>
-            </a:extLst>
-          </p:cNvPr>
-          <p:cNvSpPr>
-            <a:spLocks noGrp="1"/>
-          </p:cNvSpPr>
-          <p:nvPr>
-            <p:ph type="title"/>
-          </p:nvPr>
-        </p:nvSpPr>
-        <p:spPr/>
-        <p:txBody>
-          <a:bodyPr/>
-          <a:lstStyle/>
-          <a:p>
-            <a:r>
-              <a:rPr lang="en-US" dirty="0"/>
-              <a:t>Một số công </a:t>
-            </a:r>
-            <a:r>
-              <a:rPr lang="en-US" dirty="0" err="1"/>
-              <a:t>cụ</a:t>
-            </a:r>
-            <a:r>
-              <a:rPr lang="en-US" dirty="0"/>
-              <a:t> khác</a:t>
-            </a:r>
-          </a:p>
-        </p:txBody>
-      </p:sp>
-      <p:graphicFrame>
-        <p:nvGraphicFramePr>
-          <p:cNvPr id="4" name="Content Placeholder 3">
-            <a:extLst>
-              <a:ext uri="{FF2B5EF4-FFF2-40B4-BE49-F238E27FC236}">
-                <a16:creationId xmlns:a16="http://schemas.microsoft.com/office/drawing/2014/main" id="{190D85F7-7F6E-4A4F-9E33-48EE3B05FB7C}"/>
-              </a:ext>
-            </a:extLst>
-          </p:cNvPr>
-          <p:cNvGraphicFramePr>
-            <a:graphicFrameLocks noGrp="1"/>
-          </p:cNvGraphicFramePr>
-          <p:nvPr>
-            <p:ph idx="1"/>
-            <p:extLst>
-              <p:ext uri="{D42A27DB-BD31-4B8C-83A1-F6EECF244321}">
-                <p14:modId xmlns:p14="http://schemas.microsoft.com/office/powerpoint/2010/main" val="746179158"/>
-              </p:ext>
-            </p:extLst>
-          </p:nvPr>
-        </p:nvGraphicFramePr>
-        <p:xfrm>
-          <a:off x="822325" y="1853184"/>
-          <a:ext cx="7543800" cy="2231136"/>
-        </p:xfrm>
-        <a:graphic>
-          <a:graphicData uri="http://schemas.openxmlformats.org/drawingml/2006/table">
-            <a:tbl>
-              <a:tblPr bandRow="1">
-                <a:tableStyleId>{3B4B98B0-60AC-42C2-AFA5-B58CD77FA1E5}</a:tableStyleId>
-              </a:tblPr>
-              <a:tblGrid>
-                <a:gridCol w="2225675">
-                  <a:extLst>
-                    <a:ext uri="{9D8B030D-6E8A-4147-A177-3AD203B41FA5}">
-                      <a16:colId xmlns:a16="http://schemas.microsoft.com/office/drawing/2014/main" val="1840147872"/>
-                    </a:ext>
-                  </a:extLst>
-                </a:gridCol>
-                <a:gridCol w="5318125">
-                  <a:extLst>
-                    <a:ext uri="{9D8B030D-6E8A-4147-A177-3AD203B41FA5}">
-                      <a16:colId xmlns:a16="http://schemas.microsoft.com/office/drawing/2014/main" val="1162252593"/>
-                    </a:ext>
-                  </a:extLst>
-                </a:gridCol>
-              </a:tblGrid>
-              <a:tr h="371856">
-                <a:tc>
-                  <a:txBody>
-                    <a:bodyPr/>
-                    <a:lstStyle/>
-                    <a:p>
-                      <a:r>
-                        <a:rPr lang="en-US" dirty="0"/>
-                        <a:t>Critique</a:t>
-                      </a:r>
-                    </a:p>
-                  </a:txBody>
-                  <a:tcPr/>
-                </a:tc>
-                <a:tc>
-                  <a:txBody>
-                    <a:bodyPr/>
-                    <a:lstStyle/>
-                    <a:p>
-                      <a:r>
-                        <a:rPr lang="en-US" dirty="0"/>
-                        <a:t>Code review</a:t>
-                      </a:r>
-                    </a:p>
-                  </a:txBody>
-                  <a:tcPr/>
-                </a:tc>
-                <a:extLst>
-                  <a:ext uri="{0D108BD9-81ED-4DB2-BD59-A6C34878D82A}">
-                    <a16:rowId xmlns:a16="http://schemas.microsoft.com/office/drawing/2014/main" val="2495686663"/>
-                  </a:ext>
-                </a:extLst>
-              </a:tr>
-              <a:tr h="371856">
-                <a:tc>
-                  <a:txBody>
-                    <a:bodyPr/>
-                    <a:lstStyle/>
-                    <a:p>
-                      <a:r>
-                        <a:rPr lang="en-US" dirty="0" err="1"/>
-                        <a:t>CodeSearch</a:t>
-                      </a:r>
-                      <a:endParaRPr lang="en-US" dirty="0"/>
-                    </a:p>
-                  </a:txBody>
-                  <a:tcPr/>
-                </a:tc>
-                <a:tc>
-                  <a:txBody>
-                    <a:bodyPr/>
-                    <a:lstStyle/>
-                    <a:p>
-                      <a:r>
-                        <a:rPr lang="en-US" dirty="0"/>
-                        <a:t>Duyệt, </a:t>
-                      </a:r>
-                      <a:r>
-                        <a:rPr lang="en-US" dirty="0" err="1"/>
-                        <a:t>thăm</a:t>
-                      </a:r>
-                      <a:r>
-                        <a:rPr lang="en-US" dirty="0"/>
-                        <a:t> </a:t>
-                      </a:r>
-                      <a:r>
-                        <a:rPr lang="en-US" dirty="0" err="1"/>
-                        <a:t>dò</a:t>
-                      </a:r>
-                      <a:r>
-                        <a:rPr lang="en-US" dirty="0"/>
-                        <a:t>, tìm hiểu code</a:t>
-                      </a:r>
-                    </a:p>
-                  </a:txBody>
-                  <a:tcPr/>
-                </a:tc>
-                <a:extLst>
-                  <a:ext uri="{0D108BD9-81ED-4DB2-BD59-A6C34878D82A}">
-                    <a16:rowId xmlns:a16="http://schemas.microsoft.com/office/drawing/2014/main" val="2752326850"/>
-                  </a:ext>
-                </a:extLst>
-              </a:tr>
-              <a:tr h="371856">
-                <a:tc>
-                  <a:txBody>
-                    <a:bodyPr/>
-                    <a:lstStyle/>
-                    <a:p>
-                      <a:r>
-                        <a:rPr lang="en-US" dirty="0"/>
-                        <a:t>Tricorder</a:t>
-                      </a:r>
-                    </a:p>
-                  </a:txBody>
-                  <a:tcPr/>
-                </a:tc>
-                <a:tc>
-                  <a:txBody>
-                    <a:bodyPr/>
-                    <a:lstStyle/>
-                    <a:p>
-                      <a:r>
-                        <a:rPr lang="en-US" dirty="0" err="1"/>
-                        <a:t>Nền</a:t>
-                      </a:r>
-                      <a:r>
-                        <a:rPr lang="en-US" dirty="0"/>
-                        <a:t> </a:t>
-                      </a:r>
-                      <a:r>
-                        <a:rPr lang="en-US" dirty="0" err="1"/>
-                        <a:t>tảng</a:t>
-                      </a:r>
-                      <a:r>
-                        <a:rPr lang="en-US" dirty="0"/>
-                        <a:t> phần </a:t>
-                      </a:r>
-                      <a:r>
-                        <a:rPr lang="en-US" dirty="0" err="1"/>
-                        <a:t>tích</a:t>
-                      </a:r>
-                      <a:r>
-                        <a:rPr lang="en-US" dirty="0"/>
-                        <a:t> </a:t>
-                      </a:r>
-                      <a:r>
-                        <a:rPr lang="en-US" dirty="0" err="1"/>
-                        <a:t>ch</a:t>
-                      </a:r>
-                      <a:r>
-                        <a:rPr lang="vi-VN" dirty="0"/>
-                        <a:t>ư</a:t>
-                      </a:r>
-                      <a:r>
-                        <a:rPr lang="en-US" dirty="0" err="1"/>
-                        <a:t>ơng</a:t>
-                      </a:r>
-                      <a:r>
-                        <a:rPr lang="en-US" dirty="0"/>
-                        <a:t> trình, phát </a:t>
-                      </a:r>
-                      <a:r>
-                        <a:rPr lang="en-US" dirty="0" err="1"/>
-                        <a:t>hiện</a:t>
-                      </a:r>
-                      <a:r>
-                        <a:rPr lang="en-US" dirty="0"/>
-                        <a:t> lỗi….</a:t>
-                      </a:r>
-                    </a:p>
-                  </a:txBody>
-                  <a:tcPr/>
-                </a:tc>
-                <a:extLst>
-                  <a:ext uri="{0D108BD9-81ED-4DB2-BD59-A6C34878D82A}">
-                    <a16:rowId xmlns:a16="http://schemas.microsoft.com/office/drawing/2014/main" val="1018992102"/>
-                  </a:ext>
-                </a:extLst>
-              </a:tr>
-              <a:tr h="371856">
-                <a:tc>
-                  <a:txBody>
-                    <a:bodyPr/>
-                    <a:lstStyle/>
-                    <a:p>
-                      <a:r>
-                        <a:rPr lang="en-US" dirty="0" err="1"/>
-                        <a:t>Presubmits</a:t>
-                      </a:r>
-                      <a:endParaRPr lang="en-US" dirty="0"/>
-                    </a:p>
-                  </a:txBody>
-                  <a:tcPr/>
-                </a:tc>
-                <a:tc>
-                  <a:txBody>
-                    <a:bodyPr/>
-                    <a:lstStyle/>
-                    <a:p>
-                      <a:r>
-                        <a:rPr lang="en-US" dirty="0"/>
-                        <a:t>Testing, check, </a:t>
-                      </a:r>
-                      <a:r>
-                        <a:rPr lang="en-US" dirty="0" err="1"/>
-                        <a:t>chặn</a:t>
-                      </a:r>
-                      <a:r>
-                        <a:rPr lang="en-US" dirty="0"/>
-                        <a:t> commit</a:t>
-                      </a:r>
-                    </a:p>
-                  </a:txBody>
-                  <a:tcPr/>
-                </a:tc>
-                <a:extLst>
-                  <a:ext uri="{0D108BD9-81ED-4DB2-BD59-A6C34878D82A}">
-                    <a16:rowId xmlns:a16="http://schemas.microsoft.com/office/drawing/2014/main" val="3749724676"/>
-                  </a:ext>
-                </a:extLst>
-              </a:tr>
-              <a:tr h="371856">
-                <a:tc>
-                  <a:txBody>
-                    <a:bodyPr/>
-                    <a:lstStyle/>
-                    <a:p>
-                      <a:r>
-                        <a:rPr lang="en-US" dirty="0"/>
-                        <a:t>TAP</a:t>
-                      </a:r>
-                    </a:p>
-                  </a:txBody>
-                  <a:tcPr/>
-                </a:tc>
-                <a:tc>
-                  <a:txBody>
-                    <a:bodyPr/>
-                    <a:lstStyle/>
-                    <a:p>
-                      <a:r>
-                        <a:rPr lang="en-US" dirty="0"/>
-                        <a:t>Test toàn </a:t>
-                      </a:r>
-                      <a:r>
-                        <a:rPr lang="en-US" dirty="0" err="1"/>
-                        <a:t>diện</a:t>
-                      </a:r>
-                      <a:r>
-                        <a:rPr lang="en-US" dirty="0"/>
-                        <a:t> </a:t>
-                      </a:r>
-                      <a:r>
-                        <a:rPr lang="en-US" dirty="0" err="1"/>
-                        <a:t>tr</a:t>
-                      </a:r>
-                      <a:r>
-                        <a:rPr lang="vi-VN" dirty="0"/>
-                        <a:t>ư</a:t>
-                      </a:r>
-                      <a:r>
-                        <a:rPr lang="en-US" dirty="0" err="1"/>
-                        <a:t>ớc</a:t>
-                      </a:r>
-                      <a:r>
-                        <a:rPr lang="en-US" dirty="0"/>
-                        <a:t> và sau commit, tự động </a:t>
-                      </a:r>
-                      <a:r>
-                        <a:rPr lang="en-US" dirty="0" err="1"/>
-                        <a:t>khôi</a:t>
-                      </a:r>
-                      <a:r>
-                        <a:rPr lang="en-US" dirty="0"/>
-                        <a:t> </a:t>
-                      </a:r>
-                      <a:r>
-                        <a:rPr lang="en-US" dirty="0" err="1"/>
-                        <a:t>phục</a:t>
-                      </a:r>
-                      <a:endParaRPr lang="en-US" dirty="0"/>
-                    </a:p>
-                  </a:txBody>
-                  <a:tcPr/>
-                </a:tc>
-                <a:extLst>
-                  <a:ext uri="{0D108BD9-81ED-4DB2-BD59-A6C34878D82A}">
-                    <a16:rowId xmlns:a16="http://schemas.microsoft.com/office/drawing/2014/main" val="1800320342"/>
-                  </a:ext>
-                </a:extLst>
-              </a:tr>
-              <a:tr h="371856">
-                <a:tc>
-                  <a:txBody>
-                    <a:bodyPr/>
-                    <a:lstStyle/>
-                    <a:p>
-                      <a:r>
-                        <a:rPr lang="en-US" dirty="0"/>
-                        <a:t>Rosie</a:t>
-                      </a:r>
-                    </a:p>
-                  </a:txBody>
-                  <a:tcPr/>
-                </a:tc>
-                <a:tc>
-                  <a:txBody>
-                    <a:bodyPr/>
-                    <a:lstStyle/>
-                    <a:p>
-                      <a:r>
-                        <a:rPr lang="en-US" dirty="0" err="1"/>
-                        <a:t>Quản</a:t>
-                      </a:r>
-                      <a:r>
-                        <a:rPr lang="en-US" dirty="0"/>
-                        <a:t> </a:t>
-                      </a:r>
-                      <a:r>
-                        <a:rPr lang="en-US" dirty="0" err="1"/>
-                        <a:t>lý</a:t>
-                      </a:r>
-                      <a:r>
-                        <a:rPr lang="en-US" dirty="0"/>
-                        <a:t> các </a:t>
-                      </a:r>
-                      <a:r>
-                        <a:rPr lang="en-US" dirty="0" err="1"/>
-                        <a:t>thay</a:t>
-                      </a:r>
-                      <a:r>
-                        <a:rPr lang="en-US" dirty="0"/>
-                        <a:t> </a:t>
-                      </a:r>
-                      <a:r>
-                        <a:rPr lang="en-US" dirty="0" err="1"/>
-                        <a:t>đổi</a:t>
-                      </a:r>
-                      <a:r>
-                        <a:rPr lang="en-US" dirty="0"/>
-                        <a:t> </a:t>
-                      </a:r>
-                      <a:r>
-                        <a:rPr lang="en-US" dirty="0" err="1"/>
-                        <a:t>lớn</a:t>
-                      </a:r>
-                      <a:r>
-                        <a:rPr lang="en-US" dirty="0"/>
-                        <a:t>, tự động commit</a:t>
-                      </a:r>
-                    </a:p>
-                  </a:txBody>
-                  <a:tcPr/>
-                </a:tc>
-                <a:extLst>
-                  <a:ext uri="{0D108BD9-81ED-4DB2-BD59-A6C34878D82A}">
-                    <a16:rowId xmlns:a16="http://schemas.microsoft.com/office/drawing/2014/main" val="787699011"/>
-                  </a:ext>
-                </a:extLst>
-              </a:tr>
-            </a:tbl>
-          </a:graphicData>
-        </a:graphic>
-      </p:graphicFrame>
-    </p:spTree>
-    <p:extLst>
-      <p:ext uri="{BB962C8B-B14F-4D97-AF65-F5344CB8AC3E}">
-        <p14:creationId xmlns:p14="http://schemas.microsoft.com/office/powerpoint/2010/main" val="1565081682"/>
-      </p:ext>
-    </p:extLst>
-  </p:cSld>
-  <p:clrMapOvr>
-    <a:masterClrMapping/>
-  </p:clrMapOvr>
+  <p:transition spd="med">
+    <p:cover/>
+  </p:transition>
 </p:sld>
 </file>
 
